--- a/input/images-source/4512.pptx
+++ b/input/images-source/4512.pptx
@@ -2,18 +2,18 @@
 <file path=ppt/presentation.xml><?xml version="1.0" encoding="utf-8"?>
 <p:presentation xmlns:a="http://schemas.openxmlformats.org/drawingml/2006/main" xmlns:r="http://schemas.openxmlformats.org/officeDocument/2006/relationships" xmlns:p="http://schemas.openxmlformats.org/presentationml/2006/main" saveSubsetFonts="1">
   <p:sldMasterIdLst>
-    <p:sldMasterId id="2147483648" r:id="rId1"/>
+    <p:sldMasterId id="2147483660" r:id="rId1"/>
   </p:sldMasterIdLst>
   <p:sldIdLst>
     <p:sldId id="257" r:id="rId2"/>
   </p:sldIdLst>
-  <p:sldSz cx="12192000" cy="6858000"/>
+  <p:sldSz cx="9144000" cy="6858000" type="screen4x3"/>
   <p:notesSz cx="6858000" cy="9144000"/>
   <p:defaultTextStyle>
     <a:defPPr>
       <a:defRPr lang="en-US"/>
     </a:defPPr>
-    <a:lvl1pPr marL="0" algn="l" defTabSz="914400" rtl="0" eaLnBrk="1" latinLnBrk="0" hangingPunct="1">
+    <a:lvl1pPr marL="0" algn="l" defTabSz="457200" rtl="0" eaLnBrk="1" latinLnBrk="0" hangingPunct="1">
       <a:defRPr sz="1800" kern="1200">
         <a:solidFill>
           <a:schemeClr val="tx1"/>
@@ -23,7 +23,7 @@
         <a:cs typeface="+mn-cs"/>
       </a:defRPr>
     </a:lvl1pPr>
-    <a:lvl2pPr marL="457200" algn="l" defTabSz="914400" rtl="0" eaLnBrk="1" latinLnBrk="0" hangingPunct="1">
+    <a:lvl2pPr marL="457200" algn="l" defTabSz="457200" rtl="0" eaLnBrk="1" latinLnBrk="0" hangingPunct="1">
       <a:defRPr sz="1800" kern="1200">
         <a:solidFill>
           <a:schemeClr val="tx1"/>
@@ -33,7 +33,7 @@
         <a:cs typeface="+mn-cs"/>
       </a:defRPr>
     </a:lvl2pPr>
-    <a:lvl3pPr marL="914400" algn="l" defTabSz="914400" rtl="0" eaLnBrk="1" latinLnBrk="0" hangingPunct="1">
+    <a:lvl3pPr marL="914400" algn="l" defTabSz="457200" rtl="0" eaLnBrk="1" latinLnBrk="0" hangingPunct="1">
       <a:defRPr sz="1800" kern="1200">
         <a:solidFill>
           <a:schemeClr val="tx1"/>
@@ -43,7 +43,7 @@
         <a:cs typeface="+mn-cs"/>
       </a:defRPr>
     </a:lvl3pPr>
-    <a:lvl4pPr marL="1371600" algn="l" defTabSz="914400" rtl="0" eaLnBrk="1" latinLnBrk="0" hangingPunct="1">
+    <a:lvl4pPr marL="1371600" algn="l" defTabSz="457200" rtl="0" eaLnBrk="1" latinLnBrk="0" hangingPunct="1">
       <a:defRPr sz="1800" kern="1200">
         <a:solidFill>
           <a:schemeClr val="tx1"/>
@@ -53,7 +53,7 @@
         <a:cs typeface="+mn-cs"/>
       </a:defRPr>
     </a:lvl4pPr>
-    <a:lvl5pPr marL="1828800" algn="l" defTabSz="914400" rtl="0" eaLnBrk="1" latinLnBrk="0" hangingPunct="1">
+    <a:lvl5pPr marL="1828800" algn="l" defTabSz="457200" rtl="0" eaLnBrk="1" latinLnBrk="0" hangingPunct="1">
       <a:defRPr sz="1800" kern="1200">
         <a:solidFill>
           <a:schemeClr val="tx1"/>
@@ -63,7 +63,7 @@
         <a:cs typeface="+mn-cs"/>
       </a:defRPr>
     </a:lvl5pPr>
-    <a:lvl6pPr marL="2286000" algn="l" defTabSz="914400" rtl="0" eaLnBrk="1" latinLnBrk="0" hangingPunct="1">
+    <a:lvl6pPr marL="2286000" algn="l" defTabSz="457200" rtl="0" eaLnBrk="1" latinLnBrk="0" hangingPunct="1">
       <a:defRPr sz="1800" kern="1200">
         <a:solidFill>
           <a:schemeClr val="tx1"/>
@@ -73,7 +73,7 @@
         <a:cs typeface="+mn-cs"/>
       </a:defRPr>
     </a:lvl6pPr>
-    <a:lvl7pPr marL="2743200" algn="l" defTabSz="914400" rtl="0" eaLnBrk="1" latinLnBrk="0" hangingPunct="1">
+    <a:lvl7pPr marL="2743200" algn="l" defTabSz="457200" rtl="0" eaLnBrk="1" latinLnBrk="0" hangingPunct="1">
       <a:defRPr sz="1800" kern="1200">
         <a:solidFill>
           <a:schemeClr val="tx1"/>
@@ -83,7 +83,7 @@
         <a:cs typeface="+mn-cs"/>
       </a:defRPr>
     </a:lvl7pPr>
-    <a:lvl8pPr marL="3200400" algn="l" defTabSz="914400" rtl="0" eaLnBrk="1" latinLnBrk="0" hangingPunct="1">
+    <a:lvl8pPr marL="3200400" algn="l" defTabSz="457200" rtl="0" eaLnBrk="1" latinLnBrk="0" hangingPunct="1">
       <a:defRPr sz="1800" kern="1200">
         <a:solidFill>
           <a:schemeClr val="tx1"/>
@@ -93,7 +93,7 @@
         <a:cs typeface="+mn-cs"/>
       </a:defRPr>
     </a:lvl8pPr>
-    <a:lvl9pPr marL="3657600" algn="l" defTabSz="914400" rtl="0" eaLnBrk="1" latinLnBrk="0" hangingPunct="1">
+    <a:lvl9pPr marL="3657600" algn="l" defTabSz="457200" rtl="0" eaLnBrk="1" latinLnBrk="0" hangingPunct="1">
       <a:defRPr sz="1800" kern="1200">
         <a:solidFill>
           <a:schemeClr val="tx1"/>
@@ -104,6 +104,11 @@
       </a:defRPr>
     </a:lvl9pPr>
   </p:defaultTextStyle>
+  <p:extLst>
+    <p:ext uri="{EFAFB233-063F-42B5-8137-9DF3F51BA10A}">
+      <p15:sldGuideLst xmlns:p15="http://schemas.microsoft.com/office/powerpoint/2012/main"/>
+    </p:ext>
+  </p:extLst>
 </p:presentation>
 </file>
 
@@ -126,13 +131,7 @@
       </p:grpSpPr>
       <p:sp>
         <p:nvSpPr>
-          <p:cNvPr id="2" name="Title 1">
-            <a:extLst>
-              <a:ext uri="{FF2B5EF4-FFF2-40B4-BE49-F238E27FC236}">
-                <a16:creationId xmlns:a16="http://schemas.microsoft.com/office/drawing/2014/main" id="{EACADFBB-88B6-8D2E-6CAF-DB846AE2513E}"/>
-              </a:ext>
-            </a:extLst>
-          </p:cNvPr>
+          <p:cNvPr id="2" name="Title 1"/>
           <p:cNvSpPr>
             <a:spLocks noGrp="1"/>
           </p:cNvSpPr>
@@ -142,8 +141,8 @@
         </p:nvSpPr>
         <p:spPr>
           <a:xfrm>
-            <a:off x="1524000" y="1122363"/>
-            <a:ext cx="9144000" cy="2387600"/>
+            <a:off x="685800" y="1122363"/>
+            <a:ext cx="7772400" cy="2387600"/>
           </a:xfrm>
         </p:spPr>
         <p:txBody>
@@ -158,18 +157,13 @@
               <a:rPr lang="en-US"/>
               <a:t>Click to edit Master title style</a:t>
             </a:r>
-          </a:p>
-        </p:txBody>
-      </p:sp>
-      <p:sp>
-        <p:nvSpPr>
-          <p:cNvPr id="3" name="Subtitle 2">
-            <a:extLst>
-              <a:ext uri="{FF2B5EF4-FFF2-40B4-BE49-F238E27FC236}">
-                <a16:creationId xmlns:a16="http://schemas.microsoft.com/office/drawing/2014/main" id="{5955F8F8-EE04-469E-31CE-4836CD151368}"/>
-              </a:ext>
-            </a:extLst>
-          </p:cNvPr>
+            <a:endParaRPr lang="en-US" dirty="0"/>
+          </a:p>
+        </p:txBody>
+      </p:sp>
+      <p:sp>
+        <p:nvSpPr>
+          <p:cNvPr id="3" name="Subtitle 2"/>
           <p:cNvSpPr>
             <a:spLocks noGrp="1"/>
           </p:cNvSpPr>
@@ -179,8 +173,8 @@
         </p:nvSpPr>
         <p:spPr>
           <a:xfrm>
-            <a:off x="1524000" y="3602038"/>
-            <a:ext cx="9144000" cy="1655762"/>
+            <a:off x="1143000" y="3602038"/>
+            <a:ext cx="6858000" cy="1655762"/>
           </a:xfrm>
         </p:spPr>
         <p:txBody>
@@ -228,18 +222,13 @@
               <a:rPr lang="en-US"/>
               <a:t>Click to edit Master subtitle style</a:t>
             </a:r>
-          </a:p>
-        </p:txBody>
-      </p:sp>
-      <p:sp>
-        <p:nvSpPr>
-          <p:cNvPr id="4" name="Date Placeholder 3">
-            <a:extLst>
-              <a:ext uri="{FF2B5EF4-FFF2-40B4-BE49-F238E27FC236}">
-                <a16:creationId xmlns:a16="http://schemas.microsoft.com/office/drawing/2014/main" id="{81BA60B2-A309-1035-49BC-C78C6D22C955}"/>
-              </a:ext>
-            </a:extLst>
-          </p:cNvPr>
+            <a:endParaRPr lang="en-US" dirty="0"/>
+          </a:p>
+        </p:txBody>
+      </p:sp>
+      <p:sp>
+        <p:nvSpPr>
+          <p:cNvPr id="4" name="Date Placeholder 3"/>
           <p:cNvSpPr>
             <a:spLocks noGrp="1"/>
           </p:cNvSpPr>
@@ -254,7 +243,7 @@
           <a:p>
             <a:fld id="{B0885B1E-572B-4AB4-875A-6F425810BF11}" type="datetimeFigureOut">
               <a:rPr lang="en-US" smtClean="0"/>
-              <a:t>1/6/2023</a:t>
+              <a:t>1/12/2023</a:t>
             </a:fld>
             <a:endParaRPr lang="en-US"/>
           </a:p>
@@ -262,13 +251,7 @@
       </p:sp>
       <p:sp>
         <p:nvSpPr>
-          <p:cNvPr id="5" name="Footer Placeholder 4">
-            <a:extLst>
-              <a:ext uri="{FF2B5EF4-FFF2-40B4-BE49-F238E27FC236}">
-                <a16:creationId xmlns:a16="http://schemas.microsoft.com/office/drawing/2014/main" id="{68B43C90-DC3F-71A6-F238-659CCAAB3477}"/>
-              </a:ext>
-            </a:extLst>
-          </p:cNvPr>
+          <p:cNvPr id="5" name="Footer Placeholder 4"/>
           <p:cNvSpPr>
             <a:spLocks noGrp="1"/>
           </p:cNvSpPr>
@@ -287,13 +270,7 @@
       </p:sp>
       <p:sp>
         <p:nvSpPr>
-          <p:cNvPr id="6" name="Slide Number Placeholder 5">
-            <a:extLst>
-              <a:ext uri="{FF2B5EF4-FFF2-40B4-BE49-F238E27FC236}">
-                <a16:creationId xmlns:a16="http://schemas.microsoft.com/office/drawing/2014/main" id="{B6B7C7AD-A485-C9A0-2A64-B779557CB084}"/>
-              </a:ext>
-            </a:extLst>
-          </p:cNvPr>
+          <p:cNvPr id="6" name="Slide Number Placeholder 5"/>
           <p:cNvSpPr>
             <a:spLocks noGrp="1"/>
           </p:cNvSpPr>
@@ -317,7 +294,7 @@
     </p:spTree>
     <p:extLst>
       <p:ext uri="{BB962C8B-B14F-4D97-AF65-F5344CB8AC3E}">
-        <p14:creationId xmlns:p14="http://schemas.microsoft.com/office/powerpoint/2010/main" val="2917756798"/>
+        <p14:creationId xmlns:p14="http://schemas.microsoft.com/office/powerpoint/2010/main" val="1785186332"/>
       </p:ext>
     </p:extLst>
   </p:cSld>
@@ -346,13 +323,7 @@
       </p:grpSpPr>
       <p:sp>
         <p:nvSpPr>
-          <p:cNvPr id="2" name="Title 1">
-            <a:extLst>
-              <a:ext uri="{FF2B5EF4-FFF2-40B4-BE49-F238E27FC236}">
-                <a16:creationId xmlns:a16="http://schemas.microsoft.com/office/drawing/2014/main" id="{B7E4CE51-F3E8-091E-D9B4-88D960FD005E}"/>
-              </a:ext>
-            </a:extLst>
-          </p:cNvPr>
+          <p:cNvPr id="2" name="Title 1"/>
           <p:cNvSpPr>
             <a:spLocks noGrp="1"/>
           </p:cNvSpPr>
@@ -369,18 +340,13 @@
               <a:rPr lang="en-US"/>
               <a:t>Click to edit Master title style</a:t>
             </a:r>
-          </a:p>
-        </p:txBody>
-      </p:sp>
-      <p:sp>
-        <p:nvSpPr>
-          <p:cNvPr id="3" name="Vertical Text Placeholder 2">
-            <a:extLst>
-              <a:ext uri="{FF2B5EF4-FFF2-40B4-BE49-F238E27FC236}">
-                <a16:creationId xmlns:a16="http://schemas.microsoft.com/office/drawing/2014/main" id="{85B0266E-5751-ADA3-4A5D-8036D3022A6F}"/>
-              </a:ext>
-            </a:extLst>
-          </p:cNvPr>
+            <a:endParaRPr lang="en-US" dirty="0"/>
+          </a:p>
+        </p:txBody>
+      </p:sp>
+      <p:sp>
+        <p:nvSpPr>
+          <p:cNvPr id="3" name="Vertical Text Placeholder 2"/>
           <p:cNvSpPr>
             <a:spLocks noGrp="1"/>
           </p:cNvSpPr>
@@ -426,18 +392,13 @@
               <a:rPr lang="en-US"/>
               <a:t>Fifth level</a:t>
             </a:r>
-          </a:p>
-        </p:txBody>
-      </p:sp>
-      <p:sp>
-        <p:nvSpPr>
-          <p:cNvPr id="4" name="Date Placeholder 3">
-            <a:extLst>
-              <a:ext uri="{FF2B5EF4-FFF2-40B4-BE49-F238E27FC236}">
-                <a16:creationId xmlns:a16="http://schemas.microsoft.com/office/drawing/2014/main" id="{8049C36E-F487-0AD3-1BA3-391F565B01BA}"/>
-              </a:ext>
-            </a:extLst>
-          </p:cNvPr>
+            <a:endParaRPr lang="en-US" dirty="0"/>
+          </a:p>
+        </p:txBody>
+      </p:sp>
+      <p:sp>
+        <p:nvSpPr>
+          <p:cNvPr id="4" name="Date Placeholder 3"/>
           <p:cNvSpPr>
             <a:spLocks noGrp="1"/>
           </p:cNvSpPr>
@@ -452,7 +413,7 @@
           <a:p>
             <a:fld id="{B0885B1E-572B-4AB4-875A-6F425810BF11}" type="datetimeFigureOut">
               <a:rPr lang="en-US" smtClean="0"/>
-              <a:t>1/6/2023</a:t>
+              <a:t>1/12/2023</a:t>
             </a:fld>
             <a:endParaRPr lang="en-US"/>
           </a:p>
@@ -460,13 +421,7 @@
       </p:sp>
       <p:sp>
         <p:nvSpPr>
-          <p:cNvPr id="5" name="Footer Placeholder 4">
-            <a:extLst>
-              <a:ext uri="{FF2B5EF4-FFF2-40B4-BE49-F238E27FC236}">
-                <a16:creationId xmlns:a16="http://schemas.microsoft.com/office/drawing/2014/main" id="{920EBCFB-CF1C-C191-BD2C-AE012F8DD339}"/>
-              </a:ext>
-            </a:extLst>
-          </p:cNvPr>
+          <p:cNvPr id="5" name="Footer Placeholder 4"/>
           <p:cNvSpPr>
             <a:spLocks noGrp="1"/>
           </p:cNvSpPr>
@@ -485,13 +440,7 @@
       </p:sp>
       <p:sp>
         <p:nvSpPr>
-          <p:cNvPr id="6" name="Slide Number Placeholder 5">
-            <a:extLst>
-              <a:ext uri="{FF2B5EF4-FFF2-40B4-BE49-F238E27FC236}">
-                <a16:creationId xmlns:a16="http://schemas.microsoft.com/office/drawing/2014/main" id="{D4DBB481-BF2B-6D9E-EB72-3DEF017CA293}"/>
-              </a:ext>
-            </a:extLst>
-          </p:cNvPr>
+          <p:cNvPr id="6" name="Slide Number Placeholder 5"/>
           <p:cNvSpPr>
             <a:spLocks noGrp="1"/>
           </p:cNvSpPr>
@@ -515,7 +464,7 @@
     </p:spTree>
     <p:extLst>
       <p:ext uri="{BB962C8B-B14F-4D97-AF65-F5344CB8AC3E}">
-        <p14:creationId xmlns:p14="http://schemas.microsoft.com/office/powerpoint/2010/main" val="1663808240"/>
+        <p14:creationId xmlns:p14="http://schemas.microsoft.com/office/powerpoint/2010/main" val="78269283"/>
       </p:ext>
     </p:extLst>
   </p:cSld>
@@ -544,13 +493,7 @@
       </p:grpSpPr>
       <p:sp>
         <p:nvSpPr>
-          <p:cNvPr id="2" name="Vertical Title 1">
-            <a:extLst>
-              <a:ext uri="{FF2B5EF4-FFF2-40B4-BE49-F238E27FC236}">
-                <a16:creationId xmlns:a16="http://schemas.microsoft.com/office/drawing/2014/main" id="{7AE43EB5-1073-2966-8D32-C6233B9B9E13}"/>
-              </a:ext>
-            </a:extLst>
-          </p:cNvPr>
+          <p:cNvPr id="2" name="Vertical Title 1"/>
           <p:cNvSpPr>
             <a:spLocks noGrp="1"/>
           </p:cNvSpPr>
@@ -560,8 +503,8 @@
         </p:nvSpPr>
         <p:spPr>
           <a:xfrm>
-            <a:off x="8724900" y="365125"/>
-            <a:ext cx="2628900" cy="5811838"/>
+            <a:off x="6543675" y="365125"/>
+            <a:ext cx="1971675" cy="5811838"/>
           </a:xfrm>
         </p:spPr>
         <p:txBody>
@@ -572,18 +515,13 @@
               <a:rPr lang="en-US"/>
               <a:t>Click to edit Master title style</a:t>
             </a:r>
-          </a:p>
-        </p:txBody>
-      </p:sp>
-      <p:sp>
-        <p:nvSpPr>
-          <p:cNvPr id="3" name="Vertical Text Placeholder 2">
-            <a:extLst>
-              <a:ext uri="{FF2B5EF4-FFF2-40B4-BE49-F238E27FC236}">
-                <a16:creationId xmlns:a16="http://schemas.microsoft.com/office/drawing/2014/main" id="{BCEC7C48-1748-91F9-E0ED-B9A231AD2169}"/>
-              </a:ext>
-            </a:extLst>
-          </p:cNvPr>
+            <a:endParaRPr lang="en-US" dirty="0"/>
+          </a:p>
+        </p:txBody>
+      </p:sp>
+      <p:sp>
+        <p:nvSpPr>
+          <p:cNvPr id="3" name="Vertical Text Placeholder 2"/>
           <p:cNvSpPr>
             <a:spLocks noGrp="1"/>
           </p:cNvSpPr>
@@ -593,8 +531,8 @@
         </p:nvSpPr>
         <p:spPr>
           <a:xfrm>
-            <a:off x="838200" y="365125"/>
-            <a:ext cx="7734300" cy="5811838"/>
+            <a:off x="628650" y="365125"/>
+            <a:ext cx="5800725" cy="5811838"/>
           </a:xfrm>
         </p:spPr>
         <p:txBody>
@@ -634,18 +572,13 @@
               <a:rPr lang="en-US"/>
               <a:t>Fifth level</a:t>
             </a:r>
-          </a:p>
-        </p:txBody>
-      </p:sp>
-      <p:sp>
-        <p:nvSpPr>
-          <p:cNvPr id="4" name="Date Placeholder 3">
-            <a:extLst>
-              <a:ext uri="{FF2B5EF4-FFF2-40B4-BE49-F238E27FC236}">
-                <a16:creationId xmlns:a16="http://schemas.microsoft.com/office/drawing/2014/main" id="{F3308E56-14E6-61A9-4EAC-FA39EA807B73}"/>
-              </a:ext>
-            </a:extLst>
-          </p:cNvPr>
+            <a:endParaRPr lang="en-US" dirty="0"/>
+          </a:p>
+        </p:txBody>
+      </p:sp>
+      <p:sp>
+        <p:nvSpPr>
+          <p:cNvPr id="4" name="Date Placeholder 3"/>
           <p:cNvSpPr>
             <a:spLocks noGrp="1"/>
           </p:cNvSpPr>
@@ -660,7 +593,7 @@
           <a:p>
             <a:fld id="{B0885B1E-572B-4AB4-875A-6F425810BF11}" type="datetimeFigureOut">
               <a:rPr lang="en-US" smtClean="0"/>
-              <a:t>1/6/2023</a:t>
+              <a:t>1/12/2023</a:t>
             </a:fld>
             <a:endParaRPr lang="en-US"/>
           </a:p>
@@ -668,13 +601,7 @@
       </p:sp>
       <p:sp>
         <p:nvSpPr>
-          <p:cNvPr id="5" name="Footer Placeholder 4">
-            <a:extLst>
-              <a:ext uri="{FF2B5EF4-FFF2-40B4-BE49-F238E27FC236}">
-                <a16:creationId xmlns:a16="http://schemas.microsoft.com/office/drawing/2014/main" id="{CE7F4803-B4C1-6683-835F-C301BA2D5A7A}"/>
-              </a:ext>
-            </a:extLst>
-          </p:cNvPr>
+          <p:cNvPr id="5" name="Footer Placeholder 4"/>
           <p:cNvSpPr>
             <a:spLocks noGrp="1"/>
           </p:cNvSpPr>
@@ -693,13 +620,7 @@
       </p:sp>
       <p:sp>
         <p:nvSpPr>
-          <p:cNvPr id="6" name="Slide Number Placeholder 5">
-            <a:extLst>
-              <a:ext uri="{FF2B5EF4-FFF2-40B4-BE49-F238E27FC236}">
-                <a16:creationId xmlns:a16="http://schemas.microsoft.com/office/drawing/2014/main" id="{1A95E87D-66B2-25EC-415C-050099E7F580}"/>
-              </a:ext>
-            </a:extLst>
-          </p:cNvPr>
+          <p:cNvPr id="6" name="Slide Number Placeholder 5"/>
           <p:cNvSpPr>
             <a:spLocks noGrp="1"/>
           </p:cNvSpPr>
@@ -723,7 +644,7 @@
     </p:spTree>
     <p:extLst>
       <p:ext uri="{BB962C8B-B14F-4D97-AF65-F5344CB8AC3E}">
-        <p14:creationId xmlns:p14="http://schemas.microsoft.com/office/powerpoint/2010/main" val="3053720538"/>
+        <p14:creationId xmlns:p14="http://schemas.microsoft.com/office/powerpoint/2010/main" val="1706615308"/>
       </p:ext>
     </p:extLst>
   </p:cSld>
@@ -752,13 +673,7 @@
       </p:grpSpPr>
       <p:sp>
         <p:nvSpPr>
-          <p:cNvPr id="2" name="Title 1">
-            <a:extLst>
-              <a:ext uri="{FF2B5EF4-FFF2-40B4-BE49-F238E27FC236}">
-                <a16:creationId xmlns:a16="http://schemas.microsoft.com/office/drawing/2014/main" id="{FE483B66-33B0-62BD-0FF0-2A8B9D5A66C9}"/>
-              </a:ext>
-            </a:extLst>
-          </p:cNvPr>
+          <p:cNvPr id="2" name="Title 1"/>
           <p:cNvSpPr>
             <a:spLocks noGrp="1"/>
           </p:cNvSpPr>
@@ -775,18 +690,13 @@
               <a:rPr lang="en-US"/>
               <a:t>Click to edit Master title style</a:t>
             </a:r>
-          </a:p>
-        </p:txBody>
-      </p:sp>
-      <p:sp>
-        <p:nvSpPr>
-          <p:cNvPr id="3" name="Content Placeholder 2">
-            <a:extLst>
-              <a:ext uri="{FF2B5EF4-FFF2-40B4-BE49-F238E27FC236}">
-                <a16:creationId xmlns:a16="http://schemas.microsoft.com/office/drawing/2014/main" id="{290E87B9-A9D9-96B2-84E6-10F6F06EA503}"/>
-              </a:ext>
-            </a:extLst>
-          </p:cNvPr>
+            <a:endParaRPr lang="en-US" dirty="0"/>
+          </a:p>
+        </p:txBody>
+      </p:sp>
+      <p:sp>
+        <p:nvSpPr>
+          <p:cNvPr id="3" name="Content Placeholder 2"/>
           <p:cNvSpPr>
             <a:spLocks noGrp="1"/>
           </p:cNvSpPr>
@@ -832,18 +742,13 @@
               <a:rPr lang="en-US"/>
               <a:t>Fifth level</a:t>
             </a:r>
-          </a:p>
-        </p:txBody>
-      </p:sp>
-      <p:sp>
-        <p:nvSpPr>
-          <p:cNvPr id="4" name="Date Placeholder 3">
-            <a:extLst>
-              <a:ext uri="{FF2B5EF4-FFF2-40B4-BE49-F238E27FC236}">
-                <a16:creationId xmlns:a16="http://schemas.microsoft.com/office/drawing/2014/main" id="{177A0851-422F-88B1-0F1C-09A22BE75F82}"/>
-              </a:ext>
-            </a:extLst>
-          </p:cNvPr>
+            <a:endParaRPr lang="en-US" dirty="0"/>
+          </a:p>
+        </p:txBody>
+      </p:sp>
+      <p:sp>
+        <p:nvSpPr>
+          <p:cNvPr id="4" name="Date Placeholder 3"/>
           <p:cNvSpPr>
             <a:spLocks noGrp="1"/>
           </p:cNvSpPr>
@@ -858,7 +763,7 @@
           <a:p>
             <a:fld id="{B0885B1E-572B-4AB4-875A-6F425810BF11}" type="datetimeFigureOut">
               <a:rPr lang="en-US" smtClean="0"/>
-              <a:t>1/6/2023</a:t>
+              <a:t>1/12/2023</a:t>
             </a:fld>
             <a:endParaRPr lang="en-US"/>
           </a:p>
@@ -866,13 +771,7 @@
       </p:sp>
       <p:sp>
         <p:nvSpPr>
-          <p:cNvPr id="5" name="Footer Placeholder 4">
-            <a:extLst>
-              <a:ext uri="{FF2B5EF4-FFF2-40B4-BE49-F238E27FC236}">
-                <a16:creationId xmlns:a16="http://schemas.microsoft.com/office/drawing/2014/main" id="{4FCDE3AC-A064-E2D9-8842-3B0DDD8D2F90}"/>
-              </a:ext>
-            </a:extLst>
-          </p:cNvPr>
+          <p:cNvPr id="5" name="Footer Placeholder 4"/>
           <p:cNvSpPr>
             <a:spLocks noGrp="1"/>
           </p:cNvSpPr>
@@ -891,13 +790,7 @@
       </p:sp>
       <p:sp>
         <p:nvSpPr>
-          <p:cNvPr id="6" name="Slide Number Placeholder 5">
-            <a:extLst>
-              <a:ext uri="{FF2B5EF4-FFF2-40B4-BE49-F238E27FC236}">
-                <a16:creationId xmlns:a16="http://schemas.microsoft.com/office/drawing/2014/main" id="{BE25ECEF-E9D0-0ECB-C169-59258C54DE09}"/>
-              </a:ext>
-            </a:extLst>
-          </p:cNvPr>
+          <p:cNvPr id="6" name="Slide Number Placeholder 5"/>
           <p:cNvSpPr>
             <a:spLocks noGrp="1"/>
           </p:cNvSpPr>
@@ -921,7 +814,7 @@
     </p:spTree>
     <p:extLst>
       <p:ext uri="{BB962C8B-B14F-4D97-AF65-F5344CB8AC3E}">
-        <p14:creationId xmlns:p14="http://schemas.microsoft.com/office/powerpoint/2010/main" val="123160438"/>
+        <p14:creationId xmlns:p14="http://schemas.microsoft.com/office/powerpoint/2010/main" val="1392483363"/>
       </p:ext>
     </p:extLst>
   </p:cSld>
@@ -950,13 +843,7 @@
       </p:grpSpPr>
       <p:sp>
         <p:nvSpPr>
-          <p:cNvPr id="2" name="Title 1">
-            <a:extLst>
-              <a:ext uri="{FF2B5EF4-FFF2-40B4-BE49-F238E27FC236}">
-                <a16:creationId xmlns:a16="http://schemas.microsoft.com/office/drawing/2014/main" id="{DCADF247-09C5-5DB9-13AB-D089F70B5D11}"/>
-              </a:ext>
-            </a:extLst>
-          </p:cNvPr>
+          <p:cNvPr id="2" name="Title 1"/>
           <p:cNvSpPr>
             <a:spLocks noGrp="1"/>
           </p:cNvSpPr>
@@ -966,8 +853,8 @@
         </p:nvSpPr>
         <p:spPr>
           <a:xfrm>
-            <a:off x="831850" y="1709738"/>
-            <a:ext cx="10515600" cy="2852737"/>
+            <a:off x="623888" y="1709739"/>
+            <a:ext cx="7886700" cy="2852737"/>
           </a:xfrm>
         </p:spPr>
         <p:txBody>
@@ -982,18 +869,13 @@
               <a:rPr lang="en-US"/>
               <a:t>Click to edit Master title style</a:t>
             </a:r>
-          </a:p>
-        </p:txBody>
-      </p:sp>
-      <p:sp>
-        <p:nvSpPr>
-          <p:cNvPr id="3" name="Text Placeholder 2">
-            <a:extLst>
-              <a:ext uri="{FF2B5EF4-FFF2-40B4-BE49-F238E27FC236}">
-                <a16:creationId xmlns:a16="http://schemas.microsoft.com/office/drawing/2014/main" id="{EC9875FE-91C3-BEE2-34FE-42F131BA1A5A}"/>
-              </a:ext>
-            </a:extLst>
-          </p:cNvPr>
+            <a:endParaRPr lang="en-US" dirty="0"/>
+          </a:p>
+        </p:txBody>
+      </p:sp>
+      <p:sp>
+        <p:nvSpPr>
+          <p:cNvPr id="3" name="Text Placeholder 2"/>
           <p:cNvSpPr>
             <a:spLocks noGrp="1"/>
           </p:cNvSpPr>
@@ -1003,8 +885,8 @@
         </p:nvSpPr>
         <p:spPr>
           <a:xfrm>
-            <a:off x="831850" y="4589463"/>
-            <a:ext cx="10515600" cy="1500187"/>
+            <a:off x="623888" y="4589464"/>
+            <a:ext cx="7886700" cy="1500187"/>
           </a:xfrm>
         </p:spPr>
         <p:txBody>
@@ -1014,9 +896,7 @@
               <a:buNone/>
               <a:defRPr sz="2400">
                 <a:solidFill>
-                  <a:schemeClr val="tx1">
-                    <a:tint val="75000"/>
-                  </a:schemeClr>
+                  <a:schemeClr val="tx1"/>
                 </a:solidFill>
               </a:defRPr>
             </a:lvl1pPr>
@@ -1112,13 +992,7 @@
       </p:sp>
       <p:sp>
         <p:nvSpPr>
-          <p:cNvPr id="4" name="Date Placeholder 3">
-            <a:extLst>
-              <a:ext uri="{FF2B5EF4-FFF2-40B4-BE49-F238E27FC236}">
-                <a16:creationId xmlns:a16="http://schemas.microsoft.com/office/drawing/2014/main" id="{9F2AA2F4-E02D-0342-90D8-EF91E2E116A8}"/>
-              </a:ext>
-            </a:extLst>
-          </p:cNvPr>
+          <p:cNvPr id="4" name="Date Placeholder 3"/>
           <p:cNvSpPr>
             <a:spLocks noGrp="1"/>
           </p:cNvSpPr>
@@ -1133,7 +1007,7 @@
           <a:p>
             <a:fld id="{B0885B1E-572B-4AB4-875A-6F425810BF11}" type="datetimeFigureOut">
               <a:rPr lang="en-US" smtClean="0"/>
-              <a:t>1/6/2023</a:t>
+              <a:t>1/12/2023</a:t>
             </a:fld>
             <a:endParaRPr lang="en-US"/>
           </a:p>
@@ -1141,13 +1015,7 @@
       </p:sp>
       <p:sp>
         <p:nvSpPr>
-          <p:cNvPr id="5" name="Footer Placeholder 4">
-            <a:extLst>
-              <a:ext uri="{FF2B5EF4-FFF2-40B4-BE49-F238E27FC236}">
-                <a16:creationId xmlns:a16="http://schemas.microsoft.com/office/drawing/2014/main" id="{6716B14F-27DB-AC06-C13D-1B9E01BAFB15}"/>
-              </a:ext>
-            </a:extLst>
-          </p:cNvPr>
+          <p:cNvPr id="5" name="Footer Placeholder 4"/>
           <p:cNvSpPr>
             <a:spLocks noGrp="1"/>
           </p:cNvSpPr>
@@ -1166,13 +1034,7 @@
       </p:sp>
       <p:sp>
         <p:nvSpPr>
-          <p:cNvPr id="6" name="Slide Number Placeholder 5">
-            <a:extLst>
-              <a:ext uri="{FF2B5EF4-FFF2-40B4-BE49-F238E27FC236}">
-                <a16:creationId xmlns:a16="http://schemas.microsoft.com/office/drawing/2014/main" id="{FE0447F4-65D0-8F19-F67C-3DA9E1334DC7}"/>
-              </a:ext>
-            </a:extLst>
-          </p:cNvPr>
+          <p:cNvPr id="6" name="Slide Number Placeholder 5"/>
           <p:cNvSpPr>
             <a:spLocks noGrp="1"/>
           </p:cNvSpPr>
@@ -1196,7 +1058,7 @@
     </p:spTree>
     <p:extLst>
       <p:ext uri="{BB962C8B-B14F-4D97-AF65-F5344CB8AC3E}">
-        <p14:creationId xmlns:p14="http://schemas.microsoft.com/office/powerpoint/2010/main" val="2625716362"/>
+        <p14:creationId xmlns:p14="http://schemas.microsoft.com/office/powerpoint/2010/main" val="2950168830"/>
       </p:ext>
     </p:extLst>
   </p:cSld>
@@ -1225,13 +1087,7 @@
       </p:grpSpPr>
       <p:sp>
         <p:nvSpPr>
-          <p:cNvPr id="2" name="Title 1">
-            <a:extLst>
-              <a:ext uri="{FF2B5EF4-FFF2-40B4-BE49-F238E27FC236}">
-                <a16:creationId xmlns:a16="http://schemas.microsoft.com/office/drawing/2014/main" id="{50D0E44B-2616-673F-388D-B0EEA8011665}"/>
-              </a:ext>
-            </a:extLst>
-          </p:cNvPr>
+          <p:cNvPr id="2" name="Title 1"/>
           <p:cNvSpPr>
             <a:spLocks noGrp="1"/>
           </p:cNvSpPr>
@@ -1248,18 +1104,13 @@
               <a:rPr lang="en-US"/>
               <a:t>Click to edit Master title style</a:t>
             </a:r>
-          </a:p>
-        </p:txBody>
-      </p:sp>
-      <p:sp>
-        <p:nvSpPr>
-          <p:cNvPr id="3" name="Content Placeholder 2">
-            <a:extLst>
-              <a:ext uri="{FF2B5EF4-FFF2-40B4-BE49-F238E27FC236}">
-                <a16:creationId xmlns:a16="http://schemas.microsoft.com/office/drawing/2014/main" id="{68C9FEA3-70D4-C9E8-A1B0-780751B6EA88}"/>
-              </a:ext>
-            </a:extLst>
-          </p:cNvPr>
+            <a:endParaRPr lang="en-US" dirty="0"/>
+          </a:p>
+        </p:txBody>
+      </p:sp>
+      <p:sp>
+        <p:nvSpPr>
+          <p:cNvPr id="3" name="Content Placeholder 2"/>
           <p:cNvSpPr>
             <a:spLocks noGrp="1"/>
           </p:cNvSpPr>
@@ -1269,8 +1120,8 @@
         </p:nvSpPr>
         <p:spPr>
           <a:xfrm>
-            <a:off x="838200" y="1825625"/>
-            <a:ext cx="5181600" cy="4351338"/>
+            <a:off x="628650" y="1825625"/>
+            <a:ext cx="3886200" cy="4351338"/>
           </a:xfrm>
         </p:spPr>
         <p:txBody>
@@ -1310,18 +1161,13 @@
               <a:rPr lang="en-US"/>
               <a:t>Fifth level</a:t>
             </a:r>
-          </a:p>
-        </p:txBody>
-      </p:sp>
-      <p:sp>
-        <p:nvSpPr>
-          <p:cNvPr id="4" name="Content Placeholder 3">
-            <a:extLst>
-              <a:ext uri="{FF2B5EF4-FFF2-40B4-BE49-F238E27FC236}">
-                <a16:creationId xmlns:a16="http://schemas.microsoft.com/office/drawing/2014/main" id="{07BA46D9-48F2-F418-D361-5DEE64416BCC}"/>
-              </a:ext>
-            </a:extLst>
-          </p:cNvPr>
+            <a:endParaRPr lang="en-US" dirty="0"/>
+          </a:p>
+        </p:txBody>
+      </p:sp>
+      <p:sp>
+        <p:nvSpPr>
+          <p:cNvPr id="4" name="Content Placeholder 3"/>
           <p:cNvSpPr>
             <a:spLocks noGrp="1"/>
           </p:cNvSpPr>
@@ -1331,8 +1177,8 @@
         </p:nvSpPr>
         <p:spPr>
           <a:xfrm>
-            <a:off x="6172200" y="1825625"/>
-            <a:ext cx="5181600" cy="4351338"/>
+            <a:off x="4629150" y="1825625"/>
+            <a:ext cx="3886200" cy="4351338"/>
           </a:xfrm>
         </p:spPr>
         <p:txBody>
@@ -1372,18 +1218,13 @@
               <a:rPr lang="en-US"/>
               <a:t>Fifth level</a:t>
             </a:r>
-          </a:p>
-        </p:txBody>
-      </p:sp>
-      <p:sp>
-        <p:nvSpPr>
-          <p:cNvPr id="5" name="Date Placeholder 4">
-            <a:extLst>
-              <a:ext uri="{FF2B5EF4-FFF2-40B4-BE49-F238E27FC236}">
-                <a16:creationId xmlns:a16="http://schemas.microsoft.com/office/drawing/2014/main" id="{F8790531-0C28-5472-DCF4-931C1F2555A4}"/>
-              </a:ext>
-            </a:extLst>
-          </p:cNvPr>
+            <a:endParaRPr lang="en-US" dirty="0"/>
+          </a:p>
+        </p:txBody>
+      </p:sp>
+      <p:sp>
+        <p:nvSpPr>
+          <p:cNvPr id="5" name="Date Placeholder 4"/>
           <p:cNvSpPr>
             <a:spLocks noGrp="1"/>
           </p:cNvSpPr>
@@ -1398,7 +1239,7 @@
           <a:p>
             <a:fld id="{B0885B1E-572B-4AB4-875A-6F425810BF11}" type="datetimeFigureOut">
               <a:rPr lang="en-US" smtClean="0"/>
-              <a:t>1/6/2023</a:t>
+              <a:t>1/12/2023</a:t>
             </a:fld>
             <a:endParaRPr lang="en-US"/>
           </a:p>
@@ -1406,13 +1247,7 @@
       </p:sp>
       <p:sp>
         <p:nvSpPr>
-          <p:cNvPr id="6" name="Footer Placeholder 5">
-            <a:extLst>
-              <a:ext uri="{FF2B5EF4-FFF2-40B4-BE49-F238E27FC236}">
-                <a16:creationId xmlns:a16="http://schemas.microsoft.com/office/drawing/2014/main" id="{B4B343EF-279A-26AD-3CFD-BDA37E5D78A9}"/>
-              </a:ext>
-            </a:extLst>
-          </p:cNvPr>
+          <p:cNvPr id="6" name="Footer Placeholder 5"/>
           <p:cNvSpPr>
             <a:spLocks noGrp="1"/>
           </p:cNvSpPr>
@@ -1431,13 +1266,7 @@
       </p:sp>
       <p:sp>
         <p:nvSpPr>
-          <p:cNvPr id="7" name="Slide Number Placeholder 6">
-            <a:extLst>
-              <a:ext uri="{FF2B5EF4-FFF2-40B4-BE49-F238E27FC236}">
-                <a16:creationId xmlns:a16="http://schemas.microsoft.com/office/drawing/2014/main" id="{5647A65A-8157-24AF-1E6C-B758FD0C3344}"/>
-              </a:ext>
-            </a:extLst>
-          </p:cNvPr>
+          <p:cNvPr id="7" name="Slide Number Placeholder 6"/>
           <p:cNvSpPr>
             <a:spLocks noGrp="1"/>
           </p:cNvSpPr>
@@ -1461,7 +1290,7 @@
     </p:spTree>
     <p:extLst>
       <p:ext uri="{BB962C8B-B14F-4D97-AF65-F5344CB8AC3E}">
-        <p14:creationId xmlns:p14="http://schemas.microsoft.com/office/powerpoint/2010/main" val="39149231"/>
+        <p14:creationId xmlns:p14="http://schemas.microsoft.com/office/powerpoint/2010/main" val="2716036771"/>
       </p:ext>
     </p:extLst>
   </p:cSld>
@@ -1490,13 +1319,7 @@
       </p:grpSpPr>
       <p:sp>
         <p:nvSpPr>
-          <p:cNvPr id="2" name="Title 1">
-            <a:extLst>
-              <a:ext uri="{FF2B5EF4-FFF2-40B4-BE49-F238E27FC236}">
-                <a16:creationId xmlns:a16="http://schemas.microsoft.com/office/drawing/2014/main" id="{108E2F6E-4B3A-633B-69F2-4B59DC6130B2}"/>
-              </a:ext>
-            </a:extLst>
-          </p:cNvPr>
+          <p:cNvPr id="2" name="Title 1"/>
           <p:cNvSpPr>
             <a:spLocks noGrp="1"/>
           </p:cNvSpPr>
@@ -1506,8 +1329,8 @@
         </p:nvSpPr>
         <p:spPr>
           <a:xfrm>
-            <a:off x="839788" y="365125"/>
-            <a:ext cx="10515600" cy="1325563"/>
+            <a:off x="629841" y="365126"/>
+            <a:ext cx="7886700" cy="1325563"/>
           </a:xfrm>
         </p:spPr>
         <p:txBody>
@@ -1518,18 +1341,13 @@
               <a:rPr lang="en-US"/>
               <a:t>Click to edit Master title style</a:t>
             </a:r>
-          </a:p>
-        </p:txBody>
-      </p:sp>
-      <p:sp>
-        <p:nvSpPr>
-          <p:cNvPr id="3" name="Text Placeholder 2">
-            <a:extLst>
-              <a:ext uri="{FF2B5EF4-FFF2-40B4-BE49-F238E27FC236}">
-                <a16:creationId xmlns:a16="http://schemas.microsoft.com/office/drawing/2014/main" id="{D7D64C39-DFCD-717B-69F7-C959778099F8}"/>
-              </a:ext>
-            </a:extLst>
-          </p:cNvPr>
+            <a:endParaRPr lang="en-US" dirty="0"/>
+          </a:p>
+        </p:txBody>
+      </p:sp>
+      <p:sp>
+        <p:nvSpPr>
+          <p:cNvPr id="3" name="Text Placeholder 2"/>
           <p:cNvSpPr>
             <a:spLocks noGrp="1"/>
           </p:cNvSpPr>
@@ -1539,8 +1357,8 @@
         </p:nvSpPr>
         <p:spPr>
           <a:xfrm>
-            <a:off x="839788" y="1681163"/>
-            <a:ext cx="5157787" cy="823912"/>
+            <a:off x="629842" y="1681163"/>
+            <a:ext cx="3868340" cy="823912"/>
           </a:xfrm>
         </p:spPr>
         <p:txBody>
@@ -1594,13 +1412,7 @@
       </p:sp>
       <p:sp>
         <p:nvSpPr>
-          <p:cNvPr id="4" name="Content Placeholder 3">
-            <a:extLst>
-              <a:ext uri="{FF2B5EF4-FFF2-40B4-BE49-F238E27FC236}">
-                <a16:creationId xmlns:a16="http://schemas.microsoft.com/office/drawing/2014/main" id="{5FD399A4-A42C-56EF-165D-AD5AFA639C2F}"/>
-              </a:ext>
-            </a:extLst>
-          </p:cNvPr>
+          <p:cNvPr id="4" name="Content Placeholder 3"/>
           <p:cNvSpPr>
             <a:spLocks noGrp="1"/>
           </p:cNvSpPr>
@@ -1610,8 +1422,8 @@
         </p:nvSpPr>
         <p:spPr>
           <a:xfrm>
-            <a:off x="839788" y="2505075"/>
-            <a:ext cx="5157787" cy="3684588"/>
+            <a:off x="629842" y="2505075"/>
+            <a:ext cx="3868340" cy="3684588"/>
           </a:xfrm>
         </p:spPr>
         <p:txBody>
@@ -1651,18 +1463,13 @@
               <a:rPr lang="en-US"/>
               <a:t>Fifth level</a:t>
             </a:r>
-          </a:p>
-        </p:txBody>
-      </p:sp>
-      <p:sp>
-        <p:nvSpPr>
-          <p:cNvPr id="5" name="Text Placeholder 4">
-            <a:extLst>
-              <a:ext uri="{FF2B5EF4-FFF2-40B4-BE49-F238E27FC236}">
-                <a16:creationId xmlns:a16="http://schemas.microsoft.com/office/drawing/2014/main" id="{A04269D0-D28E-A434-80FC-A104423AB872}"/>
-              </a:ext>
-            </a:extLst>
-          </p:cNvPr>
+            <a:endParaRPr lang="en-US" dirty="0"/>
+          </a:p>
+        </p:txBody>
+      </p:sp>
+      <p:sp>
+        <p:nvSpPr>
+          <p:cNvPr id="5" name="Text Placeholder 4"/>
           <p:cNvSpPr>
             <a:spLocks noGrp="1"/>
           </p:cNvSpPr>
@@ -1672,8 +1479,8 @@
         </p:nvSpPr>
         <p:spPr>
           <a:xfrm>
-            <a:off x="6172200" y="1681163"/>
-            <a:ext cx="5183188" cy="823912"/>
+            <a:off x="4629150" y="1681163"/>
+            <a:ext cx="3887391" cy="823912"/>
           </a:xfrm>
         </p:spPr>
         <p:txBody>
@@ -1727,13 +1534,7 @@
       </p:sp>
       <p:sp>
         <p:nvSpPr>
-          <p:cNvPr id="6" name="Content Placeholder 5">
-            <a:extLst>
-              <a:ext uri="{FF2B5EF4-FFF2-40B4-BE49-F238E27FC236}">
-                <a16:creationId xmlns:a16="http://schemas.microsoft.com/office/drawing/2014/main" id="{0061AA6E-B6D7-D69E-3038-6795437DC6DD}"/>
-              </a:ext>
-            </a:extLst>
-          </p:cNvPr>
+          <p:cNvPr id="6" name="Content Placeholder 5"/>
           <p:cNvSpPr>
             <a:spLocks noGrp="1"/>
           </p:cNvSpPr>
@@ -1743,8 +1544,8 @@
         </p:nvSpPr>
         <p:spPr>
           <a:xfrm>
-            <a:off x="6172200" y="2505075"/>
-            <a:ext cx="5183188" cy="3684588"/>
+            <a:off x="4629150" y="2505075"/>
+            <a:ext cx="3887391" cy="3684588"/>
           </a:xfrm>
         </p:spPr>
         <p:txBody>
@@ -1784,18 +1585,13 @@
               <a:rPr lang="en-US"/>
               <a:t>Fifth level</a:t>
             </a:r>
-          </a:p>
-        </p:txBody>
-      </p:sp>
-      <p:sp>
-        <p:nvSpPr>
-          <p:cNvPr id="7" name="Date Placeholder 6">
-            <a:extLst>
-              <a:ext uri="{FF2B5EF4-FFF2-40B4-BE49-F238E27FC236}">
-                <a16:creationId xmlns:a16="http://schemas.microsoft.com/office/drawing/2014/main" id="{8233DBE8-0148-E7AC-0FE1-91BDB7A9138F}"/>
-              </a:ext>
-            </a:extLst>
-          </p:cNvPr>
+            <a:endParaRPr lang="en-US" dirty="0"/>
+          </a:p>
+        </p:txBody>
+      </p:sp>
+      <p:sp>
+        <p:nvSpPr>
+          <p:cNvPr id="7" name="Date Placeholder 6"/>
           <p:cNvSpPr>
             <a:spLocks noGrp="1"/>
           </p:cNvSpPr>
@@ -1810,7 +1606,7 @@
           <a:p>
             <a:fld id="{B0885B1E-572B-4AB4-875A-6F425810BF11}" type="datetimeFigureOut">
               <a:rPr lang="en-US" smtClean="0"/>
-              <a:t>1/6/2023</a:t>
+              <a:t>1/12/2023</a:t>
             </a:fld>
             <a:endParaRPr lang="en-US"/>
           </a:p>
@@ -1818,13 +1614,7 @@
       </p:sp>
       <p:sp>
         <p:nvSpPr>
-          <p:cNvPr id="8" name="Footer Placeholder 7">
-            <a:extLst>
-              <a:ext uri="{FF2B5EF4-FFF2-40B4-BE49-F238E27FC236}">
-                <a16:creationId xmlns:a16="http://schemas.microsoft.com/office/drawing/2014/main" id="{3E177956-D77B-206B-9EA8-C5E22B4D57D2}"/>
-              </a:ext>
-            </a:extLst>
-          </p:cNvPr>
+          <p:cNvPr id="8" name="Footer Placeholder 7"/>
           <p:cNvSpPr>
             <a:spLocks noGrp="1"/>
           </p:cNvSpPr>
@@ -1843,13 +1633,7 @@
       </p:sp>
       <p:sp>
         <p:nvSpPr>
-          <p:cNvPr id="9" name="Slide Number Placeholder 8">
-            <a:extLst>
-              <a:ext uri="{FF2B5EF4-FFF2-40B4-BE49-F238E27FC236}">
-                <a16:creationId xmlns:a16="http://schemas.microsoft.com/office/drawing/2014/main" id="{B892BF6F-DE97-D00C-3716-00EBD01A4645}"/>
-              </a:ext>
-            </a:extLst>
-          </p:cNvPr>
+          <p:cNvPr id="9" name="Slide Number Placeholder 8"/>
           <p:cNvSpPr>
             <a:spLocks noGrp="1"/>
           </p:cNvSpPr>
@@ -1873,7 +1657,7 @@
     </p:spTree>
     <p:extLst>
       <p:ext uri="{BB962C8B-B14F-4D97-AF65-F5344CB8AC3E}">
-        <p14:creationId xmlns:p14="http://schemas.microsoft.com/office/powerpoint/2010/main" val="335246881"/>
+        <p14:creationId xmlns:p14="http://schemas.microsoft.com/office/powerpoint/2010/main" val="2276941207"/>
       </p:ext>
     </p:extLst>
   </p:cSld>
@@ -1902,13 +1686,7 @@
       </p:grpSpPr>
       <p:sp>
         <p:nvSpPr>
-          <p:cNvPr id="2" name="Title 1">
-            <a:extLst>
-              <a:ext uri="{FF2B5EF4-FFF2-40B4-BE49-F238E27FC236}">
-                <a16:creationId xmlns:a16="http://schemas.microsoft.com/office/drawing/2014/main" id="{1A28AC29-CC4F-8B12-B559-C22E04593DB4}"/>
-              </a:ext>
-            </a:extLst>
-          </p:cNvPr>
+          <p:cNvPr id="2" name="Title 1"/>
           <p:cNvSpPr>
             <a:spLocks noGrp="1"/>
           </p:cNvSpPr>
@@ -1925,18 +1703,13 @@
               <a:rPr lang="en-US"/>
               <a:t>Click to edit Master title style</a:t>
             </a:r>
-          </a:p>
-        </p:txBody>
-      </p:sp>
-      <p:sp>
-        <p:nvSpPr>
-          <p:cNvPr id="3" name="Date Placeholder 2">
-            <a:extLst>
-              <a:ext uri="{FF2B5EF4-FFF2-40B4-BE49-F238E27FC236}">
-                <a16:creationId xmlns:a16="http://schemas.microsoft.com/office/drawing/2014/main" id="{3A50A779-F4F2-9D07-1BD0-5C90842F47AC}"/>
-              </a:ext>
-            </a:extLst>
-          </p:cNvPr>
+            <a:endParaRPr lang="en-US" dirty="0"/>
+          </a:p>
+        </p:txBody>
+      </p:sp>
+      <p:sp>
+        <p:nvSpPr>
+          <p:cNvPr id="3" name="Date Placeholder 2"/>
           <p:cNvSpPr>
             <a:spLocks noGrp="1"/>
           </p:cNvSpPr>
@@ -1951,7 +1724,7 @@
           <a:p>
             <a:fld id="{B0885B1E-572B-4AB4-875A-6F425810BF11}" type="datetimeFigureOut">
               <a:rPr lang="en-US" smtClean="0"/>
-              <a:t>1/6/2023</a:t>
+              <a:t>1/12/2023</a:t>
             </a:fld>
             <a:endParaRPr lang="en-US"/>
           </a:p>
@@ -1959,13 +1732,7 @@
       </p:sp>
       <p:sp>
         <p:nvSpPr>
-          <p:cNvPr id="4" name="Footer Placeholder 3">
-            <a:extLst>
-              <a:ext uri="{FF2B5EF4-FFF2-40B4-BE49-F238E27FC236}">
-                <a16:creationId xmlns:a16="http://schemas.microsoft.com/office/drawing/2014/main" id="{98385E6D-CCAE-4CC3-3DAB-D6525B3D81CD}"/>
-              </a:ext>
-            </a:extLst>
-          </p:cNvPr>
+          <p:cNvPr id="4" name="Footer Placeholder 3"/>
           <p:cNvSpPr>
             <a:spLocks noGrp="1"/>
           </p:cNvSpPr>
@@ -1984,13 +1751,7 @@
       </p:sp>
       <p:sp>
         <p:nvSpPr>
-          <p:cNvPr id="5" name="Slide Number Placeholder 4">
-            <a:extLst>
-              <a:ext uri="{FF2B5EF4-FFF2-40B4-BE49-F238E27FC236}">
-                <a16:creationId xmlns:a16="http://schemas.microsoft.com/office/drawing/2014/main" id="{3D866C1F-50B3-73EE-981D-FD441EA8F5F1}"/>
-              </a:ext>
-            </a:extLst>
-          </p:cNvPr>
+          <p:cNvPr id="5" name="Slide Number Placeholder 4"/>
           <p:cNvSpPr>
             <a:spLocks noGrp="1"/>
           </p:cNvSpPr>
@@ -2014,7 +1775,7 @@
     </p:spTree>
     <p:extLst>
       <p:ext uri="{BB962C8B-B14F-4D97-AF65-F5344CB8AC3E}">
-        <p14:creationId xmlns:p14="http://schemas.microsoft.com/office/powerpoint/2010/main" val="3759104553"/>
+        <p14:creationId xmlns:p14="http://schemas.microsoft.com/office/powerpoint/2010/main" val="1787365389"/>
       </p:ext>
     </p:extLst>
   </p:cSld>
@@ -2043,13 +1804,7 @@
       </p:grpSpPr>
       <p:sp>
         <p:nvSpPr>
-          <p:cNvPr id="2" name="Date Placeholder 1">
-            <a:extLst>
-              <a:ext uri="{FF2B5EF4-FFF2-40B4-BE49-F238E27FC236}">
-                <a16:creationId xmlns:a16="http://schemas.microsoft.com/office/drawing/2014/main" id="{0EEE1B4E-187F-9068-706F-F4FCC9528D8C}"/>
-              </a:ext>
-            </a:extLst>
-          </p:cNvPr>
+          <p:cNvPr id="2" name="Date Placeholder 1"/>
           <p:cNvSpPr>
             <a:spLocks noGrp="1"/>
           </p:cNvSpPr>
@@ -2064,7 +1819,7 @@
           <a:p>
             <a:fld id="{B0885B1E-572B-4AB4-875A-6F425810BF11}" type="datetimeFigureOut">
               <a:rPr lang="en-US" smtClean="0"/>
-              <a:t>1/6/2023</a:t>
+              <a:t>1/12/2023</a:t>
             </a:fld>
             <a:endParaRPr lang="en-US"/>
           </a:p>
@@ -2072,13 +1827,7 @@
       </p:sp>
       <p:sp>
         <p:nvSpPr>
-          <p:cNvPr id="3" name="Footer Placeholder 2">
-            <a:extLst>
-              <a:ext uri="{FF2B5EF4-FFF2-40B4-BE49-F238E27FC236}">
-                <a16:creationId xmlns:a16="http://schemas.microsoft.com/office/drawing/2014/main" id="{67182052-D634-D3F5-6D78-207833440F0F}"/>
-              </a:ext>
-            </a:extLst>
-          </p:cNvPr>
+          <p:cNvPr id="3" name="Footer Placeholder 2"/>
           <p:cNvSpPr>
             <a:spLocks noGrp="1"/>
           </p:cNvSpPr>
@@ -2097,13 +1846,7 @@
       </p:sp>
       <p:sp>
         <p:nvSpPr>
-          <p:cNvPr id="4" name="Slide Number Placeholder 3">
-            <a:extLst>
-              <a:ext uri="{FF2B5EF4-FFF2-40B4-BE49-F238E27FC236}">
-                <a16:creationId xmlns:a16="http://schemas.microsoft.com/office/drawing/2014/main" id="{D3B79090-3DDC-BFAF-242B-65C843FC04B3}"/>
-              </a:ext>
-            </a:extLst>
-          </p:cNvPr>
+          <p:cNvPr id="4" name="Slide Number Placeholder 3"/>
           <p:cNvSpPr>
             <a:spLocks noGrp="1"/>
           </p:cNvSpPr>
@@ -2127,7 +1870,7 @@
     </p:spTree>
     <p:extLst>
       <p:ext uri="{BB962C8B-B14F-4D97-AF65-F5344CB8AC3E}">
-        <p14:creationId xmlns:p14="http://schemas.microsoft.com/office/powerpoint/2010/main" val="2466752302"/>
+        <p14:creationId xmlns:p14="http://schemas.microsoft.com/office/powerpoint/2010/main" val="1588020886"/>
       </p:ext>
     </p:extLst>
   </p:cSld>
@@ -2156,13 +1899,7 @@
       </p:grpSpPr>
       <p:sp>
         <p:nvSpPr>
-          <p:cNvPr id="2" name="Title 1">
-            <a:extLst>
-              <a:ext uri="{FF2B5EF4-FFF2-40B4-BE49-F238E27FC236}">
-                <a16:creationId xmlns:a16="http://schemas.microsoft.com/office/drawing/2014/main" id="{86ECDF1B-1762-3FEF-A76D-47DB56471045}"/>
-              </a:ext>
-            </a:extLst>
-          </p:cNvPr>
+          <p:cNvPr id="2" name="Title 1"/>
           <p:cNvSpPr>
             <a:spLocks noGrp="1"/>
           </p:cNvSpPr>
@@ -2172,8 +1909,8 @@
         </p:nvSpPr>
         <p:spPr>
           <a:xfrm>
-            <a:off x="839788" y="457200"/>
-            <a:ext cx="3932237" cy="1600200"/>
+            <a:off x="629841" y="457200"/>
+            <a:ext cx="2949178" cy="1600200"/>
           </a:xfrm>
         </p:spPr>
         <p:txBody>
@@ -2188,18 +1925,13 @@
               <a:rPr lang="en-US"/>
               <a:t>Click to edit Master title style</a:t>
             </a:r>
-          </a:p>
-        </p:txBody>
-      </p:sp>
-      <p:sp>
-        <p:nvSpPr>
-          <p:cNvPr id="3" name="Content Placeholder 2">
-            <a:extLst>
-              <a:ext uri="{FF2B5EF4-FFF2-40B4-BE49-F238E27FC236}">
-                <a16:creationId xmlns:a16="http://schemas.microsoft.com/office/drawing/2014/main" id="{B72AE711-5B8A-7A0E-EE3B-EE05861D21C8}"/>
-              </a:ext>
-            </a:extLst>
-          </p:cNvPr>
+            <a:endParaRPr lang="en-US" dirty="0"/>
+          </a:p>
+        </p:txBody>
+      </p:sp>
+      <p:sp>
+        <p:nvSpPr>
+          <p:cNvPr id="3" name="Content Placeholder 2"/>
           <p:cNvSpPr>
             <a:spLocks noGrp="1"/>
           </p:cNvSpPr>
@@ -2209,8 +1941,8 @@
         </p:nvSpPr>
         <p:spPr>
           <a:xfrm>
-            <a:off x="5183188" y="987425"/>
-            <a:ext cx="6172200" cy="4873625"/>
+            <a:off x="3887391" y="987426"/>
+            <a:ext cx="4629150" cy="4873625"/>
           </a:xfrm>
         </p:spPr>
         <p:txBody>
@@ -2278,18 +2010,13 @@
               <a:rPr lang="en-US"/>
               <a:t>Fifth level</a:t>
             </a:r>
-          </a:p>
-        </p:txBody>
-      </p:sp>
-      <p:sp>
-        <p:nvSpPr>
-          <p:cNvPr id="4" name="Text Placeholder 3">
-            <a:extLst>
-              <a:ext uri="{FF2B5EF4-FFF2-40B4-BE49-F238E27FC236}">
-                <a16:creationId xmlns:a16="http://schemas.microsoft.com/office/drawing/2014/main" id="{B1E67871-2A67-11E5-1807-1E0F8934FE62}"/>
-              </a:ext>
-            </a:extLst>
-          </p:cNvPr>
+            <a:endParaRPr lang="en-US" dirty="0"/>
+          </a:p>
+        </p:txBody>
+      </p:sp>
+      <p:sp>
+        <p:nvSpPr>
+          <p:cNvPr id="4" name="Text Placeholder 3"/>
           <p:cNvSpPr>
             <a:spLocks noGrp="1"/>
           </p:cNvSpPr>
@@ -2299,8 +2026,8 @@
         </p:nvSpPr>
         <p:spPr>
           <a:xfrm>
-            <a:off x="839788" y="2057400"/>
-            <a:ext cx="3932237" cy="3811588"/>
+            <a:off x="629841" y="2057400"/>
+            <a:ext cx="2949178" cy="3811588"/>
           </a:xfrm>
         </p:spPr>
         <p:txBody>
@@ -2354,13 +2081,7 @@
       </p:sp>
       <p:sp>
         <p:nvSpPr>
-          <p:cNvPr id="5" name="Date Placeholder 4">
-            <a:extLst>
-              <a:ext uri="{FF2B5EF4-FFF2-40B4-BE49-F238E27FC236}">
-                <a16:creationId xmlns:a16="http://schemas.microsoft.com/office/drawing/2014/main" id="{9EB52874-69E8-83BA-F744-F625C418424C}"/>
-              </a:ext>
-            </a:extLst>
-          </p:cNvPr>
+          <p:cNvPr id="5" name="Date Placeholder 4"/>
           <p:cNvSpPr>
             <a:spLocks noGrp="1"/>
           </p:cNvSpPr>
@@ -2375,7 +2096,7 @@
           <a:p>
             <a:fld id="{B0885B1E-572B-4AB4-875A-6F425810BF11}" type="datetimeFigureOut">
               <a:rPr lang="en-US" smtClean="0"/>
-              <a:t>1/6/2023</a:t>
+              <a:t>1/12/2023</a:t>
             </a:fld>
             <a:endParaRPr lang="en-US"/>
           </a:p>
@@ -2383,13 +2104,7 @@
       </p:sp>
       <p:sp>
         <p:nvSpPr>
-          <p:cNvPr id="6" name="Footer Placeholder 5">
-            <a:extLst>
-              <a:ext uri="{FF2B5EF4-FFF2-40B4-BE49-F238E27FC236}">
-                <a16:creationId xmlns:a16="http://schemas.microsoft.com/office/drawing/2014/main" id="{F873A166-75E0-C559-BFF8-93F7ACDE2C0D}"/>
-              </a:ext>
-            </a:extLst>
-          </p:cNvPr>
+          <p:cNvPr id="6" name="Footer Placeholder 5"/>
           <p:cNvSpPr>
             <a:spLocks noGrp="1"/>
           </p:cNvSpPr>
@@ -2408,13 +2123,7 @@
       </p:sp>
       <p:sp>
         <p:nvSpPr>
-          <p:cNvPr id="7" name="Slide Number Placeholder 6">
-            <a:extLst>
-              <a:ext uri="{FF2B5EF4-FFF2-40B4-BE49-F238E27FC236}">
-                <a16:creationId xmlns:a16="http://schemas.microsoft.com/office/drawing/2014/main" id="{77DE7E5B-BB45-DD91-0E3D-A54521E6FAF7}"/>
-              </a:ext>
-            </a:extLst>
-          </p:cNvPr>
+          <p:cNvPr id="7" name="Slide Number Placeholder 6"/>
           <p:cNvSpPr>
             <a:spLocks noGrp="1"/>
           </p:cNvSpPr>
@@ -2438,7 +2147,7 @@
     </p:spTree>
     <p:extLst>
       <p:ext uri="{BB962C8B-B14F-4D97-AF65-F5344CB8AC3E}">
-        <p14:creationId xmlns:p14="http://schemas.microsoft.com/office/powerpoint/2010/main" val="1532565867"/>
+        <p14:creationId xmlns:p14="http://schemas.microsoft.com/office/powerpoint/2010/main" val="3375978039"/>
       </p:ext>
     </p:extLst>
   </p:cSld>
@@ -2467,13 +2176,7 @@
       </p:grpSpPr>
       <p:sp>
         <p:nvSpPr>
-          <p:cNvPr id="2" name="Title 1">
-            <a:extLst>
-              <a:ext uri="{FF2B5EF4-FFF2-40B4-BE49-F238E27FC236}">
-                <a16:creationId xmlns:a16="http://schemas.microsoft.com/office/drawing/2014/main" id="{D99DD07A-F3E1-C17A-0CDB-AB7DD4801BB2}"/>
-              </a:ext>
-            </a:extLst>
-          </p:cNvPr>
+          <p:cNvPr id="2" name="Title 1"/>
           <p:cNvSpPr>
             <a:spLocks noGrp="1"/>
           </p:cNvSpPr>
@@ -2483,8 +2186,8 @@
         </p:nvSpPr>
         <p:spPr>
           <a:xfrm>
-            <a:off x="839788" y="457200"/>
-            <a:ext cx="3932237" cy="1600200"/>
+            <a:off x="629841" y="457200"/>
+            <a:ext cx="2949178" cy="1600200"/>
           </a:xfrm>
         </p:spPr>
         <p:txBody>
@@ -2499,20 +2202,15 @@
               <a:rPr lang="en-US"/>
               <a:t>Click to edit Master title style</a:t>
             </a:r>
-          </a:p>
-        </p:txBody>
-      </p:sp>
-      <p:sp>
-        <p:nvSpPr>
-          <p:cNvPr id="3" name="Picture Placeholder 2">
-            <a:extLst>
-              <a:ext uri="{FF2B5EF4-FFF2-40B4-BE49-F238E27FC236}">
-                <a16:creationId xmlns:a16="http://schemas.microsoft.com/office/drawing/2014/main" id="{EC213F74-9FBA-67B1-4486-686A2F4437F8}"/>
-              </a:ext>
-            </a:extLst>
-          </p:cNvPr>
-          <p:cNvSpPr>
-            <a:spLocks noGrp="1"/>
+            <a:endParaRPr lang="en-US" dirty="0"/>
+          </a:p>
+        </p:txBody>
+      </p:sp>
+      <p:sp>
+        <p:nvSpPr>
+          <p:cNvPr id="3" name="Picture Placeholder 2"/>
+          <p:cNvSpPr>
+            <a:spLocks noGrp="1" noChangeAspect="1"/>
           </p:cNvSpPr>
           <p:nvPr>
             <p:ph type="pic" idx="1"/>
@@ -2520,8 +2218,73 @@
         </p:nvSpPr>
         <p:spPr>
           <a:xfrm>
-            <a:off x="5183188" y="987425"/>
-            <a:ext cx="6172200" cy="4873625"/>
+            <a:off x="3887391" y="987426"/>
+            <a:ext cx="4629150" cy="4873625"/>
+          </a:xfrm>
+        </p:spPr>
+        <p:txBody>
+          <a:bodyPr anchor="t"/>
+          <a:lstStyle>
+            <a:lvl1pPr marL="0" indent="0">
+              <a:buNone/>
+              <a:defRPr sz="3200"/>
+            </a:lvl1pPr>
+            <a:lvl2pPr marL="457200" indent="0">
+              <a:buNone/>
+              <a:defRPr sz="2800"/>
+            </a:lvl2pPr>
+            <a:lvl3pPr marL="914400" indent="0">
+              <a:buNone/>
+              <a:defRPr sz="2400"/>
+            </a:lvl3pPr>
+            <a:lvl4pPr marL="1371600" indent="0">
+              <a:buNone/>
+              <a:defRPr sz="2000"/>
+            </a:lvl4pPr>
+            <a:lvl5pPr marL="1828800" indent="0">
+              <a:buNone/>
+              <a:defRPr sz="2000"/>
+            </a:lvl5pPr>
+            <a:lvl6pPr marL="2286000" indent="0">
+              <a:buNone/>
+              <a:defRPr sz="2000"/>
+            </a:lvl6pPr>
+            <a:lvl7pPr marL="2743200" indent="0">
+              <a:buNone/>
+              <a:defRPr sz="2000"/>
+            </a:lvl7pPr>
+            <a:lvl8pPr marL="3200400" indent="0">
+              <a:buNone/>
+              <a:defRPr sz="2000"/>
+            </a:lvl8pPr>
+            <a:lvl9pPr marL="3657600" indent="0">
+              <a:buNone/>
+              <a:defRPr sz="2000"/>
+            </a:lvl9pPr>
+          </a:lstStyle>
+          <a:p>
+            <a:r>
+              <a:rPr lang="en-US"/>
+              <a:t>Click icon to add picture</a:t>
+            </a:r>
+            <a:endParaRPr lang="en-US" dirty="0"/>
+          </a:p>
+        </p:txBody>
+      </p:sp>
+      <p:sp>
+        <p:nvSpPr>
+          <p:cNvPr id="4" name="Text Placeholder 3"/>
+          <p:cNvSpPr>
+            <a:spLocks noGrp="1"/>
+          </p:cNvSpPr>
+          <p:nvPr>
+            <p:ph type="body" sz="half" idx="2"/>
+          </p:nvPr>
+        </p:nvSpPr>
+        <p:spPr>
+          <a:xfrm>
+            <a:off x="629841" y="2057400"/>
+            <a:ext cx="2949178" cy="3811588"/>
           </a:xfrm>
         </p:spPr>
         <p:txBody>
@@ -2529,73 +2292,6 @@
           <a:lstStyle>
             <a:lvl1pPr marL="0" indent="0">
               <a:buNone/>
-              <a:defRPr sz="3200"/>
-            </a:lvl1pPr>
-            <a:lvl2pPr marL="457200" indent="0">
-              <a:buNone/>
-              <a:defRPr sz="2800"/>
-            </a:lvl2pPr>
-            <a:lvl3pPr marL="914400" indent="0">
-              <a:buNone/>
-              <a:defRPr sz="2400"/>
-            </a:lvl3pPr>
-            <a:lvl4pPr marL="1371600" indent="0">
-              <a:buNone/>
-              <a:defRPr sz="2000"/>
-            </a:lvl4pPr>
-            <a:lvl5pPr marL="1828800" indent="0">
-              <a:buNone/>
-              <a:defRPr sz="2000"/>
-            </a:lvl5pPr>
-            <a:lvl6pPr marL="2286000" indent="0">
-              <a:buNone/>
-              <a:defRPr sz="2000"/>
-            </a:lvl6pPr>
-            <a:lvl7pPr marL="2743200" indent="0">
-              <a:buNone/>
-              <a:defRPr sz="2000"/>
-            </a:lvl7pPr>
-            <a:lvl8pPr marL="3200400" indent="0">
-              <a:buNone/>
-              <a:defRPr sz="2000"/>
-            </a:lvl8pPr>
-            <a:lvl9pPr marL="3657600" indent="0">
-              <a:buNone/>
-              <a:defRPr sz="2000"/>
-            </a:lvl9pPr>
-          </a:lstStyle>
-          <a:p>
-            <a:endParaRPr lang="en-US"/>
-          </a:p>
-        </p:txBody>
-      </p:sp>
-      <p:sp>
-        <p:nvSpPr>
-          <p:cNvPr id="4" name="Text Placeholder 3">
-            <a:extLst>
-              <a:ext uri="{FF2B5EF4-FFF2-40B4-BE49-F238E27FC236}">
-                <a16:creationId xmlns:a16="http://schemas.microsoft.com/office/drawing/2014/main" id="{64E65511-2BCD-A190-4A50-6FCED38BF85A}"/>
-              </a:ext>
-            </a:extLst>
-          </p:cNvPr>
-          <p:cNvSpPr>
-            <a:spLocks noGrp="1"/>
-          </p:cNvSpPr>
-          <p:nvPr>
-            <p:ph type="body" sz="half" idx="2"/>
-          </p:nvPr>
-        </p:nvSpPr>
-        <p:spPr>
-          <a:xfrm>
-            <a:off x="839788" y="2057400"/>
-            <a:ext cx="3932237" cy="3811588"/>
-          </a:xfrm>
-        </p:spPr>
-        <p:txBody>
-          <a:bodyPr/>
-          <a:lstStyle>
-            <a:lvl1pPr marL="0" indent="0">
-              <a:buNone/>
               <a:defRPr sz="1600"/>
             </a:lvl1pPr>
             <a:lvl2pPr marL="457200" indent="0">
@@ -2642,13 +2338,7 @@
       </p:sp>
       <p:sp>
         <p:nvSpPr>
-          <p:cNvPr id="5" name="Date Placeholder 4">
-            <a:extLst>
-              <a:ext uri="{FF2B5EF4-FFF2-40B4-BE49-F238E27FC236}">
-                <a16:creationId xmlns:a16="http://schemas.microsoft.com/office/drawing/2014/main" id="{3E1BDFB8-EF3A-FE94-0AF6-081C94199233}"/>
-              </a:ext>
-            </a:extLst>
-          </p:cNvPr>
+          <p:cNvPr id="5" name="Date Placeholder 4"/>
           <p:cNvSpPr>
             <a:spLocks noGrp="1"/>
           </p:cNvSpPr>
@@ -2663,7 +2353,7 @@
           <a:p>
             <a:fld id="{B0885B1E-572B-4AB4-875A-6F425810BF11}" type="datetimeFigureOut">
               <a:rPr lang="en-US" smtClean="0"/>
-              <a:t>1/6/2023</a:t>
+              <a:t>1/12/2023</a:t>
             </a:fld>
             <a:endParaRPr lang="en-US"/>
           </a:p>
@@ -2671,13 +2361,7 @@
       </p:sp>
       <p:sp>
         <p:nvSpPr>
-          <p:cNvPr id="6" name="Footer Placeholder 5">
-            <a:extLst>
-              <a:ext uri="{FF2B5EF4-FFF2-40B4-BE49-F238E27FC236}">
-                <a16:creationId xmlns:a16="http://schemas.microsoft.com/office/drawing/2014/main" id="{617CAA26-36FC-4AC2-B0EE-98C5B4C24F01}"/>
-              </a:ext>
-            </a:extLst>
-          </p:cNvPr>
+          <p:cNvPr id="6" name="Footer Placeholder 5"/>
           <p:cNvSpPr>
             <a:spLocks noGrp="1"/>
           </p:cNvSpPr>
@@ -2696,13 +2380,7 @@
       </p:sp>
       <p:sp>
         <p:nvSpPr>
-          <p:cNvPr id="7" name="Slide Number Placeholder 6">
-            <a:extLst>
-              <a:ext uri="{FF2B5EF4-FFF2-40B4-BE49-F238E27FC236}">
-                <a16:creationId xmlns:a16="http://schemas.microsoft.com/office/drawing/2014/main" id="{5673E2F8-84CB-51FA-791F-A7F131DBB37F}"/>
-              </a:ext>
-            </a:extLst>
-          </p:cNvPr>
+          <p:cNvPr id="7" name="Slide Number Placeholder 6"/>
           <p:cNvSpPr>
             <a:spLocks noGrp="1"/>
           </p:cNvSpPr>
@@ -2726,7 +2404,7 @@
     </p:spTree>
     <p:extLst>
       <p:ext uri="{BB962C8B-B14F-4D97-AF65-F5344CB8AC3E}">
-        <p14:creationId xmlns:p14="http://schemas.microsoft.com/office/powerpoint/2010/main" val="4191033761"/>
+        <p14:creationId xmlns:p14="http://schemas.microsoft.com/office/powerpoint/2010/main" val="1237245785"/>
       </p:ext>
     </p:extLst>
   </p:cSld>
@@ -2760,13 +2438,7 @@
       </p:grpSpPr>
       <p:sp>
         <p:nvSpPr>
-          <p:cNvPr id="2" name="Title Placeholder 1">
-            <a:extLst>
-              <a:ext uri="{FF2B5EF4-FFF2-40B4-BE49-F238E27FC236}">
-                <a16:creationId xmlns:a16="http://schemas.microsoft.com/office/drawing/2014/main" id="{994FA4DC-5671-4F1E-4DE8-8CA67FF43FA5}"/>
-              </a:ext>
-            </a:extLst>
-          </p:cNvPr>
+          <p:cNvPr id="2" name="Title Placeholder 1"/>
           <p:cNvSpPr>
             <a:spLocks noGrp="1"/>
           </p:cNvSpPr>
@@ -2776,8 +2448,8 @@
         </p:nvSpPr>
         <p:spPr>
           <a:xfrm>
-            <a:off x="838200" y="365125"/>
-            <a:ext cx="10515600" cy="1325563"/>
+            <a:off x="628650" y="365126"/>
+            <a:ext cx="7886700" cy="1325563"/>
           </a:xfrm>
           <a:prstGeom prst="rect">
             <a:avLst/>
@@ -2793,18 +2465,13 @@
               <a:rPr lang="en-US"/>
               <a:t>Click to edit Master title style</a:t>
             </a:r>
-          </a:p>
-        </p:txBody>
-      </p:sp>
-      <p:sp>
-        <p:nvSpPr>
-          <p:cNvPr id="3" name="Text Placeholder 2">
-            <a:extLst>
-              <a:ext uri="{FF2B5EF4-FFF2-40B4-BE49-F238E27FC236}">
-                <a16:creationId xmlns:a16="http://schemas.microsoft.com/office/drawing/2014/main" id="{E27F659A-3C30-7E93-0EA2-6F6033BBAE3D}"/>
-              </a:ext>
-            </a:extLst>
-          </p:cNvPr>
+            <a:endParaRPr lang="en-US" dirty="0"/>
+          </a:p>
+        </p:txBody>
+      </p:sp>
+      <p:sp>
+        <p:nvSpPr>
+          <p:cNvPr id="3" name="Text Placeholder 2"/>
           <p:cNvSpPr>
             <a:spLocks noGrp="1"/>
           </p:cNvSpPr>
@@ -2814,8 +2481,8 @@
         </p:nvSpPr>
         <p:spPr>
           <a:xfrm>
-            <a:off x="838200" y="1825625"/>
-            <a:ext cx="10515600" cy="4351338"/>
+            <a:off x="628650" y="1825625"/>
+            <a:ext cx="7886700" cy="4351338"/>
           </a:xfrm>
           <a:prstGeom prst="rect">
             <a:avLst/>
@@ -2860,18 +2527,13 @@
               <a:rPr lang="en-US"/>
               <a:t>Fifth level</a:t>
             </a:r>
-          </a:p>
-        </p:txBody>
-      </p:sp>
-      <p:sp>
-        <p:nvSpPr>
-          <p:cNvPr id="4" name="Date Placeholder 3">
-            <a:extLst>
-              <a:ext uri="{FF2B5EF4-FFF2-40B4-BE49-F238E27FC236}">
-                <a16:creationId xmlns:a16="http://schemas.microsoft.com/office/drawing/2014/main" id="{0BB9F2C4-7F1F-6E55-6B66-0B4441DCEE08}"/>
-              </a:ext>
-            </a:extLst>
-          </p:cNvPr>
+            <a:endParaRPr lang="en-US" dirty="0"/>
+          </a:p>
+        </p:txBody>
+      </p:sp>
+      <p:sp>
+        <p:nvSpPr>
+          <p:cNvPr id="4" name="Date Placeholder 3"/>
           <p:cNvSpPr>
             <a:spLocks noGrp="1"/>
           </p:cNvSpPr>
@@ -2881,8 +2543,8 @@
         </p:nvSpPr>
         <p:spPr>
           <a:xfrm>
-            <a:off x="838200" y="6356350"/>
-            <a:ext cx="2743200" cy="365125"/>
+            <a:off x="628650" y="6356351"/>
+            <a:ext cx="2057400" cy="365125"/>
           </a:xfrm>
           <a:prstGeom prst="rect">
             <a:avLst/>
@@ -2904,7 +2566,7 @@
           <a:p>
             <a:fld id="{B0885B1E-572B-4AB4-875A-6F425810BF11}" type="datetimeFigureOut">
               <a:rPr lang="en-US" smtClean="0"/>
-              <a:t>1/6/2023</a:t>
+              <a:t>1/12/2023</a:t>
             </a:fld>
             <a:endParaRPr lang="en-US"/>
           </a:p>
@@ -2912,13 +2574,7 @@
       </p:sp>
       <p:sp>
         <p:nvSpPr>
-          <p:cNvPr id="5" name="Footer Placeholder 4">
-            <a:extLst>
-              <a:ext uri="{FF2B5EF4-FFF2-40B4-BE49-F238E27FC236}">
-                <a16:creationId xmlns:a16="http://schemas.microsoft.com/office/drawing/2014/main" id="{8E5EFA00-87F2-FFFD-8D1C-3B68F42A885F}"/>
-              </a:ext>
-            </a:extLst>
-          </p:cNvPr>
+          <p:cNvPr id="5" name="Footer Placeholder 4"/>
           <p:cNvSpPr>
             <a:spLocks noGrp="1"/>
           </p:cNvSpPr>
@@ -2928,8 +2584,8 @@
         </p:nvSpPr>
         <p:spPr>
           <a:xfrm>
-            <a:off x="4038600" y="6356350"/>
-            <a:ext cx="4114800" cy="365125"/>
+            <a:off x="3028950" y="6356351"/>
+            <a:ext cx="3086100" cy="365125"/>
           </a:xfrm>
           <a:prstGeom prst="rect">
             <a:avLst/>
@@ -2955,13 +2611,7 @@
       </p:sp>
       <p:sp>
         <p:nvSpPr>
-          <p:cNvPr id="6" name="Slide Number Placeholder 5">
-            <a:extLst>
-              <a:ext uri="{FF2B5EF4-FFF2-40B4-BE49-F238E27FC236}">
-                <a16:creationId xmlns:a16="http://schemas.microsoft.com/office/drawing/2014/main" id="{F53BDC1E-16D5-DF67-11D5-AE469493F0E0}"/>
-              </a:ext>
-            </a:extLst>
-          </p:cNvPr>
+          <p:cNvPr id="6" name="Slide Number Placeholder 5"/>
           <p:cNvSpPr>
             <a:spLocks noGrp="1"/>
           </p:cNvSpPr>
@@ -2971,8 +2621,8 @@
         </p:nvSpPr>
         <p:spPr>
           <a:xfrm>
-            <a:off x="8610600" y="6356350"/>
-            <a:ext cx="2743200" cy="365125"/>
+            <a:off x="6457950" y="6356351"/>
+            <a:ext cx="2057400" cy="365125"/>
           </a:xfrm>
           <a:prstGeom prst="rect">
             <a:avLst/>
@@ -3003,23 +2653,23 @@
     </p:spTree>
     <p:extLst>
       <p:ext uri="{BB962C8B-B14F-4D97-AF65-F5344CB8AC3E}">
-        <p14:creationId xmlns:p14="http://schemas.microsoft.com/office/powerpoint/2010/main" val="1324064995"/>
+        <p14:creationId xmlns:p14="http://schemas.microsoft.com/office/powerpoint/2010/main" val="149616555"/>
       </p:ext>
     </p:extLst>
   </p:cSld>
   <p:clrMap bg1="lt1" tx1="dk1" bg2="lt2" tx2="dk2" accent1="accent1" accent2="accent2" accent3="accent3" accent4="accent4" accent5="accent5" accent6="accent6" hlink="hlink" folHlink="folHlink"/>
   <p:sldLayoutIdLst>
-    <p:sldLayoutId id="2147483649" r:id="rId1"/>
-    <p:sldLayoutId id="2147483650" r:id="rId2"/>
-    <p:sldLayoutId id="2147483651" r:id="rId3"/>
-    <p:sldLayoutId id="2147483652" r:id="rId4"/>
-    <p:sldLayoutId id="2147483653" r:id="rId5"/>
-    <p:sldLayoutId id="2147483654" r:id="rId6"/>
-    <p:sldLayoutId id="2147483655" r:id="rId7"/>
-    <p:sldLayoutId id="2147483656" r:id="rId8"/>
-    <p:sldLayoutId id="2147483657" r:id="rId9"/>
-    <p:sldLayoutId id="2147483658" r:id="rId10"/>
-    <p:sldLayoutId id="2147483659" r:id="rId11"/>
+    <p:sldLayoutId id="2147483661" r:id="rId1"/>
+    <p:sldLayoutId id="2147483662" r:id="rId2"/>
+    <p:sldLayoutId id="2147483663" r:id="rId3"/>
+    <p:sldLayoutId id="2147483664" r:id="rId4"/>
+    <p:sldLayoutId id="2147483665" r:id="rId5"/>
+    <p:sldLayoutId id="2147483666" r:id="rId6"/>
+    <p:sldLayoutId id="2147483667" r:id="rId7"/>
+    <p:sldLayoutId id="2147483668" r:id="rId8"/>
+    <p:sldLayoutId id="2147483669" r:id="rId9"/>
+    <p:sldLayoutId id="2147483670" r:id="rId10"/>
+    <p:sldLayoutId id="2147483671" r:id="rId11"/>
   </p:sldLayoutIdLst>
   <p:txStyles>
     <p:titleStyle>
@@ -3337,8 +2987,8 @@
         </p:nvSpPr>
         <p:spPr bwMode="auto">
           <a:xfrm>
-            <a:off x="3340359" y="1623527"/>
-            <a:ext cx="12192000" cy="457200"/>
+            <a:off x="1816360" y="1667461"/>
+            <a:ext cx="184731" cy="369332"/>
           </a:xfrm>
           <a:prstGeom prst="rect">
             <a:avLst/>
@@ -3404,7 +3054,7 @@
         </p:nvGrpSpPr>
         <p:grpSpPr>
           <a:xfrm>
-            <a:off x="3340359" y="1623527"/>
+            <a:off x="1816359" y="1623527"/>
             <a:ext cx="4959350" cy="3255010"/>
             <a:chOff x="0" y="0"/>
             <a:chExt cx="4959350" cy="3255010"/>
@@ -3478,7 +3128,7 @@
             </a:ln>
             <a:extLst>
               <a:ext uri="{909E8E84-426E-40dd-AFC4-6F175D3DCCD1}">
-                <a14:hiddenFill xmlns:wpc="http://schemas.microsoft.com/office/word/2010/wordprocessingCanvas" xmlns:mc="http://schemas.openxmlformats.org/markup-compatibility/2006" xmlns:m="http://schemas.openxmlformats.org/officeDocument/2006/math" xmlns:wp14="http://schemas.microsoft.com/office/word/2010/wordprocessingDrawing" xmlns:wp="http://schemas.openxmlformats.org/drawingml/2006/wordprocessingDrawing" xmlns:w14="http://schemas.microsoft.com/office/word/2010/wordml" xmlns:w15="http://schemas.microsoft.com/office/word/2012/wordml" xmlns:wpg="http://schemas.microsoft.com/office/word/2010/wordprocessingGroup" xmlns:wpi="http://schemas.microsoft.com/office/word/2010/wordprocessingInk" xmlns:wne="http://schemas.microsoft.com/office/word/2006/wordml" xmlns:wps="http://schemas.microsoft.com/office/word/2010/wordprocessingShape" xmlns:cx="http://schemas.microsoft.com/office/drawing/2014/chartex" xmlns:cx1="http://schemas.microsoft.com/office/drawing/2015/9/8/chartex" xmlns:cx2="http://schemas.microsoft.com/office/drawing/2015/10/21/chartex" xmlns:cx3="http://schemas.microsoft.com/office/drawing/2016/5/9/chartex" xmlns:cx4="http://schemas.microsoft.com/office/drawing/2016/5/10/chartex" xmlns:cx5="http://schemas.microsoft.com/office/drawing/2016/5/11/chartex" xmlns:cx6="http://schemas.microsoft.com/office/drawing/2016/5/12/chartex" xmlns:cx7="http://schemas.microsoft.com/office/drawing/2016/5/13/chartex" xmlns:cx8="http://schemas.microsoft.com/office/drawing/2016/5/14/chartex" xmlns:aink="http://schemas.microsoft.com/office/drawing/2016/ink" xmlns:am3d="http://schemas.microsoft.com/office/drawing/2017/model3d" xmlns:w16cid="http://schemas.microsoft.com/office/word/2016/wordml/cid" xmlns:w16se="http://schemas.microsoft.com/office/word/2015/wordml/symex" xmlns:a14="http://schemas.microsoft.com/office/drawing/2010/main" xmlns:w="http://schemas.openxmlformats.org/wordprocessingml/2006/main" xmlns:w10="urn:schemas-microsoft-com:office:word" xmlns:v="urn:schemas-microsoft-com:vml" xmlns:o="urn:schemas-microsoft-com:office:office" xmlns:mv="urn:schemas-microsoft-com:mac:vml" xmlns:mo="http://schemas.microsoft.com/office/mac/office/2008/main" xmlns="" xmlns:arto="http://schemas.microsoft.com/office/word/2006/arto" xmlns:lc="http://schemas.openxmlformats.org/drawingml/2006/lockedCanvas">
+                <a14:hiddenFill xmlns:lc="http://schemas.openxmlformats.org/drawingml/2006/lockedCanvas" xmlns:arto="http://schemas.microsoft.com/office/word/2006/arto" xmlns="" xmlns:mo="http://schemas.microsoft.com/office/mac/office/2008/main" xmlns:mv="urn:schemas-microsoft-com:mac:vml" xmlns:o="urn:schemas-microsoft-com:office:office" xmlns:v="urn:schemas-microsoft-com:vml" xmlns:w10="urn:schemas-microsoft-com:office:word" xmlns:w="http://schemas.openxmlformats.org/wordprocessingml/2006/main" xmlns:a14="http://schemas.microsoft.com/office/drawing/2010/main" xmlns:w16se="http://schemas.microsoft.com/office/word/2015/wordml/symex" xmlns:w16cid="http://schemas.microsoft.com/office/word/2016/wordml/cid" xmlns:am3d="http://schemas.microsoft.com/office/drawing/2017/model3d" xmlns:aink="http://schemas.microsoft.com/office/drawing/2016/ink" xmlns:cx8="http://schemas.microsoft.com/office/drawing/2016/5/14/chartex" xmlns:cx7="http://schemas.microsoft.com/office/drawing/2016/5/13/chartex" xmlns:cx6="http://schemas.microsoft.com/office/drawing/2016/5/12/chartex" xmlns:cx5="http://schemas.microsoft.com/office/drawing/2016/5/11/chartex" xmlns:cx4="http://schemas.microsoft.com/office/drawing/2016/5/10/chartex" xmlns:cx3="http://schemas.microsoft.com/office/drawing/2016/5/9/chartex" xmlns:cx2="http://schemas.microsoft.com/office/drawing/2015/10/21/chartex" xmlns:cx1="http://schemas.microsoft.com/office/drawing/2015/9/8/chartex" xmlns:cx="http://schemas.microsoft.com/office/drawing/2014/chartex" xmlns:wps="http://schemas.microsoft.com/office/word/2010/wordprocessingShape" xmlns:wne="http://schemas.microsoft.com/office/word/2006/wordml" xmlns:wpi="http://schemas.microsoft.com/office/word/2010/wordprocessingInk" xmlns:wpg="http://schemas.microsoft.com/office/word/2010/wordprocessingGroup" xmlns:w15="http://schemas.microsoft.com/office/word/2012/wordml" xmlns:w14="http://schemas.microsoft.com/office/word/2010/wordml" xmlns:wp="http://schemas.openxmlformats.org/drawingml/2006/wordprocessingDrawing" xmlns:wp14="http://schemas.microsoft.com/office/word/2010/wordprocessingDrawing" xmlns:m="http://schemas.openxmlformats.org/officeDocument/2006/math" xmlns:mc="http://schemas.openxmlformats.org/markup-compatibility/2006" xmlns:wpc="http://schemas.microsoft.com/office/word/2010/wordprocessingCanvas">
                   <a:noFill/>
                 </a14:hiddenFill>
               </a:ext>
@@ -3521,7 +3171,7 @@
             </a:ln>
             <a:extLst>
               <a:ext uri="{909E8E84-426E-40dd-AFC4-6F175D3DCCD1}">
-                <a14:hiddenFill xmlns:wpc="http://schemas.microsoft.com/office/word/2010/wordprocessingCanvas" xmlns:mc="http://schemas.openxmlformats.org/markup-compatibility/2006" xmlns:m="http://schemas.openxmlformats.org/officeDocument/2006/math" xmlns:wp14="http://schemas.microsoft.com/office/word/2010/wordprocessingDrawing" xmlns:wp="http://schemas.openxmlformats.org/drawingml/2006/wordprocessingDrawing" xmlns:w14="http://schemas.microsoft.com/office/word/2010/wordml" xmlns:w15="http://schemas.microsoft.com/office/word/2012/wordml" xmlns:wpg="http://schemas.microsoft.com/office/word/2010/wordprocessingGroup" xmlns:wpi="http://schemas.microsoft.com/office/word/2010/wordprocessingInk" xmlns:wne="http://schemas.microsoft.com/office/word/2006/wordml" xmlns:wps="http://schemas.microsoft.com/office/word/2010/wordprocessingShape" xmlns:cx="http://schemas.microsoft.com/office/drawing/2014/chartex" xmlns:cx1="http://schemas.microsoft.com/office/drawing/2015/9/8/chartex" xmlns:cx2="http://schemas.microsoft.com/office/drawing/2015/10/21/chartex" xmlns:cx3="http://schemas.microsoft.com/office/drawing/2016/5/9/chartex" xmlns:cx4="http://schemas.microsoft.com/office/drawing/2016/5/10/chartex" xmlns:cx5="http://schemas.microsoft.com/office/drawing/2016/5/11/chartex" xmlns:cx6="http://schemas.microsoft.com/office/drawing/2016/5/12/chartex" xmlns:cx7="http://schemas.microsoft.com/office/drawing/2016/5/13/chartex" xmlns:cx8="http://schemas.microsoft.com/office/drawing/2016/5/14/chartex" xmlns:aink="http://schemas.microsoft.com/office/drawing/2016/ink" xmlns:am3d="http://schemas.microsoft.com/office/drawing/2017/model3d" xmlns:w16cid="http://schemas.microsoft.com/office/word/2016/wordml/cid" xmlns:w16se="http://schemas.microsoft.com/office/word/2015/wordml/symex" xmlns:a14="http://schemas.microsoft.com/office/drawing/2010/main" xmlns:w="http://schemas.openxmlformats.org/wordprocessingml/2006/main" xmlns:w10="urn:schemas-microsoft-com:office:word" xmlns:v="urn:schemas-microsoft-com:vml" xmlns:o="urn:schemas-microsoft-com:office:office" xmlns:mv="urn:schemas-microsoft-com:mac:vml" xmlns:mo="http://schemas.microsoft.com/office/mac/office/2008/main" xmlns="" xmlns:arto="http://schemas.microsoft.com/office/word/2006/arto" xmlns:lc="http://schemas.openxmlformats.org/drawingml/2006/lockedCanvas">
+                <a14:hiddenFill xmlns:lc="http://schemas.openxmlformats.org/drawingml/2006/lockedCanvas" xmlns:arto="http://schemas.microsoft.com/office/word/2006/arto" xmlns="" xmlns:mo="http://schemas.microsoft.com/office/mac/office/2008/main" xmlns:mv="urn:schemas-microsoft-com:mac:vml" xmlns:o="urn:schemas-microsoft-com:office:office" xmlns:v="urn:schemas-microsoft-com:vml" xmlns:w10="urn:schemas-microsoft-com:office:word" xmlns:w="http://schemas.openxmlformats.org/wordprocessingml/2006/main" xmlns:a14="http://schemas.microsoft.com/office/drawing/2010/main" xmlns:w16se="http://schemas.microsoft.com/office/word/2015/wordml/symex" xmlns:w16cid="http://schemas.microsoft.com/office/word/2016/wordml/cid" xmlns:am3d="http://schemas.microsoft.com/office/drawing/2017/model3d" xmlns:aink="http://schemas.microsoft.com/office/drawing/2016/ink" xmlns:cx8="http://schemas.microsoft.com/office/drawing/2016/5/14/chartex" xmlns:cx7="http://schemas.microsoft.com/office/drawing/2016/5/13/chartex" xmlns:cx6="http://schemas.microsoft.com/office/drawing/2016/5/12/chartex" xmlns:cx5="http://schemas.microsoft.com/office/drawing/2016/5/11/chartex" xmlns:cx4="http://schemas.microsoft.com/office/drawing/2016/5/10/chartex" xmlns:cx3="http://schemas.microsoft.com/office/drawing/2016/5/9/chartex" xmlns:cx2="http://schemas.microsoft.com/office/drawing/2015/10/21/chartex" xmlns:cx1="http://schemas.microsoft.com/office/drawing/2015/9/8/chartex" xmlns:cx="http://schemas.microsoft.com/office/drawing/2014/chartex" xmlns:wps="http://schemas.microsoft.com/office/word/2010/wordprocessingShape" xmlns:wne="http://schemas.microsoft.com/office/word/2006/wordml" xmlns:wpi="http://schemas.microsoft.com/office/word/2010/wordprocessingInk" xmlns:wpg="http://schemas.microsoft.com/office/word/2010/wordprocessingGroup" xmlns:w15="http://schemas.microsoft.com/office/word/2012/wordml" xmlns:w14="http://schemas.microsoft.com/office/word/2010/wordml" xmlns:wp="http://schemas.openxmlformats.org/drawingml/2006/wordprocessingDrawing" xmlns:wp14="http://schemas.microsoft.com/office/word/2010/wordprocessingDrawing" xmlns:m="http://schemas.openxmlformats.org/officeDocument/2006/math" xmlns:mc="http://schemas.openxmlformats.org/markup-compatibility/2006" xmlns:wpc="http://schemas.microsoft.com/office/word/2010/wordprocessingCanvas">
                   <a:noFill/>
                 </a14:hiddenFill>
               </a:ext>
@@ -3556,14 +3206,14 @@
             </a:ln>
             <a:extLst>
               <a:ext uri="{909E8E84-426E-40dd-AFC4-6F175D3DCCD1}">
-                <a14:hiddenFill xmlns:wpc="http://schemas.microsoft.com/office/word/2010/wordprocessingCanvas" xmlns:mc="http://schemas.openxmlformats.org/markup-compatibility/2006" xmlns:m="http://schemas.openxmlformats.org/officeDocument/2006/math" xmlns:wp14="http://schemas.microsoft.com/office/word/2010/wordprocessingDrawing" xmlns:wp="http://schemas.openxmlformats.org/drawingml/2006/wordprocessingDrawing" xmlns:w14="http://schemas.microsoft.com/office/word/2010/wordml" xmlns:w15="http://schemas.microsoft.com/office/word/2012/wordml" xmlns:wpg="http://schemas.microsoft.com/office/word/2010/wordprocessingGroup" xmlns:wpi="http://schemas.microsoft.com/office/word/2010/wordprocessingInk" xmlns:wne="http://schemas.microsoft.com/office/word/2006/wordml" xmlns:wps="http://schemas.microsoft.com/office/word/2010/wordprocessingShape" xmlns:cx="http://schemas.microsoft.com/office/drawing/2014/chartex" xmlns:cx1="http://schemas.microsoft.com/office/drawing/2015/9/8/chartex" xmlns:cx2="http://schemas.microsoft.com/office/drawing/2015/10/21/chartex" xmlns:cx3="http://schemas.microsoft.com/office/drawing/2016/5/9/chartex" xmlns:cx4="http://schemas.microsoft.com/office/drawing/2016/5/10/chartex" xmlns:cx5="http://schemas.microsoft.com/office/drawing/2016/5/11/chartex" xmlns:cx6="http://schemas.microsoft.com/office/drawing/2016/5/12/chartex" xmlns:cx7="http://schemas.microsoft.com/office/drawing/2016/5/13/chartex" xmlns:cx8="http://schemas.microsoft.com/office/drawing/2016/5/14/chartex" xmlns:aink="http://schemas.microsoft.com/office/drawing/2016/ink" xmlns:am3d="http://schemas.microsoft.com/office/drawing/2017/model3d" xmlns:w16cid="http://schemas.microsoft.com/office/word/2016/wordml/cid" xmlns:w16se="http://schemas.microsoft.com/office/word/2015/wordml/symex" xmlns:a14="http://schemas.microsoft.com/office/drawing/2010/main" xmlns:w="http://schemas.openxmlformats.org/wordprocessingml/2006/main" xmlns:w10="urn:schemas-microsoft-com:office:word" xmlns:v="urn:schemas-microsoft-com:vml" xmlns:o="urn:schemas-microsoft-com:office:office" xmlns:mv="urn:schemas-microsoft-com:mac:vml" xmlns:mo="http://schemas.microsoft.com/office/mac/office/2008/main" xmlns="" xmlns:arto="http://schemas.microsoft.com/office/word/2006/arto" xmlns:lc="http://schemas.openxmlformats.org/drawingml/2006/lockedCanvas">
+                <a14:hiddenFill xmlns:lc="http://schemas.openxmlformats.org/drawingml/2006/lockedCanvas" xmlns:arto="http://schemas.microsoft.com/office/word/2006/arto" xmlns="" xmlns:mo="http://schemas.microsoft.com/office/mac/office/2008/main" xmlns:mv="urn:schemas-microsoft-com:mac:vml" xmlns:o="urn:schemas-microsoft-com:office:office" xmlns:v="urn:schemas-microsoft-com:vml" xmlns:w10="urn:schemas-microsoft-com:office:word" xmlns:w="http://schemas.openxmlformats.org/wordprocessingml/2006/main" xmlns:a14="http://schemas.microsoft.com/office/drawing/2010/main" xmlns:w16se="http://schemas.microsoft.com/office/word/2015/wordml/symex" xmlns:w16cid="http://schemas.microsoft.com/office/word/2016/wordml/cid" xmlns:am3d="http://schemas.microsoft.com/office/drawing/2017/model3d" xmlns:aink="http://schemas.microsoft.com/office/drawing/2016/ink" xmlns:cx8="http://schemas.microsoft.com/office/drawing/2016/5/14/chartex" xmlns:cx7="http://schemas.microsoft.com/office/drawing/2016/5/13/chartex" xmlns:cx6="http://schemas.microsoft.com/office/drawing/2016/5/12/chartex" xmlns:cx5="http://schemas.microsoft.com/office/drawing/2016/5/11/chartex" xmlns:cx4="http://schemas.microsoft.com/office/drawing/2016/5/10/chartex" xmlns:cx3="http://schemas.microsoft.com/office/drawing/2016/5/9/chartex" xmlns:cx2="http://schemas.microsoft.com/office/drawing/2015/10/21/chartex" xmlns:cx1="http://schemas.microsoft.com/office/drawing/2015/9/8/chartex" xmlns:cx="http://schemas.microsoft.com/office/drawing/2014/chartex" xmlns:wps="http://schemas.microsoft.com/office/word/2010/wordprocessingShape" xmlns:wne="http://schemas.microsoft.com/office/word/2006/wordml" xmlns:wpi="http://schemas.microsoft.com/office/word/2010/wordprocessingInk" xmlns:wpg="http://schemas.microsoft.com/office/word/2010/wordprocessingGroup" xmlns:w15="http://schemas.microsoft.com/office/word/2012/wordml" xmlns:w14="http://schemas.microsoft.com/office/word/2010/wordml" xmlns:wp="http://schemas.openxmlformats.org/drawingml/2006/wordprocessingDrawing" xmlns:wp14="http://schemas.microsoft.com/office/word/2010/wordprocessingDrawing" xmlns:m="http://schemas.openxmlformats.org/officeDocument/2006/math" xmlns:mc="http://schemas.openxmlformats.org/markup-compatibility/2006" xmlns:wpc="http://schemas.microsoft.com/office/word/2010/wordprocessingCanvas">
                   <a:solidFill>
                     <a:srgbClr val="FFFFFF"/>
                   </a:solidFill>
                 </a14:hiddenFill>
               </a:ext>
               <a:ext uri="{91240B29-F687-4f45-9708-019B960494DF}">
-                <a14:hiddenLine xmlns:wpc="http://schemas.microsoft.com/office/word/2010/wordprocessingCanvas" xmlns:mc="http://schemas.openxmlformats.org/markup-compatibility/2006" xmlns:m="http://schemas.openxmlformats.org/officeDocument/2006/math" xmlns:wp14="http://schemas.microsoft.com/office/word/2010/wordprocessingDrawing" xmlns:wp="http://schemas.openxmlformats.org/drawingml/2006/wordprocessingDrawing" xmlns:w14="http://schemas.microsoft.com/office/word/2010/wordml" xmlns:w15="http://schemas.microsoft.com/office/word/2012/wordml" xmlns:wpg="http://schemas.microsoft.com/office/word/2010/wordprocessingGroup" xmlns:wpi="http://schemas.microsoft.com/office/word/2010/wordprocessingInk" xmlns:wne="http://schemas.microsoft.com/office/word/2006/wordml" xmlns:wps="http://schemas.microsoft.com/office/word/2010/wordprocessingShape" xmlns:cx="http://schemas.microsoft.com/office/drawing/2014/chartex" xmlns:cx1="http://schemas.microsoft.com/office/drawing/2015/9/8/chartex" xmlns:cx2="http://schemas.microsoft.com/office/drawing/2015/10/21/chartex" xmlns:cx3="http://schemas.microsoft.com/office/drawing/2016/5/9/chartex" xmlns:cx4="http://schemas.microsoft.com/office/drawing/2016/5/10/chartex" xmlns:cx5="http://schemas.microsoft.com/office/drawing/2016/5/11/chartex" xmlns:cx6="http://schemas.microsoft.com/office/drawing/2016/5/12/chartex" xmlns:cx7="http://schemas.microsoft.com/office/drawing/2016/5/13/chartex" xmlns:cx8="http://schemas.microsoft.com/office/drawing/2016/5/14/chartex" xmlns:aink="http://schemas.microsoft.com/office/drawing/2016/ink" xmlns:am3d="http://schemas.microsoft.com/office/drawing/2017/model3d" xmlns:w16cid="http://schemas.microsoft.com/office/word/2016/wordml/cid" xmlns:w16se="http://schemas.microsoft.com/office/word/2015/wordml/symex" xmlns:a14="http://schemas.microsoft.com/office/drawing/2010/main" xmlns:w="http://schemas.openxmlformats.org/wordprocessingml/2006/main" xmlns:w10="urn:schemas-microsoft-com:office:word" xmlns:v="urn:schemas-microsoft-com:vml" xmlns:o="urn:schemas-microsoft-com:office:office" xmlns:mv="urn:schemas-microsoft-com:mac:vml" xmlns:mo="http://schemas.microsoft.com/office/mac/office/2008/main" xmlns="" xmlns:arto="http://schemas.microsoft.com/office/word/2006/arto" xmlns:lc="http://schemas.openxmlformats.org/drawingml/2006/lockedCanvas" w="9525">
+                <a14:hiddenLine xmlns:lc="http://schemas.openxmlformats.org/drawingml/2006/lockedCanvas" xmlns:arto="http://schemas.microsoft.com/office/word/2006/arto" xmlns="" xmlns:mo="http://schemas.microsoft.com/office/mac/office/2008/main" xmlns:mv="urn:schemas-microsoft-com:mac:vml" xmlns:o="urn:schemas-microsoft-com:office:office" xmlns:v="urn:schemas-microsoft-com:vml" xmlns:w10="urn:schemas-microsoft-com:office:word" xmlns:w="http://schemas.openxmlformats.org/wordprocessingml/2006/main" xmlns:a14="http://schemas.microsoft.com/office/drawing/2010/main" xmlns:w16se="http://schemas.microsoft.com/office/word/2015/wordml/symex" xmlns:w16cid="http://schemas.microsoft.com/office/word/2016/wordml/cid" xmlns:am3d="http://schemas.microsoft.com/office/drawing/2017/model3d" xmlns:aink="http://schemas.microsoft.com/office/drawing/2016/ink" xmlns:cx8="http://schemas.microsoft.com/office/drawing/2016/5/14/chartex" xmlns:cx7="http://schemas.microsoft.com/office/drawing/2016/5/13/chartex" xmlns:cx6="http://schemas.microsoft.com/office/drawing/2016/5/12/chartex" xmlns:cx5="http://schemas.microsoft.com/office/drawing/2016/5/11/chartex" xmlns:cx4="http://schemas.microsoft.com/office/drawing/2016/5/10/chartex" xmlns:cx3="http://schemas.microsoft.com/office/drawing/2016/5/9/chartex" xmlns:cx2="http://schemas.microsoft.com/office/drawing/2015/10/21/chartex" xmlns:cx1="http://schemas.microsoft.com/office/drawing/2015/9/8/chartex" xmlns:cx="http://schemas.microsoft.com/office/drawing/2014/chartex" xmlns:wps="http://schemas.microsoft.com/office/word/2010/wordprocessingShape" xmlns:wne="http://schemas.microsoft.com/office/word/2006/wordml" xmlns:wpi="http://schemas.microsoft.com/office/word/2010/wordprocessingInk" xmlns:wpg="http://schemas.microsoft.com/office/word/2010/wordprocessingGroup" xmlns:w15="http://schemas.microsoft.com/office/word/2012/wordml" xmlns:w14="http://schemas.microsoft.com/office/word/2010/wordml" xmlns:wp="http://schemas.openxmlformats.org/drawingml/2006/wordprocessingDrawing" xmlns:wp14="http://schemas.microsoft.com/office/word/2010/wordprocessingDrawing" xmlns:m="http://schemas.openxmlformats.org/officeDocument/2006/math" xmlns:mc="http://schemas.openxmlformats.org/markup-compatibility/2006" xmlns:wpc="http://schemas.microsoft.com/office/word/2010/wordprocessingCanvas" w="9525">
                   <a:solidFill>
                     <a:srgbClr val="000000"/>
                   </a:solidFill>
@@ -3580,17 +3230,8 @@
             </a:bodyPr>
             <a:lstStyle/>
             <a:p>
-              <a:pPr marL="0" marR="0">
-                <a:spcBef>
-                  <a:spcPts val="0"/>
-                </a:spcBef>
-                <a:spcAft>
-                  <a:spcPts val="0"/>
-                </a:spcAft>
-              </a:pPr>
               <a:r>
                 <a:rPr lang="en-US" sz="900">
-                  <a:effectLst/>
                   <a:latin typeface="Times New Roman" panose="02020603050405020304" pitchFamily="18" charset="0"/>
                   <a:ea typeface="Arial Unicode MS" panose="020B0604020202020204" pitchFamily="34" charset="-128"/>
                 </a:rPr>
@@ -3598,14 +3239,12 @@
               </a:r>
               <a:r>
                 <a:rPr lang="en-US" sz="900">
-                  <a:effectLst/>
                   <a:latin typeface="Times New Roman" panose="02020603050405020304" pitchFamily="18" charset="0"/>
                   <a:ea typeface="Times New Roman" panose="02020603050405020304" pitchFamily="18" charset="0"/>
                 </a:rPr>
                 <a:t>[ITI-18]</a:t>
               </a:r>
               <a:endParaRPr lang="en-US" sz="1200">
-                <a:effectLst/>
                 <a:latin typeface="Times New Roman" panose="02020603050405020304" pitchFamily="18" charset="0"/>
                 <a:ea typeface="Times New Roman" panose="02020603050405020304" pitchFamily="18" charset="0"/>
               </a:endParaRPr>
@@ -3646,7 +3285,7 @@
             </a:ln>
             <a:extLst>
               <a:ext uri="{909E8E84-426E-40dd-AFC4-6F175D3DCCD1}">
-                <a14:hiddenFill xmlns:wpc="http://schemas.microsoft.com/office/word/2010/wordprocessingCanvas" xmlns:mc="http://schemas.openxmlformats.org/markup-compatibility/2006" xmlns:m="http://schemas.openxmlformats.org/officeDocument/2006/math" xmlns:wp14="http://schemas.microsoft.com/office/word/2010/wordprocessingDrawing" xmlns:wp="http://schemas.openxmlformats.org/drawingml/2006/wordprocessingDrawing" xmlns:w14="http://schemas.microsoft.com/office/word/2010/wordml" xmlns:w15="http://schemas.microsoft.com/office/word/2012/wordml" xmlns:wpg="http://schemas.microsoft.com/office/word/2010/wordprocessingGroup" xmlns:wpi="http://schemas.microsoft.com/office/word/2010/wordprocessingInk" xmlns:wne="http://schemas.microsoft.com/office/word/2006/wordml" xmlns:wps="http://schemas.microsoft.com/office/word/2010/wordprocessingShape" xmlns:cx="http://schemas.microsoft.com/office/drawing/2014/chartex" xmlns:cx1="http://schemas.microsoft.com/office/drawing/2015/9/8/chartex" xmlns:cx2="http://schemas.microsoft.com/office/drawing/2015/10/21/chartex" xmlns:cx3="http://schemas.microsoft.com/office/drawing/2016/5/9/chartex" xmlns:cx4="http://schemas.microsoft.com/office/drawing/2016/5/10/chartex" xmlns:cx5="http://schemas.microsoft.com/office/drawing/2016/5/11/chartex" xmlns:cx6="http://schemas.microsoft.com/office/drawing/2016/5/12/chartex" xmlns:cx7="http://schemas.microsoft.com/office/drawing/2016/5/13/chartex" xmlns:cx8="http://schemas.microsoft.com/office/drawing/2016/5/14/chartex" xmlns:aink="http://schemas.microsoft.com/office/drawing/2016/ink" xmlns:am3d="http://schemas.microsoft.com/office/drawing/2017/model3d" xmlns:w16cid="http://schemas.microsoft.com/office/word/2016/wordml/cid" xmlns:w16se="http://schemas.microsoft.com/office/word/2015/wordml/symex" xmlns:a14="http://schemas.microsoft.com/office/drawing/2010/main" xmlns:w="http://schemas.openxmlformats.org/wordprocessingml/2006/main" xmlns:w10="urn:schemas-microsoft-com:office:word" xmlns:v="urn:schemas-microsoft-com:vml" xmlns:o="urn:schemas-microsoft-com:office:office" xmlns:mv="urn:schemas-microsoft-com:mac:vml" xmlns:mo="http://schemas.microsoft.com/office/mac/office/2008/main" xmlns="" xmlns:arto="http://schemas.microsoft.com/office/word/2006/arto" xmlns:lc="http://schemas.openxmlformats.org/drawingml/2006/lockedCanvas">
+                <a14:hiddenFill xmlns:lc="http://schemas.openxmlformats.org/drawingml/2006/lockedCanvas" xmlns:arto="http://schemas.microsoft.com/office/word/2006/arto" xmlns="" xmlns:mo="http://schemas.microsoft.com/office/mac/office/2008/main" xmlns:mv="urn:schemas-microsoft-com:mac:vml" xmlns:o="urn:schemas-microsoft-com:office:office" xmlns:v="urn:schemas-microsoft-com:vml" xmlns:w10="urn:schemas-microsoft-com:office:word" xmlns:w="http://schemas.openxmlformats.org/wordprocessingml/2006/main" xmlns:a14="http://schemas.microsoft.com/office/drawing/2010/main" xmlns:w16se="http://schemas.microsoft.com/office/word/2015/wordml/symex" xmlns:w16cid="http://schemas.microsoft.com/office/word/2016/wordml/cid" xmlns:am3d="http://schemas.microsoft.com/office/drawing/2017/model3d" xmlns:aink="http://schemas.microsoft.com/office/drawing/2016/ink" xmlns:cx8="http://schemas.microsoft.com/office/drawing/2016/5/14/chartex" xmlns:cx7="http://schemas.microsoft.com/office/drawing/2016/5/13/chartex" xmlns:cx6="http://schemas.microsoft.com/office/drawing/2016/5/12/chartex" xmlns:cx5="http://schemas.microsoft.com/office/drawing/2016/5/11/chartex" xmlns:cx4="http://schemas.microsoft.com/office/drawing/2016/5/10/chartex" xmlns:cx3="http://schemas.microsoft.com/office/drawing/2016/5/9/chartex" xmlns:cx2="http://schemas.microsoft.com/office/drawing/2015/10/21/chartex" xmlns:cx1="http://schemas.microsoft.com/office/drawing/2015/9/8/chartex" xmlns:cx="http://schemas.microsoft.com/office/drawing/2014/chartex" xmlns:wps="http://schemas.microsoft.com/office/word/2010/wordprocessingShape" xmlns:wne="http://schemas.microsoft.com/office/word/2006/wordml" xmlns:wpi="http://schemas.microsoft.com/office/word/2010/wordprocessingInk" xmlns:wpg="http://schemas.microsoft.com/office/word/2010/wordprocessingGroup" xmlns:w15="http://schemas.microsoft.com/office/word/2012/wordml" xmlns:w14="http://schemas.microsoft.com/office/word/2010/wordml" xmlns:wp="http://schemas.openxmlformats.org/drawingml/2006/wordprocessingDrawing" xmlns:wp14="http://schemas.microsoft.com/office/word/2010/wordprocessingDrawing" xmlns:m="http://schemas.openxmlformats.org/officeDocument/2006/math" xmlns:mc="http://schemas.openxmlformats.org/markup-compatibility/2006" xmlns:wpc="http://schemas.microsoft.com/office/word/2010/wordprocessingCanvas">
                   <a:solidFill>
                     <a:srgbClr val="FFFFFF"/>
                   </a:solidFill>
@@ -3660,17 +3299,9 @@
             </a:bodyPr>
             <a:lstStyle/>
             <a:p>
-              <a:pPr marL="0" marR="0" algn="ctr">
-                <a:spcBef>
-                  <a:spcPts val="0"/>
-                </a:spcBef>
-                <a:spcAft>
-                  <a:spcPts val="0"/>
-                </a:spcAft>
-              </a:pPr>
+              <a:pPr algn="ctr"/>
               <a:r>
                 <a:rPr lang="en-US" sz="1000" b="1">
-                  <a:effectLst/>
                   <a:latin typeface="Times New Roman" panose="02020603050405020304" pitchFamily="18" charset="0"/>
                   <a:ea typeface="Arial Unicode MS" panose="020B0604020202020204" pitchFamily="34" charset="-128"/>
                 </a:rPr>
@@ -3678,14 +3309,12 @@
               </a:r>
               <a:br>
                 <a:rPr lang="en-US" sz="1000" b="1">
-                  <a:effectLst/>
                   <a:latin typeface="Times New Roman" panose="02020603050405020304" pitchFamily="18" charset="0"/>
                   <a:ea typeface="Arial Unicode MS" panose="020B0604020202020204" pitchFamily="34" charset="-128"/>
                 </a:rPr>
               </a:br>
               <a:r>
                 <a:rPr lang="en-US" sz="1000" b="1">
-                  <a:effectLst/>
                   <a:latin typeface="Times New Roman" panose="02020603050405020304" pitchFamily="18" charset="0"/>
                   <a:ea typeface="Arial Unicode MS" panose="020B0604020202020204" pitchFamily="34" charset="-128"/>
                 </a:rPr>
@@ -3693,21 +3322,18 @@
               </a:r>
               <a:br>
                 <a:rPr lang="en-US" sz="1000" b="1">
-                  <a:effectLst/>
                   <a:latin typeface="Times New Roman" panose="02020603050405020304" pitchFamily="18" charset="0"/>
                   <a:ea typeface="Arial Unicode MS" panose="020B0604020202020204" pitchFamily="34" charset="-128"/>
                 </a:rPr>
               </a:br>
               <a:r>
                 <a:rPr lang="en-US" sz="1000" b="1">
-                  <a:effectLst/>
                   <a:latin typeface="Times New Roman" panose="02020603050405020304" pitchFamily="18" charset="0"/>
                   <a:ea typeface="Arial Unicode MS" panose="020B0604020202020204" pitchFamily="34" charset="-128"/>
                 </a:rPr>
                 <a:t>Repository</a:t>
               </a:r>
               <a:endParaRPr lang="en-US" sz="1200">
-                <a:effectLst/>
                 <a:latin typeface="Times New Roman" panose="02020603050405020304" pitchFamily="18" charset="0"/>
                 <a:ea typeface="Times New Roman" panose="02020603050405020304" pitchFamily="18" charset="0"/>
               </a:endParaRPr>
@@ -3748,7 +3374,7 @@
             </a:ln>
             <a:extLst>
               <a:ext uri="{909E8E84-426E-40dd-AFC4-6F175D3DCCD1}">
-                <a14:hiddenFill xmlns:wpc="http://schemas.microsoft.com/office/word/2010/wordprocessingCanvas" xmlns:mc="http://schemas.openxmlformats.org/markup-compatibility/2006" xmlns:m="http://schemas.openxmlformats.org/officeDocument/2006/math" xmlns:wp14="http://schemas.microsoft.com/office/word/2010/wordprocessingDrawing" xmlns:wp="http://schemas.openxmlformats.org/drawingml/2006/wordprocessingDrawing" xmlns:w14="http://schemas.microsoft.com/office/word/2010/wordml" xmlns:w15="http://schemas.microsoft.com/office/word/2012/wordml" xmlns:wpg="http://schemas.microsoft.com/office/word/2010/wordprocessingGroup" xmlns:wpi="http://schemas.microsoft.com/office/word/2010/wordprocessingInk" xmlns:wne="http://schemas.microsoft.com/office/word/2006/wordml" xmlns:wps="http://schemas.microsoft.com/office/word/2010/wordprocessingShape" xmlns:cx="http://schemas.microsoft.com/office/drawing/2014/chartex" xmlns:cx1="http://schemas.microsoft.com/office/drawing/2015/9/8/chartex" xmlns:cx2="http://schemas.microsoft.com/office/drawing/2015/10/21/chartex" xmlns:cx3="http://schemas.microsoft.com/office/drawing/2016/5/9/chartex" xmlns:cx4="http://schemas.microsoft.com/office/drawing/2016/5/10/chartex" xmlns:cx5="http://schemas.microsoft.com/office/drawing/2016/5/11/chartex" xmlns:cx6="http://schemas.microsoft.com/office/drawing/2016/5/12/chartex" xmlns:cx7="http://schemas.microsoft.com/office/drawing/2016/5/13/chartex" xmlns:cx8="http://schemas.microsoft.com/office/drawing/2016/5/14/chartex" xmlns:aink="http://schemas.microsoft.com/office/drawing/2016/ink" xmlns:am3d="http://schemas.microsoft.com/office/drawing/2017/model3d" xmlns:w16cid="http://schemas.microsoft.com/office/word/2016/wordml/cid" xmlns:w16se="http://schemas.microsoft.com/office/word/2015/wordml/symex" xmlns:a14="http://schemas.microsoft.com/office/drawing/2010/main" xmlns:w="http://schemas.openxmlformats.org/wordprocessingml/2006/main" xmlns:w10="urn:schemas-microsoft-com:office:word" xmlns:v="urn:schemas-microsoft-com:vml" xmlns:o="urn:schemas-microsoft-com:office:office" xmlns:mv="urn:schemas-microsoft-com:mac:vml" xmlns:mo="http://schemas.microsoft.com/office/mac/office/2008/main" xmlns="" xmlns:arto="http://schemas.microsoft.com/office/word/2006/arto" xmlns:lc="http://schemas.openxmlformats.org/drawingml/2006/lockedCanvas">
+                <a14:hiddenFill xmlns:lc="http://schemas.openxmlformats.org/drawingml/2006/lockedCanvas" xmlns:arto="http://schemas.microsoft.com/office/word/2006/arto" xmlns="" xmlns:mo="http://schemas.microsoft.com/office/mac/office/2008/main" xmlns:mv="urn:schemas-microsoft-com:mac:vml" xmlns:o="urn:schemas-microsoft-com:office:office" xmlns:v="urn:schemas-microsoft-com:vml" xmlns:w10="urn:schemas-microsoft-com:office:word" xmlns:w="http://schemas.openxmlformats.org/wordprocessingml/2006/main" xmlns:a14="http://schemas.microsoft.com/office/drawing/2010/main" xmlns:w16se="http://schemas.microsoft.com/office/word/2015/wordml/symex" xmlns:w16cid="http://schemas.microsoft.com/office/word/2016/wordml/cid" xmlns:am3d="http://schemas.microsoft.com/office/drawing/2017/model3d" xmlns:aink="http://schemas.microsoft.com/office/drawing/2016/ink" xmlns:cx8="http://schemas.microsoft.com/office/drawing/2016/5/14/chartex" xmlns:cx7="http://schemas.microsoft.com/office/drawing/2016/5/13/chartex" xmlns:cx6="http://schemas.microsoft.com/office/drawing/2016/5/12/chartex" xmlns:cx5="http://schemas.microsoft.com/office/drawing/2016/5/11/chartex" xmlns:cx4="http://schemas.microsoft.com/office/drawing/2016/5/10/chartex" xmlns:cx3="http://schemas.microsoft.com/office/drawing/2016/5/9/chartex" xmlns:cx2="http://schemas.microsoft.com/office/drawing/2015/10/21/chartex" xmlns:cx1="http://schemas.microsoft.com/office/drawing/2015/9/8/chartex" xmlns:cx="http://schemas.microsoft.com/office/drawing/2014/chartex" xmlns:wps="http://schemas.microsoft.com/office/word/2010/wordprocessingShape" xmlns:wne="http://schemas.microsoft.com/office/word/2006/wordml" xmlns:wpi="http://schemas.microsoft.com/office/word/2010/wordprocessingInk" xmlns:wpg="http://schemas.microsoft.com/office/word/2010/wordprocessingGroup" xmlns:w15="http://schemas.microsoft.com/office/word/2012/wordml" xmlns:w14="http://schemas.microsoft.com/office/word/2010/wordml" xmlns:wp="http://schemas.openxmlformats.org/drawingml/2006/wordprocessingDrawing" xmlns:wp14="http://schemas.microsoft.com/office/word/2010/wordprocessingDrawing" xmlns:m="http://schemas.openxmlformats.org/officeDocument/2006/math" xmlns:mc="http://schemas.openxmlformats.org/markup-compatibility/2006" xmlns:wpc="http://schemas.microsoft.com/office/word/2010/wordprocessingCanvas">
                   <a:solidFill>
                     <a:srgbClr val="FFFFFF"/>
                   </a:solidFill>
@@ -3762,17 +3388,9 @@
             </a:bodyPr>
             <a:lstStyle/>
             <a:p>
-              <a:pPr marL="0" marR="0" algn="ctr">
-                <a:spcBef>
-                  <a:spcPts val="0"/>
-                </a:spcBef>
-                <a:spcAft>
-                  <a:spcPts val="0"/>
-                </a:spcAft>
-              </a:pPr>
+              <a:pPr algn="ctr"/>
               <a:r>
                 <a:rPr lang="en-US" sz="1000" b="1">
-                  <a:effectLst/>
                   <a:latin typeface="Times New Roman" panose="02020603050405020304" pitchFamily="18" charset="0"/>
                   <a:ea typeface="Arial Unicode MS" panose="020B0604020202020204" pitchFamily="34" charset="-128"/>
                 </a:rPr>
@@ -3780,21 +3398,18 @@
               </a:r>
               <a:br>
                 <a:rPr lang="en-US" sz="1000" b="1">
-                  <a:effectLst/>
                   <a:latin typeface="Times New Roman" panose="02020603050405020304" pitchFamily="18" charset="0"/>
                   <a:ea typeface="Arial Unicode MS" panose="020B0604020202020204" pitchFamily="34" charset="-128"/>
                 </a:rPr>
               </a:br>
               <a:r>
                 <a:rPr lang="en-US" sz="1000" b="1">
-                  <a:effectLst/>
                   <a:latin typeface="Times New Roman" panose="02020603050405020304" pitchFamily="18" charset="0"/>
                   <a:ea typeface="Arial Unicode MS" panose="020B0604020202020204" pitchFamily="34" charset="-128"/>
                 </a:rPr>
                 <a:t>Clinical Data Source</a:t>
               </a:r>
               <a:endParaRPr lang="en-US" sz="1200">
-                <a:effectLst/>
                 <a:latin typeface="Times New Roman" panose="02020603050405020304" pitchFamily="18" charset="0"/>
                 <a:ea typeface="Times New Roman" panose="02020603050405020304" pitchFamily="18" charset="0"/>
               </a:endParaRPr>
@@ -3829,14 +3444,14 @@
             </a:ln>
             <a:extLst>
               <a:ext uri="{909E8E84-426E-40dd-AFC4-6F175D3DCCD1}">
-                <a14:hiddenFill xmlns:wpc="http://schemas.microsoft.com/office/word/2010/wordprocessingCanvas" xmlns:mc="http://schemas.openxmlformats.org/markup-compatibility/2006" xmlns:m="http://schemas.openxmlformats.org/officeDocument/2006/math" xmlns:wp14="http://schemas.microsoft.com/office/word/2010/wordprocessingDrawing" xmlns:wp="http://schemas.openxmlformats.org/drawingml/2006/wordprocessingDrawing" xmlns:w14="http://schemas.microsoft.com/office/word/2010/wordml" xmlns:w15="http://schemas.microsoft.com/office/word/2012/wordml" xmlns:wpg="http://schemas.microsoft.com/office/word/2010/wordprocessingGroup" xmlns:wpi="http://schemas.microsoft.com/office/word/2010/wordprocessingInk" xmlns:wne="http://schemas.microsoft.com/office/word/2006/wordml" xmlns:wps="http://schemas.microsoft.com/office/word/2010/wordprocessingShape" xmlns:cx="http://schemas.microsoft.com/office/drawing/2014/chartex" xmlns:cx1="http://schemas.microsoft.com/office/drawing/2015/9/8/chartex" xmlns:cx2="http://schemas.microsoft.com/office/drawing/2015/10/21/chartex" xmlns:cx3="http://schemas.microsoft.com/office/drawing/2016/5/9/chartex" xmlns:cx4="http://schemas.microsoft.com/office/drawing/2016/5/10/chartex" xmlns:cx5="http://schemas.microsoft.com/office/drawing/2016/5/11/chartex" xmlns:cx6="http://schemas.microsoft.com/office/drawing/2016/5/12/chartex" xmlns:cx7="http://schemas.microsoft.com/office/drawing/2016/5/13/chartex" xmlns:cx8="http://schemas.microsoft.com/office/drawing/2016/5/14/chartex" xmlns:aink="http://schemas.microsoft.com/office/drawing/2016/ink" xmlns:am3d="http://schemas.microsoft.com/office/drawing/2017/model3d" xmlns:w16cid="http://schemas.microsoft.com/office/word/2016/wordml/cid" xmlns:w16se="http://schemas.microsoft.com/office/word/2015/wordml/symex" xmlns:a14="http://schemas.microsoft.com/office/drawing/2010/main" xmlns:w="http://schemas.openxmlformats.org/wordprocessingml/2006/main" xmlns:w10="urn:schemas-microsoft-com:office:word" xmlns:v="urn:schemas-microsoft-com:vml" xmlns:o="urn:schemas-microsoft-com:office:office" xmlns:mv="urn:schemas-microsoft-com:mac:vml" xmlns:mo="http://schemas.microsoft.com/office/mac/office/2008/main" xmlns="" xmlns:arto="http://schemas.microsoft.com/office/word/2006/arto" xmlns:lc="http://schemas.openxmlformats.org/drawingml/2006/lockedCanvas">
+                <a14:hiddenFill xmlns:lc="http://schemas.openxmlformats.org/drawingml/2006/lockedCanvas" xmlns:arto="http://schemas.microsoft.com/office/word/2006/arto" xmlns="" xmlns:mo="http://schemas.microsoft.com/office/mac/office/2008/main" xmlns:mv="urn:schemas-microsoft-com:mac:vml" xmlns:o="urn:schemas-microsoft-com:office:office" xmlns:v="urn:schemas-microsoft-com:vml" xmlns:w10="urn:schemas-microsoft-com:office:word" xmlns:w="http://schemas.openxmlformats.org/wordprocessingml/2006/main" xmlns:a14="http://schemas.microsoft.com/office/drawing/2010/main" xmlns:w16se="http://schemas.microsoft.com/office/word/2015/wordml/symex" xmlns:w16cid="http://schemas.microsoft.com/office/word/2016/wordml/cid" xmlns:am3d="http://schemas.microsoft.com/office/drawing/2017/model3d" xmlns:aink="http://schemas.microsoft.com/office/drawing/2016/ink" xmlns:cx8="http://schemas.microsoft.com/office/drawing/2016/5/14/chartex" xmlns:cx7="http://schemas.microsoft.com/office/drawing/2016/5/13/chartex" xmlns:cx6="http://schemas.microsoft.com/office/drawing/2016/5/12/chartex" xmlns:cx5="http://schemas.microsoft.com/office/drawing/2016/5/11/chartex" xmlns:cx4="http://schemas.microsoft.com/office/drawing/2016/5/10/chartex" xmlns:cx3="http://schemas.microsoft.com/office/drawing/2016/5/9/chartex" xmlns:cx2="http://schemas.microsoft.com/office/drawing/2015/10/21/chartex" xmlns:cx1="http://schemas.microsoft.com/office/drawing/2015/9/8/chartex" xmlns:cx="http://schemas.microsoft.com/office/drawing/2014/chartex" xmlns:wps="http://schemas.microsoft.com/office/word/2010/wordprocessingShape" xmlns:wne="http://schemas.microsoft.com/office/word/2006/wordml" xmlns:wpi="http://schemas.microsoft.com/office/word/2010/wordprocessingInk" xmlns:wpg="http://schemas.microsoft.com/office/word/2010/wordprocessingGroup" xmlns:w15="http://schemas.microsoft.com/office/word/2012/wordml" xmlns:w14="http://schemas.microsoft.com/office/word/2010/wordml" xmlns:wp="http://schemas.openxmlformats.org/drawingml/2006/wordprocessingDrawing" xmlns:wp14="http://schemas.microsoft.com/office/word/2010/wordprocessingDrawing" xmlns:m="http://schemas.openxmlformats.org/officeDocument/2006/math" xmlns:mc="http://schemas.openxmlformats.org/markup-compatibility/2006" xmlns:wpc="http://schemas.microsoft.com/office/word/2010/wordprocessingCanvas">
                   <a:solidFill>
                     <a:srgbClr val="FFFFFF"/>
                   </a:solidFill>
                 </a14:hiddenFill>
               </a:ext>
               <a:ext uri="{91240B29-F687-4f45-9708-019B960494DF}">
-                <a14:hiddenLine xmlns:wpc="http://schemas.microsoft.com/office/word/2010/wordprocessingCanvas" xmlns:mc="http://schemas.openxmlformats.org/markup-compatibility/2006" xmlns:m="http://schemas.openxmlformats.org/officeDocument/2006/math" xmlns:wp14="http://schemas.microsoft.com/office/word/2010/wordprocessingDrawing" xmlns:wp="http://schemas.openxmlformats.org/drawingml/2006/wordprocessingDrawing" xmlns:w14="http://schemas.microsoft.com/office/word/2010/wordml" xmlns:w15="http://schemas.microsoft.com/office/word/2012/wordml" xmlns:wpg="http://schemas.microsoft.com/office/word/2010/wordprocessingGroup" xmlns:wpi="http://schemas.microsoft.com/office/word/2010/wordprocessingInk" xmlns:wne="http://schemas.microsoft.com/office/word/2006/wordml" xmlns:wps="http://schemas.microsoft.com/office/word/2010/wordprocessingShape" xmlns:cx="http://schemas.microsoft.com/office/drawing/2014/chartex" xmlns:cx1="http://schemas.microsoft.com/office/drawing/2015/9/8/chartex" xmlns:cx2="http://schemas.microsoft.com/office/drawing/2015/10/21/chartex" xmlns:cx3="http://schemas.microsoft.com/office/drawing/2016/5/9/chartex" xmlns:cx4="http://schemas.microsoft.com/office/drawing/2016/5/10/chartex" xmlns:cx5="http://schemas.microsoft.com/office/drawing/2016/5/11/chartex" xmlns:cx6="http://schemas.microsoft.com/office/drawing/2016/5/12/chartex" xmlns:cx7="http://schemas.microsoft.com/office/drawing/2016/5/13/chartex" xmlns:cx8="http://schemas.microsoft.com/office/drawing/2016/5/14/chartex" xmlns:aink="http://schemas.microsoft.com/office/drawing/2016/ink" xmlns:am3d="http://schemas.microsoft.com/office/drawing/2017/model3d" xmlns:w16cid="http://schemas.microsoft.com/office/word/2016/wordml/cid" xmlns:w16se="http://schemas.microsoft.com/office/word/2015/wordml/symex" xmlns:a14="http://schemas.microsoft.com/office/drawing/2010/main" xmlns:w="http://schemas.openxmlformats.org/wordprocessingml/2006/main" xmlns:w10="urn:schemas-microsoft-com:office:word" xmlns:v="urn:schemas-microsoft-com:vml" xmlns:o="urn:schemas-microsoft-com:office:office" xmlns:mv="urn:schemas-microsoft-com:mac:vml" xmlns:mo="http://schemas.microsoft.com/office/mac/office/2008/main" xmlns="" xmlns:arto="http://schemas.microsoft.com/office/word/2006/arto" xmlns:lc="http://schemas.openxmlformats.org/drawingml/2006/lockedCanvas" w="9525">
+                <a14:hiddenLine xmlns:lc="http://schemas.openxmlformats.org/drawingml/2006/lockedCanvas" xmlns:arto="http://schemas.microsoft.com/office/word/2006/arto" xmlns="" xmlns:mo="http://schemas.microsoft.com/office/mac/office/2008/main" xmlns:mv="urn:schemas-microsoft-com:mac:vml" xmlns:o="urn:schemas-microsoft-com:office:office" xmlns:v="urn:schemas-microsoft-com:vml" xmlns:w10="urn:schemas-microsoft-com:office:word" xmlns:w="http://schemas.openxmlformats.org/wordprocessingml/2006/main" xmlns:a14="http://schemas.microsoft.com/office/drawing/2010/main" xmlns:w16se="http://schemas.microsoft.com/office/word/2015/wordml/symex" xmlns:w16cid="http://schemas.microsoft.com/office/word/2016/wordml/cid" xmlns:am3d="http://schemas.microsoft.com/office/drawing/2017/model3d" xmlns:aink="http://schemas.microsoft.com/office/drawing/2016/ink" xmlns:cx8="http://schemas.microsoft.com/office/drawing/2016/5/14/chartex" xmlns:cx7="http://schemas.microsoft.com/office/drawing/2016/5/13/chartex" xmlns:cx6="http://schemas.microsoft.com/office/drawing/2016/5/12/chartex" xmlns:cx5="http://schemas.microsoft.com/office/drawing/2016/5/11/chartex" xmlns:cx4="http://schemas.microsoft.com/office/drawing/2016/5/10/chartex" xmlns:cx3="http://schemas.microsoft.com/office/drawing/2016/5/9/chartex" xmlns:cx2="http://schemas.microsoft.com/office/drawing/2015/10/21/chartex" xmlns:cx1="http://schemas.microsoft.com/office/drawing/2015/9/8/chartex" xmlns:cx="http://schemas.microsoft.com/office/drawing/2014/chartex" xmlns:wps="http://schemas.microsoft.com/office/word/2010/wordprocessingShape" xmlns:wne="http://schemas.microsoft.com/office/word/2006/wordml" xmlns:wpi="http://schemas.microsoft.com/office/word/2010/wordprocessingInk" xmlns:wpg="http://schemas.microsoft.com/office/word/2010/wordprocessingGroup" xmlns:w15="http://schemas.microsoft.com/office/word/2012/wordml" xmlns:w14="http://schemas.microsoft.com/office/word/2010/wordml" xmlns:wp="http://schemas.openxmlformats.org/drawingml/2006/wordprocessingDrawing" xmlns:wp14="http://schemas.microsoft.com/office/word/2010/wordprocessingDrawing" xmlns:m="http://schemas.openxmlformats.org/officeDocument/2006/math" xmlns:mc="http://schemas.openxmlformats.org/markup-compatibility/2006" xmlns:wpc="http://schemas.microsoft.com/office/word/2010/wordprocessingCanvas" w="9525">
                   <a:solidFill>
                     <a:srgbClr val="000000"/>
                   </a:solidFill>
@@ -3853,17 +3468,9 @@
             </a:bodyPr>
             <a:lstStyle/>
             <a:p>
-              <a:pPr marL="0" marR="0" algn="r">
-                <a:spcBef>
-                  <a:spcPts val="0"/>
-                </a:spcBef>
-                <a:spcAft>
-                  <a:spcPts val="0"/>
-                </a:spcAft>
-              </a:pPr>
+              <a:pPr algn="r"/>
               <a:r>
                 <a:rPr lang="it-IT" sz="900">
-                  <a:effectLst/>
                   <a:latin typeface="Times New Roman" panose="02020603050405020304" pitchFamily="18" charset="0"/>
                   <a:ea typeface="Arial Unicode MS" panose="020B0604020202020204" pitchFamily="34" charset="-128"/>
                 </a:rPr>
@@ -3871,14 +3478,12 @@
               </a:r>
               <a:br>
                 <a:rPr lang="it-IT" sz="900">
-                  <a:effectLst/>
                   <a:latin typeface="Times New Roman" panose="02020603050405020304" pitchFamily="18" charset="0"/>
                   <a:ea typeface="Arial Unicode MS" panose="020B0604020202020204" pitchFamily="34" charset="-128"/>
                 </a:rPr>
               </a:br>
               <a:r>
                 <a:rPr lang="it-IT" sz="900">
-                  <a:effectLst/>
                   <a:latin typeface="Times New Roman" panose="02020603050405020304" pitchFamily="18" charset="0"/>
                   <a:ea typeface="Arial Unicode MS" panose="020B0604020202020204" pitchFamily="34" charset="-128"/>
                 </a:rPr>
@@ -3886,37 +3491,30 @@
               </a:r>
               <a:r>
                 <a:rPr lang="it-IT" sz="900">
-                  <a:effectLst/>
                   <a:latin typeface="Times New Roman" panose="02020603050405020304" pitchFamily="18" charset="0"/>
                   <a:ea typeface="Times New Roman" panose="02020603050405020304" pitchFamily="18" charset="0"/>
                 </a:rPr>
                 <a:t>[ITI-43]</a:t>
               </a:r>
               <a:endParaRPr lang="en-US" sz="1200">
-                <a:effectLst/>
                 <a:latin typeface="Times New Roman" panose="02020603050405020304" pitchFamily="18" charset="0"/>
                 <a:ea typeface="Times New Roman" panose="02020603050405020304" pitchFamily="18" charset="0"/>
               </a:endParaRPr>
             </a:p>
             <a:p>
-              <a:pPr marL="0" marR="0" algn="r">
+              <a:pPr algn="r">
                 <a:spcBef>
                   <a:spcPts val="600"/>
                 </a:spcBef>
-                <a:spcAft>
-                  <a:spcPts val="0"/>
-                </a:spcAft>
               </a:pPr>
               <a:r>
                 <a:rPr lang="it-IT" sz="1100">
-                  <a:effectLst/>
                   <a:latin typeface="Arial" panose="020B0604020202020204" pitchFamily="34" charset="0"/>
                   <a:ea typeface="Times New Roman" panose="02020603050405020304" pitchFamily="18" charset="0"/>
                 </a:rPr>
                 <a:t> </a:t>
               </a:r>
               <a:endParaRPr lang="en-US" sz="1200">
-                <a:effectLst/>
                 <a:latin typeface="Times New Roman" panose="02020603050405020304" pitchFamily="18" charset="0"/>
                 <a:ea typeface="Times New Roman" panose="02020603050405020304" pitchFamily="18" charset="0"/>
               </a:endParaRPr>
@@ -3958,7 +3556,7 @@
             </a:ln>
             <a:extLst>
               <a:ext uri="{909E8E84-426E-40dd-AFC4-6F175D3DCCD1}">
-                <a14:hiddenFill xmlns:wpc="http://schemas.microsoft.com/office/word/2010/wordprocessingCanvas" xmlns:mc="http://schemas.openxmlformats.org/markup-compatibility/2006" xmlns:m="http://schemas.openxmlformats.org/officeDocument/2006/math" xmlns:wp14="http://schemas.microsoft.com/office/word/2010/wordprocessingDrawing" xmlns:wp="http://schemas.openxmlformats.org/drawingml/2006/wordprocessingDrawing" xmlns:w14="http://schemas.microsoft.com/office/word/2010/wordml" xmlns:w15="http://schemas.microsoft.com/office/word/2012/wordml" xmlns:wpg="http://schemas.microsoft.com/office/word/2010/wordprocessingGroup" xmlns:wpi="http://schemas.microsoft.com/office/word/2010/wordprocessingInk" xmlns:wne="http://schemas.microsoft.com/office/word/2006/wordml" xmlns:wps="http://schemas.microsoft.com/office/word/2010/wordprocessingShape" xmlns:cx="http://schemas.microsoft.com/office/drawing/2014/chartex" xmlns:cx1="http://schemas.microsoft.com/office/drawing/2015/9/8/chartex" xmlns:cx2="http://schemas.microsoft.com/office/drawing/2015/10/21/chartex" xmlns:cx3="http://schemas.microsoft.com/office/drawing/2016/5/9/chartex" xmlns:cx4="http://schemas.microsoft.com/office/drawing/2016/5/10/chartex" xmlns:cx5="http://schemas.microsoft.com/office/drawing/2016/5/11/chartex" xmlns:cx6="http://schemas.microsoft.com/office/drawing/2016/5/12/chartex" xmlns:cx7="http://schemas.microsoft.com/office/drawing/2016/5/13/chartex" xmlns:cx8="http://schemas.microsoft.com/office/drawing/2016/5/14/chartex" xmlns:aink="http://schemas.microsoft.com/office/drawing/2016/ink" xmlns:am3d="http://schemas.microsoft.com/office/drawing/2017/model3d" xmlns:w16cid="http://schemas.microsoft.com/office/word/2016/wordml/cid" xmlns:w16se="http://schemas.microsoft.com/office/word/2015/wordml/symex" xmlns:a14="http://schemas.microsoft.com/office/drawing/2010/main" xmlns:w="http://schemas.openxmlformats.org/wordprocessingml/2006/main" xmlns:w10="urn:schemas-microsoft-com:office:word" xmlns:v="urn:schemas-microsoft-com:vml" xmlns:o="urn:schemas-microsoft-com:office:office" xmlns:mv="urn:schemas-microsoft-com:mac:vml" xmlns:mo="http://schemas.microsoft.com/office/mac/office/2008/main" xmlns="" xmlns:arto="http://schemas.microsoft.com/office/word/2006/arto" xmlns:lc="http://schemas.openxmlformats.org/drawingml/2006/lockedCanvas">
+                <a14:hiddenFill xmlns:lc="http://schemas.openxmlformats.org/drawingml/2006/lockedCanvas" xmlns:arto="http://schemas.microsoft.com/office/word/2006/arto" xmlns="" xmlns:mo="http://schemas.microsoft.com/office/mac/office/2008/main" xmlns:mv="urn:schemas-microsoft-com:mac:vml" xmlns:o="urn:schemas-microsoft-com:office:office" xmlns:v="urn:schemas-microsoft-com:vml" xmlns:w10="urn:schemas-microsoft-com:office:word" xmlns:w="http://schemas.openxmlformats.org/wordprocessingml/2006/main" xmlns:a14="http://schemas.microsoft.com/office/drawing/2010/main" xmlns:w16se="http://schemas.microsoft.com/office/word/2015/wordml/symex" xmlns:w16cid="http://schemas.microsoft.com/office/word/2016/wordml/cid" xmlns:am3d="http://schemas.microsoft.com/office/drawing/2017/model3d" xmlns:aink="http://schemas.microsoft.com/office/drawing/2016/ink" xmlns:cx8="http://schemas.microsoft.com/office/drawing/2016/5/14/chartex" xmlns:cx7="http://schemas.microsoft.com/office/drawing/2016/5/13/chartex" xmlns:cx6="http://schemas.microsoft.com/office/drawing/2016/5/12/chartex" xmlns:cx5="http://schemas.microsoft.com/office/drawing/2016/5/11/chartex" xmlns:cx4="http://schemas.microsoft.com/office/drawing/2016/5/10/chartex" xmlns:cx3="http://schemas.microsoft.com/office/drawing/2016/5/9/chartex" xmlns:cx2="http://schemas.microsoft.com/office/drawing/2015/10/21/chartex" xmlns:cx1="http://schemas.microsoft.com/office/drawing/2015/9/8/chartex" xmlns:cx="http://schemas.microsoft.com/office/drawing/2014/chartex" xmlns:wps="http://schemas.microsoft.com/office/word/2010/wordprocessingShape" xmlns:wne="http://schemas.microsoft.com/office/word/2006/wordml" xmlns:wpi="http://schemas.microsoft.com/office/word/2010/wordprocessingInk" xmlns:wpg="http://schemas.microsoft.com/office/word/2010/wordprocessingGroup" xmlns:w15="http://schemas.microsoft.com/office/word/2012/wordml" xmlns:w14="http://schemas.microsoft.com/office/word/2010/wordml" xmlns:wp="http://schemas.openxmlformats.org/drawingml/2006/wordprocessingDrawing" xmlns:wp14="http://schemas.microsoft.com/office/word/2010/wordprocessingDrawing" xmlns:m="http://schemas.openxmlformats.org/officeDocument/2006/math" xmlns:mc="http://schemas.openxmlformats.org/markup-compatibility/2006" xmlns:wpc="http://schemas.microsoft.com/office/word/2010/wordprocessingCanvas">
                   <a:noFill/>
                 </a14:hiddenFill>
               </a:ext>
@@ -3999,7 +3597,7 @@
             </a:ln>
             <a:extLst>
               <a:ext uri="{909E8E84-426E-40dd-AFC4-6F175D3DCCD1}">
-                <a14:hiddenFill xmlns:wpc="http://schemas.microsoft.com/office/word/2010/wordprocessingCanvas" xmlns:mc="http://schemas.openxmlformats.org/markup-compatibility/2006" xmlns:m="http://schemas.openxmlformats.org/officeDocument/2006/math" xmlns:wp14="http://schemas.microsoft.com/office/word/2010/wordprocessingDrawing" xmlns:wp="http://schemas.openxmlformats.org/drawingml/2006/wordprocessingDrawing" xmlns:w14="http://schemas.microsoft.com/office/word/2010/wordml" xmlns:w15="http://schemas.microsoft.com/office/word/2012/wordml" xmlns:wpg="http://schemas.microsoft.com/office/word/2010/wordprocessingGroup" xmlns:wpi="http://schemas.microsoft.com/office/word/2010/wordprocessingInk" xmlns:wne="http://schemas.microsoft.com/office/word/2006/wordml" xmlns:wps="http://schemas.microsoft.com/office/word/2010/wordprocessingShape" xmlns:cx="http://schemas.microsoft.com/office/drawing/2014/chartex" xmlns:cx1="http://schemas.microsoft.com/office/drawing/2015/9/8/chartex" xmlns:cx2="http://schemas.microsoft.com/office/drawing/2015/10/21/chartex" xmlns:cx3="http://schemas.microsoft.com/office/drawing/2016/5/9/chartex" xmlns:cx4="http://schemas.microsoft.com/office/drawing/2016/5/10/chartex" xmlns:cx5="http://schemas.microsoft.com/office/drawing/2016/5/11/chartex" xmlns:cx6="http://schemas.microsoft.com/office/drawing/2016/5/12/chartex" xmlns:cx7="http://schemas.microsoft.com/office/drawing/2016/5/13/chartex" xmlns:cx8="http://schemas.microsoft.com/office/drawing/2016/5/14/chartex" xmlns:aink="http://schemas.microsoft.com/office/drawing/2016/ink" xmlns:am3d="http://schemas.microsoft.com/office/drawing/2017/model3d" xmlns:w16cid="http://schemas.microsoft.com/office/word/2016/wordml/cid" xmlns:w16se="http://schemas.microsoft.com/office/word/2015/wordml/symex" xmlns:a14="http://schemas.microsoft.com/office/drawing/2010/main" xmlns:w="http://schemas.openxmlformats.org/wordprocessingml/2006/main" xmlns:w10="urn:schemas-microsoft-com:office:word" xmlns:v="urn:schemas-microsoft-com:vml" xmlns:o="urn:schemas-microsoft-com:office:office" xmlns:mv="urn:schemas-microsoft-com:mac:vml" xmlns:mo="http://schemas.microsoft.com/office/mac/office/2008/main" xmlns="" xmlns:arto="http://schemas.microsoft.com/office/word/2006/arto" xmlns:lc="http://schemas.openxmlformats.org/drawingml/2006/lockedCanvas">
+                <a14:hiddenFill xmlns:lc="http://schemas.openxmlformats.org/drawingml/2006/lockedCanvas" xmlns:arto="http://schemas.microsoft.com/office/word/2006/arto" xmlns="" xmlns:mo="http://schemas.microsoft.com/office/mac/office/2008/main" xmlns:mv="urn:schemas-microsoft-com:mac:vml" xmlns:o="urn:schemas-microsoft-com:office:office" xmlns:v="urn:schemas-microsoft-com:vml" xmlns:w10="urn:schemas-microsoft-com:office:word" xmlns:w="http://schemas.openxmlformats.org/wordprocessingml/2006/main" xmlns:a14="http://schemas.microsoft.com/office/drawing/2010/main" xmlns:w16se="http://schemas.microsoft.com/office/word/2015/wordml/symex" xmlns:w16cid="http://schemas.microsoft.com/office/word/2016/wordml/cid" xmlns:am3d="http://schemas.microsoft.com/office/drawing/2017/model3d" xmlns:aink="http://schemas.microsoft.com/office/drawing/2016/ink" xmlns:cx8="http://schemas.microsoft.com/office/drawing/2016/5/14/chartex" xmlns:cx7="http://schemas.microsoft.com/office/drawing/2016/5/13/chartex" xmlns:cx6="http://schemas.microsoft.com/office/drawing/2016/5/12/chartex" xmlns:cx5="http://schemas.microsoft.com/office/drawing/2016/5/11/chartex" xmlns:cx4="http://schemas.microsoft.com/office/drawing/2016/5/10/chartex" xmlns:cx3="http://schemas.microsoft.com/office/drawing/2016/5/9/chartex" xmlns:cx2="http://schemas.microsoft.com/office/drawing/2015/10/21/chartex" xmlns:cx1="http://schemas.microsoft.com/office/drawing/2015/9/8/chartex" xmlns:cx="http://schemas.microsoft.com/office/drawing/2014/chartex" xmlns:wps="http://schemas.microsoft.com/office/word/2010/wordprocessingShape" xmlns:wne="http://schemas.microsoft.com/office/word/2006/wordml" xmlns:wpi="http://schemas.microsoft.com/office/word/2010/wordprocessingInk" xmlns:wpg="http://schemas.microsoft.com/office/word/2010/wordprocessingGroup" xmlns:w15="http://schemas.microsoft.com/office/word/2012/wordml" xmlns:w14="http://schemas.microsoft.com/office/word/2010/wordml" xmlns:wp="http://schemas.openxmlformats.org/drawingml/2006/wordprocessingDrawing" xmlns:wp14="http://schemas.microsoft.com/office/word/2010/wordprocessingDrawing" xmlns:m="http://schemas.openxmlformats.org/officeDocument/2006/math" xmlns:mc="http://schemas.openxmlformats.org/markup-compatibility/2006" xmlns:wpc="http://schemas.microsoft.com/office/word/2010/wordprocessingCanvas">
                   <a:solidFill>
                     <a:srgbClr val="FFFFFF"/>
                   </a:solidFill>
@@ -4013,17 +3611,9 @@
             </a:bodyPr>
             <a:lstStyle/>
             <a:p>
-              <a:pPr marL="0" marR="0" algn="ctr">
-                <a:spcBef>
-                  <a:spcPts val="0"/>
-                </a:spcBef>
-                <a:spcAft>
-                  <a:spcPts val="0"/>
-                </a:spcAft>
-              </a:pPr>
+              <a:pPr algn="ctr"/>
               <a:r>
                 <a:rPr lang="en-US" sz="1000" b="1">
-                  <a:effectLst/>
                   <a:latin typeface="Times New Roman" panose="02020603050405020304" pitchFamily="18" charset="0"/>
                   <a:ea typeface="Arial Unicode MS" panose="020B0604020202020204" pitchFamily="34" charset="-128"/>
                 </a:rPr>
@@ -4031,21 +3621,18 @@
               </a:r>
               <a:br>
                 <a:rPr lang="en-US" sz="1000" b="1">
-                  <a:effectLst/>
                   <a:latin typeface="Times New Roman" panose="02020603050405020304" pitchFamily="18" charset="0"/>
                   <a:ea typeface="Arial Unicode MS" panose="020B0604020202020204" pitchFamily="34" charset="-128"/>
                 </a:rPr>
               </a:br>
               <a:r>
                 <a:rPr lang="en-US" sz="1000" b="1">
-                  <a:effectLst/>
                   <a:latin typeface="Times New Roman" panose="02020603050405020304" pitchFamily="18" charset="0"/>
                   <a:ea typeface="Arial Unicode MS" panose="020B0604020202020204" pitchFamily="34" charset="-128"/>
                 </a:rPr>
                 <a:t>Document Consumer</a:t>
               </a:r>
               <a:endParaRPr lang="en-US" sz="1200">
-                <a:effectLst/>
                 <a:latin typeface="Times New Roman" panose="02020603050405020304" pitchFamily="18" charset="0"/>
                 <a:ea typeface="Times New Roman" panose="02020603050405020304" pitchFamily="18" charset="0"/>
               </a:endParaRPr>
@@ -4086,7 +3673,7 @@
             </a:ln>
             <a:extLst>
               <a:ext uri="{909E8E84-426E-40dd-AFC4-6F175D3DCCD1}">
-                <a14:hiddenFill xmlns:wpc="http://schemas.microsoft.com/office/word/2010/wordprocessingCanvas" xmlns:mc="http://schemas.openxmlformats.org/markup-compatibility/2006" xmlns:m="http://schemas.openxmlformats.org/officeDocument/2006/math" xmlns:wp14="http://schemas.microsoft.com/office/word/2010/wordprocessingDrawing" xmlns:wp="http://schemas.openxmlformats.org/drawingml/2006/wordprocessingDrawing" xmlns:w14="http://schemas.microsoft.com/office/word/2010/wordml" xmlns:w15="http://schemas.microsoft.com/office/word/2012/wordml" xmlns:wpg="http://schemas.microsoft.com/office/word/2010/wordprocessingGroup" xmlns:wpi="http://schemas.microsoft.com/office/word/2010/wordprocessingInk" xmlns:wne="http://schemas.microsoft.com/office/word/2006/wordml" xmlns:wps="http://schemas.microsoft.com/office/word/2010/wordprocessingShape" xmlns:cx="http://schemas.microsoft.com/office/drawing/2014/chartex" xmlns:cx1="http://schemas.microsoft.com/office/drawing/2015/9/8/chartex" xmlns:cx2="http://schemas.microsoft.com/office/drawing/2015/10/21/chartex" xmlns:cx3="http://schemas.microsoft.com/office/drawing/2016/5/9/chartex" xmlns:cx4="http://schemas.microsoft.com/office/drawing/2016/5/10/chartex" xmlns:cx5="http://schemas.microsoft.com/office/drawing/2016/5/11/chartex" xmlns:cx6="http://schemas.microsoft.com/office/drawing/2016/5/12/chartex" xmlns:cx7="http://schemas.microsoft.com/office/drawing/2016/5/13/chartex" xmlns:cx8="http://schemas.microsoft.com/office/drawing/2016/5/14/chartex" xmlns:aink="http://schemas.microsoft.com/office/drawing/2016/ink" xmlns:am3d="http://schemas.microsoft.com/office/drawing/2017/model3d" xmlns:w16cid="http://schemas.microsoft.com/office/word/2016/wordml/cid" xmlns:w16se="http://schemas.microsoft.com/office/word/2015/wordml/symex" xmlns:a14="http://schemas.microsoft.com/office/drawing/2010/main" xmlns:w="http://schemas.openxmlformats.org/wordprocessingml/2006/main" xmlns:w10="urn:schemas-microsoft-com:office:word" xmlns:v="urn:schemas-microsoft-com:vml" xmlns:o="urn:schemas-microsoft-com:office:office" xmlns:mv="urn:schemas-microsoft-com:mac:vml" xmlns:mo="http://schemas.microsoft.com/office/mac/office/2008/main" xmlns="" xmlns:arto="http://schemas.microsoft.com/office/word/2006/arto" xmlns:lc="http://schemas.openxmlformats.org/drawingml/2006/lockedCanvas">
+                <a14:hiddenFill xmlns:lc="http://schemas.openxmlformats.org/drawingml/2006/lockedCanvas" xmlns:arto="http://schemas.microsoft.com/office/word/2006/arto" xmlns="" xmlns:mo="http://schemas.microsoft.com/office/mac/office/2008/main" xmlns:mv="urn:schemas-microsoft-com:mac:vml" xmlns:o="urn:schemas-microsoft-com:office:office" xmlns:v="urn:schemas-microsoft-com:vml" xmlns:w10="urn:schemas-microsoft-com:office:word" xmlns:w="http://schemas.openxmlformats.org/wordprocessingml/2006/main" xmlns:a14="http://schemas.microsoft.com/office/drawing/2010/main" xmlns:w16se="http://schemas.microsoft.com/office/word/2015/wordml/symex" xmlns:w16cid="http://schemas.microsoft.com/office/word/2016/wordml/cid" xmlns:am3d="http://schemas.microsoft.com/office/drawing/2017/model3d" xmlns:aink="http://schemas.microsoft.com/office/drawing/2016/ink" xmlns:cx8="http://schemas.microsoft.com/office/drawing/2016/5/14/chartex" xmlns:cx7="http://schemas.microsoft.com/office/drawing/2016/5/13/chartex" xmlns:cx6="http://schemas.microsoft.com/office/drawing/2016/5/12/chartex" xmlns:cx5="http://schemas.microsoft.com/office/drawing/2016/5/11/chartex" xmlns:cx4="http://schemas.microsoft.com/office/drawing/2016/5/10/chartex" xmlns:cx3="http://schemas.microsoft.com/office/drawing/2016/5/9/chartex" xmlns:cx2="http://schemas.microsoft.com/office/drawing/2015/10/21/chartex" xmlns:cx1="http://schemas.microsoft.com/office/drawing/2015/9/8/chartex" xmlns:cx="http://schemas.microsoft.com/office/drawing/2014/chartex" xmlns:wps="http://schemas.microsoft.com/office/word/2010/wordprocessingShape" xmlns:wne="http://schemas.microsoft.com/office/word/2006/wordml" xmlns:wpi="http://schemas.microsoft.com/office/word/2010/wordprocessingInk" xmlns:wpg="http://schemas.microsoft.com/office/word/2010/wordprocessingGroup" xmlns:w15="http://schemas.microsoft.com/office/word/2012/wordml" xmlns:w14="http://schemas.microsoft.com/office/word/2010/wordml" xmlns:wp="http://schemas.openxmlformats.org/drawingml/2006/wordprocessingDrawing" xmlns:wp14="http://schemas.microsoft.com/office/word/2010/wordprocessingDrawing" xmlns:m="http://schemas.openxmlformats.org/officeDocument/2006/math" xmlns:mc="http://schemas.openxmlformats.org/markup-compatibility/2006" xmlns:wpc="http://schemas.microsoft.com/office/word/2010/wordprocessingCanvas">
                   <a:solidFill>
                     <a:srgbClr val="FFFFFF"/>
                   </a:solidFill>
@@ -4100,17 +3687,9 @@
             </a:bodyPr>
             <a:lstStyle/>
             <a:p>
-              <a:pPr marL="0" marR="0" algn="ctr">
-                <a:spcBef>
-                  <a:spcPts val="0"/>
-                </a:spcBef>
-                <a:spcAft>
-                  <a:spcPts val="0"/>
-                </a:spcAft>
-              </a:pPr>
+              <a:pPr algn="ctr"/>
               <a:r>
                 <a:rPr lang="en-US" sz="1000" b="1">
-                  <a:effectLst/>
                   <a:latin typeface="Times New Roman" panose="02020603050405020304" pitchFamily="18" charset="0"/>
                   <a:ea typeface="Arial Unicode MS" panose="020B0604020202020204" pitchFamily="34" charset="-128"/>
                 </a:rPr>
@@ -4118,21 +3697,18 @@
               </a:r>
               <a:br>
                 <a:rPr lang="en-US" sz="1000" b="1">
-                  <a:effectLst/>
                   <a:latin typeface="Times New Roman" panose="02020603050405020304" pitchFamily="18" charset="0"/>
                   <a:ea typeface="Arial Unicode MS" panose="020B0604020202020204" pitchFamily="34" charset="-128"/>
                 </a:rPr>
               </a:br>
               <a:r>
                 <a:rPr lang="en-US" sz="1000" b="1">
-                  <a:effectLst/>
                   <a:latin typeface="Times New Roman" panose="02020603050405020304" pitchFamily="18" charset="0"/>
                   <a:ea typeface="Arial Unicode MS" panose="020B0604020202020204" pitchFamily="34" charset="-128"/>
                 </a:rPr>
                 <a:t>Clinical Data Consumer</a:t>
               </a:r>
               <a:endParaRPr lang="en-US" sz="1200">
-                <a:effectLst/>
                 <a:latin typeface="Times New Roman" panose="02020603050405020304" pitchFamily="18" charset="0"/>
                 <a:ea typeface="Times New Roman" panose="02020603050405020304" pitchFamily="18" charset="0"/>
               </a:endParaRPr>
@@ -4185,20 +3761,12 @@
             </a:bodyPr>
             <a:lstStyle/>
             <a:p>
-              <a:pPr marL="0" marR="0" algn="ctr">
-                <a:spcBef>
-                  <a:spcPts val="0"/>
-                </a:spcBef>
-                <a:spcAft>
-                  <a:spcPts val="0"/>
-                </a:spcAft>
-              </a:pPr>
+              <a:pPr algn="ctr"/>
               <a:r>
                 <a:rPr lang="it-IT" sz="1100" b="1">
                   <a:solidFill>
                     <a:srgbClr val="0D0D0D"/>
                   </a:solidFill>
-                  <a:effectLst/>
                   <a:latin typeface="Times New Roman" panose="02020603050405020304" pitchFamily="18" charset="0"/>
                   <a:ea typeface="Times New Roman" panose="02020603050405020304" pitchFamily="18" charset="0"/>
                 </a:rPr>
@@ -4209,7 +3777,6 @@
                   <a:solidFill>
                     <a:srgbClr val="0D0D0D"/>
                   </a:solidFill>
-                  <a:effectLst/>
                   <a:latin typeface="Times New Roman" panose="02020603050405020304" pitchFamily="18" charset="0"/>
                   <a:ea typeface="Times New Roman" panose="02020603050405020304" pitchFamily="18" charset="0"/>
                 </a:rPr>
@@ -4220,14 +3787,12 @@
                   <a:solidFill>
                     <a:srgbClr val="0D0D0D"/>
                   </a:solidFill>
-                  <a:effectLst/>
                   <a:latin typeface="Times New Roman" panose="02020603050405020304" pitchFamily="18" charset="0"/>
                   <a:ea typeface="Times New Roman" panose="02020603050405020304" pitchFamily="18" charset="0"/>
                 </a:rPr>
                 <a:t>Consumer</a:t>
               </a:r>
               <a:endParaRPr lang="en-US" sz="1200">
-                <a:effectLst/>
                 <a:latin typeface="Times New Roman" panose="02020603050405020304" pitchFamily="18" charset="0"/>
                 <a:ea typeface="Times New Roman" panose="02020603050405020304" pitchFamily="18" charset="0"/>
               </a:endParaRPr>
@@ -4262,14 +3827,14 @@
             </a:ln>
             <a:extLst>
               <a:ext uri="{909E8E84-426E-40dd-AFC4-6F175D3DCCD1}">
-                <a14:hiddenFill xmlns:wpc="http://schemas.microsoft.com/office/word/2010/wordprocessingCanvas" xmlns:mc="http://schemas.openxmlformats.org/markup-compatibility/2006" xmlns:m="http://schemas.openxmlformats.org/officeDocument/2006/math" xmlns:wp14="http://schemas.microsoft.com/office/word/2010/wordprocessingDrawing" xmlns:wp="http://schemas.openxmlformats.org/drawingml/2006/wordprocessingDrawing" xmlns:w14="http://schemas.microsoft.com/office/word/2010/wordml" xmlns:w15="http://schemas.microsoft.com/office/word/2012/wordml" xmlns:wpg="http://schemas.microsoft.com/office/word/2010/wordprocessingGroup" xmlns:wpi="http://schemas.microsoft.com/office/word/2010/wordprocessingInk" xmlns:wne="http://schemas.microsoft.com/office/word/2006/wordml" xmlns:wps="http://schemas.microsoft.com/office/word/2010/wordprocessingShape" xmlns:cx="http://schemas.microsoft.com/office/drawing/2014/chartex" xmlns:cx1="http://schemas.microsoft.com/office/drawing/2015/9/8/chartex" xmlns:cx2="http://schemas.microsoft.com/office/drawing/2015/10/21/chartex" xmlns:cx3="http://schemas.microsoft.com/office/drawing/2016/5/9/chartex" xmlns:cx4="http://schemas.microsoft.com/office/drawing/2016/5/10/chartex" xmlns:cx5="http://schemas.microsoft.com/office/drawing/2016/5/11/chartex" xmlns:cx6="http://schemas.microsoft.com/office/drawing/2016/5/12/chartex" xmlns:cx7="http://schemas.microsoft.com/office/drawing/2016/5/13/chartex" xmlns:cx8="http://schemas.microsoft.com/office/drawing/2016/5/14/chartex" xmlns:aink="http://schemas.microsoft.com/office/drawing/2016/ink" xmlns:am3d="http://schemas.microsoft.com/office/drawing/2017/model3d" xmlns:w16cid="http://schemas.microsoft.com/office/word/2016/wordml/cid" xmlns:w16se="http://schemas.microsoft.com/office/word/2015/wordml/symex" xmlns:a14="http://schemas.microsoft.com/office/drawing/2010/main" xmlns:w="http://schemas.openxmlformats.org/wordprocessingml/2006/main" xmlns:w10="urn:schemas-microsoft-com:office:word" xmlns:v="urn:schemas-microsoft-com:vml" xmlns:o="urn:schemas-microsoft-com:office:office" xmlns:mv="urn:schemas-microsoft-com:mac:vml" xmlns:mo="http://schemas.microsoft.com/office/mac/office/2008/main" xmlns="" xmlns:arto="http://schemas.microsoft.com/office/word/2006/arto" xmlns:lc="http://schemas.openxmlformats.org/drawingml/2006/lockedCanvas">
+                <a14:hiddenFill xmlns:lc="http://schemas.openxmlformats.org/drawingml/2006/lockedCanvas" xmlns:arto="http://schemas.microsoft.com/office/word/2006/arto" xmlns="" xmlns:mo="http://schemas.microsoft.com/office/mac/office/2008/main" xmlns:mv="urn:schemas-microsoft-com:mac:vml" xmlns:o="urn:schemas-microsoft-com:office:office" xmlns:v="urn:schemas-microsoft-com:vml" xmlns:w10="urn:schemas-microsoft-com:office:word" xmlns:w="http://schemas.openxmlformats.org/wordprocessingml/2006/main" xmlns:a14="http://schemas.microsoft.com/office/drawing/2010/main" xmlns:w16se="http://schemas.microsoft.com/office/word/2015/wordml/symex" xmlns:w16cid="http://schemas.microsoft.com/office/word/2016/wordml/cid" xmlns:am3d="http://schemas.microsoft.com/office/drawing/2017/model3d" xmlns:aink="http://schemas.microsoft.com/office/drawing/2016/ink" xmlns:cx8="http://schemas.microsoft.com/office/drawing/2016/5/14/chartex" xmlns:cx7="http://schemas.microsoft.com/office/drawing/2016/5/13/chartex" xmlns:cx6="http://schemas.microsoft.com/office/drawing/2016/5/12/chartex" xmlns:cx5="http://schemas.microsoft.com/office/drawing/2016/5/11/chartex" xmlns:cx4="http://schemas.microsoft.com/office/drawing/2016/5/10/chartex" xmlns:cx3="http://schemas.microsoft.com/office/drawing/2016/5/9/chartex" xmlns:cx2="http://schemas.microsoft.com/office/drawing/2015/10/21/chartex" xmlns:cx1="http://schemas.microsoft.com/office/drawing/2015/9/8/chartex" xmlns:cx="http://schemas.microsoft.com/office/drawing/2014/chartex" xmlns:wps="http://schemas.microsoft.com/office/word/2010/wordprocessingShape" xmlns:wne="http://schemas.microsoft.com/office/word/2006/wordml" xmlns:wpi="http://schemas.microsoft.com/office/word/2010/wordprocessingInk" xmlns:wpg="http://schemas.microsoft.com/office/word/2010/wordprocessingGroup" xmlns:w15="http://schemas.microsoft.com/office/word/2012/wordml" xmlns:w14="http://schemas.microsoft.com/office/word/2010/wordml" xmlns:wp="http://schemas.openxmlformats.org/drawingml/2006/wordprocessingDrawing" xmlns:wp14="http://schemas.microsoft.com/office/word/2010/wordprocessingDrawing" xmlns:m="http://schemas.openxmlformats.org/officeDocument/2006/math" xmlns:mc="http://schemas.openxmlformats.org/markup-compatibility/2006" xmlns:wpc="http://schemas.microsoft.com/office/word/2010/wordprocessingCanvas">
                   <a:solidFill>
                     <a:srgbClr val="FFFFFF"/>
                   </a:solidFill>
                 </a14:hiddenFill>
               </a:ext>
               <a:ext uri="{91240B29-F687-4f45-9708-019B960494DF}">
-                <a14:hiddenLine xmlns:wpc="http://schemas.microsoft.com/office/word/2010/wordprocessingCanvas" xmlns:mc="http://schemas.openxmlformats.org/markup-compatibility/2006" xmlns:m="http://schemas.openxmlformats.org/officeDocument/2006/math" xmlns:wp14="http://schemas.microsoft.com/office/word/2010/wordprocessingDrawing" xmlns:wp="http://schemas.openxmlformats.org/drawingml/2006/wordprocessingDrawing" xmlns:w14="http://schemas.microsoft.com/office/word/2010/wordml" xmlns:w15="http://schemas.microsoft.com/office/word/2012/wordml" xmlns:wpg="http://schemas.microsoft.com/office/word/2010/wordprocessingGroup" xmlns:wpi="http://schemas.microsoft.com/office/word/2010/wordprocessingInk" xmlns:wne="http://schemas.microsoft.com/office/word/2006/wordml" xmlns:wps="http://schemas.microsoft.com/office/word/2010/wordprocessingShape" xmlns:cx="http://schemas.microsoft.com/office/drawing/2014/chartex" xmlns:cx1="http://schemas.microsoft.com/office/drawing/2015/9/8/chartex" xmlns:cx2="http://schemas.microsoft.com/office/drawing/2015/10/21/chartex" xmlns:cx3="http://schemas.microsoft.com/office/drawing/2016/5/9/chartex" xmlns:cx4="http://schemas.microsoft.com/office/drawing/2016/5/10/chartex" xmlns:cx5="http://schemas.microsoft.com/office/drawing/2016/5/11/chartex" xmlns:cx6="http://schemas.microsoft.com/office/drawing/2016/5/12/chartex" xmlns:cx7="http://schemas.microsoft.com/office/drawing/2016/5/13/chartex" xmlns:cx8="http://schemas.microsoft.com/office/drawing/2016/5/14/chartex" xmlns:aink="http://schemas.microsoft.com/office/drawing/2016/ink" xmlns:am3d="http://schemas.microsoft.com/office/drawing/2017/model3d" xmlns:w16cid="http://schemas.microsoft.com/office/word/2016/wordml/cid" xmlns:w16se="http://schemas.microsoft.com/office/word/2015/wordml/symex" xmlns:a14="http://schemas.microsoft.com/office/drawing/2010/main" xmlns:w="http://schemas.openxmlformats.org/wordprocessingml/2006/main" xmlns:w10="urn:schemas-microsoft-com:office:word" xmlns:v="urn:schemas-microsoft-com:vml" xmlns:o="urn:schemas-microsoft-com:office:office" xmlns:mv="urn:schemas-microsoft-com:mac:vml" xmlns:mo="http://schemas.microsoft.com/office/mac/office/2008/main" xmlns="" xmlns:arto="http://schemas.microsoft.com/office/word/2006/arto" xmlns:lc="http://schemas.openxmlformats.org/drawingml/2006/lockedCanvas" w="9525">
+                <a14:hiddenLine xmlns:lc="http://schemas.openxmlformats.org/drawingml/2006/lockedCanvas" xmlns:arto="http://schemas.microsoft.com/office/word/2006/arto" xmlns="" xmlns:mo="http://schemas.microsoft.com/office/mac/office/2008/main" xmlns:mv="urn:schemas-microsoft-com:mac:vml" xmlns:o="urn:schemas-microsoft-com:office:office" xmlns:v="urn:schemas-microsoft-com:vml" xmlns:w10="urn:schemas-microsoft-com:office:word" xmlns:w="http://schemas.openxmlformats.org/wordprocessingml/2006/main" xmlns:a14="http://schemas.microsoft.com/office/drawing/2010/main" xmlns:w16se="http://schemas.microsoft.com/office/word/2015/wordml/symex" xmlns:w16cid="http://schemas.microsoft.com/office/word/2016/wordml/cid" xmlns:am3d="http://schemas.microsoft.com/office/drawing/2017/model3d" xmlns:aink="http://schemas.microsoft.com/office/drawing/2016/ink" xmlns:cx8="http://schemas.microsoft.com/office/drawing/2016/5/14/chartex" xmlns:cx7="http://schemas.microsoft.com/office/drawing/2016/5/13/chartex" xmlns:cx6="http://schemas.microsoft.com/office/drawing/2016/5/12/chartex" xmlns:cx5="http://schemas.microsoft.com/office/drawing/2016/5/11/chartex" xmlns:cx4="http://schemas.microsoft.com/office/drawing/2016/5/10/chartex" xmlns:cx3="http://schemas.microsoft.com/office/drawing/2016/5/9/chartex" xmlns:cx2="http://schemas.microsoft.com/office/drawing/2015/10/21/chartex" xmlns:cx1="http://schemas.microsoft.com/office/drawing/2015/9/8/chartex" xmlns:cx="http://schemas.microsoft.com/office/drawing/2014/chartex" xmlns:wps="http://schemas.microsoft.com/office/word/2010/wordprocessingShape" xmlns:wne="http://schemas.microsoft.com/office/word/2006/wordml" xmlns:wpi="http://schemas.microsoft.com/office/word/2010/wordprocessingInk" xmlns:wpg="http://schemas.microsoft.com/office/word/2010/wordprocessingGroup" xmlns:w15="http://schemas.microsoft.com/office/word/2012/wordml" xmlns:w14="http://schemas.microsoft.com/office/word/2010/wordml" xmlns:wp="http://schemas.openxmlformats.org/drawingml/2006/wordprocessingDrawing" xmlns:wp14="http://schemas.microsoft.com/office/word/2010/wordprocessingDrawing" xmlns:m="http://schemas.openxmlformats.org/officeDocument/2006/math" xmlns:mc="http://schemas.openxmlformats.org/markup-compatibility/2006" xmlns:wpc="http://schemas.microsoft.com/office/word/2010/wordprocessingCanvas" w="9525">
                   <a:solidFill>
                     <a:srgbClr val="000000"/>
                   </a:solidFill>
@@ -4286,17 +3851,8 @@
             </a:bodyPr>
             <a:lstStyle/>
             <a:p>
-              <a:pPr marL="0" marR="0">
-                <a:spcBef>
-                  <a:spcPts val="0"/>
-                </a:spcBef>
-                <a:spcAft>
-                  <a:spcPts val="0"/>
-                </a:spcAft>
-              </a:pPr>
               <a:r>
                 <a:rPr lang="en-US" sz="900">
-                  <a:effectLst/>
                   <a:latin typeface="Times New Roman" panose="02020603050405020304" pitchFamily="18" charset="0"/>
                   <a:ea typeface="Arial Unicode MS" panose="020B0604020202020204" pitchFamily="34" charset="-128"/>
                 </a:rPr>
@@ -4304,44 +3860,36 @@
               </a:r>
               <a:br>
                 <a:rPr lang="en-US" sz="900">
-                  <a:effectLst/>
                   <a:latin typeface="Times New Roman" panose="02020603050405020304" pitchFamily="18" charset="0"/>
                   <a:ea typeface="Arial Unicode MS" panose="020B0604020202020204" pitchFamily="34" charset="-128"/>
                 </a:rPr>
               </a:br>
               <a:r>
                 <a:rPr lang="en-US" sz="900">
-                  <a:effectLst/>
                   <a:latin typeface="Times New Roman" panose="02020603050405020304" pitchFamily="18" charset="0"/>
                   <a:ea typeface="Times New Roman" panose="02020603050405020304" pitchFamily="18" charset="0"/>
                 </a:rPr>
                 <a:t>[PCC-44] </a:t>
               </a:r>
               <a:endParaRPr lang="en-US" sz="1200">
-                <a:effectLst/>
                 <a:latin typeface="Times New Roman" panose="02020603050405020304" pitchFamily="18" charset="0"/>
                 <a:ea typeface="Times New Roman" panose="02020603050405020304" pitchFamily="18" charset="0"/>
               </a:endParaRPr>
             </a:p>
             <a:p>
-              <a:pPr marL="0" marR="0">
+              <a:pPr>
                 <a:spcBef>
                   <a:spcPts val="600"/>
                 </a:spcBef>
-                <a:spcAft>
-                  <a:spcPts val="0"/>
-                </a:spcAft>
               </a:pPr>
               <a:r>
                 <a:rPr lang="en-US" sz="900">
-                  <a:effectLst/>
                   <a:latin typeface="Arial" panose="020B0604020202020204" pitchFamily="34" charset="0"/>
                   <a:ea typeface="Times New Roman" panose="02020603050405020304" pitchFamily="18" charset="0"/>
                 </a:rPr>
                 <a:t> </a:t>
               </a:r>
               <a:endParaRPr lang="en-US" sz="1200">
-                <a:effectLst/>
                 <a:latin typeface="Times New Roman" panose="02020603050405020304" pitchFamily="18" charset="0"/>
                 <a:ea typeface="Times New Roman" panose="02020603050405020304" pitchFamily="18" charset="0"/>
               </a:endParaRPr>
@@ -4376,14 +3924,14 @@
             </a:ln>
             <a:extLst>
               <a:ext uri="{909E8E84-426E-40dd-AFC4-6F175D3DCCD1}">
-                <a14:hiddenFill xmlns:wpc="http://schemas.microsoft.com/office/word/2010/wordprocessingCanvas" xmlns:mc="http://schemas.openxmlformats.org/markup-compatibility/2006" xmlns:m="http://schemas.openxmlformats.org/officeDocument/2006/math" xmlns:wp14="http://schemas.microsoft.com/office/word/2010/wordprocessingDrawing" xmlns:wp="http://schemas.openxmlformats.org/drawingml/2006/wordprocessingDrawing" xmlns:w14="http://schemas.microsoft.com/office/word/2010/wordml" xmlns:w15="http://schemas.microsoft.com/office/word/2012/wordml" xmlns:wpg="http://schemas.microsoft.com/office/word/2010/wordprocessingGroup" xmlns:wpi="http://schemas.microsoft.com/office/word/2010/wordprocessingInk" xmlns:wne="http://schemas.microsoft.com/office/word/2006/wordml" xmlns:wps="http://schemas.microsoft.com/office/word/2010/wordprocessingShape" xmlns:cx="http://schemas.microsoft.com/office/drawing/2014/chartex" xmlns:cx1="http://schemas.microsoft.com/office/drawing/2015/9/8/chartex" xmlns:cx2="http://schemas.microsoft.com/office/drawing/2015/10/21/chartex" xmlns:cx3="http://schemas.microsoft.com/office/drawing/2016/5/9/chartex" xmlns:cx4="http://schemas.microsoft.com/office/drawing/2016/5/10/chartex" xmlns:cx5="http://schemas.microsoft.com/office/drawing/2016/5/11/chartex" xmlns:cx6="http://schemas.microsoft.com/office/drawing/2016/5/12/chartex" xmlns:cx7="http://schemas.microsoft.com/office/drawing/2016/5/13/chartex" xmlns:cx8="http://schemas.microsoft.com/office/drawing/2016/5/14/chartex" xmlns:aink="http://schemas.microsoft.com/office/drawing/2016/ink" xmlns:am3d="http://schemas.microsoft.com/office/drawing/2017/model3d" xmlns:w16cid="http://schemas.microsoft.com/office/word/2016/wordml/cid" xmlns:w16se="http://schemas.microsoft.com/office/word/2015/wordml/symex" xmlns:a14="http://schemas.microsoft.com/office/drawing/2010/main" xmlns:w="http://schemas.openxmlformats.org/wordprocessingml/2006/main" xmlns:w10="urn:schemas-microsoft-com:office:word" xmlns:v="urn:schemas-microsoft-com:vml" xmlns:o="urn:schemas-microsoft-com:office:office" xmlns:mv="urn:schemas-microsoft-com:mac:vml" xmlns:mo="http://schemas.microsoft.com/office/mac/office/2008/main" xmlns="" xmlns:arto="http://schemas.microsoft.com/office/word/2006/arto" xmlns:lc="http://schemas.openxmlformats.org/drawingml/2006/lockedCanvas">
+                <a14:hiddenFill xmlns:lc="http://schemas.openxmlformats.org/drawingml/2006/lockedCanvas" xmlns:arto="http://schemas.microsoft.com/office/word/2006/arto" xmlns="" xmlns:mo="http://schemas.microsoft.com/office/mac/office/2008/main" xmlns:mv="urn:schemas-microsoft-com:mac:vml" xmlns:o="urn:schemas-microsoft-com:office:office" xmlns:v="urn:schemas-microsoft-com:vml" xmlns:w10="urn:schemas-microsoft-com:office:word" xmlns:w="http://schemas.openxmlformats.org/wordprocessingml/2006/main" xmlns:a14="http://schemas.microsoft.com/office/drawing/2010/main" xmlns:w16se="http://schemas.microsoft.com/office/word/2015/wordml/symex" xmlns:w16cid="http://schemas.microsoft.com/office/word/2016/wordml/cid" xmlns:am3d="http://schemas.microsoft.com/office/drawing/2017/model3d" xmlns:aink="http://schemas.microsoft.com/office/drawing/2016/ink" xmlns:cx8="http://schemas.microsoft.com/office/drawing/2016/5/14/chartex" xmlns:cx7="http://schemas.microsoft.com/office/drawing/2016/5/13/chartex" xmlns:cx6="http://schemas.microsoft.com/office/drawing/2016/5/12/chartex" xmlns:cx5="http://schemas.microsoft.com/office/drawing/2016/5/11/chartex" xmlns:cx4="http://schemas.microsoft.com/office/drawing/2016/5/10/chartex" xmlns:cx3="http://schemas.microsoft.com/office/drawing/2016/5/9/chartex" xmlns:cx2="http://schemas.microsoft.com/office/drawing/2015/10/21/chartex" xmlns:cx1="http://schemas.microsoft.com/office/drawing/2015/9/8/chartex" xmlns:cx="http://schemas.microsoft.com/office/drawing/2014/chartex" xmlns:wps="http://schemas.microsoft.com/office/word/2010/wordprocessingShape" xmlns:wne="http://schemas.microsoft.com/office/word/2006/wordml" xmlns:wpi="http://schemas.microsoft.com/office/word/2010/wordprocessingInk" xmlns:wpg="http://schemas.microsoft.com/office/word/2010/wordprocessingGroup" xmlns:w15="http://schemas.microsoft.com/office/word/2012/wordml" xmlns:w14="http://schemas.microsoft.com/office/word/2010/wordml" xmlns:wp="http://schemas.openxmlformats.org/drawingml/2006/wordprocessingDrawing" xmlns:wp14="http://schemas.microsoft.com/office/word/2010/wordprocessingDrawing" xmlns:m="http://schemas.openxmlformats.org/officeDocument/2006/math" xmlns:mc="http://schemas.openxmlformats.org/markup-compatibility/2006" xmlns:wpc="http://schemas.microsoft.com/office/word/2010/wordprocessingCanvas">
                   <a:solidFill>
                     <a:srgbClr val="FFFFFF"/>
                   </a:solidFill>
                 </a14:hiddenFill>
               </a:ext>
               <a:ext uri="{91240B29-F687-4f45-9708-019B960494DF}">
-                <a14:hiddenLine xmlns:wpc="http://schemas.microsoft.com/office/word/2010/wordprocessingCanvas" xmlns:mc="http://schemas.openxmlformats.org/markup-compatibility/2006" xmlns:m="http://schemas.openxmlformats.org/officeDocument/2006/math" xmlns:wp14="http://schemas.microsoft.com/office/word/2010/wordprocessingDrawing" xmlns:wp="http://schemas.openxmlformats.org/drawingml/2006/wordprocessingDrawing" xmlns:w14="http://schemas.microsoft.com/office/word/2010/wordml" xmlns:w15="http://schemas.microsoft.com/office/word/2012/wordml" xmlns:wpg="http://schemas.microsoft.com/office/word/2010/wordprocessingGroup" xmlns:wpi="http://schemas.microsoft.com/office/word/2010/wordprocessingInk" xmlns:wne="http://schemas.microsoft.com/office/word/2006/wordml" xmlns:wps="http://schemas.microsoft.com/office/word/2010/wordprocessingShape" xmlns:cx="http://schemas.microsoft.com/office/drawing/2014/chartex" xmlns:cx1="http://schemas.microsoft.com/office/drawing/2015/9/8/chartex" xmlns:cx2="http://schemas.microsoft.com/office/drawing/2015/10/21/chartex" xmlns:cx3="http://schemas.microsoft.com/office/drawing/2016/5/9/chartex" xmlns:cx4="http://schemas.microsoft.com/office/drawing/2016/5/10/chartex" xmlns:cx5="http://schemas.microsoft.com/office/drawing/2016/5/11/chartex" xmlns:cx6="http://schemas.microsoft.com/office/drawing/2016/5/12/chartex" xmlns:cx7="http://schemas.microsoft.com/office/drawing/2016/5/13/chartex" xmlns:cx8="http://schemas.microsoft.com/office/drawing/2016/5/14/chartex" xmlns:aink="http://schemas.microsoft.com/office/drawing/2016/ink" xmlns:am3d="http://schemas.microsoft.com/office/drawing/2017/model3d" xmlns:w16cid="http://schemas.microsoft.com/office/word/2016/wordml/cid" xmlns:w16se="http://schemas.microsoft.com/office/word/2015/wordml/symex" xmlns:a14="http://schemas.microsoft.com/office/drawing/2010/main" xmlns:w="http://schemas.openxmlformats.org/wordprocessingml/2006/main" xmlns:w10="urn:schemas-microsoft-com:office:word" xmlns:v="urn:schemas-microsoft-com:vml" xmlns:o="urn:schemas-microsoft-com:office:office" xmlns:mv="urn:schemas-microsoft-com:mac:vml" xmlns:mo="http://schemas.microsoft.com/office/mac/office/2008/main" xmlns="" xmlns:arto="http://schemas.microsoft.com/office/word/2006/arto" xmlns:lc="http://schemas.openxmlformats.org/drawingml/2006/lockedCanvas" w="3175">
+                <a14:hiddenLine xmlns:lc="http://schemas.openxmlformats.org/drawingml/2006/lockedCanvas" xmlns:arto="http://schemas.microsoft.com/office/word/2006/arto" xmlns="" xmlns:mo="http://schemas.microsoft.com/office/mac/office/2008/main" xmlns:mv="urn:schemas-microsoft-com:mac:vml" xmlns:o="urn:schemas-microsoft-com:office:office" xmlns:v="urn:schemas-microsoft-com:vml" xmlns:w10="urn:schemas-microsoft-com:office:word" xmlns:w="http://schemas.openxmlformats.org/wordprocessingml/2006/main" xmlns:a14="http://schemas.microsoft.com/office/drawing/2010/main" xmlns:w16se="http://schemas.microsoft.com/office/word/2015/wordml/symex" xmlns:w16cid="http://schemas.microsoft.com/office/word/2016/wordml/cid" xmlns:am3d="http://schemas.microsoft.com/office/drawing/2017/model3d" xmlns:aink="http://schemas.microsoft.com/office/drawing/2016/ink" xmlns:cx8="http://schemas.microsoft.com/office/drawing/2016/5/14/chartex" xmlns:cx7="http://schemas.microsoft.com/office/drawing/2016/5/13/chartex" xmlns:cx6="http://schemas.microsoft.com/office/drawing/2016/5/12/chartex" xmlns:cx5="http://schemas.microsoft.com/office/drawing/2016/5/11/chartex" xmlns:cx4="http://schemas.microsoft.com/office/drawing/2016/5/10/chartex" xmlns:cx3="http://schemas.microsoft.com/office/drawing/2016/5/9/chartex" xmlns:cx2="http://schemas.microsoft.com/office/drawing/2015/10/21/chartex" xmlns:cx1="http://schemas.microsoft.com/office/drawing/2015/9/8/chartex" xmlns:cx="http://schemas.microsoft.com/office/drawing/2014/chartex" xmlns:wps="http://schemas.microsoft.com/office/word/2010/wordprocessingShape" xmlns:wne="http://schemas.microsoft.com/office/word/2006/wordml" xmlns:wpi="http://schemas.microsoft.com/office/word/2010/wordprocessingInk" xmlns:wpg="http://schemas.microsoft.com/office/word/2010/wordprocessingGroup" xmlns:w15="http://schemas.microsoft.com/office/word/2012/wordml" xmlns:w14="http://schemas.microsoft.com/office/word/2010/wordml" xmlns:wp="http://schemas.openxmlformats.org/drawingml/2006/wordprocessingDrawing" xmlns:wp14="http://schemas.microsoft.com/office/word/2010/wordprocessingDrawing" xmlns:m="http://schemas.openxmlformats.org/officeDocument/2006/math" xmlns:mc="http://schemas.openxmlformats.org/markup-compatibility/2006" xmlns:wpc="http://schemas.microsoft.com/office/word/2010/wordprocessingCanvas" w="3175">
                   <a:solidFill>
                     <a:srgbClr val="000000"/>
                   </a:solidFill>
@@ -4400,24 +3948,19 @@
             </a:bodyPr>
             <a:lstStyle/>
             <a:p>
-              <a:pPr marL="0" marR="0">
+              <a:pPr>
                 <a:spcBef>
                   <a:spcPts val="600"/>
                 </a:spcBef>
-                <a:spcAft>
-                  <a:spcPts val="0"/>
-                </a:spcAft>
               </a:pPr>
               <a:r>
                 <a:rPr lang="en-US" sz="900">
-                  <a:effectLst/>
                   <a:latin typeface="Times New Roman" panose="02020603050405020304" pitchFamily="18" charset="0"/>
                   <a:ea typeface="Times New Roman" panose="02020603050405020304" pitchFamily="18" charset="0"/>
                 </a:rPr>
                 <a:t> </a:t>
               </a:r>
               <a:endParaRPr lang="en-US" sz="1200">
-                <a:effectLst/>
                 <a:latin typeface="Times New Roman" panose="02020603050405020304" pitchFamily="18" charset="0"/>
                 <a:ea typeface="Times New Roman" panose="02020603050405020304" pitchFamily="18" charset="0"/>
               </a:endParaRPr>
@@ -4452,14 +3995,14 @@
             </a:ln>
             <a:extLst>
               <a:ext uri="{909E8E84-426E-40dd-AFC4-6F175D3DCCD1}">
-                <a14:hiddenFill xmlns:wpc="http://schemas.microsoft.com/office/word/2010/wordprocessingCanvas" xmlns:mc="http://schemas.openxmlformats.org/markup-compatibility/2006" xmlns:m="http://schemas.openxmlformats.org/officeDocument/2006/math" xmlns:wp14="http://schemas.microsoft.com/office/word/2010/wordprocessingDrawing" xmlns:wp="http://schemas.openxmlformats.org/drawingml/2006/wordprocessingDrawing" xmlns:w14="http://schemas.microsoft.com/office/word/2010/wordml" xmlns:w15="http://schemas.microsoft.com/office/word/2012/wordml" xmlns:wpg="http://schemas.microsoft.com/office/word/2010/wordprocessingGroup" xmlns:wpi="http://schemas.microsoft.com/office/word/2010/wordprocessingInk" xmlns:wne="http://schemas.microsoft.com/office/word/2006/wordml" xmlns:wps="http://schemas.microsoft.com/office/word/2010/wordprocessingShape" xmlns:cx="http://schemas.microsoft.com/office/drawing/2014/chartex" xmlns:cx1="http://schemas.microsoft.com/office/drawing/2015/9/8/chartex" xmlns:cx2="http://schemas.microsoft.com/office/drawing/2015/10/21/chartex" xmlns:cx3="http://schemas.microsoft.com/office/drawing/2016/5/9/chartex" xmlns:cx4="http://schemas.microsoft.com/office/drawing/2016/5/10/chartex" xmlns:cx5="http://schemas.microsoft.com/office/drawing/2016/5/11/chartex" xmlns:cx6="http://schemas.microsoft.com/office/drawing/2016/5/12/chartex" xmlns:cx7="http://schemas.microsoft.com/office/drawing/2016/5/13/chartex" xmlns:cx8="http://schemas.microsoft.com/office/drawing/2016/5/14/chartex" xmlns:aink="http://schemas.microsoft.com/office/drawing/2016/ink" xmlns:am3d="http://schemas.microsoft.com/office/drawing/2017/model3d" xmlns:w16cid="http://schemas.microsoft.com/office/word/2016/wordml/cid" xmlns:w16se="http://schemas.microsoft.com/office/word/2015/wordml/symex" xmlns:a14="http://schemas.microsoft.com/office/drawing/2010/main" xmlns:w="http://schemas.openxmlformats.org/wordprocessingml/2006/main" xmlns:w10="urn:schemas-microsoft-com:office:word" xmlns:v="urn:schemas-microsoft-com:vml" xmlns:o="urn:schemas-microsoft-com:office:office" xmlns:mv="urn:schemas-microsoft-com:mac:vml" xmlns:mo="http://schemas.microsoft.com/office/mac/office/2008/main" xmlns="" xmlns:arto="http://schemas.microsoft.com/office/word/2006/arto" xmlns:lc="http://schemas.openxmlformats.org/drawingml/2006/lockedCanvas">
+                <a14:hiddenFill xmlns:lc="http://schemas.openxmlformats.org/drawingml/2006/lockedCanvas" xmlns:arto="http://schemas.microsoft.com/office/word/2006/arto" xmlns="" xmlns:mo="http://schemas.microsoft.com/office/mac/office/2008/main" xmlns:mv="urn:schemas-microsoft-com:mac:vml" xmlns:o="urn:schemas-microsoft-com:office:office" xmlns:v="urn:schemas-microsoft-com:vml" xmlns:w10="urn:schemas-microsoft-com:office:word" xmlns:w="http://schemas.openxmlformats.org/wordprocessingml/2006/main" xmlns:a14="http://schemas.microsoft.com/office/drawing/2010/main" xmlns:w16se="http://schemas.microsoft.com/office/word/2015/wordml/symex" xmlns:w16cid="http://schemas.microsoft.com/office/word/2016/wordml/cid" xmlns:am3d="http://schemas.microsoft.com/office/drawing/2017/model3d" xmlns:aink="http://schemas.microsoft.com/office/drawing/2016/ink" xmlns:cx8="http://schemas.microsoft.com/office/drawing/2016/5/14/chartex" xmlns:cx7="http://schemas.microsoft.com/office/drawing/2016/5/13/chartex" xmlns:cx6="http://schemas.microsoft.com/office/drawing/2016/5/12/chartex" xmlns:cx5="http://schemas.microsoft.com/office/drawing/2016/5/11/chartex" xmlns:cx4="http://schemas.microsoft.com/office/drawing/2016/5/10/chartex" xmlns:cx3="http://schemas.microsoft.com/office/drawing/2016/5/9/chartex" xmlns:cx2="http://schemas.microsoft.com/office/drawing/2015/10/21/chartex" xmlns:cx1="http://schemas.microsoft.com/office/drawing/2015/9/8/chartex" xmlns:cx="http://schemas.microsoft.com/office/drawing/2014/chartex" xmlns:wps="http://schemas.microsoft.com/office/word/2010/wordprocessingShape" xmlns:wne="http://schemas.microsoft.com/office/word/2006/wordml" xmlns:wpi="http://schemas.microsoft.com/office/word/2010/wordprocessingInk" xmlns:wpg="http://schemas.microsoft.com/office/word/2010/wordprocessingGroup" xmlns:w15="http://schemas.microsoft.com/office/word/2012/wordml" xmlns:w14="http://schemas.microsoft.com/office/word/2010/wordml" xmlns:wp="http://schemas.openxmlformats.org/drawingml/2006/wordprocessingDrawing" xmlns:wp14="http://schemas.microsoft.com/office/word/2010/wordprocessingDrawing" xmlns:m="http://schemas.openxmlformats.org/officeDocument/2006/math" xmlns:mc="http://schemas.openxmlformats.org/markup-compatibility/2006" xmlns:wpc="http://schemas.microsoft.com/office/word/2010/wordprocessingCanvas">
                   <a:solidFill>
                     <a:srgbClr val="FFFFFF"/>
                   </a:solidFill>
                 </a14:hiddenFill>
               </a:ext>
               <a:ext uri="{91240B29-F687-4f45-9708-019B960494DF}">
-                <a14:hiddenLine xmlns:wpc="http://schemas.microsoft.com/office/word/2010/wordprocessingCanvas" xmlns:mc="http://schemas.openxmlformats.org/markup-compatibility/2006" xmlns:m="http://schemas.openxmlformats.org/officeDocument/2006/math" xmlns:wp14="http://schemas.microsoft.com/office/word/2010/wordprocessingDrawing" xmlns:wp="http://schemas.openxmlformats.org/drawingml/2006/wordprocessingDrawing" xmlns:w14="http://schemas.microsoft.com/office/word/2010/wordml" xmlns:w15="http://schemas.microsoft.com/office/word/2012/wordml" xmlns:wpg="http://schemas.microsoft.com/office/word/2010/wordprocessingGroup" xmlns:wpi="http://schemas.microsoft.com/office/word/2010/wordprocessingInk" xmlns:wne="http://schemas.microsoft.com/office/word/2006/wordml" xmlns:wps="http://schemas.microsoft.com/office/word/2010/wordprocessingShape" xmlns:cx="http://schemas.microsoft.com/office/drawing/2014/chartex" xmlns:cx1="http://schemas.microsoft.com/office/drawing/2015/9/8/chartex" xmlns:cx2="http://schemas.microsoft.com/office/drawing/2015/10/21/chartex" xmlns:cx3="http://schemas.microsoft.com/office/drawing/2016/5/9/chartex" xmlns:cx4="http://schemas.microsoft.com/office/drawing/2016/5/10/chartex" xmlns:cx5="http://schemas.microsoft.com/office/drawing/2016/5/11/chartex" xmlns:cx6="http://schemas.microsoft.com/office/drawing/2016/5/12/chartex" xmlns:cx7="http://schemas.microsoft.com/office/drawing/2016/5/13/chartex" xmlns:cx8="http://schemas.microsoft.com/office/drawing/2016/5/14/chartex" xmlns:aink="http://schemas.microsoft.com/office/drawing/2016/ink" xmlns:am3d="http://schemas.microsoft.com/office/drawing/2017/model3d" xmlns:w16cid="http://schemas.microsoft.com/office/word/2016/wordml/cid" xmlns:w16se="http://schemas.microsoft.com/office/word/2015/wordml/symex" xmlns:a14="http://schemas.microsoft.com/office/drawing/2010/main" xmlns:w="http://schemas.openxmlformats.org/wordprocessingml/2006/main" xmlns:w10="urn:schemas-microsoft-com:office:word" xmlns:v="urn:schemas-microsoft-com:vml" xmlns:o="urn:schemas-microsoft-com:office:office" xmlns:mv="urn:schemas-microsoft-com:mac:vml" xmlns:mo="http://schemas.microsoft.com/office/mac/office/2008/main" xmlns="" xmlns:arto="http://schemas.microsoft.com/office/word/2006/arto" xmlns:lc="http://schemas.openxmlformats.org/drawingml/2006/lockedCanvas" w="3175">
+                <a14:hiddenLine xmlns:lc="http://schemas.openxmlformats.org/drawingml/2006/lockedCanvas" xmlns:arto="http://schemas.microsoft.com/office/word/2006/arto" xmlns="" xmlns:mo="http://schemas.microsoft.com/office/mac/office/2008/main" xmlns:mv="urn:schemas-microsoft-com:mac:vml" xmlns:o="urn:schemas-microsoft-com:office:office" xmlns:v="urn:schemas-microsoft-com:vml" xmlns:w10="urn:schemas-microsoft-com:office:word" xmlns:w="http://schemas.openxmlformats.org/wordprocessingml/2006/main" xmlns:a14="http://schemas.microsoft.com/office/drawing/2010/main" xmlns:w16se="http://schemas.microsoft.com/office/word/2015/wordml/symex" xmlns:w16cid="http://schemas.microsoft.com/office/word/2016/wordml/cid" xmlns:am3d="http://schemas.microsoft.com/office/drawing/2017/model3d" xmlns:aink="http://schemas.microsoft.com/office/drawing/2016/ink" xmlns:cx8="http://schemas.microsoft.com/office/drawing/2016/5/14/chartex" xmlns:cx7="http://schemas.microsoft.com/office/drawing/2016/5/13/chartex" xmlns:cx6="http://schemas.microsoft.com/office/drawing/2016/5/12/chartex" xmlns:cx5="http://schemas.microsoft.com/office/drawing/2016/5/11/chartex" xmlns:cx4="http://schemas.microsoft.com/office/drawing/2016/5/10/chartex" xmlns:cx3="http://schemas.microsoft.com/office/drawing/2016/5/9/chartex" xmlns:cx2="http://schemas.microsoft.com/office/drawing/2015/10/21/chartex" xmlns:cx1="http://schemas.microsoft.com/office/drawing/2015/9/8/chartex" xmlns:cx="http://schemas.microsoft.com/office/drawing/2014/chartex" xmlns:wps="http://schemas.microsoft.com/office/word/2010/wordprocessingShape" xmlns:wne="http://schemas.microsoft.com/office/word/2006/wordml" xmlns:wpi="http://schemas.microsoft.com/office/word/2010/wordprocessingInk" xmlns:wpg="http://schemas.microsoft.com/office/word/2010/wordprocessingGroup" xmlns:w15="http://schemas.microsoft.com/office/word/2012/wordml" xmlns:w14="http://schemas.microsoft.com/office/word/2010/wordml" xmlns:wp="http://schemas.openxmlformats.org/drawingml/2006/wordprocessingDrawing" xmlns:wp14="http://schemas.microsoft.com/office/word/2010/wordprocessingDrawing" xmlns:m="http://schemas.openxmlformats.org/officeDocument/2006/math" xmlns:mc="http://schemas.openxmlformats.org/markup-compatibility/2006" xmlns:wpc="http://schemas.microsoft.com/office/word/2010/wordprocessingCanvas" w="3175">
                   <a:solidFill>
                     <a:srgbClr val="000000"/>
                   </a:solidFill>
@@ -4476,17 +4019,13 @@
             </a:bodyPr>
             <a:lstStyle/>
             <a:p>
-              <a:pPr marL="0" marR="0">
+              <a:pPr>
                 <a:spcBef>
                   <a:spcPts val="600"/>
                 </a:spcBef>
-                <a:spcAft>
-                  <a:spcPts val="0"/>
-                </a:spcAft>
               </a:pPr>
               <a:r>
                 <a:rPr lang="en-US" sz="1000">
-                  <a:effectLst/>
                   <a:latin typeface="Times New Roman" panose="02020603050405020304" pitchFamily="18" charset="0"/>
                   <a:ea typeface="Times New Roman" panose="02020603050405020304" pitchFamily="18" charset="0"/>
                   <a:sym typeface="Wingdings" panose="05000000000000000000" pitchFamily="2" charset="2"/>
@@ -4494,7 +4033,6 @@
                 <a:t></a:t>
               </a:r>
               <a:endParaRPr lang="en-US" sz="1200">
-                <a:effectLst/>
                 <a:latin typeface="Times New Roman" panose="02020603050405020304" pitchFamily="18" charset="0"/>
                 <a:ea typeface="Times New Roman" panose="02020603050405020304" pitchFamily="18" charset="0"/>
               </a:endParaRPr>
@@ -4547,27 +4085,18 @@
             </a:bodyPr>
             <a:lstStyle/>
             <a:p>
-              <a:pPr marL="0" marR="0" algn="ctr">
-                <a:spcBef>
-                  <a:spcPts val="0"/>
-                </a:spcBef>
-                <a:spcAft>
-                  <a:spcPts val="0"/>
-                </a:spcAft>
-              </a:pPr>
+              <a:pPr algn="ctr"/>
               <a:r>
                 <a:rPr lang="en-US" sz="1100" b="1">
                   <a:solidFill>
                     <a:srgbClr val="0D0D0D"/>
                   </a:solidFill>
-                  <a:effectLst/>
                   <a:latin typeface="Times New Roman" panose="02020603050405020304" pitchFamily="18" charset="0"/>
                   <a:ea typeface="Times New Roman" panose="02020603050405020304" pitchFamily="18" charset="0"/>
                 </a:rPr>
                 <a:t>Data Element Extractor</a:t>
               </a:r>
               <a:endParaRPr lang="en-US" sz="1200">
-                <a:effectLst/>
                 <a:latin typeface="Times New Roman" panose="02020603050405020304" pitchFamily="18" charset="0"/>
                 <a:ea typeface="Times New Roman" panose="02020603050405020304" pitchFamily="18" charset="0"/>
               </a:endParaRPr>
@@ -4608,7 +4137,7 @@
             </a:ln>
             <a:extLst>
               <a:ext uri="{909E8E84-426E-40dd-AFC4-6F175D3DCCD1}">
-                <a14:hiddenFill xmlns:wpc="http://schemas.microsoft.com/office/word/2010/wordprocessingCanvas" xmlns:mc="http://schemas.openxmlformats.org/markup-compatibility/2006" xmlns:m="http://schemas.openxmlformats.org/officeDocument/2006/math" xmlns:wp14="http://schemas.microsoft.com/office/word/2010/wordprocessingDrawing" xmlns:wp="http://schemas.openxmlformats.org/drawingml/2006/wordprocessingDrawing" xmlns:w14="http://schemas.microsoft.com/office/word/2010/wordml" xmlns:w15="http://schemas.microsoft.com/office/word/2012/wordml" xmlns:wpg="http://schemas.microsoft.com/office/word/2010/wordprocessingGroup" xmlns:wpi="http://schemas.microsoft.com/office/word/2010/wordprocessingInk" xmlns:wne="http://schemas.microsoft.com/office/word/2006/wordml" xmlns:wps="http://schemas.microsoft.com/office/word/2010/wordprocessingShape" xmlns:cx="http://schemas.microsoft.com/office/drawing/2014/chartex" xmlns:cx1="http://schemas.microsoft.com/office/drawing/2015/9/8/chartex" xmlns:cx2="http://schemas.microsoft.com/office/drawing/2015/10/21/chartex" xmlns:cx3="http://schemas.microsoft.com/office/drawing/2016/5/9/chartex" xmlns:cx4="http://schemas.microsoft.com/office/drawing/2016/5/10/chartex" xmlns:cx5="http://schemas.microsoft.com/office/drawing/2016/5/11/chartex" xmlns:cx6="http://schemas.microsoft.com/office/drawing/2016/5/12/chartex" xmlns:cx7="http://schemas.microsoft.com/office/drawing/2016/5/13/chartex" xmlns:cx8="http://schemas.microsoft.com/office/drawing/2016/5/14/chartex" xmlns:aink="http://schemas.microsoft.com/office/drawing/2016/ink" xmlns:am3d="http://schemas.microsoft.com/office/drawing/2017/model3d" xmlns:w16cid="http://schemas.microsoft.com/office/word/2016/wordml/cid" xmlns:w16se="http://schemas.microsoft.com/office/word/2015/wordml/symex" xmlns:a14="http://schemas.microsoft.com/office/drawing/2010/main" xmlns:w="http://schemas.openxmlformats.org/wordprocessingml/2006/main" xmlns:w10="urn:schemas-microsoft-com:office:word" xmlns:v="urn:schemas-microsoft-com:vml" xmlns:o="urn:schemas-microsoft-com:office:office" xmlns:mv="urn:schemas-microsoft-com:mac:vml" xmlns:mo="http://schemas.microsoft.com/office/mac/office/2008/main" xmlns="" xmlns:arto="http://schemas.microsoft.com/office/word/2006/arto" xmlns:lc="http://schemas.openxmlformats.org/drawingml/2006/lockedCanvas">
+                <a14:hiddenFill xmlns:lc="http://schemas.openxmlformats.org/drawingml/2006/lockedCanvas" xmlns:arto="http://schemas.microsoft.com/office/word/2006/arto" xmlns="" xmlns:mo="http://schemas.microsoft.com/office/mac/office/2008/main" xmlns:mv="urn:schemas-microsoft-com:mac:vml" xmlns:o="urn:schemas-microsoft-com:office:office" xmlns:v="urn:schemas-microsoft-com:vml" xmlns:w10="urn:schemas-microsoft-com:office:word" xmlns:w="http://schemas.openxmlformats.org/wordprocessingml/2006/main" xmlns:a14="http://schemas.microsoft.com/office/drawing/2010/main" xmlns:w16se="http://schemas.microsoft.com/office/word/2015/wordml/symex" xmlns:w16cid="http://schemas.microsoft.com/office/word/2016/wordml/cid" xmlns:am3d="http://schemas.microsoft.com/office/drawing/2017/model3d" xmlns:aink="http://schemas.microsoft.com/office/drawing/2016/ink" xmlns:cx8="http://schemas.microsoft.com/office/drawing/2016/5/14/chartex" xmlns:cx7="http://schemas.microsoft.com/office/drawing/2016/5/13/chartex" xmlns:cx6="http://schemas.microsoft.com/office/drawing/2016/5/12/chartex" xmlns:cx5="http://schemas.microsoft.com/office/drawing/2016/5/11/chartex" xmlns:cx4="http://schemas.microsoft.com/office/drawing/2016/5/10/chartex" xmlns:cx3="http://schemas.microsoft.com/office/drawing/2016/5/9/chartex" xmlns:cx2="http://schemas.microsoft.com/office/drawing/2015/10/21/chartex" xmlns:cx1="http://schemas.microsoft.com/office/drawing/2015/9/8/chartex" xmlns:cx="http://schemas.microsoft.com/office/drawing/2014/chartex" xmlns:wps="http://schemas.microsoft.com/office/word/2010/wordprocessingShape" xmlns:wne="http://schemas.microsoft.com/office/word/2006/wordml" xmlns:wpi="http://schemas.microsoft.com/office/word/2010/wordprocessingInk" xmlns:wpg="http://schemas.microsoft.com/office/word/2010/wordprocessingGroup" xmlns:w15="http://schemas.microsoft.com/office/word/2012/wordml" xmlns:w14="http://schemas.microsoft.com/office/word/2010/wordml" xmlns:wp="http://schemas.openxmlformats.org/drawingml/2006/wordprocessingDrawing" xmlns:wp14="http://schemas.microsoft.com/office/word/2010/wordprocessingDrawing" xmlns:m="http://schemas.openxmlformats.org/officeDocument/2006/math" xmlns:mc="http://schemas.openxmlformats.org/markup-compatibility/2006" xmlns:wpc="http://schemas.microsoft.com/office/word/2010/wordprocessingCanvas">
                   <a:solidFill>
                     <a:srgbClr val="FFFFFF"/>
                   </a:solidFill>
@@ -4622,17 +4151,9 @@
             </a:bodyPr>
             <a:lstStyle/>
             <a:p>
-              <a:pPr marL="0" marR="0" algn="ctr">
-                <a:spcBef>
-                  <a:spcPts val="0"/>
-                </a:spcBef>
-                <a:spcAft>
-                  <a:spcPts val="0"/>
-                </a:spcAft>
-              </a:pPr>
+              <a:pPr algn="ctr"/>
               <a:r>
                 <a:rPr lang="en-US" sz="1000" b="1">
-                  <a:effectLst/>
                   <a:latin typeface="Times New Roman" panose="02020603050405020304" pitchFamily="18" charset="0"/>
                   <a:ea typeface="Arial Unicode MS" panose="020B0604020202020204" pitchFamily="34" charset="-128"/>
                 </a:rPr>
@@ -4640,21 +4161,18 @@
               </a:r>
               <a:br>
                 <a:rPr lang="en-US" sz="1000" b="1">
-                  <a:effectLst/>
                   <a:latin typeface="Times New Roman" panose="02020603050405020304" pitchFamily="18" charset="0"/>
                   <a:ea typeface="Arial Unicode MS" panose="020B0604020202020204" pitchFamily="34" charset="-128"/>
                 </a:rPr>
               </a:br>
               <a:r>
                 <a:rPr lang="it-IT" sz="1000" b="1">
-                  <a:effectLst/>
                   <a:latin typeface="Times New Roman" panose="02020603050405020304" pitchFamily="18" charset="0"/>
                   <a:ea typeface="Arial Unicode MS" panose="020B0604020202020204" pitchFamily="34" charset="-128"/>
                 </a:rPr>
                 <a:t>Document Registry</a:t>
               </a:r>
               <a:endParaRPr lang="en-US" sz="1200">
-                <a:effectLst/>
                 <a:latin typeface="Times New Roman" panose="02020603050405020304" pitchFamily="18" charset="0"/>
                 <a:ea typeface="Times New Roman" panose="02020603050405020304" pitchFamily="18" charset="0"/>
               </a:endParaRPr>
@@ -4689,14 +4207,14 @@
             </a:ln>
             <a:extLst>
               <a:ext uri="{909E8E84-426E-40dd-AFC4-6F175D3DCCD1}">
-                <a14:hiddenFill xmlns:wpc="http://schemas.microsoft.com/office/word/2010/wordprocessingCanvas" xmlns:mc="http://schemas.openxmlformats.org/markup-compatibility/2006" xmlns:m="http://schemas.openxmlformats.org/officeDocument/2006/math" xmlns:wp14="http://schemas.microsoft.com/office/word/2010/wordprocessingDrawing" xmlns:wp="http://schemas.openxmlformats.org/drawingml/2006/wordprocessingDrawing" xmlns:w14="http://schemas.microsoft.com/office/word/2010/wordml" xmlns:w15="http://schemas.microsoft.com/office/word/2012/wordml" xmlns:wpg="http://schemas.microsoft.com/office/word/2010/wordprocessingGroup" xmlns:wpi="http://schemas.microsoft.com/office/word/2010/wordprocessingInk" xmlns:wne="http://schemas.microsoft.com/office/word/2006/wordml" xmlns:wps="http://schemas.microsoft.com/office/word/2010/wordprocessingShape" xmlns:cx="http://schemas.microsoft.com/office/drawing/2014/chartex" xmlns:cx1="http://schemas.microsoft.com/office/drawing/2015/9/8/chartex" xmlns:cx2="http://schemas.microsoft.com/office/drawing/2015/10/21/chartex" xmlns:cx3="http://schemas.microsoft.com/office/drawing/2016/5/9/chartex" xmlns:cx4="http://schemas.microsoft.com/office/drawing/2016/5/10/chartex" xmlns:cx5="http://schemas.microsoft.com/office/drawing/2016/5/11/chartex" xmlns:cx6="http://schemas.microsoft.com/office/drawing/2016/5/12/chartex" xmlns:cx7="http://schemas.microsoft.com/office/drawing/2016/5/13/chartex" xmlns:cx8="http://schemas.microsoft.com/office/drawing/2016/5/14/chartex" xmlns:aink="http://schemas.microsoft.com/office/drawing/2016/ink" xmlns:am3d="http://schemas.microsoft.com/office/drawing/2017/model3d" xmlns:w16cid="http://schemas.microsoft.com/office/word/2016/wordml/cid" xmlns:w16se="http://schemas.microsoft.com/office/word/2015/wordml/symex" xmlns:a14="http://schemas.microsoft.com/office/drawing/2010/main" xmlns:w="http://schemas.openxmlformats.org/wordprocessingml/2006/main" xmlns:w10="urn:schemas-microsoft-com:office:word" xmlns:v="urn:schemas-microsoft-com:vml" xmlns:o="urn:schemas-microsoft-com:office:office" xmlns:mv="urn:schemas-microsoft-com:mac:vml" xmlns:mo="http://schemas.microsoft.com/office/mac/office/2008/main" xmlns="" xmlns:arto="http://schemas.microsoft.com/office/word/2006/arto" xmlns:lc="http://schemas.openxmlformats.org/drawingml/2006/lockedCanvas">
+                <a14:hiddenFill xmlns:lc="http://schemas.openxmlformats.org/drawingml/2006/lockedCanvas" xmlns:arto="http://schemas.microsoft.com/office/word/2006/arto" xmlns="" xmlns:mo="http://schemas.microsoft.com/office/mac/office/2008/main" xmlns:mv="urn:schemas-microsoft-com:mac:vml" xmlns:o="urn:schemas-microsoft-com:office:office" xmlns:v="urn:schemas-microsoft-com:vml" xmlns:w10="urn:schemas-microsoft-com:office:word" xmlns:w="http://schemas.openxmlformats.org/wordprocessingml/2006/main" xmlns:a14="http://schemas.microsoft.com/office/drawing/2010/main" xmlns:w16se="http://schemas.microsoft.com/office/word/2015/wordml/symex" xmlns:w16cid="http://schemas.microsoft.com/office/word/2016/wordml/cid" xmlns:am3d="http://schemas.microsoft.com/office/drawing/2017/model3d" xmlns:aink="http://schemas.microsoft.com/office/drawing/2016/ink" xmlns:cx8="http://schemas.microsoft.com/office/drawing/2016/5/14/chartex" xmlns:cx7="http://schemas.microsoft.com/office/drawing/2016/5/13/chartex" xmlns:cx6="http://schemas.microsoft.com/office/drawing/2016/5/12/chartex" xmlns:cx5="http://schemas.microsoft.com/office/drawing/2016/5/11/chartex" xmlns:cx4="http://schemas.microsoft.com/office/drawing/2016/5/10/chartex" xmlns:cx3="http://schemas.microsoft.com/office/drawing/2016/5/9/chartex" xmlns:cx2="http://schemas.microsoft.com/office/drawing/2015/10/21/chartex" xmlns:cx1="http://schemas.microsoft.com/office/drawing/2015/9/8/chartex" xmlns:cx="http://schemas.microsoft.com/office/drawing/2014/chartex" xmlns:wps="http://schemas.microsoft.com/office/word/2010/wordprocessingShape" xmlns:wne="http://schemas.microsoft.com/office/word/2006/wordml" xmlns:wpi="http://schemas.microsoft.com/office/word/2010/wordprocessingInk" xmlns:wpg="http://schemas.microsoft.com/office/word/2010/wordprocessingGroup" xmlns:w15="http://schemas.microsoft.com/office/word/2012/wordml" xmlns:w14="http://schemas.microsoft.com/office/word/2010/wordml" xmlns:wp="http://schemas.openxmlformats.org/drawingml/2006/wordprocessingDrawing" xmlns:wp14="http://schemas.microsoft.com/office/word/2010/wordprocessingDrawing" xmlns:m="http://schemas.openxmlformats.org/officeDocument/2006/math" xmlns:mc="http://schemas.openxmlformats.org/markup-compatibility/2006" xmlns:wpc="http://schemas.microsoft.com/office/word/2010/wordprocessingCanvas">
                   <a:solidFill>
                     <a:srgbClr val="FFFFFF"/>
                   </a:solidFill>
                 </a14:hiddenFill>
               </a:ext>
               <a:ext uri="{91240B29-F687-4f45-9708-019B960494DF}">
-                <a14:hiddenLine xmlns:wpc="http://schemas.microsoft.com/office/word/2010/wordprocessingCanvas" xmlns:mc="http://schemas.openxmlformats.org/markup-compatibility/2006" xmlns:m="http://schemas.openxmlformats.org/officeDocument/2006/math" xmlns:wp14="http://schemas.microsoft.com/office/word/2010/wordprocessingDrawing" xmlns:wp="http://schemas.openxmlformats.org/drawingml/2006/wordprocessingDrawing" xmlns:w14="http://schemas.microsoft.com/office/word/2010/wordml" xmlns:w15="http://schemas.microsoft.com/office/word/2012/wordml" xmlns:wpg="http://schemas.microsoft.com/office/word/2010/wordprocessingGroup" xmlns:wpi="http://schemas.microsoft.com/office/word/2010/wordprocessingInk" xmlns:wne="http://schemas.microsoft.com/office/word/2006/wordml" xmlns:wps="http://schemas.microsoft.com/office/word/2010/wordprocessingShape" xmlns:cx="http://schemas.microsoft.com/office/drawing/2014/chartex" xmlns:cx1="http://schemas.microsoft.com/office/drawing/2015/9/8/chartex" xmlns:cx2="http://schemas.microsoft.com/office/drawing/2015/10/21/chartex" xmlns:cx3="http://schemas.microsoft.com/office/drawing/2016/5/9/chartex" xmlns:cx4="http://schemas.microsoft.com/office/drawing/2016/5/10/chartex" xmlns:cx5="http://schemas.microsoft.com/office/drawing/2016/5/11/chartex" xmlns:cx6="http://schemas.microsoft.com/office/drawing/2016/5/12/chartex" xmlns:cx7="http://schemas.microsoft.com/office/drawing/2016/5/13/chartex" xmlns:cx8="http://schemas.microsoft.com/office/drawing/2016/5/14/chartex" xmlns:aink="http://schemas.microsoft.com/office/drawing/2016/ink" xmlns:am3d="http://schemas.microsoft.com/office/drawing/2017/model3d" xmlns:w16cid="http://schemas.microsoft.com/office/word/2016/wordml/cid" xmlns:w16se="http://schemas.microsoft.com/office/word/2015/wordml/symex" xmlns:a14="http://schemas.microsoft.com/office/drawing/2010/main" xmlns:w="http://schemas.openxmlformats.org/wordprocessingml/2006/main" xmlns:w10="urn:schemas-microsoft-com:office:word" xmlns:v="urn:schemas-microsoft-com:vml" xmlns:o="urn:schemas-microsoft-com:office:office" xmlns:mv="urn:schemas-microsoft-com:mac:vml" xmlns:mo="http://schemas.microsoft.com/office/mac/office/2008/main" xmlns="" xmlns:arto="http://schemas.microsoft.com/office/word/2006/arto" xmlns:lc="http://schemas.openxmlformats.org/drawingml/2006/lockedCanvas" w="9525">
+                <a14:hiddenLine xmlns:lc="http://schemas.openxmlformats.org/drawingml/2006/lockedCanvas" xmlns:arto="http://schemas.microsoft.com/office/word/2006/arto" xmlns="" xmlns:mo="http://schemas.microsoft.com/office/mac/office/2008/main" xmlns:mv="urn:schemas-microsoft-com:mac:vml" xmlns:o="urn:schemas-microsoft-com:office:office" xmlns:v="urn:schemas-microsoft-com:vml" xmlns:w10="urn:schemas-microsoft-com:office:word" xmlns:w="http://schemas.openxmlformats.org/wordprocessingml/2006/main" xmlns:a14="http://schemas.microsoft.com/office/drawing/2010/main" xmlns:w16se="http://schemas.microsoft.com/office/word/2015/wordml/symex" xmlns:w16cid="http://schemas.microsoft.com/office/word/2016/wordml/cid" xmlns:am3d="http://schemas.microsoft.com/office/drawing/2017/model3d" xmlns:aink="http://schemas.microsoft.com/office/drawing/2016/ink" xmlns:cx8="http://schemas.microsoft.com/office/drawing/2016/5/14/chartex" xmlns:cx7="http://schemas.microsoft.com/office/drawing/2016/5/13/chartex" xmlns:cx6="http://schemas.microsoft.com/office/drawing/2016/5/12/chartex" xmlns:cx5="http://schemas.microsoft.com/office/drawing/2016/5/11/chartex" xmlns:cx4="http://schemas.microsoft.com/office/drawing/2016/5/10/chartex" xmlns:cx3="http://schemas.microsoft.com/office/drawing/2016/5/9/chartex" xmlns:cx2="http://schemas.microsoft.com/office/drawing/2015/10/21/chartex" xmlns:cx1="http://schemas.microsoft.com/office/drawing/2015/9/8/chartex" xmlns:cx="http://schemas.microsoft.com/office/drawing/2014/chartex" xmlns:wps="http://schemas.microsoft.com/office/word/2010/wordprocessingShape" xmlns:wne="http://schemas.microsoft.com/office/word/2006/wordml" xmlns:wpi="http://schemas.microsoft.com/office/word/2010/wordprocessingInk" xmlns:wpg="http://schemas.microsoft.com/office/word/2010/wordprocessingGroup" xmlns:w15="http://schemas.microsoft.com/office/word/2012/wordml" xmlns:w14="http://schemas.microsoft.com/office/word/2010/wordml" xmlns:wp="http://schemas.openxmlformats.org/drawingml/2006/wordprocessingDrawing" xmlns:wp14="http://schemas.microsoft.com/office/word/2010/wordprocessingDrawing" xmlns:m="http://schemas.openxmlformats.org/officeDocument/2006/math" xmlns:mc="http://schemas.openxmlformats.org/markup-compatibility/2006" xmlns:wpc="http://schemas.microsoft.com/office/word/2010/wordprocessingCanvas" w="9525">
                   <a:solidFill>
                     <a:srgbClr val="000000"/>
                   </a:solidFill>
@@ -4713,17 +4231,9 @@
             </a:bodyPr>
             <a:lstStyle/>
             <a:p>
-              <a:pPr marL="0" marR="0" algn="r">
-                <a:spcBef>
-                  <a:spcPts val="0"/>
-                </a:spcBef>
-                <a:spcAft>
-                  <a:spcPts val="0"/>
-                </a:spcAft>
-              </a:pPr>
+              <a:pPr algn="r"/>
               <a:r>
                 <a:rPr lang="it-IT" sz="900">
-                  <a:effectLst/>
                   <a:latin typeface="Times New Roman" panose="02020603050405020304" pitchFamily="18" charset="0"/>
                   <a:ea typeface="Arial Unicode MS" panose="020B0604020202020204" pitchFamily="34" charset="-128"/>
                 </a:rPr>
@@ -4731,14 +4241,12 @@
               </a:r>
               <a:br>
                 <a:rPr lang="it-IT" sz="900">
-                  <a:effectLst/>
                   <a:latin typeface="Times New Roman" panose="02020603050405020304" pitchFamily="18" charset="0"/>
                   <a:ea typeface="Arial Unicode MS" panose="020B0604020202020204" pitchFamily="34" charset="-128"/>
                 </a:rPr>
               </a:br>
               <a:r>
                 <a:rPr lang="it-IT" sz="900">
-                  <a:effectLst/>
                   <a:latin typeface="Times New Roman" panose="02020603050405020304" pitchFamily="18" charset="0"/>
                   <a:ea typeface="Arial Unicode MS" panose="020B0604020202020204" pitchFamily="34" charset="-128"/>
                 </a:rPr>
@@ -4746,14 +4254,12 @@
               </a:r>
               <a:br>
                 <a:rPr lang="it-IT" sz="900">
-                  <a:effectLst/>
                   <a:latin typeface="Times New Roman" panose="02020603050405020304" pitchFamily="18" charset="0"/>
                   <a:ea typeface="Arial Unicode MS" panose="020B0604020202020204" pitchFamily="34" charset="-128"/>
                 </a:rPr>
               </a:br>
               <a:r>
                 <a:rPr lang="it-IT" sz="900">
-                  <a:effectLst/>
                   <a:latin typeface="Times New Roman" panose="02020603050405020304" pitchFamily="18" charset="0"/>
                   <a:ea typeface="Arial Unicode MS" panose="020B0604020202020204" pitchFamily="34" charset="-128"/>
                 </a:rPr>
@@ -4761,37 +4267,30 @@
               </a:r>
               <a:r>
                 <a:rPr lang="it-IT" sz="900">
-                  <a:effectLst/>
                   <a:latin typeface="Times New Roman" panose="02020603050405020304" pitchFamily="18" charset="0"/>
                   <a:ea typeface="Times New Roman" panose="02020603050405020304" pitchFamily="18" charset="0"/>
                 </a:rPr>
                 <a:t>[ITI-43]</a:t>
               </a:r>
               <a:endParaRPr lang="en-US" sz="1200">
-                <a:effectLst/>
                 <a:latin typeface="Times New Roman" panose="02020603050405020304" pitchFamily="18" charset="0"/>
                 <a:ea typeface="Times New Roman" panose="02020603050405020304" pitchFamily="18" charset="0"/>
               </a:endParaRPr>
             </a:p>
             <a:p>
-              <a:pPr marL="0" marR="0">
+              <a:pPr>
                 <a:spcBef>
                   <a:spcPts val="600"/>
                 </a:spcBef>
-                <a:spcAft>
-                  <a:spcPts val="0"/>
-                </a:spcAft>
               </a:pPr>
               <a:r>
                 <a:rPr lang="it-IT" sz="1100">
-                  <a:effectLst/>
                   <a:latin typeface="Arial" panose="020B0604020202020204" pitchFamily="34" charset="0"/>
                   <a:ea typeface="Times New Roman" panose="02020603050405020304" pitchFamily="18" charset="0"/>
                 </a:rPr>
                 <a:t> </a:t>
               </a:r>
               <a:endParaRPr lang="en-US" sz="1200">
-                <a:effectLst/>
                 <a:latin typeface="Times New Roman" panose="02020603050405020304" pitchFamily="18" charset="0"/>
                 <a:ea typeface="Times New Roman" panose="02020603050405020304" pitchFamily="18" charset="0"/>
               </a:endParaRPr>
@@ -4826,14 +4325,14 @@
             </a:ln>
             <a:extLst>
               <a:ext uri="{909E8E84-426E-40dd-AFC4-6F175D3DCCD1}">
-                <a14:hiddenFill xmlns:wpc="http://schemas.microsoft.com/office/word/2010/wordprocessingCanvas" xmlns:mc="http://schemas.openxmlformats.org/markup-compatibility/2006" xmlns:m="http://schemas.openxmlformats.org/officeDocument/2006/math" xmlns:wp14="http://schemas.microsoft.com/office/word/2010/wordprocessingDrawing" xmlns:wp="http://schemas.openxmlformats.org/drawingml/2006/wordprocessingDrawing" xmlns:w14="http://schemas.microsoft.com/office/word/2010/wordml" xmlns:w15="http://schemas.microsoft.com/office/word/2012/wordml" xmlns:wpg="http://schemas.microsoft.com/office/word/2010/wordprocessingGroup" xmlns:wpi="http://schemas.microsoft.com/office/word/2010/wordprocessingInk" xmlns:wne="http://schemas.microsoft.com/office/word/2006/wordml" xmlns:wps="http://schemas.microsoft.com/office/word/2010/wordprocessingShape" xmlns:cx="http://schemas.microsoft.com/office/drawing/2014/chartex" xmlns:cx1="http://schemas.microsoft.com/office/drawing/2015/9/8/chartex" xmlns:cx2="http://schemas.microsoft.com/office/drawing/2015/10/21/chartex" xmlns:cx3="http://schemas.microsoft.com/office/drawing/2016/5/9/chartex" xmlns:cx4="http://schemas.microsoft.com/office/drawing/2016/5/10/chartex" xmlns:cx5="http://schemas.microsoft.com/office/drawing/2016/5/11/chartex" xmlns:cx6="http://schemas.microsoft.com/office/drawing/2016/5/12/chartex" xmlns:cx7="http://schemas.microsoft.com/office/drawing/2016/5/13/chartex" xmlns:cx8="http://schemas.microsoft.com/office/drawing/2016/5/14/chartex" xmlns:aink="http://schemas.microsoft.com/office/drawing/2016/ink" xmlns:am3d="http://schemas.microsoft.com/office/drawing/2017/model3d" xmlns:w16cid="http://schemas.microsoft.com/office/word/2016/wordml/cid" xmlns:w16se="http://schemas.microsoft.com/office/word/2015/wordml/symex" xmlns:a14="http://schemas.microsoft.com/office/drawing/2010/main" xmlns:w="http://schemas.openxmlformats.org/wordprocessingml/2006/main" xmlns:w10="urn:schemas-microsoft-com:office:word" xmlns:v="urn:schemas-microsoft-com:vml" xmlns:o="urn:schemas-microsoft-com:office:office" xmlns:mv="urn:schemas-microsoft-com:mac:vml" xmlns:mo="http://schemas.microsoft.com/office/mac/office/2008/main" xmlns="" xmlns:arto="http://schemas.microsoft.com/office/word/2006/arto" xmlns:lc="http://schemas.openxmlformats.org/drawingml/2006/lockedCanvas">
+                <a14:hiddenFill xmlns:lc="http://schemas.openxmlformats.org/drawingml/2006/lockedCanvas" xmlns:arto="http://schemas.microsoft.com/office/word/2006/arto" xmlns="" xmlns:mo="http://schemas.microsoft.com/office/mac/office/2008/main" xmlns:mv="urn:schemas-microsoft-com:mac:vml" xmlns:o="urn:schemas-microsoft-com:office:office" xmlns:v="urn:schemas-microsoft-com:vml" xmlns:w10="urn:schemas-microsoft-com:office:word" xmlns:w="http://schemas.openxmlformats.org/wordprocessingml/2006/main" xmlns:a14="http://schemas.microsoft.com/office/drawing/2010/main" xmlns:w16se="http://schemas.microsoft.com/office/word/2015/wordml/symex" xmlns:w16cid="http://schemas.microsoft.com/office/word/2016/wordml/cid" xmlns:am3d="http://schemas.microsoft.com/office/drawing/2017/model3d" xmlns:aink="http://schemas.microsoft.com/office/drawing/2016/ink" xmlns:cx8="http://schemas.microsoft.com/office/drawing/2016/5/14/chartex" xmlns:cx7="http://schemas.microsoft.com/office/drawing/2016/5/13/chartex" xmlns:cx6="http://schemas.microsoft.com/office/drawing/2016/5/12/chartex" xmlns:cx5="http://schemas.microsoft.com/office/drawing/2016/5/11/chartex" xmlns:cx4="http://schemas.microsoft.com/office/drawing/2016/5/10/chartex" xmlns:cx3="http://schemas.microsoft.com/office/drawing/2016/5/9/chartex" xmlns:cx2="http://schemas.microsoft.com/office/drawing/2015/10/21/chartex" xmlns:cx1="http://schemas.microsoft.com/office/drawing/2015/9/8/chartex" xmlns:cx="http://schemas.microsoft.com/office/drawing/2014/chartex" xmlns:wps="http://schemas.microsoft.com/office/word/2010/wordprocessingShape" xmlns:wne="http://schemas.microsoft.com/office/word/2006/wordml" xmlns:wpi="http://schemas.microsoft.com/office/word/2010/wordprocessingInk" xmlns:wpg="http://schemas.microsoft.com/office/word/2010/wordprocessingGroup" xmlns:w15="http://schemas.microsoft.com/office/word/2012/wordml" xmlns:w14="http://schemas.microsoft.com/office/word/2010/wordml" xmlns:wp="http://schemas.openxmlformats.org/drawingml/2006/wordprocessingDrawing" xmlns:wp14="http://schemas.microsoft.com/office/word/2010/wordprocessingDrawing" xmlns:m="http://schemas.openxmlformats.org/officeDocument/2006/math" xmlns:mc="http://schemas.openxmlformats.org/markup-compatibility/2006" xmlns:wpc="http://schemas.microsoft.com/office/word/2010/wordprocessingCanvas">
                   <a:solidFill>
                     <a:srgbClr val="FFFFFF"/>
                   </a:solidFill>
                 </a14:hiddenFill>
               </a:ext>
               <a:ext uri="{91240B29-F687-4f45-9708-019B960494DF}">
-                <a14:hiddenLine xmlns:wpc="http://schemas.microsoft.com/office/word/2010/wordprocessingCanvas" xmlns:mc="http://schemas.openxmlformats.org/markup-compatibility/2006" xmlns:m="http://schemas.openxmlformats.org/officeDocument/2006/math" xmlns:wp14="http://schemas.microsoft.com/office/word/2010/wordprocessingDrawing" xmlns:wp="http://schemas.openxmlformats.org/drawingml/2006/wordprocessingDrawing" xmlns:w14="http://schemas.microsoft.com/office/word/2010/wordml" xmlns:w15="http://schemas.microsoft.com/office/word/2012/wordml" xmlns:wpg="http://schemas.microsoft.com/office/word/2010/wordprocessingGroup" xmlns:wpi="http://schemas.microsoft.com/office/word/2010/wordprocessingInk" xmlns:wne="http://schemas.microsoft.com/office/word/2006/wordml" xmlns:wps="http://schemas.microsoft.com/office/word/2010/wordprocessingShape" xmlns:cx="http://schemas.microsoft.com/office/drawing/2014/chartex" xmlns:cx1="http://schemas.microsoft.com/office/drawing/2015/9/8/chartex" xmlns:cx2="http://schemas.microsoft.com/office/drawing/2015/10/21/chartex" xmlns:cx3="http://schemas.microsoft.com/office/drawing/2016/5/9/chartex" xmlns:cx4="http://schemas.microsoft.com/office/drawing/2016/5/10/chartex" xmlns:cx5="http://schemas.microsoft.com/office/drawing/2016/5/11/chartex" xmlns:cx6="http://schemas.microsoft.com/office/drawing/2016/5/12/chartex" xmlns:cx7="http://schemas.microsoft.com/office/drawing/2016/5/13/chartex" xmlns:cx8="http://schemas.microsoft.com/office/drawing/2016/5/14/chartex" xmlns:aink="http://schemas.microsoft.com/office/drawing/2016/ink" xmlns:am3d="http://schemas.microsoft.com/office/drawing/2017/model3d" xmlns:w16cid="http://schemas.microsoft.com/office/word/2016/wordml/cid" xmlns:w16se="http://schemas.microsoft.com/office/word/2015/wordml/symex" xmlns:a14="http://schemas.microsoft.com/office/drawing/2010/main" xmlns:w="http://schemas.openxmlformats.org/wordprocessingml/2006/main" xmlns:w10="urn:schemas-microsoft-com:office:word" xmlns:v="urn:schemas-microsoft-com:vml" xmlns:o="urn:schemas-microsoft-com:office:office" xmlns:mv="urn:schemas-microsoft-com:mac:vml" xmlns:mo="http://schemas.microsoft.com/office/mac/office/2008/main" xmlns="" xmlns:arto="http://schemas.microsoft.com/office/word/2006/arto" xmlns:lc="http://schemas.openxmlformats.org/drawingml/2006/lockedCanvas" w="3175">
+                <a14:hiddenLine xmlns:lc="http://schemas.openxmlformats.org/drawingml/2006/lockedCanvas" xmlns:arto="http://schemas.microsoft.com/office/word/2006/arto" xmlns="" xmlns:mo="http://schemas.microsoft.com/office/mac/office/2008/main" xmlns:mv="urn:schemas-microsoft-com:mac:vml" xmlns:o="urn:schemas-microsoft-com:office:office" xmlns:v="urn:schemas-microsoft-com:vml" xmlns:w10="urn:schemas-microsoft-com:office:word" xmlns:w="http://schemas.openxmlformats.org/wordprocessingml/2006/main" xmlns:a14="http://schemas.microsoft.com/office/drawing/2010/main" xmlns:w16se="http://schemas.microsoft.com/office/word/2015/wordml/symex" xmlns:w16cid="http://schemas.microsoft.com/office/word/2016/wordml/cid" xmlns:am3d="http://schemas.microsoft.com/office/drawing/2017/model3d" xmlns:aink="http://schemas.microsoft.com/office/drawing/2016/ink" xmlns:cx8="http://schemas.microsoft.com/office/drawing/2016/5/14/chartex" xmlns:cx7="http://schemas.microsoft.com/office/drawing/2016/5/13/chartex" xmlns:cx6="http://schemas.microsoft.com/office/drawing/2016/5/12/chartex" xmlns:cx5="http://schemas.microsoft.com/office/drawing/2016/5/11/chartex" xmlns:cx4="http://schemas.microsoft.com/office/drawing/2016/5/10/chartex" xmlns:cx3="http://schemas.microsoft.com/office/drawing/2016/5/9/chartex" xmlns:cx2="http://schemas.microsoft.com/office/drawing/2015/10/21/chartex" xmlns:cx1="http://schemas.microsoft.com/office/drawing/2015/9/8/chartex" xmlns:cx="http://schemas.microsoft.com/office/drawing/2014/chartex" xmlns:wps="http://schemas.microsoft.com/office/word/2010/wordprocessingShape" xmlns:wne="http://schemas.microsoft.com/office/word/2006/wordml" xmlns:wpi="http://schemas.microsoft.com/office/word/2010/wordprocessingInk" xmlns:wpg="http://schemas.microsoft.com/office/word/2010/wordprocessingGroup" xmlns:w15="http://schemas.microsoft.com/office/word/2012/wordml" xmlns:w14="http://schemas.microsoft.com/office/word/2010/wordml" xmlns:wp="http://schemas.openxmlformats.org/drawingml/2006/wordprocessingDrawing" xmlns:wp14="http://schemas.microsoft.com/office/word/2010/wordprocessingDrawing" xmlns:m="http://schemas.openxmlformats.org/officeDocument/2006/math" xmlns:mc="http://schemas.openxmlformats.org/markup-compatibility/2006" xmlns:wpc="http://schemas.microsoft.com/office/word/2010/wordprocessingCanvas" w="3175">
                   <a:solidFill>
                     <a:srgbClr val="000000"/>
                   </a:solidFill>
@@ -4850,17 +4349,13 @@
             </a:bodyPr>
             <a:lstStyle/>
             <a:p>
-              <a:pPr marL="0" marR="0">
+              <a:pPr>
                 <a:spcBef>
                   <a:spcPts val="600"/>
                 </a:spcBef>
-                <a:spcAft>
-                  <a:spcPts val="0"/>
-                </a:spcAft>
               </a:pPr>
               <a:r>
                 <a:rPr lang="en-US" sz="1000">
-                  <a:effectLst/>
                   <a:latin typeface="Times New Roman" panose="02020603050405020304" pitchFamily="18" charset="0"/>
                   <a:ea typeface="Times New Roman" panose="02020603050405020304" pitchFamily="18" charset="0"/>
                   <a:sym typeface="Wingdings" panose="05000000000000000000" pitchFamily="2" charset="2"/>
@@ -4868,7 +4363,6 @@
                 <a:t></a:t>
               </a:r>
               <a:endParaRPr lang="en-US" sz="1200">
-                <a:effectLst/>
                 <a:latin typeface="Times New Roman" panose="02020603050405020304" pitchFamily="18" charset="0"/>
                 <a:ea typeface="Times New Roman" panose="02020603050405020304" pitchFamily="18" charset="0"/>
               </a:endParaRPr>
@@ -4909,7 +4403,7 @@
             </a:ln>
             <a:extLst>
               <a:ext uri="{909E8E84-426E-40dd-AFC4-6F175D3DCCD1}">
-                <a14:hiddenFill xmlns:wpc="http://schemas.microsoft.com/office/word/2010/wordprocessingCanvas" xmlns:mc="http://schemas.openxmlformats.org/markup-compatibility/2006" xmlns:m="http://schemas.openxmlformats.org/officeDocument/2006/math" xmlns:wp14="http://schemas.microsoft.com/office/word/2010/wordprocessingDrawing" xmlns:wp="http://schemas.openxmlformats.org/drawingml/2006/wordprocessingDrawing" xmlns:w14="http://schemas.microsoft.com/office/word/2010/wordml" xmlns:w15="http://schemas.microsoft.com/office/word/2012/wordml" xmlns:wpg="http://schemas.microsoft.com/office/word/2010/wordprocessingGroup" xmlns:wpi="http://schemas.microsoft.com/office/word/2010/wordprocessingInk" xmlns:wne="http://schemas.microsoft.com/office/word/2006/wordml" xmlns:wps="http://schemas.microsoft.com/office/word/2010/wordprocessingShape" xmlns:cx="http://schemas.microsoft.com/office/drawing/2014/chartex" xmlns:cx1="http://schemas.microsoft.com/office/drawing/2015/9/8/chartex" xmlns:cx2="http://schemas.microsoft.com/office/drawing/2015/10/21/chartex" xmlns:cx3="http://schemas.microsoft.com/office/drawing/2016/5/9/chartex" xmlns:cx4="http://schemas.microsoft.com/office/drawing/2016/5/10/chartex" xmlns:cx5="http://schemas.microsoft.com/office/drawing/2016/5/11/chartex" xmlns:cx6="http://schemas.microsoft.com/office/drawing/2016/5/12/chartex" xmlns:cx7="http://schemas.microsoft.com/office/drawing/2016/5/13/chartex" xmlns:cx8="http://schemas.microsoft.com/office/drawing/2016/5/14/chartex" xmlns:aink="http://schemas.microsoft.com/office/drawing/2016/ink" xmlns:am3d="http://schemas.microsoft.com/office/drawing/2017/model3d" xmlns:w16cid="http://schemas.microsoft.com/office/word/2016/wordml/cid" xmlns:w16se="http://schemas.microsoft.com/office/word/2015/wordml/symex" xmlns:a14="http://schemas.microsoft.com/office/drawing/2010/main" xmlns:w="http://schemas.openxmlformats.org/wordprocessingml/2006/main" xmlns:w10="urn:schemas-microsoft-com:office:word" xmlns:v="urn:schemas-microsoft-com:vml" xmlns:o="urn:schemas-microsoft-com:office:office" xmlns:mv="urn:schemas-microsoft-com:mac:vml" xmlns:mo="http://schemas.microsoft.com/office/mac/office/2008/main" xmlns="" xmlns:arto="http://schemas.microsoft.com/office/word/2006/arto" xmlns:lc="http://schemas.openxmlformats.org/drawingml/2006/lockedCanvas">
+                <a14:hiddenFill xmlns:lc="http://schemas.openxmlformats.org/drawingml/2006/lockedCanvas" xmlns:arto="http://schemas.microsoft.com/office/word/2006/arto" xmlns="" xmlns:mo="http://schemas.microsoft.com/office/mac/office/2008/main" xmlns:mv="urn:schemas-microsoft-com:mac:vml" xmlns:o="urn:schemas-microsoft-com:office:office" xmlns:v="urn:schemas-microsoft-com:vml" xmlns:w10="urn:schemas-microsoft-com:office:word" xmlns:w="http://schemas.openxmlformats.org/wordprocessingml/2006/main" xmlns:a14="http://schemas.microsoft.com/office/drawing/2010/main" xmlns:w16se="http://schemas.microsoft.com/office/word/2015/wordml/symex" xmlns:w16cid="http://schemas.microsoft.com/office/word/2016/wordml/cid" xmlns:am3d="http://schemas.microsoft.com/office/drawing/2017/model3d" xmlns:aink="http://schemas.microsoft.com/office/drawing/2016/ink" xmlns:cx8="http://schemas.microsoft.com/office/drawing/2016/5/14/chartex" xmlns:cx7="http://schemas.microsoft.com/office/drawing/2016/5/13/chartex" xmlns:cx6="http://schemas.microsoft.com/office/drawing/2016/5/12/chartex" xmlns:cx5="http://schemas.microsoft.com/office/drawing/2016/5/11/chartex" xmlns:cx4="http://schemas.microsoft.com/office/drawing/2016/5/10/chartex" xmlns:cx3="http://schemas.microsoft.com/office/drawing/2016/5/9/chartex" xmlns:cx2="http://schemas.microsoft.com/office/drawing/2015/10/21/chartex" xmlns:cx1="http://schemas.microsoft.com/office/drawing/2015/9/8/chartex" xmlns:cx="http://schemas.microsoft.com/office/drawing/2014/chartex" xmlns:wps="http://schemas.microsoft.com/office/word/2010/wordprocessingShape" xmlns:wne="http://schemas.microsoft.com/office/word/2006/wordml" xmlns:wpi="http://schemas.microsoft.com/office/word/2010/wordprocessingInk" xmlns:wpg="http://schemas.microsoft.com/office/word/2010/wordprocessingGroup" xmlns:w15="http://schemas.microsoft.com/office/word/2012/wordml" xmlns:w14="http://schemas.microsoft.com/office/word/2010/wordml" xmlns:wp="http://schemas.openxmlformats.org/drawingml/2006/wordprocessingDrawing" xmlns:wp14="http://schemas.microsoft.com/office/word/2010/wordprocessingDrawing" xmlns:m="http://schemas.openxmlformats.org/officeDocument/2006/math" xmlns:mc="http://schemas.openxmlformats.org/markup-compatibility/2006" xmlns:wpc="http://schemas.microsoft.com/office/word/2010/wordprocessingCanvas">
                   <a:noFill/>
                 </a14:hiddenFill>
               </a:ext>
@@ -4944,14 +4438,14 @@
             </a:ln>
             <a:extLst>
               <a:ext uri="{909E8E84-426E-40dd-AFC4-6F175D3DCCD1}">
-                <a14:hiddenFill xmlns:wpc="http://schemas.microsoft.com/office/word/2010/wordprocessingCanvas" xmlns:mc="http://schemas.openxmlformats.org/markup-compatibility/2006" xmlns:m="http://schemas.openxmlformats.org/officeDocument/2006/math" xmlns:wp14="http://schemas.microsoft.com/office/word/2010/wordprocessingDrawing" xmlns:wp="http://schemas.openxmlformats.org/drawingml/2006/wordprocessingDrawing" xmlns:w14="http://schemas.microsoft.com/office/word/2010/wordml" xmlns:w15="http://schemas.microsoft.com/office/word/2012/wordml" xmlns:wpg="http://schemas.microsoft.com/office/word/2010/wordprocessingGroup" xmlns:wpi="http://schemas.microsoft.com/office/word/2010/wordprocessingInk" xmlns:wne="http://schemas.microsoft.com/office/word/2006/wordml" xmlns:wps="http://schemas.microsoft.com/office/word/2010/wordprocessingShape" xmlns:cx="http://schemas.microsoft.com/office/drawing/2014/chartex" xmlns:cx1="http://schemas.microsoft.com/office/drawing/2015/9/8/chartex" xmlns:cx2="http://schemas.microsoft.com/office/drawing/2015/10/21/chartex" xmlns:cx3="http://schemas.microsoft.com/office/drawing/2016/5/9/chartex" xmlns:cx4="http://schemas.microsoft.com/office/drawing/2016/5/10/chartex" xmlns:cx5="http://schemas.microsoft.com/office/drawing/2016/5/11/chartex" xmlns:cx6="http://schemas.microsoft.com/office/drawing/2016/5/12/chartex" xmlns:cx7="http://schemas.microsoft.com/office/drawing/2016/5/13/chartex" xmlns:cx8="http://schemas.microsoft.com/office/drawing/2016/5/14/chartex" xmlns:aink="http://schemas.microsoft.com/office/drawing/2016/ink" xmlns:am3d="http://schemas.microsoft.com/office/drawing/2017/model3d" xmlns:w16cid="http://schemas.microsoft.com/office/word/2016/wordml/cid" xmlns:w16se="http://schemas.microsoft.com/office/word/2015/wordml/symex" xmlns:a14="http://schemas.microsoft.com/office/drawing/2010/main" xmlns:w="http://schemas.openxmlformats.org/wordprocessingml/2006/main" xmlns:w10="urn:schemas-microsoft-com:office:word" xmlns:v="urn:schemas-microsoft-com:vml" xmlns:o="urn:schemas-microsoft-com:office:office" xmlns:mv="urn:schemas-microsoft-com:mac:vml" xmlns:mo="http://schemas.microsoft.com/office/mac/office/2008/main" xmlns="" xmlns:arto="http://schemas.microsoft.com/office/word/2006/arto" xmlns:lc="http://schemas.openxmlformats.org/drawingml/2006/lockedCanvas">
+                <a14:hiddenFill xmlns:lc="http://schemas.openxmlformats.org/drawingml/2006/lockedCanvas" xmlns:arto="http://schemas.microsoft.com/office/word/2006/arto" xmlns="" xmlns:mo="http://schemas.microsoft.com/office/mac/office/2008/main" xmlns:mv="urn:schemas-microsoft-com:mac:vml" xmlns:o="urn:schemas-microsoft-com:office:office" xmlns:v="urn:schemas-microsoft-com:vml" xmlns:w10="urn:schemas-microsoft-com:office:word" xmlns:w="http://schemas.openxmlformats.org/wordprocessingml/2006/main" xmlns:a14="http://schemas.microsoft.com/office/drawing/2010/main" xmlns:w16se="http://schemas.microsoft.com/office/word/2015/wordml/symex" xmlns:w16cid="http://schemas.microsoft.com/office/word/2016/wordml/cid" xmlns:am3d="http://schemas.microsoft.com/office/drawing/2017/model3d" xmlns:aink="http://schemas.microsoft.com/office/drawing/2016/ink" xmlns:cx8="http://schemas.microsoft.com/office/drawing/2016/5/14/chartex" xmlns:cx7="http://schemas.microsoft.com/office/drawing/2016/5/13/chartex" xmlns:cx6="http://schemas.microsoft.com/office/drawing/2016/5/12/chartex" xmlns:cx5="http://schemas.microsoft.com/office/drawing/2016/5/11/chartex" xmlns:cx4="http://schemas.microsoft.com/office/drawing/2016/5/10/chartex" xmlns:cx3="http://schemas.microsoft.com/office/drawing/2016/5/9/chartex" xmlns:cx2="http://schemas.microsoft.com/office/drawing/2015/10/21/chartex" xmlns:cx1="http://schemas.microsoft.com/office/drawing/2015/9/8/chartex" xmlns:cx="http://schemas.microsoft.com/office/drawing/2014/chartex" xmlns:wps="http://schemas.microsoft.com/office/word/2010/wordprocessingShape" xmlns:wne="http://schemas.microsoft.com/office/word/2006/wordml" xmlns:wpi="http://schemas.microsoft.com/office/word/2010/wordprocessingInk" xmlns:wpg="http://schemas.microsoft.com/office/word/2010/wordprocessingGroup" xmlns:w15="http://schemas.microsoft.com/office/word/2012/wordml" xmlns:w14="http://schemas.microsoft.com/office/word/2010/wordml" xmlns:wp="http://schemas.openxmlformats.org/drawingml/2006/wordprocessingDrawing" xmlns:wp14="http://schemas.microsoft.com/office/word/2010/wordprocessingDrawing" xmlns:m="http://schemas.openxmlformats.org/officeDocument/2006/math" xmlns:mc="http://schemas.openxmlformats.org/markup-compatibility/2006" xmlns:wpc="http://schemas.microsoft.com/office/word/2010/wordprocessingCanvas">
                   <a:solidFill>
                     <a:srgbClr val="FFFFFF"/>
                   </a:solidFill>
                 </a14:hiddenFill>
               </a:ext>
               <a:ext uri="{91240B29-F687-4f45-9708-019B960494DF}">
-                <a14:hiddenLine xmlns:wpc="http://schemas.microsoft.com/office/word/2010/wordprocessingCanvas" xmlns:mc="http://schemas.openxmlformats.org/markup-compatibility/2006" xmlns:m="http://schemas.openxmlformats.org/officeDocument/2006/math" xmlns:wp14="http://schemas.microsoft.com/office/word/2010/wordprocessingDrawing" xmlns:wp="http://schemas.openxmlformats.org/drawingml/2006/wordprocessingDrawing" xmlns:w14="http://schemas.microsoft.com/office/word/2010/wordml" xmlns:w15="http://schemas.microsoft.com/office/word/2012/wordml" xmlns:wpg="http://schemas.microsoft.com/office/word/2010/wordprocessingGroup" xmlns:wpi="http://schemas.microsoft.com/office/word/2010/wordprocessingInk" xmlns:wne="http://schemas.microsoft.com/office/word/2006/wordml" xmlns:wps="http://schemas.microsoft.com/office/word/2010/wordprocessingShape" xmlns:cx="http://schemas.microsoft.com/office/drawing/2014/chartex" xmlns:cx1="http://schemas.microsoft.com/office/drawing/2015/9/8/chartex" xmlns:cx2="http://schemas.microsoft.com/office/drawing/2015/10/21/chartex" xmlns:cx3="http://schemas.microsoft.com/office/drawing/2016/5/9/chartex" xmlns:cx4="http://schemas.microsoft.com/office/drawing/2016/5/10/chartex" xmlns:cx5="http://schemas.microsoft.com/office/drawing/2016/5/11/chartex" xmlns:cx6="http://schemas.microsoft.com/office/drawing/2016/5/12/chartex" xmlns:cx7="http://schemas.microsoft.com/office/drawing/2016/5/13/chartex" xmlns:cx8="http://schemas.microsoft.com/office/drawing/2016/5/14/chartex" xmlns:aink="http://schemas.microsoft.com/office/drawing/2016/ink" xmlns:am3d="http://schemas.microsoft.com/office/drawing/2017/model3d" xmlns:w16cid="http://schemas.microsoft.com/office/word/2016/wordml/cid" xmlns:w16se="http://schemas.microsoft.com/office/word/2015/wordml/symex" xmlns:a14="http://schemas.microsoft.com/office/drawing/2010/main" xmlns:w="http://schemas.openxmlformats.org/wordprocessingml/2006/main" xmlns:w10="urn:schemas-microsoft-com:office:word" xmlns:v="urn:schemas-microsoft-com:vml" xmlns:o="urn:schemas-microsoft-com:office:office" xmlns:mv="urn:schemas-microsoft-com:mac:vml" xmlns:mo="http://schemas.microsoft.com/office/mac/office/2008/main" xmlns="" xmlns:arto="http://schemas.microsoft.com/office/word/2006/arto" xmlns:lc="http://schemas.openxmlformats.org/drawingml/2006/lockedCanvas" w="3175">
+                <a14:hiddenLine xmlns:lc="http://schemas.openxmlformats.org/drawingml/2006/lockedCanvas" xmlns:arto="http://schemas.microsoft.com/office/word/2006/arto" xmlns="" xmlns:mo="http://schemas.microsoft.com/office/mac/office/2008/main" xmlns:mv="urn:schemas-microsoft-com:mac:vml" xmlns:o="urn:schemas-microsoft-com:office:office" xmlns:v="urn:schemas-microsoft-com:vml" xmlns:w10="urn:schemas-microsoft-com:office:word" xmlns:w="http://schemas.openxmlformats.org/wordprocessingml/2006/main" xmlns:a14="http://schemas.microsoft.com/office/drawing/2010/main" xmlns:w16se="http://schemas.microsoft.com/office/word/2015/wordml/symex" xmlns:w16cid="http://schemas.microsoft.com/office/word/2016/wordml/cid" xmlns:am3d="http://schemas.microsoft.com/office/drawing/2017/model3d" xmlns:aink="http://schemas.microsoft.com/office/drawing/2016/ink" xmlns:cx8="http://schemas.microsoft.com/office/drawing/2016/5/14/chartex" xmlns:cx7="http://schemas.microsoft.com/office/drawing/2016/5/13/chartex" xmlns:cx6="http://schemas.microsoft.com/office/drawing/2016/5/12/chartex" xmlns:cx5="http://schemas.microsoft.com/office/drawing/2016/5/11/chartex" xmlns:cx4="http://schemas.microsoft.com/office/drawing/2016/5/10/chartex" xmlns:cx3="http://schemas.microsoft.com/office/drawing/2016/5/9/chartex" xmlns:cx2="http://schemas.microsoft.com/office/drawing/2015/10/21/chartex" xmlns:cx1="http://schemas.microsoft.com/office/drawing/2015/9/8/chartex" xmlns:cx="http://schemas.microsoft.com/office/drawing/2014/chartex" xmlns:wps="http://schemas.microsoft.com/office/word/2010/wordprocessingShape" xmlns:wne="http://schemas.microsoft.com/office/word/2006/wordml" xmlns:wpi="http://schemas.microsoft.com/office/word/2010/wordprocessingInk" xmlns:wpg="http://schemas.microsoft.com/office/word/2010/wordprocessingGroup" xmlns:w15="http://schemas.microsoft.com/office/word/2012/wordml" xmlns:w14="http://schemas.microsoft.com/office/word/2010/wordml" xmlns:wp="http://schemas.openxmlformats.org/drawingml/2006/wordprocessingDrawing" xmlns:wp14="http://schemas.microsoft.com/office/word/2010/wordprocessingDrawing" xmlns:m="http://schemas.openxmlformats.org/officeDocument/2006/math" xmlns:mc="http://schemas.openxmlformats.org/markup-compatibility/2006" xmlns:wpc="http://schemas.microsoft.com/office/word/2010/wordprocessingCanvas" w="3175">
                   <a:solidFill>
                     <a:srgbClr val="000000"/>
                   </a:solidFill>
@@ -4968,17 +4462,13 @@
             </a:bodyPr>
             <a:lstStyle/>
             <a:p>
-              <a:pPr marL="0" marR="0">
+              <a:pPr>
                 <a:spcBef>
                   <a:spcPts val="600"/>
                 </a:spcBef>
-                <a:spcAft>
-                  <a:spcPts val="0"/>
-                </a:spcAft>
               </a:pPr>
               <a:r>
                 <a:rPr lang="en-US" sz="1000">
-                  <a:effectLst/>
                   <a:latin typeface="Times New Roman" panose="02020603050405020304" pitchFamily="18" charset="0"/>
                   <a:ea typeface="Times New Roman" panose="02020603050405020304" pitchFamily="18" charset="0"/>
                   <a:sym typeface="Wingdings" panose="05000000000000000000" pitchFamily="2" charset="2"/>
@@ -4986,7 +4476,6 @@
                 <a:t></a:t>
               </a:r>
               <a:endParaRPr lang="en-US" sz="1200">
-                <a:effectLst/>
                 <a:latin typeface="Times New Roman" panose="02020603050405020304" pitchFamily="18" charset="0"/>
                 <a:ea typeface="Times New Roman" panose="02020603050405020304" pitchFamily="18" charset="0"/>
               </a:endParaRPr>
@@ -5027,17 +4516,13 @@
             </a:bodyPr>
             <a:lstStyle/>
             <a:p>
-              <a:pPr marL="0" marR="0">
+              <a:pPr>
                 <a:spcBef>
                   <a:spcPts val="600"/>
                 </a:spcBef>
-                <a:spcAft>
-                  <a:spcPts val="0"/>
-                </a:spcAft>
               </a:pPr>
               <a:r>
                 <a:rPr lang="en-US" sz="1000">
-                  <a:effectLst/>
                   <a:latin typeface="Times New Roman" panose="02020603050405020304" pitchFamily="18" charset="0"/>
                   <a:ea typeface="Times New Roman" panose="02020603050405020304" pitchFamily="18" charset="0"/>
                   <a:sym typeface="Wingdings" panose="05000000000000000000" pitchFamily="2" charset="2"/>
@@ -5045,7 +4530,6 @@
                 <a:t></a:t>
               </a:r>
               <a:endParaRPr lang="en-US" sz="1200">
-                <a:effectLst/>
                 <a:latin typeface="Times New Roman" panose="02020603050405020304" pitchFamily="18" charset="0"/>
                 <a:ea typeface="Times New Roman" panose="02020603050405020304" pitchFamily="18" charset="0"/>
               </a:endParaRPr>
@@ -5069,8 +4553,8 @@
         </p:nvSpPr>
         <p:spPr bwMode="auto">
           <a:xfrm>
-            <a:off x="3340359" y="5411302"/>
-            <a:ext cx="12192000" cy="0"/>
+            <a:off x="1816360" y="5226636"/>
+            <a:ext cx="184731" cy="369332"/>
           </a:xfrm>
           <a:prstGeom prst="rect">
             <a:avLst/>
@@ -5138,7 +4622,7 @@
 <file path=ppt/theme/theme1.xml><?xml version="1.0" encoding="utf-8"?>
 <a:theme xmlns:a="http://schemas.openxmlformats.org/drawingml/2006/main" name="Office Theme">
   <a:themeElements>
-    <a:clrScheme name="Office">
+    <a:clrScheme name="Office Theme">
       <a:dk1>
         <a:sysClr val="windowText" lastClr="000000"/>
       </a:dk1>
@@ -5176,7 +4660,7 @@
         <a:srgbClr val="954F72"/>
       </a:folHlink>
     </a:clrScheme>
-    <a:fontScheme name="Office">
+    <a:fontScheme name="Office Theme">
       <a:majorFont>
         <a:latin typeface="Calibri Light" panose="020F0302020204030204"/>
         <a:ea typeface=""/>
@@ -5211,23 +4695,6 @@
         <a:font script="Viet" typeface="Times New Roman"/>
         <a:font script="Uigh" typeface="Microsoft Uighur"/>
         <a:font script="Geor" typeface="Sylfaen"/>
-        <a:font script="Armn" typeface="Arial"/>
-        <a:font script="Bugi" typeface="Leelawadee UI"/>
-        <a:font script="Bopo" typeface="Microsoft JhengHei"/>
-        <a:font script="Java" typeface="Javanese Text"/>
-        <a:font script="Lisu" typeface="Segoe UI"/>
-        <a:font script="Mymr" typeface="Myanmar Text"/>
-        <a:font script="Nkoo" typeface="Ebrima"/>
-        <a:font script="Olck" typeface="Nirmala UI"/>
-        <a:font script="Osma" typeface="Ebrima"/>
-        <a:font script="Phag" typeface="Phagspa"/>
-        <a:font script="Syrn" typeface="Estrangelo Edessa"/>
-        <a:font script="Syrj" typeface="Estrangelo Edessa"/>
-        <a:font script="Syre" typeface="Estrangelo Edessa"/>
-        <a:font script="Sora" typeface="Nirmala UI"/>
-        <a:font script="Tale" typeface="Microsoft Tai Le"/>
-        <a:font script="Talu" typeface="Microsoft New Tai Lue"/>
-        <a:font script="Tfng" typeface="Ebrima"/>
       </a:majorFont>
       <a:minorFont>
         <a:latin typeface="Calibri" panose="020F0502020204030204"/>
@@ -5263,26 +4730,9 @@
         <a:font script="Viet" typeface="Arial"/>
         <a:font script="Uigh" typeface="Microsoft Uighur"/>
         <a:font script="Geor" typeface="Sylfaen"/>
-        <a:font script="Armn" typeface="Arial"/>
-        <a:font script="Bugi" typeface="Leelawadee UI"/>
-        <a:font script="Bopo" typeface="Microsoft JhengHei"/>
-        <a:font script="Java" typeface="Javanese Text"/>
-        <a:font script="Lisu" typeface="Segoe UI"/>
-        <a:font script="Mymr" typeface="Myanmar Text"/>
-        <a:font script="Nkoo" typeface="Ebrima"/>
-        <a:font script="Olck" typeface="Nirmala UI"/>
-        <a:font script="Osma" typeface="Ebrima"/>
-        <a:font script="Phag" typeface="Phagspa"/>
-        <a:font script="Syrn" typeface="Estrangelo Edessa"/>
-        <a:font script="Syrj" typeface="Estrangelo Edessa"/>
-        <a:font script="Syre" typeface="Estrangelo Edessa"/>
-        <a:font script="Sora" typeface="Nirmala UI"/>
-        <a:font script="Tale" typeface="Microsoft Tai Le"/>
-        <a:font script="Talu" typeface="Microsoft New Tai Lue"/>
-        <a:font script="Tfng" typeface="Ebrima"/>
       </a:minorFont>
     </a:fontScheme>
-    <a:fmtScheme name="Office">
+    <a:fmtScheme name="Office Theme">
       <a:fillStyleLst>
         <a:solidFill>
           <a:schemeClr val="phClr"/>

--- a/input/images-source/4512.pptx
+++ b/input/images-source/4512.pptx
@@ -243,7 +243,7 @@
           <a:p>
             <a:fld id="{B0885B1E-572B-4AB4-875A-6F425810BF11}" type="datetimeFigureOut">
               <a:rPr lang="en-US" smtClean="0"/>
-              <a:t>1/12/2023</a:t>
+              <a:t>1/18/2023</a:t>
             </a:fld>
             <a:endParaRPr lang="en-US"/>
           </a:p>
@@ -413,7 +413,7 @@
           <a:p>
             <a:fld id="{B0885B1E-572B-4AB4-875A-6F425810BF11}" type="datetimeFigureOut">
               <a:rPr lang="en-US" smtClean="0"/>
-              <a:t>1/12/2023</a:t>
+              <a:t>1/18/2023</a:t>
             </a:fld>
             <a:endParaRPr lang="en-US"/>
           </a:p>
@@ -593,7 +593,7 @@
           <a:p>
             <a:fld id="{B0885B1E-572B-4AB4-875A-6F425810BF11}" type="datetimeFigureOut">
               <a:rPr lang="en-US" smtClean="0"/>
-              <a:t>1/12/2023</a:t>
+              <a:t>1/18/2023</a:t>
             </a:fld>
             <a:endParaRPr lang="en-US"/>
           </a:p>
@@ -763,7 +763,7 @@
           <a:p>
             <a:fld id="{B0885B1E-572B-4AB4-875A-6F425810BF11}" type="datetimeFigureOut">
               <a:rPr lang="en-US" smtClean="0"/>
-              <a:t>1/12/2023</a:t>
+              <a:t>1/18/2023</a:t>
             </a:fld>
             <a:endParaRPr lang="en-US"/>
           </a:p>
@@ -1007,7 +1007,7 @@
           <a:p>
             <a:fld id="{B0885B1E-572B-4AB4-875A-6F425810BF11}" type="datetimeFigureOut">
               <a:rPr lang="en-US" smtClean="0"/>
-              <a:t>1/12/2023</a:t>
+              <a:t>1/18/2023</a:t>
             </a:fld>
             <a:endParaRPr lang="en-US"/>
           </a:p>
@@ -1239,7 +1239,7 @@
           <a:p>
             <a:fld id="{B0885B1E-572B-4AB4-875A-6F425810BF11}" type="datetimeFigureOut">
               <a:rPr lang="en-US" smtClean="0"/>
-              <a:t>1/12/2023</a:t>
+              <a:t>1/18/2023</a:t>
             </a:fld>
             <a:endParaRPr lang="en-US"/>
           </a:p>
@@ -1606,7 +1606,7 @@
           <a:p>
             <a:fld id="{B0885B1E-572B-4AB4-875A-6F425810BF11}" type="datetimeFigureOut">
               <a:rPr lang="en-US" smtClean="0"/>
-              <a:t>1/12/2023</a:t>
+              <a:t>1/18/2023</a:t>
             </a:fld>
             <a:endParaRPr lang="en-US"/>
           </a:p>
@@ -1724,7 +1724,7 @@
           <a:p>
             <a:fld id="{B0885B1E-572B-4AB4-875A-6F425810BF11}" type="datetimeFigureOut">
               <a:rPr lang="en-US" smtClean="0"/>
-              <a:t>1/12/2023</a:t>
+              <a:t>1/18/2023</a:t>
             </a:fld>
             <a:endParaRPr lang="en-US"/>
           </a:p>
@@ -1819,7 +1819,7 @@
           <a:p>
             <a:fld id="{B0885B1E-572B-4AB4-875A-6F425810BF11}" type="datetimeFigureOut">
               <a:rPr lang="en-US" smtClean="0"/>
-              <a:t>1/12/2023</a:t>
+              <a:t>1/18/2023</a:t>
             </a:fld>
             <a:endParaRPr lang="en-US"/>
           </a:p>
@@ -2096,7 +2096,7 @@
           <a:p>
             <a:fld id="{B0885B1E-572B-4AB4-875A-6F425810BF11}" type="datetimeFigureOut">
               <a:rPr lang="en-US" smtClean="0"/>
-              <a:t>1/12/2023</a:t>
+              <a:t>1/18/2023</a:t>
             </a:fld>
             <a:endParaRPr lang="en-US"/>
           </a:p>
@@ -2353,7 +2353,7 @@
           <a:p>
             <a:fld id="{B0885B1E-572B-4AB4-875A-6F425810BF11}" type="datetimeFigureOut">
               <a:rPr lang="en-US" smtClean="0"/>
-              <a:t>1/12/2023</a:t>
+              <a:t>1/18/2023</a:t>
             </a:fld>
             <a:endParaRPr lang="en-US"/>
           </a:p>
@@ -2566,7 +2566,7 @@
           <a:p>
             <a:fld id="{B0885B1E-572B-4AB4-875A-6F425810BF11}" type="datetimeFigureOut">
               <a:rPr lang="en-US" smtClean="0"/>
-              <a:t>1/12/2023</a:t>
+              <a:t>1/18/2023</a:t>
             </a:fld>
             <a:endParaRPr lang="en-US"/>
           </a:p>
@@ -2971,75 +2971,6 @@
           <a:chExt cx="0" cy="0"/>
         </a:xfrm>
       </p:grpSpPr>
-      <p:sp>
-        <p:nvSpPr>
-          <p:cNvPr id="2" name="Rectangle 23">
-            <a:extLst>
-              <a:ext uri="{FF2B5EF4-FFF2-40B4-BE49-F238E27FC236}">
-                <a16:creationId xmlns:a16="http://schemas.microsoft.com/office/drawing/2014/main" id="{CB4B201A-56E1-5D92-346D-1125A5341EB7}"/>
-              </a:ext>
-            </a:extLst>
-          </p:cNvPr>
-          <p:cNvSpPr>
-            <a:spLocks noChangeArrowheads="1"/>
-          </p:cNvSpPr>
-          <p:nvPr/>
-        </p:nvSpPr>
-        <p:spPr bwMode="auto">
-          <a:xfrm>
-            <a:off x="1816360" y="1667461"/>
-            <a:ext cx="184731" cy="369332"/>
-          </a:xfrm>
-          <a:prstGeom prst="rect">
-            <a:avLst/>
-          </a:prstGeom>
-          <a:noFill/>
-          <a:ln>
-            <a:noFill/>
-          </a:ln>
-          <a:effectLst/>
-          <a:extLst>
-            <a:ext uri="{909E8E84-426E-40DD-AFC4-6F175D3DCCD1}">
-              <a14:hiddenFill xmlns:a14="http://schemas.microsoft.com/office/drawing/2010/main">
-                <a:solidFill>
-                  <a:schemeClr val="accent1"/>
-                </a:solidFill>
-              </a14:hiddenFill>
-            </a:ext>
-            <a:ext uri="{91240B29-F687-4F45-9708-019B960494DF}">
-              <a14:hiddenLine xmlns:a14="http://schemas.microsoft.com/office/drawing/2010/main" w="9525">
-                <a:solidFill>
-                  <a:schemeClr val="tx1"/>
-                </a:solidFill>
-                <a:miter lim="800000"/>
-                <a:headEnd/>
-                <a:tailEnd/>
-              </a14:hiddenLine>
-            </a:ext>
-            <a:ext uri="{AF507438-7753-43E0-B8FC-AC1667EBCBE1}">
-              <a14:hiddenEffects xmlns:a14="http://schemas.microsoft.com/office/drawing/2010/main">
-                <a:effectLst>
-                  <a:outerShdw dist="35921" dir="2700000" algn="ctr" rotWithShape="0">
-                    <a:schemeClr val="bg2"/>
-                  </a:outerShdw>
-                </a:effectLst>
-              </a14:hiddenEffects>
-            </a:ext>
-          </a:extLst>
-        </p:spPr>
-        <p:txBody>
-          <a:bodyPr vert="horz" wrap="none" lIns="91440" tIns="45720" rIns="91440" bIns="45720" numCol="1" anchor="ctr" anchorCtr="0" compatLnSpc="1">
-            <a:prstTxWarp prst="textNoShape">
-              <a:avLst/>
-            </a:prstTxWarp>
-            <a:spAutoFit/>
-          </a:bodyPr>
-          <a:lstStyle/>
-          <a:p>
-            <a:endParaRPr lang="en-US"/>
-          </a:p>
-        </p:txBody>
-      </p:sp>
       <p:grpSp>
         <p:nvGrpSpPr>
           <p:cNvPr id="3" name="Canvas 2178">
@@ -3128,7 +3059,7 @@
             </a:ln>
             <a:extLst>
               <a:ext uri="{909E8E84-426E-40dd-AFC4-6F175D3DCCD1}">
-                <a14:hiddenFill xmlns:lc="http://schemas.openxmlformats.org/drawingml/2006/lockedCanvas" xmlns:arto="http://schemas.microsoft.com/office/word/2006/arto" xmlns="" xmlns:mo="http://schemas.microsoft.com/office/mac/office/2008/main" xmlns:mv="urn:schemas-microsoft-com:mac:vml" xmlns:o="urn:schemas-microsoft-com:office:office" xmlns:v="urn:schemas-microsoft-com:vml" xmlns:w10="urn:schemas-microsoft-com:office:word" xmlns:w="http://schemas.openxmlformats.org/wordprocessingml/2006/main" xmlns:a14="http://schemas.microsoft.com/office/drawing/2010/main" xmlns:w16se="http://schemas.microsoft.com/office/word/2015/wordml/symex" xmlns:w16cid="http://schemas.microsoft.com/office/word/2016/wordml/cid" xmlns:am3d="http://schemas.microsoft.com/office/drawing/2017/model3d" xmlns:aink="http://schemas.microsoft.com/office/drawing/2016/ink" xmlns:cx8="http://schemas.microsoft.com/office/drawing/2016/5/14/chartex" xmlns:cx7="http://schemas.microsoft.com/office/drawing/2016/5/13/chartex" xmlns:cx6="http://schemas.microsoft.com/office/drawing/2016/5/12/chartex" xmlns:cx5="http://schemas.microsoft.com/office/drawing/2016/5/11/chartex" xmlns:cx4="http://schemas.microsoft.com/office/drawing/2016/5/10/chartex" xmlns:cx3="http://schemas.microsoft.com/office/drawing/2016/5/9/chartex" xmlns:cx2="http://schemas.microsoft.com/office/drawing/2015/10/21/chartex" xmlns:cx1="http://schemas.microsoft.com/office/drawing/2015/9/8/chartex" xmlns:cx="http://schemas.microsoft.com/office/drawing/2014/chartex" xmlns:wps="http://schemas.microsoft.com/office/word/2010/wordprocessingShape" xmlns:wne="http://schemas.microsoft.com/office/word/2006/wordml" xmlns:wpi="http://schemas.microsoft.com/office/word/2010/wordprocessingInk" xmlns:wpg="http://schemas.microsoft.com/office/word/2010/wordprocessingGroup" xmlns:w15="http://schemas.microsoft.com/office/word/2012/wordml" xmlns:w14="http://schemas.microsoft.com/office/word/2010/wordml" xmlns:wp="http://schemas.openxmlformats.org/drawingml/2006/wordprocessingDrawing" xmlns:wp14="http://schemas.microsoft.com/office/word/2010/wordprocessingDrawing" xmlns:m="http://schemas.openxmlformats.org/officeDocument/2006/math" xmlns:mc="http://schemas.openxmlformats.org/markup-compatibility/2006" xmlns:wpc="http://schemas.microsoft.com/office/word/2010/wordprocessingCanvas">
+                <a14:hiddenFill xmlns:wpc="http://schemas.microsoft.com/office/word/2010/wordprocessingCanvas" xmlns:mc="http://schemas.openxmlformats.org/markup-compatibility/2006" xmlns:m="http://schemas.openxmlformats.org/officeDocument/2006/math" xmlns:wp14="http://schemas.microsoft.com/office/word/2010/wordprocessingDrawing" xmlns:wp="http://schemas.openxmlformats.org/drawingml/2006/wordprocessingDrawing" xmlns:w14="http://schemas.microsoft.com/office/word/2010/wordml" xmlns:w15="http://schemas.microsoft.com/office/word/2012/wordml" xmlns:wpg="http://schemas.microsoft.com/office/word/2010/wordprocessingGroup" xmlns:wpi="http://schemas.microsoft.com/office/word/2010/wordprocessingInk" xmlns:wne="http://schemas.microsoft.com/office/word/2006/wordml" xmlns:wps="http://schemas.microsoft.com/office/word/2010/wordprocessingShape" xmlns:cx="http://schemas.microsoft.com/office/drawing/2014/chartex" xmlns:cx1="http://schemas.microsoft.com/office/drawing/2015/9/8/chartex" xmlns:cx2="http://schemas.microsoft.com/office/drawing/2015/10/21/chartex" xmlns:cx3="http://schemas.microsoft.com/office/drawing/2016/5/9/chartex" xmlns:cx4="http://schemas.microsoft.com/office/drawing/2016/5/10/chartex" xmlns:cx5="http://schemas.microsoft.com/office/drawing/2016/5/11/chartex" xmlns:cx6="http://schemas.microsoft.com/office/drawing/2016/5/12/chartex" xmlns:cx7="http://schemas.microsoft.com/office/drawing/2016/5/13/chartex" xmlns:cx8="http://schemas.microsoft.com/office/drawing/2016/5/14/chartex" xmlns:aink="http://schemas.microsoft.com/office/drawing/2016/ink" xmlns:am3d="http://schemas.microsoft.com/office/drawing/2017/model3d" xmlns:w16cid="http://schemas.microsoft.com/office/word/2016/wordml/cid" xmlns:w16se="http://schemas.microsoft.com/office/word/2015/wordml/symex" xmlns:a14="http://schemas.microsoft.com/office/drawing/2010/main" xmlns:w="http://schemas.openxmlformats.org/wordprocessingml/2006/main" xmlns:w10="urn:schemas-microsoft-com:office:word" xmlns:v="urn:schemas-microsoft-com:vml" xmlns:o="urn:schemas-microsoft-com:office:office" xmlns:mv="urn:schemas-microsoft-com:mac:vml" xmlns:mo="http://schemas.microsoft.com/office/mac/office/2008/main" xmlns="" xmlns:arto="http://schemas.microsoft.com/office/word/2006/arto" xmlns:lc="http://schemas.openxmlformats.org/drawingml/2006/lockedCanvas">
                   <a:noFill/>
                 </a14:hiddenFill>
               </a:ext>
@@ -3171,7 +3102,7 @@
             </a:ln>
             <a:extLst>
               <a:ext uri="{909E8E84-426E-40dd-AFC4-6F175D3DCCD1}">
-                <a14:hiddenFill xmlns:lc="http://schemas.openxmlformats.org/drawingml/2006/lockedCanvas" xmlns:arto="http://schemas.microsoft.com/office/word/2006/arto" xmlns="" xmlns:mo="http://schemas.microsoft.com/office/mac/office/2008/main" xmlns:mv="urn:schemas-microsoft-com:mac:vml" xmlns:o="urn:schemas-microsoft-com:office:office" xmlns:v="urn:schemas-microsoft-com:vml" xmlns:w10="urn:schemas-microsoft-com:office:word" xmlns:w="http://schemas.openxmlformats.org/wordprocessingml/2006/main" xmlns:a14="http://schemas.microsoft.com/office/drawing/2010/main" xmlns:w16se="http://schemas.microsoft.com/office/word/2015/wordml/symex" xmlns:w16cid="http://schemas.microsoft.com/office/word/2016/wordml/cid" xmlns:am3d="http://schemas.microsoft.com/office/drawing/2017/model3d" xmlns:aink="http://schemas.microsoft.com/office/drawing/2016/ink" xmlns:cx8="http://schemas.microsoft.com/office/drawing/2016/5/14/chartex" xmlns:cx7="http://schemas.microsoft.com/office/drawing/2016/5/13/chartex" xmlns:cx6="http://schemas.microsoft.com/office/drawing/2016/5/12/chartex" xmlns:cx5="http://schemas.microsoft.com/office/drawing/2016/5/11/chartex" xmlns:cx4="http://schemas.microsoft.com/office/drawing/2016/5/10/chartex" xmlns:cx3="http://schemas.microsoft.com/office/drawing/2016/5/9/chartex" xmlns:cx2="http://schemas.microsoft.com/office/drawing/2015/10/21/chartex" xmlns:cx1="http://schemas.microsoft.com/office/drawing/2015/9/8/chartex" xmlns:cx="http://schemas.microsoft.com/office/drawing/2014/chartex" xmlns:wps="http://schemas.microsoft.com/office/word/2010/wordprocessingShape" xmlns:wne="http://schemas.microsoft.com/office/word/2006/wordml" xmlns:wpi="http://schemas.microsoft.com/office/word/2010/wordprocessingInk" xmlns:wpg="http://schemas.microsoft.com/office/word/2010/wordprocessingGroup" xmlns:w15="http://schemas.microsoft.com/office/word/2012/wordml" xmlns:w14="http://schemas.microsoft.com/office/word/2010/wordml" xmlns:wp="http://schemas.openxmlformats.org/drawingml/2006/wordprocessingDrawing" xmlns:wp14="http://schemas.microsoft.com/office/word/2010/wordprocessingDrawing" xmlns:m="http://schemas.openxmlformats.org/officeDocument/2006/math" xmlns:mc="http://schemas.openxmlformats.org/markup-compatibility/2006" xmlns:wpc="http://schemas.microsoft.com/office/word/2010/wordprocessingCanvas">
+                <a14:hiddenFill xmlns:wpc="http://schemas.microsoft.com/office/word/2010/wordprocessingCanvas" xmlns:mc="http://schemas.openxmlformats.org/markup-compatibility/2006" xmlns:m="http://schemas.openxmlformats.org/officeDocument/2006/math" xmlns:wp14="http://schemas.microsoft.com/office/word/2010/wordprocessingDrawing" xmlns:wp="http://schemas.openxmlformats.org/drawingml/2006/wordprocessingDrawing" xmlns:w14="http://schemas.microsoft.com/office/word/2010/wordml" xmlns:w15="http://schemas.microsoft.com/office/word/2012/wordml" xmlns:wpg="http://schemas.microsoft.com/office/word/2010/wordprocessingGroup" xmlns:wpi="http://schemas.microsoft.com/office/word/2010/wordprocessingInk" xmlns:wne="http://schemas.microsoft.com/office/word/2006/wordml" xmlns:wps="http://schemas.microsoft.com/office/word/2010/wordprocessingShape" xmlns:cx="http://schemas.microsoft.com/office/drawing/2014/chartex" xmlns:cx1="http://schemas.microsoft.com/office/drawing/2015/9/8/chartex" xmlns:cx2="http://schemas.microsoft.com/office/drawing/2015/10/21/chartex" xmlns:cx3="http://schemas.microsoft.com/office/drawing/2016/5/9/chartex" xmlns:cx4="http://schemas.microsoft.com/office/drawing/2016/5/10/chartex" xmlns:cx5="http://schemas.microsoft.com/office/drawing/2016/5/11/chartex" xmlns:cx6="http://schemas.microsoft.com/office/drawing/2016/5/12/chartex" xmlns:cx7="http://schemas.microsoft.com/office/drawing/2016/5/13/chartex" xmlns:cx8="http://schemas.microsoft.com/office/drawing/2016/5/14/chartex" xmlns:aink="http://schemas.microsoft.com/office/drawing/2016/ink" xmlns:am3d="http://schemas.microsoft.com/office/drawing/2017/model3d" xmlns:w16cid="http://schemas.microsoft.com/office/word/2016/wordml/cid" xmlns:w16se="http://schemas.microsoft.com/office/word/2015/wordml/symex" xmlns:a14="http://schemas.microsoft.com/office/drawing/2010/main" xmlns:w="http://schemas.openxmlformats.org/wordprocessingml/2006/main" xmlns:w10="urn:schemas-microsoft-com:office:word" xmlns:v="urn:schemas-microsoft-com:vml" xmlns:o="urn:schemas-microsoft-com:office:office" xmlns:mv="urn:schemas-microsoft-com:mac:vml" xmlns:mo="http://schemas.microsoft.com/office/mac/office/2008/main" xmlns="" xmlns:arto="http://schemas.microsoft.com/office/word/2006/arto" xmlns:lc="http://schemas.openxmlformats.org/drawingml/2006/lockedCanvas">
                   <a:noFill/>
                 </a14:hiddenFill>
               </a:ext>
@@ -3206,14 +3137,14 @@
             </a:ln>
             <a:extLst>
               <a:ext uri="{909E8E84-426E-40dd-AFC4-6F175D3DCCD1}">
-                <a14:hiddenFill xmlns:lc="http://schemas.openxmlformats.org/drawingml/2006/lockedCanvas" xmlns:arto="http://schemas.microsoft.com/office/word/2006/arto" xmlns="" xmlns:mo="http://schemas.microsoft.com/office/mac/office/2008/main" xmlns:mv="urn:schemas-microsoft-com:mac:vml" xmlns:o="urn:schemas-microsoft-com:office:office" xmlns:v="urn:schemas-microsoft-com:vml" xmlns:w10="urn:schemas-microsoft-com:office:word" xmlns:w="http://schemas.openxmlformats.org/wordprocessingml/2006/main" xmlns:a14="http://schemas.microsoft.com/office/drawing/2010/main" xmlns:w16se="http://schemas.microsoft.com/office/word/2015/wordml/symex" xmlns:w16cid="http://schemas.microsoft.com/office/word/2016/wordml/cid" xmlns:am3d="http://schemas.microsoft.com/office/drawing/2017/model3d" xmlns:aink="http://schemas.microsoft.com/office/drawing/2016/ink" xmlns:cx8="http://schemas.microsoft.com/office/drawing/2016/5/14/chartex" xmlns:cx7="http://schemas.microsoft.com/office/drawing/2016/5/13/chartex" xmlns:cx6="http://schemas.microsoft.com/office/drawing/2016/5/12/chartex" xmlns:cx5="http://schemas.microsoft.com/office/drawing/2016/5/11/chartex" xmlns:cx4="http://schemas.microsoft.com/office/drawing/2016/5/10/chartex" xmlns:cx3="http://schemas.microsoft.com/office/drawing/2016/5/9/chartex" xmlns:cx2="http://schemas.microsoft.com/office/drawing/2015/10/21/chartex" xmlns:cx1="http://schemas.microsoft.com/office/drawing/2015/9/8/chartex" xmlns:cx="http://schemas.microsoft.com/office/drawing/2014/chartex" xmlns:wps="http://schemas.microsoft.com/office/word/2010/wordprocessingShape" xmlns:wne="http://schemas.microsoft.com/office/word/2006/wordml" xmlns:wpi="http://schemas.microsoft.com/office/word/2010/wordprocessingInk" xmlns:wpg="http://schemas.microsoft.com/office/word/2010/wordprocessingGroup" xmlns:w15="http://schemas.microsoft.com/office/word/2012/wordml" xmlns:w14="http://schemas.microsoft.com/office/word/2010/wordml" xmlns:wp="http://schemas.openxmlformats.org/drawingml/2006/wordprocessingDrawing" xmlns:wp14="http://schemas.microsoft.com/office/word/2010/wordprocessingDrawing" xmlns:m="http://schemas.openxmlformats.org/officeDocument/2006/math" xmlns:mc="http://schemas.openxmlformats.org/markup-compatibility/2006" xmlns:wpc="http://schemas.microsoft.com/office/word/2010/wordprocessingCanvas">
+                <a14:hiddenFill xmlns:wpc="http://schemas.microsoft.com/office/word/2010/wordprocessingCanvas" xmlns:mc="http://schemas.openxmlformats.org/markup-compatibility/2006" xmlns:m="http://schemas.openxmlformats.org/officeDocument/2006/math" xmlns:wp14="http://schemas.microsoft.com/office/word/2010/wordprocessingDrawing" xmlns:wp="http://schemas.openxmlformats.org/drawingml/2006/wordprocessingDrawing" xmlns:w14="http://schemas.microsoft.com/office/word/2010/wordml" xmlns:w15="http://schemas.microsoft.com/office/word/2012/wordml" xmlns:wpg="http://schemas.microsoft.com/office/word/2010/wordprocessingGroup" xmlns:wpi="http://schemas.microsoft.com/office/word/2010/wordprocessingInk" xmlns:wne="http://schemas.microsoft.com/office/word/2006/wordml" xmlns:wps="http://schemas.microsoft.com/office/word/2010/wordprocessingShape" xmlns:cx="http://schemas.microsoft.com/office/drawing/2014/chartex" xmlns:cx1="http://schemas.microsoft.com/office/drawing/2015/9/8/chartex" xmlns:cx2="http://schemas.microsoft.com/office/drawing/2015/10/21/chartex" xmlns:cx3="http://schemas.microsoft.com/office/drawing/2016/5/9/chartex" xmlns:cx4="http://schemas.microsoft.com/office/drawing/2016/5/10/chartex" xmlns:cx5="http://schemas.microsoft.com/office/drawing/2016/5/11/chartex" xmlns:cx6="http://schemas.microsoft.com/office/drawing/2016/5/12/chartex" xmlns:cx7="http://schemas.microsoft.com/office/drawing/2016/5/13/chartex" xmlns:cx8="http://schemas.microsoft.com/office/drawing/2016/5/14/chartex" xmlns:aink="http://schemas.microsoft.com/office/drawing/2016/ink" xmlns:am3d="http://schemas.microsoft.com/office/drawing/2017/model3d" xmlns:w16cid="http://schemas.microsoft.com/office/word/2016/wordml/cid" xmlns:w16se="http://schemas.microsoft.com/office/word/2015/wordml/symex" xmlns:a14="http://schemas.microsoft.com/office/drawing/2010/main" xmlns:w="http://schemas.openxmlformats.org/wordprocessingml/2006/main" xmlns:w10="urn:schemas-microsoft-com:office:word" xmlns:v="urn:schemas-microsoft-com:vml" xmlns:o="urn:schemas-microsoft-com:office:office" xmlns:mv="urn:schemas-microsoft-com:mac:vml" xmlns:mo="http://schemas.microsoft.com/office/mac/office/2008/main" xmlns="" xmlns:arto="http://schemas.microsoft.com/office/word/2006/arto" xmlns:lc="http://schemas.openxmlformats.org/drawingml/2006/lockedCanvas">
                   <a:solidFill>
                     <a:srgbClr val="FFFFFF"/>
                   </a:solidFill>
                 </a14:hiddenFill>
               </a:ext>
               <a:ext uri="{91240B29-F687-4f45-9708-019B960494DF}">
-                <a14:hiddenLine xmlns:lc="http://schemas.openxmlformats.org/drawingml/2006/lockedCanvas" xmlns:arto="http://schemas.microsoft.com/office/word/2006/arto" xmlns="" xmlns:mo="http://schemas.microsoft.com/office/mac/office/2008/main" xmlns:mv="urn:schemas-microsoft-com:mac:vml" xmlns:o="urn:schemas-microsoft-com:office:office" xmlns:v="urn:schemas-microsoft-com:vml" xmlns:w10="urn:schemas-microsoft-com:office:word" xmlns:w="http://schemas.openxmlformats.org/wordprocessingml/2006/main" xmlns:a14="http://schemas.microsoft.com/office/drawing/2010/main" xmlns:w16se="http://schemas.microsoft.com/office/word/2015/wordml/symex" xmlns:w16cid="http://schemas.microsoft.com/office/word/2016/wordml/cid" xmlns:am3d="http://schemas.microsoft.com/office/drawing/2017/model3d" xmlns:aink="http://schemas.microsoft.com/office/drawing/2016/ink" xmlns:cx8="http://schemas.microsoft.com/office/drawing/2016/5/14/chartex" xmlns:cx7="http://schemas.microsoft.com/office/drawing/2016/5/13/chartex" xmlns:cx6="http://schemas.microsoft.com/office/drawing/2016/5/12/chartex" xmlns:cx5="http://schemas.microsoft.com/office/drawing/2016/5/11/chartex" xmlns:cx4="http://schemas.microsoft.com/office/drawing/2016/5/10/chartex" xmlns:cx3="http://schemas.microsoft.com/office/drawing/2016/5/9/chartex" xmlns:cx2="http://schemas.microsoft.com/office/drawing/2015/10/21/chartex" xmlns:cx1="http://schemas.microsoft.com/office/drawing/2015/9/8/chartex" xmlns:cx="http://schemas.microsoft.com/office/drawing/2014/chartex" xmlns:wps="http://schemas.microsoft.com/office/word/2010/wordprocessingShape" xmlns:wne="http://schemas.microsoft.com/office/word/2006/wordml" xmlns:wpi="http://schemas.microsoft.com/office/word/2010/wordprocessingInk" xmlns:wpg="http://schemas.microsoft.com/office/word/2010/wordprocessingGroup" xmlns:w15="http://schemas.microsoft.com/office/word/2012/wordml" xmlns:w14="http://schemas.microsoft.com/office/word/2010/wordml" xmlns:wp="http://schemas.openxmlformats.org/drawingml/2006/wordprocessingDrawing" xmlns:wp14="http://schemas.microsoft.com/office/word/2010/wordprocessingDrawing" xmlns:m="http://schemas.openxmlformats.org/officeDocument/2006/math" xmlns:mc="http://schemas.openxmlformats.org/markup-compatibility/2006" xmlns:wpc="http://schemas.microsoft.com/office/word/2010/wordprocessingCanvas" w="9525">
+                <a14:hiddenLine xmlns:wpc="http://schemas.microsoft.com/office/word/2010/wordprocessingCanvas" xmlns:mc="http://schemas.openxmlformats.org/markup-compatibility/2006" xmlns:m="http://schemas.openxmlformats.org/officeDocument/2006/math" xmlns:wp14="http://schemas.microsoft.com/office/word/2010/wordprocessingDrawing" xmlns:wp="http://schemas.openxmlformats.org/drawingml/2006/wordprocessingDrawing" xmlns:w14="http://schemas.microsoft.com/office/word/2010/wordml" xmlns:w15="http://schemas.microsoft.com/office/word/2012/wordml" xmlns:wpg="http://schemas.microsoft.com/office/word/2010/wordprocessingGroup" xmlns:wpi="http://schemas.microsoft.com/office/word/2010/wordprocessingInk" xmlns:wne="http://schemas.microsoft.com/office/word/2006/wordml" xmlns:wps="http://schemas.microsoft.com/office/word/2010/wordprocessingShape" xmlns:cx="http://schemas.microsoft.com/office/drawing/2014/chartex" xmlns:cx1="http://schemas.microsoft.com/office/drawing/2015/9/8/chartex" xmlns:cx2="http://schemas.microsoft.com/office/drawing/2015/10/21/chartex" xmlns:cx3="http://schemas.microsoft.com/office/drawing/2016/5/9/chartex" xmlns:cx4="http://schemas.microsoft.com/office/drawing/2016/5/10/chartex" xmlns:cx5="http://schemas.microsoft.com/office/drawing/2016/5/11/chartex" xmlns:cx6="http://schemas.microsoft.com/office/drawing/2016/5/12/chartex" xmlns:cx7="http://schemas.microsoft.com/office/drawing/2016/5/13/chartex" xmlns:cx8="http://schemas.microsoft.com/office/drawing/2016/5/14/chartex" xmlns:aink="http://schemas.microsoft.com/office/drawing/2016/ink" xmlns:am3d="http://schemas.microsoft.com/office/drawing/2017/model3d" xmlns:w16cid="http://schemas.microsoft.com/office/word/2016/wordml/cid" xmlns:w16se="http://schemas.microsoft.com/office/word/2015/wordml/symex" xmlns:a14="http://schemas.microsoft.com/office/drawing/2010/main" xmlns:w="http://schemas.openxmlformats.org/wordprocessingml/2006/main" xmlns:w10="urn:schemas-microsoft-com:office:word" xmlns:v="urn:schemas-microsoft-com:vml" xmlns:o="urn:schemas-microsoft-com:office:office" xmlns:mv="urn:schemas-microsoft-com:mac:vml" xmlns:mo="http://schemas.microsoft.com/office/mac/office/2008/main" xmlns="" xmlns:arto="http://schemas.microsoft.com/office/word/2006/arto" xmlns:lc="http://schemas.openxmlformats.org/drawingml/2006/lockedCanvas" w="9525">
                   <a:solidFill>
                     <a:srgbClr val="000000"/>
                   </a:solidFill>
@@ -3285,7 +3216,7 @@
             </a:ln>
             <a:extLst>
               <a:ext uri="{909E8E84-426E-40dd-AFC4-6F175D3DCCD1}">
-                <a14:hiddenFill xmlns:lc="http://schemas.openxmlformats.org/drawingml/2006/lockedCanvas" xmlns:arto="http://schemas.microsoft.com/office/word/2006/arto" xmlns="" xmlns:mo="http://schemas.microsoft.com/office/mac/office/2008/main" xmlns:mv="urn:schemas-microsoft-com:mac:vml" xmlns:o="urn:schemas-microsoft-com:office:office" xmlns:v="urn:schemas-microsoft-com:vml" xmlns:w10="urn:schemas-microsoft-com:office:word" xmlns:w="http://schemas.openxmlformats.org/wordprocessingml/2006/main" xmlns:a14="http://schemas.microsoft.com/office/drawing/2010/main" xmlns:w16se="http://schemas.microsoft.com/office/word/2015/wordml/symex" xmlns:w16cid="http://schemas.microsoft.com/office/word/2016/wordml/cid" xmlns:am3d="http://schemas.microsoft.com/office/drawing/2017/model3d" xmlns:aink="http://schemas.microsoft.com/office/drawing/2016/ink" xmlns:cx8="http://schemas.microsoft.com/office/drawing/2016/5/14/chartex" xmlns:cx7="http://schemas.microsoft.com/office/drawing/2016/5/13/chartex" xmlns:cx6="http://schemas.microsoft.com/office/drawing/2016/5/12/chartex" xmlns:cx5="http://schemas.microsoft.com/office/drawing/2016/5/11/chartex" xmlns:cx4="http://schemas.microsoft.com/office/drawing/2016/5/10/chartex" xmlns:cx3="http://schemas.microsoft.com/office/drawing/2016/5/9/chartex" xmlns:cx2="http://schemas.microsoft.com/office/drawing/2015/10/21/chartex" xmlns:cx1="http://schemas.microsoft.com/office/drawing/2015/9/8/chartex" xmlns:cx="http://schemas.microsoft.com/office/drawing/2014/chartex" xmlns:wps="http://schemas.microsoft.com/office/word/2010/wordprocessingShape" xmlns:wne="http://schemas.microsoft.com/office/word/2006/wordml" xmlns:wpi="http://schemas.microsoft.com/office/word/2010/wordprocessingInk" xmlns:wpg="http://schemas.microsoft.com/office/word/2010/wordprocessingGroup" xmlns:w15="http://schemas.microsoft.com/office/word/2012/wordml" xmlns:w14="http://schemas.microsoft.com/office/word/2010/wordml" xmlns:wp="http://schemas.openxmlformats.org/drawingml/2006/wordprocessingDrawing" xmlns:wp14="http://schemas.microsoft.com/office/word/2010/wordprocessingDrawing" xmlns:m="http://schemas.openxmlformats.org/officeDocument/2006/math" xmlns:mc="http://schemas.openxmlformats.org/markup-compatibility/2006" xmlns:wpc="http://schemas.microsoft.com/office/word/2010/wordprocessingCanvas">
+                <a14:hiddenFill xmlns:wpc="http://schemas.microsoft.com/office/word/2010/wordprocessingCanvas" xmlns:mc="http://schemas.openxmlformats.org/markup-compatibility/2006" xmlns:m="http://schemas.openxmlformats.org/officeDocument/2006/math" xmlns:wp14="http://schemas.microsoft.com/office/word/2010/wordprocessingDrawing" xmlns:wp="http://schemas.openxmlformats.org/drawingml/2006/wordprocessingDrawing" xmlns:w14="http://schemas.microsoft.com/office/word/2010/wordml" xmlns:w15="http://schemas.microsoft.com/office/word/2012/wordml" xmlns:wpg="http://schemas.microsoft.com/office/word/2010/wordprocessingGroup" xmlns:wpi="http://schemas.microsoft.com/office/word/2010/wordprocessingInk" xmlns:wne="http://schemas.microsoft.com/office/word/2006/wordml" xmlns:wps="http://schemas.microsoft.com/office/word/2010/wordprocessingShape" xmlns:cx="http://schemas.microsoft.com/office/drawing/2014/chartex" xmlns:cx1="http://schemas.microsoft.com/office/drawing/2015/9/8/chartex" xmlns:cx2="http://schemas.microsoft.com/office/drawing/2015/10/21/chartex" xmlns:cx3="http://schemas.microsoft.com/office/drawing/2016/5/9/chartex" xmlns:cx4="http://schemas.microsoft.com/office/drawing/2016/5/10/chartex" xmlns:cx5="http://schemas.microsoft.com/office/drawing/2016/5/11/chartex" xmlns:cx6="http://schemas.microsoft.com/office/drawing/2016/5/12/chartex" xmlns:cx7="http://schemas.microsoft.com/office/drawing/2016/5/13/chartex" xmlns:cx8="http://schemas.microsoft.com/office/drawing/2016/5/14/chartex" xmlns:aink="http://schemas.microsoft.com/office/drawing/2016/ink" xmlns:am3d="http://schemas.microsoft.com/office/drawing/2017/model3d" xmlns:w16cid="http://schemas.microsoft.com/office/word/2016/wordml/cid" xmlns:w16se="http://schemas.microsoft.com/office/word/2015/wordml/symex" xmlns:a14="http://schemas.microsoft.com/office/drawing/2010/main" xmlns:w="http://schemas.openxmlformats.org/wordprocessingml/2006/main" xmlns:w10="urn:schemas-microsoft-com:office:word" xmlns:v="urn:schemas-microsoft-com:vml" xmlns:o="urn:schemas-microsoft-com:office:office" xmlns:mv="urn:schemas-microsoft-com:mac:vml" xmlns:mo="http://schemas.microsoft.com/office/mac/office/2008/main" xmlns="" xmlns:arto="http://schemas.microsoft.com/office/word/2006/arto" xmlns:lc="http://schemas.openxmlformats.org/drawingml/2006/lockedCanvas">
                   <a:solidFill>
                     <a:srgbClr val="FFFFFF"/>
                   </a:solidFill>
@@ -3374,7 +3305,7 @@
             </a:ln>
             <a:extLst>
               <a:ext uri="{909E8E84-426E-40dd-AFC4-6F175D3DCCD1}">
-                <a14:hiddenFill xmlns:lc="http://schemas.openxmlformats.org/drawingml/2006/lockedCanvas" xmlns:arto="http://schemas.microsoft.com/office/word/2006/arto" xmlns="" xmlns:mo="http://schemas.microsoft.com/office/mac/office/2008/main" xmlns:mv="urn:schemas-microsoft-com:mac:vml" xmlns:o="urn:schemas-microsoft-com:office:office" xmlns:v="urn:schemas-microsoft-com:vml" xmlns:w10="urn:schemas-microsoft-com:office:word" xmlns:w="http://schemas.openxmlformats.org/wordprocessingml/2006/main" xmlns:a14="http://schemas.microsoft.com/office/drawing/2010/main" xmlns:w16se="http://schemas.microsoft.com/office/word/2015/wordml/symex" xmlns:w16cid="http://schemas.microsoft.com/office/word/2016/wordml/cid" xmlns:am3d="http://schemas.microsoft.com/office/drawing/2017/model3d" xmlns:aink="http://schemas.microsoft.com/office/drawing/2016/ink" xmlns:cx8="http://schemas.microsoft.com/office/drawing/2016/5/14/chartex" xmlns:cx7="http://schemas.microsoft.com/office/drawing/2016/5/13/chartex" xmlns:cx6="http://schemas.microsoft.com/office/drawing/2016/5/12/chartex" xmlns:cx5="http://schemas.microsoft.com/office/drawing/2016/5/11/chartex" xmlns:cx4="http://schemas.microsoft.com/office/drawing/2016/5/10/chartex" xmlns:cx3="http://schemas.microsoft.com/office/drawing/2016/5/9/chartex" xmlns:cx2="http://schemas.microsoft.com/office/drawing/2015/10/21/chartex" xmlns:cx1="http://schemas.microsoft.com/office/drawing/2015/9/8/chartex" xmlns:cx="http://schemas.microsoft.com/office/drawing/2014/chartex" xmlns:wps="http://schemas.microsoft.com/office/word/2010/wordprocessingShape" xmlns:wne="http://schemas.microsoft.com/office/word/2006/wordml" xmlns:wpi="http://schemas.microsoft.com/office/word/2010/wordprocessingInk" xmlns:wpg="http://schemas.microsoft.com/office/word/2010/wordprocessingGroup" xmlns:w15="http://schemas.microsoft.com/office/word/2012/wordml" xmlns:w14="http://schemas.microsoft.com/office/word/2010/wordml" xmlns:wp="http://schemas.openxmlformats.org/drawingml/2006/wordprocessingDrawing" xmlns:wp14="http://schemas.microsoft.com/office/word/2010/wordprocessingDrawing" xmlns:m="http://schemas.openxmlformats.org/officeDocument/2006/math" xmlns:mc="http://schemas.openxmlformats.org/markup-compatibility/2006" xmlns:wpc="http://schemas.microsoft.com/office/word/2010/wordprocessingCanvas">
+                <a14:hiddenFill xmlns:wpc="http://schemas.microsoft.com/office/word/2010/wordprocessingCanvas" xmlns:mc="http://schemas.openxmlformats.org/markup-compatibility/2006" xmlns:m="http://schemas.openxmlformats.org/officeDocument/2006/math" xmlns:wp14="http://schemas.microsoft.com/office/word/2010/wordprocessingDrawing" xmlns:wp="http://schemas.openxmlformats.org/drawingml/2006/wordprocessingDrawing" xmlns:w14="http://schemas.microsoft.com/office/word/2010/wordml" xmlns:w15="http://schemas.microsoft.com/office/word/2012/wordml" xmlns:wpg="http://schemas.microsoft.com/office/word/2010/wordprocessingGroup" xmlns:wpi="http://schemas.microsoft.com/office/word/2010/wordprocessingInk" xmlns:wne="http://schemas.microsoft.com/office/word/2006/wordml" xmlns:wps="http://schemas.microsoft.com/office/word/2010/wordprocessingShape" xmlns:cx="http://schemas.microsoft.com/office/drawing/2014/chartex" xmlns:cx1="http://schemas.microsoft.com/office/drawing/2015/9/8/chartex" xmlns:cx2="http://schemas.microsoft.com/office/drawing/2015/10/21/chartex" xmlns:cx3="http://schemas.microsoft.com/office/drawing/2016/5/9/chartex" xmlns:cx4="http://schemas.microsoft.com/office/drawing/2016/5/10/chartex" xmlns:cx5="http://schemas.microsoft.com/office/drawing/2016/5/11/chartex" xmlns:cx6="http://schemas.microsoft.com/office/drawing/2016/5/12/chartex" xmlns:cx7="http://schemas.microsoft.com/office/drawing/2016/5/13/chartex" xmlns:cx8="http://schemas.microsoft.com/office/drawing/2016/5/14/chartex" xmlns:aink="http://schemas.microsoft.com/office/drawing/2016/ink" xmlns:am3d="http://schemas.microsoft.com/office/drawing/2017/model3d" xmlns:w16cid="http://schemas.microsoft.com/office/word/2016/wordml/cid" xmlns:w16se="http://schemas.microsoft.com/office/word/2015/wordml/symex" xmlns:a14="http://schemas.microsoft.com/office/drawing/2010/main" xmlns:w="http://schemas.openxmlformats.org/wordprocessingml/2006/main" xmlns:w10="urn:schemas-microsoft-com:office:word" xmlns:v="urn:schemas-microsoft-com:vml" xmlns:o="urn:schemas-microsoft-com:office:office" xmlns:mv="urn:schemas-microsoft-com:mac:vml" xmlns:mo="http://schemas.microsoft.com/office/mac/office/2008/main" xmlns="" xmlns:arto="http://schemas.microsoft.com/office/word/2006/arto" xmlns:lc="http://schemas.openxmlformats.org/drawingml/2006/lockedCanvas">
                   <a:solidFill>
                     <a:srgbClr val="FFFFFF"/>
                   </a:solidFill>
@@ -3444,14 +3375,14 @@
             </a:ln>
             <a:extLst>
               <a:ext uri="{909E8E84-426E-40dd-AFC4-6F175D3DCCD1}">
-                <a14:hiddenFill xmlns:lc="http://schemas.openxmlformats.org/drawingml/2006/lockedCanvas" xmlns:arto="http://schemas.microsoft.com/office/word/2006/arto" xmlns="" xmlns:mo="http://schemas.microsoft.com/office/mac/office/2008/main" xmlns:mv="urn:schemas-microsoft-com:mac:vml" xmlns:o="urn:schemas-microsoft-com:office:office" xmlns:v="urn:schemas-microsoft-com:vml" xmlns:w10="urn:schemas-microsoft-com:office:word" xmlns:w="http://schemas.openxmlformats.org/wordprocessingml/2006/main" xmlns:a14="http://schemas.microsoft.com/office/drawing/2010/main" xmlns:w16se="http://schemas.microsoft.com/office/word/2015/wordml/symex" xmlns:w16cid="http://schemas.microsoft.com/office/word/2016/wordml/cid" xmlns:am3d="http://schemas.microsoft.com/office/drawing/2017/model3d" xmlns:aink="http://schemas.microsoft.com/office/drawing/2016/ink" xmlns:cx8="http://schemas.microsoft.com/office/drawing/2016/5/14/chartex" xmlns:cx7="http://schemas.microsoft.com/office/drawing/2016/5/13/chartex" xmlns:cx6="http://schemas.microsoft.com/office/drawing/2016/5/12/chartex" xmlns:cx5="http://schemas.microsoft.com/office/drawing/2016/5/11/chartex" xmlns:cx4="http://schemas.microsoft.com/office/drawing/2016/5/10/chartex" xmlns:cx3="http://schemas.microsoft.com/office/drawing/2016/5/9/chartex" xmlns:cx2="http://schemas.microsoft.com/office/drawing/2015/10/21/chartex" xmlns:cx1="http://schemas.microsoft.com/office/drawing/2015/9/8/chartex" xmlns:cx="http://schemas.microsoft.com/office/drawing/2014/chartex" xmlns:wps="http://schemas.microsoft.com/office/word/2010/wordprocessingShape" xmlns:wne="http://schemas.microsoft.com/office/word/2006/wordml" xmlns:wpi="http://schemas.microsoft.com/office/word/2010/wordprocessingInk" xmlns:wpg="http://schemas.microsoft.com/office/word/2010/wordprocessingGroup" xmlns:w15="http://schemas.microsoft.com/office/word/2012/wordml" xmlns:w14="http://schemas.microsoft.com/office/word/2010/wordml" xmlns:wp="http://schemas.openxmlformats.org/drawingml/2006/wordprocessingDrawing" xmlns:wp14="http://schemas.microsoft.com/office/word/2010/wordprocessingDrawing" xmlns:m="http://schemas.openxmlformats.org/officeDocument/2006/math" xmlns:mc="http://schemas.openxmlformats.org/markup-compatibility/2006" xmlns:wpc="http://schemas.microsoft.com/office/word/2010/wordprocessingCanvas">
+                <a14:hiddenFill xmlns:wpc="http://schemas.microsoft.com/office/word/2010/wordprocessingCanvas" xmlns:mc="http://schemas.openxmlformats.org/markup-compatibility/2006" xmlns:m="http://schemas.openxmlformats.org/officeDocument/2006/math" xmlns:wp14="http://schemas.microsoft.com/office/word/2010/wordprocessingDrawing" xmlns:wp="http://schemas.openxmlformats.org/drawingml/2006/wordprocessingDrawing" xmlns:w14="http://schemas.microsoft.com/office/word/2010/wordml" xmlns:w15="http://schemas.microsoft.com/office/word/2012/wordml" xmlns:wpg="http://schemas.microsoft.com/office/word/2010/wordprocessingGroup" xmlns:wpi="http://schemas.microsoft.com/office/word/2010/wordprocessingInk" xmlns:wne="http://schemas.microsoft.com/office/word/2006/wordml" xmlns:wps="http://schemas.microsoft.com/office/word/2010/wordprocessingShape" xmlns:cx="http://schemas.microsoft.com/office/drawing/2014/chartex" xmlns:cx1="http://schemas.microsoft.com/office/drawing/2015/9/8/chartex" xmlns:cx2="http://schemas.microsoft.com/office/drawing/2015/10/21/chartex" xmlns:cx3="http://schemas.microsoft.com/office/drawing/2016/5/9/chartex" xmlns:cx4="http://schemas.microsoft.com/office/drawing/2016/5/10/chartex" xmlns:cx5="http://schemas.microsoft.com/office/drawing/2016/5/11/chartex" xmlns:cx6="http://schemas.microsoft.com/office/drawing/2016/5/12/chartex" xmlns:cx7="http://schemas.microsoft.com/office/drawing/2016/5/13/chartex" xmlns:cx8="http://schemas.microsoft.com/office/drawing/2016/5/14/chartex" xmlns:aink="http://schemas.microsoft.com/office/drawing/2016/ink" xmlns:am3d="http://schemas.microsoft.com/office/drawing/2017/model3d" xmlns:w16cid="http://schemas.microsoft.com/office/word/2016/wordml/cid" xmlns:w16se="http://schemas.microsoft.com/office/word/2015/wordml/symex" xmlns:a14="http://schemas.microsoft.com/office/drawing/2010/main" xmlns:w="http://schemas.openxmlformats.org/wordprocessingml/2006/main" xmlns:w10="urn:schemas-microsoft-com:office:word" xmlns:v="urn:schemas-microsoft-com:vml" xmlns:o="urn:schemas-microsoft-com:office:office" xmlns:mv="urn:schemas-microsoft-com:mac:vml" xmlns:mo="http://schemas.microsoft.com/office/mac/office/2008/main" xmlns="" xmlns:arto="http://schemas.microsoft.com/office/word/2006/arto" xmlns:lc="http://schemas.openxmlformats.org/drawingml/2006/lockedCanvas">
                   <a:solidFill>
                     <a:srgbClr val="FFFFFF"/>
                   </a:solidFill>
                 </a14:hiddenFill>
               </a:ext>
               <a:ext uri="{91240B29-F687-4f45-9708-019B960494DF}">
-                <a14:hiddenLine xmlns:lc="http://schemas.openxmlformats.org/drawingml/2006/lockedCanvas" xmlns:arto="http://schemas.microsoft.com/office/word/2006/arto" xmlns="" xmlns:mo="http://schemas.microsoft.com/office/mac/office/2008/main" xmlns:mv="urn:schemas-microsoft-com:mac:vml" xmlns:o="urn:schemas-microsoft-com:office:office" xmlns:v="urn:schemas-microsoft-com:vml" xmlns:w10="urn:schemas-microsoft-com:office:word" xmlns:w="http://schemas.openxmlformats.org/wordprocessingml/2006/main" xmlns:a14="http://schemas.microsoft.com/office/drawing/2010/main" xmlns:w16se="http://schemas.microsoft.com/office/word/2015/wordml/symex" xmlns:w16cid="http://schemas.microsoft.com/office/word/2016/wordml/cid" xmlns:am3d="http://schemas.microsoft.com/office/drawing/2017/model3d" xmlns:aink="http://schemas.microsoft.com/office/drawing/2016/ink" xmlns:cx8="http://schemas.microsoft.com/office/drawing/2016/5/14/chartex" xmlns:cx7="http://schemas.microsoft.com/office/drawing/2016/5/13/chartex" xmlns:cx6="http://schemas.microsoft.com/office/drawing/2016/5/12/chartex" xmlns:cx5="http://schemas.microsoft.com/office/drawing/2016/5/11/chartex" xmlns:cx4="http://schemas.microsoft.com/office/drawing/2016/5/10/chartex" xmlns:cx3="http://schemas.microsoft.com/office/drawing/2016/5/9/chartex" xmlns:cx2="http://schemas.microsoft.com/office/drawing/2015/10/21/chartex" xmlns:cx1="http://schemas.microsoft.com/office/drawing/2015/9/8/chartex" xmlns:cx="http://schemas.microsoft.com/office/drawing/2014/chartex" xmlns:wps="http://schemas.microsoft.com/office/word/2010/wordprocessingShape" xmlns:wne="http://schemas.microsoft.com/office/word/2006/wordml" xmlns:wpi="http://schemas.microsoft.com/office/word/2010/wordprocessingInk" xmlns:wpg="http://schemas.microsoft.com/office/word/2010/wordprocessingGroup" xmlns:w15="http://schemas.microsoft.com/office/word/2012/wordml" xmlns:w14="http://schemas.microsoft.com/office/word/2010/wordml" xmlns:wp="http://schemas.openxmlformats.org/drawingml/2006/wordprocessingDrawing" xmlns:wp14="http://schemas.microsoft.com/office/word/2010/wordprocessingDrawing" xmlns:m="http://schemas.openxmlformats.org/officeDocument/2006/math" xmlns:mc="http://schemas.openxmlformats.org/markup-compatibility/2006" xmlns:wpc="http://schemas.microsoft.com/office/word/2010/wordprocessingCanvas" w="9525">
+                <a14:hiddenLine xmlns:wpc="http://schemas.microsoft.com/office/word/2010/wordprocessingCanvas" xmlns:mc="http://schemas.openxmlformats.org/markup-compatibility/2006" xmlns:m="http://schemas.openxmlformats.org/officeDocument/2006/math" xmlns:wp14="http://schemas.microsoft.com/office/word/2010/wordprocessingDrawing" xmlns:wp="http://schemas.openxmlformats.org/drawingml/2006/wordprocessingDrawing" xmlns:w14="http://schemas.microsoft.com/office/word/2010/wordml" xmlns:w15="http://schemas.microsoft.com/office/word/2012/wordml" xmlns:wpg="http://schemas.microsoft.com/office/word/2010/wordprocessingGroup" xmlns:wpi="http://schemas.microsoft.com/office/word/2010/wordprocessingInk" xmlns:wne="http://schemas.microsoft.com/office/word/2006/wordml" xmlns:wps="http://schemas.microsoft.com/office/word/2010/wordprocessingShape" xmlns:cx="http://schemas.microsoft.com/office/drawing/2014/chartex" xmlns:cx1="http://schemas.microsoft.com/office/drawing/2015/9/8/chartex" xmlns:cx2="http://schemas.microsoft.com/office/drawing/2015/10/21/chartex" xmlns:cx3="http://schemas.microsoft.com/office/drawing/2016/5/9/chartex" xmlns:cx4="http://schemas.microsoft.com/office/drawing/2016/5/10/chartex" xmlns:cx5="http://schemas.microsoft.com/office/drawing/2016/5/11/chartex" xmlns:cx6="http://schemas.microsoft.com/office/drawing/2016/5/12/chartex" xmlns:cx7="http://schemas.microsoft.com/office/drawing/2016/5/13/chartex" xmlns:cx8="http://schemas.microsoft.com/office/drawing/2016/5/14/chartex" xmlns:aink="http://schemas.microsoft.com/office/drawing/2016/ink" xmlns:am3d="http://schemas.microsoft.com/office/drawing/2017/model3d" xmlns:w16cid="http://schemas.microsoft.com/office/word/2016/wordml/cid" xmlns:w16se="http://schemas.microsoft.com/office/word/2015/wordml/symex" xmlns:a14="http://schemas.microsoft.com/office/drawing/2010/main" xmlns:w="http://schemas.openxmlformats.org/wordprocessingml/2006/main" xmlns:w10="urn:schemas-microsoft-com:office:word" xmlns:v="urn:schemas-microsoft-com:vml" xmlns:o="urn:schemas-microsoft-com:office:office" xmlns:mv="urn:schemas-microsoft-com:mac:vml" xmlns:mo="http://schemas.microsoft.com/office/mac/office/2008/main" xmlns="" xmlns:arto="http://schemas.microsoft.com/office/word/2006/arto" xmlns:lc="http://schemas.openxmlformats.org/drawingml/2006/lockedCanvas" w="9525">
                   <a:solidFill>
                     <a:srgbClr val="000000"/>
                   </a:solidFill>
@@ -3556,7 +3487,7 @@
             </a:ln>
             <a:extLst>
               <a:ext uri="{909E8E84-426E-40dd-AFC4-6F175D3DCCD1}">
-                <a14:hiddenFill xmlns:lc="http://schemas.openxmlformats.org/drawingml/2006/lockedCanvas" xmlns:arto="http://schemas.microsoft.com/office/word/2006/arto" xmlns="" xmlns:mo="http://schemas.microsoft.com/office/mac/office/2008/main" xmlns:mv="urn:schemas-microsoft-com:mac:vml" xmlns:o="urn:schemas-microsoft-com:office:office" xmlns:v="urn:schemas-microsoft-com:vml" xmlns:w10="urn:schemas-microsoft-com:office:word" xmlns:w="http://schemas.openxmlformats.org/wordprocessingml/2006/main" xmlns:a14="http://schemas.microsoft.com/office/drawing/2010/main" xmlns:w16se="http://schemas.microsoft.com/office/word/2015/wordml/symex" xmlns:w16cid="http://schemas.microsoft.com/office/word/2016/wordml/cid" xmlns:am3d="http://schemas.microsoft.com/office/drawing/2017/model3d" xmlns:aink="http://schemas.microsoft.com/office/drawing/2016/ink" xmlns:cx8="http://schemas.microsoft.com/office/drawing/2016/5/14/chartex" xmlns:cx7="http://schemas.microsoft.com/office/drawing/2016/5/13/chartex" xmlns:cx6="http://schemas.microsoft.com/office/drawing/2016/5/12/chartex" xmlns:cx5="http://schemas.microsoft.com/office/drawing/2016/5/11/chartex" xmlns:cx4="http://schemas.microsoft.com/office/drawing/2016/5/10/chartex" xmlns:cx3="http://schemas.microsoft.com/office/drawing/2016/5/9/chartex" xmlns:cx2="http://schemas.microsoft.com/office/drawing/2015/10/21/chartex" xmlns:cx1="http://schemas.microsoft.com/office/drawing/2015/9/8/chartex" xmlns:cx="http://schemas.microsoft.com/office/drawing/2014/chartex" xmlns:wps="http://schemas.microsoft.com/office/word/2010/wordprocessingShape" xmlns:wne="http://schemas.microsoft.com/office/word/2006/wordml" xmlns:wpi="http://schemas.microsoft.com/office/word/2010/wordprocessingInk" xmlns:wpg="http://schemas.microsoft.com/office/word/2010/wordprocessingGroup" xmlns:w15="http://schemas.microsoft.com/office/word/2012/wordml" xmlns:w14="http://schemas.microsoft.com/office/word/2010/wordml" xmlns:wp="http://schemas.openxmlformats.org/drawingml/2006/wordprocessingDrawing" xmlns:wp14="http://schemas.microsoft.com/office/word/2010/wordprocessingDrawing" xmlns:m="http://schemas.openxmlformats.org/officeDocument/2006/math" xmlns:mc="http://schemas.openxmlformats.org/markup-compatibility/2006" xmlns:wpc="http://schemas.microsoft.com/office/word/2010/wordprocessingCanvas">
+                <a14:hiddenFill xmlns:wpc="http://schemas.microsoft.com/office/word/2010/wordprocessingCanvas" xmlns:mc="http://schemas.openxmlformats.org/markup-compatibility/2006" xmlns:m="http://schemas.openxmlformats.org/officeDocument/2006/math" xmlns:wp14="http://schemas.microsoft.com/office/word/2010/wordprocessingDrawing" xmlns:wp="http://schemas.openxmlformats.org/drawingml/2006/wordprocessingDrawing" xmlns:w14="http://schemas.microsoft.com/office/word/2010/wordml" xmlns:w15="http://schemas.microsoft.com/office/word/2012/wordml" xmlns:wpg="http://schemas.microsoft.com/office/word/2010/wordprocessingGroup" xmlns:wpi="http://schemas.microsoft.com/office/word/2010/wordprocessingInk" xmlns:wne="http://schemas.microsoft.com/office/word/2006/wordml" xmlns:wps="http://schemas.microsoft.com/office/word/2010/wordprocessingShape" xmlns:cx="http://schemas.microsoft.com/office/drawing/2014/chartex" xmlns:cx1="http://schemas.microsoft.com/office/drawing/2015/9/8/chartex" xmlns:cx2="http://schemas.microsoft.com/office/drawing/2015/10/21/chartex" xmlns:cx3="http://schemas.microsoft.com/office/drawing/2016/5/9/chartex" xmlns:cx4="http://schemas.microsoft.com/office/drawing/2016/5/10/chartex" xmlns:cx5="http://schemas.microsoft.com/office/drawing/2016/5/11/chartex" xmlns:cx6="http://schemas.microsoft.com/office/drawing/2016/5/12/chartex" xmlns:cx7="http://schemas.microsoft.com/office/drawing/2016/5/13/chartex" xmlns:cx8="http://schemas.microsoft.com/office/drawing/2016/5/14/chartex" xmlns:aink="http://schemas.microsoft.com/office/drawing/2016/ink" xmlns:am3d="http://schemas.microsoft.com/office/drawing/2017/model3d" xmlns:w16cid="http://schemas.microsoft.com/office/word/2016/wordml/cid" xmlns:w16se="http://schemas.microsoft.com/office/word/2015/wordml/symex" xmlns:a14="http://schemas.microsoft.com/office/drawing/2010/main" xmlns:w="http://schemas.openxmlformats.org/wordprocessingml/2006/main" xmlns:w10="urn:schemas-microsoft-com:office:word" xmlns:v="urn:schemas-microsoft-com:vml" xmlns:o="urn:schemas-microsoft-com:office:office" xmlns:mv="urn:schemas-microsoft-com:mac:vml" xmlns:mo="http://schemas.microsoft.com/office/mac/office/2008/main" xmlns="" xmlns:arto="http://schemas.microsoft.com/office/word/2006/arto" xmlns:lc="http://schemas.openxmlformats.org/drawingml/2006/lockedCanvas">
                   <a:noFill/>
                 </a14:hiddenFill>
               </a:ext>
@@ -3597,7 +3528,7 @@
             </a:ln>
             <a:extLst>
               <a:ext uri="{909E8E84-426E-40dd-AFC4-6F175D3DCCD1}">
-                <a14:hiddenFill xmlns:lc="http://schemas.openxmlformats.org/drawingml/2006/lockedCanvas" xmlns:arto="http://schemas.microsoft.com/office/word/2006/arto" xmlns="" xmlns:mo="http://schemas.microsoft.com/office/mac/office/2008/main" xmlns:mv="urn:schemas-microsoft-com:mac:vml" xmlns:o="urn:schemas-microsoft-com:office:office" xmlns:v="urn:schemas-microsoft-com:vml" xmlns:w10="urn:schemas-microsoft-com:office:word" xmlns:w="http://schemas.openxmlformats.org/wordprocessingml/2006/main" xmlns:a14="http://schemas.microsoft.com/office/drawing/2010/main" xmlns:w16se="http://schemas.microsoft.com/office/word/2015/wordml/symex" xmlns:w16cid="http://schemas.microsoft.com/office/word/2016/wordml/cid" xmlns:am3d="http://schemas.microsoft.com/office/drawing/2017/model3d" xmlns:aink="http://schemas.microsoft.com/office/drawing/2016/ink" xmlns:cx8="http://schemas.microsoft.com/office/drawing/2016/5/14/chartex" xmlns:cx7="http://schemas.microsoft.com/office/drawing/2016/5/13/chartex" xmlns:cx6="http://schemas.microsoft.com/office/drawing/2016/5/12/chartex" xmlns:cx5="http://schemas.microsoft.com/office/drawing/2016/5/11/chartex" xmlns:cx4="http://schemas.microsoft.com/office/drawing/2016/5/10/chartex" xmlns:cx3="http://schemas.microsoft.com/office/drawing/2016/5/9/chartex" xmlns:cx2="http://schemas.microsoft.com/office/drawing/2015/10/21/chartex" xmlns:cx1="http://schemas.microsoft.com/office/drawing/2015/9/8/chartex" xmlns:cx="http://schemas.microsoft.com/office/drawing/2014/chartex" xmlns:wps="http://schemas.microsoft.com/office/word/2010/wordprocessingShape" xmlns:wne="http://schemas.microsoft.com/office/word/2006/wordml" xmlns:wpi="http://schemas.microsoft.com/office/word/2010/wordprocessingInk" xmlns:wpg="http://schemas.microsoft.com/office/word/2010/wordprocessingGroup" xmlns:w15="http://schemas.microsoft.com/office/word/2012/wordml" xmlns:w14="http://schemas.microsoft.com/office/word/2010/wordml" xmlns:wp="http://schemas.openxmlformats.org/drawingml/2006/wordprocessingDrawing" xmlns:wp14="http://schemas.microsoft.com/office/word/2010/wordprocessingDrawing" xmlns:m="http://schemas.openxmlformats.org/officeDocument/2006/math" xmlns:mc="http://schemas.openxmlformats.org/markup-compatibility/2006" xmlns:wpc="http://schemas.microsoft.com/office/word/2010/wordprocessingCanvas">
+                <a14:hiddenFill xmlns:wpc="http://schemas.microsoft.com/office/word/2010/wordprocessingCanvas" xmlns:mc="http://schemas.openxmlformats.org/markup-compatibility/2006" xmlns:m="http://schemas.openxmlformats.org/officeDocument/2006/math" xmlns:wp14="http://schemas.microsoft.com/office/word/2010/wordprocessingDrawing" xmlns:wp="http://schemas.openxmlformats.org/drawingml/2006/wordprocessingDrawing" xmlns:w14="http://schemas.microsoft.com/office/word/2010/wordml" xmlns:w15="http://schemas.microsoft.com/office/word/2012/wordml" xmlns:wpg="http://schemas.microsoft.com/office/word/2010/wordprocessingGroup" xmlns:wpi="http://schemas.microsoft.com/office/word/2010/wordprocessingInk" xmlns:wne="http://schemas.microsoft.com/office/word/2006/wordml" xmlns:wps="http://schemas.microsoft.com/office/word/2010/wordprocessingShape" xmlns:cx="http://schemas.microsoft.com/office/drawing/2014/chartex" xmlns:cx1="http://schemas.microsoft.com/office/drawing/2015/9/8/chartex" xmlns:cx2="http://schemas.microsoft.com/office/drawing/2015/10/21/chartex" xmlns:cx3="http://schemas.microsoft.com/office/drawing/2016/5/9/chartex" xmlns:cx4="http://schemas.microsoft.com/office/drawing/2016/5/10/chartex" xmlns:cx5="http://schemas.microsoft.com/office/drawing/2016/5/11/chartex" xmlns:cx6="http://schemas.microsoft.com/office/drawing/2016/5/12/chartex" xmlns:cx7="http://schemas.microsoft.com/office/drawing/2016/5/13/chartex" xmlns:cx8="http://schemas.microsoft.com/office/drawing/2016/5/14/chartex" xmlns:aink="http://schemas.microsoft.com/office/drawing/2016/ink" xmlns:am3d="http://schemas.microsoft.com/office/drawing/2017/model3d" xmlns:w16cid="http://schemas.microsoft.com/office/word/2016/wordml/cid" xmlns:w16se="http://schemas.microsoft.com/office/word/2015/wordml/symex" xmlns:a14="http://schemas.microsoft.com/office/drawing/2010/main" xmlns:w="http://schemas.openxmlformats.org/wordprocessingml/2006/main" xmlns:w10="urn:schemas-microsoft-com:office:word" xmlns:v="urn:schemas-microsoft-com:vml" xmlns:o="urn:schemas-microsoft-com:office:office" xmlns:mv="urn:schemas-microsoft-com:mac:vml" xmlns:mo="http://schemas.microsoft.com/office/mac/office/2008/main" xmlns="" xmlns:arto="http://schemas.microsoft.com/office/word/2006/arto" xmlns:lc="http://schemas.openxmlformats.org/drawingml/2006/lockedCanvas">
                   <a:solidFill>
                     <a:srgbClr val="FFFFFF"/>
                   </a:solidFill>
@@ -3673,7 +3604,7 @@
             </a:ln>
             <a:extLst>
               <a:ext uri="{909E8E84-426E-40dd-AFC4-6F175D3DCCD1}">
-                <a14:hiddenFill xmlns:lc="http://schemas.openxmlformats.org/drawingml/2006/lockedCanvas" xmlns:arto="http://schemas.microsoft.com/office/word/2006/arto" xmlns="" xmlns:mo="http://schemas.microsoft.com/office/mac/office/2008/main" xmlns:mv="urn:schemas-microsoft-com:mac:vml" xmlns:o="urn:schemas-microsoft-com:office:office" xmlns:v="urn:schemas-microsoft-com:vml" xmlns:w10="urn:schemas-microsoft-com:office:word" xmlns:w="http://schemas.openxmlformats.org/wordprocessingml/2006/main" xmlns:a14="http://schemas.microsoft.com/office/drawing/2010/main" xmlns:w16se="http://schemas.microsoft.com/office/word/2015/wordml/symex" xmlns:w16cid="http://schemas.microsoft.com/office/word/2016/wordml/cid" xmlns:am3d="http://schemas.microsoft.com/office/drawing/2017/model3d" xmlns:aink="http://schemas.microsoft.com/office/drawing/2016/ink" xmlns:cx8="http://schemas.microsoft.com/office/drawing/2016/5/14/chartex" xmlns:cx7="http://schemas.microsoft.com/office/drawing/2016/5/13/chartex" xmlns:cx6="http://schemas.microsoft.com/office/drawing/2016/5/12/chartex" xmlns:cx5="http://schemas.microsoft.com/office/drawing/2016/5/11/chartex" xmlns:cx4="http://schemas.microsoft.com/office/drawing/2016/5/10/chartex" xmlns:cx3="http://schemas.microsoft.com/office/drawing/2016/5/9/chartex" xmlns:cx2="http://schemas.microsoft.com/office/drawing/2015/10/21/chartex" xmlns:cx1="http://schemas.microsoft.com/office/drawing/2015/9/8/chartex" xmlns:cx="http://schemas.microsoft.com/office/drawing/2014/chartex" xmlns:wps="http://schemas.microsoft.com/office/word/2010/wordprocessingShape" xmlns:wne="http://schemas.microsoft.com/office/word/2006/wordml" xmlns:wpi="http://schemas.microsoft.com/office/word/2010/wordprocessingInk" xmlns:wpg="http://schemas.microsoft.com/office/word/2010/wordprocessingGroup" xmlns:w15="http://schemas.microsoft.com/office/word/2012/wordml" xmlns:w14="http://schemas.microsoft.com/office/word/2010/wordml" xmlns:wp="http://schemas.openxmlformats.org/drawingml/2006/wordprocessingDrawing" xmlns:wp14="http://schemas.microsoft.com/office/word/2010/wordprocessingDrawing" xmlns:m="http://schemas.openxmlformats.org/officeDocument/2006/math" xmlns:mc="http://schemas.openxmlformats.org/markup-compatibility/2006" xmlns:wpc="http://schemas.microsoft.com/office/word/2010/wordprocessingCanvas">
+                <a14:hiddenFill xmlns:wpc="http://schemas.microsoft.com/office/word/2010/wordprocessingCanvas" xmlns:mc="http://schemas.openxmlformats.org/markup-compatibility/2006" xmlns:m="http://schemas.openxmlformats.org/officeDocument/2006/math" xmlns:wp14="http://schemas.microsoft.com/office/word/2010/wordprocessingDrawing" xmlns:wp="http://schemas.openxmlformats.org/drawingml/2006/wordprocessingDrawing" xmlns:w14="http://schemas.microsoft.com/office/word/2010/wordml" xmlns:w15="http://schemas.microsoft.com/office/word/2012/wordml" xmlns:wpg="http://schemas.microsoft.com/office/word/2010/wordprocessingGroup" xmlns:wpi="http://schemas.microsoft.com/office/word/2010/wordprocessingInk" xmlns:wne="http://schemas.microsoft.com/office/word/2006/wordml" xmlns:wps="http://schemas.microsoft.com/office/word/2010/wordprocessingShape" xmlns:cx="http://schemas.microsoft.com/office/drawing/2014/chartex" xmlns:cx1="http://schemas.microsoft.com/office/drawing/2015/9/8/chartex" xmlns:cx2="http://schemas.microsoft.com/office/drawing/2015/10/21/chartex" xmlns:cx3="http://schemas.microsoft.com/office/drawing/2016/5/9/chartex" xmlns:cx4="http://schemas.microsoft.com/office/drawing/2016/5/10/chartex" xmlns:cx5="http://schemas.microsoft.com/office/drawing/2016/5/11/chartex" xmlns:cx6="http://schemas.microsoft.com/office/drawing/2016/5/12/chartex" xmlns:cx7="http://schemas.microsoft.com/office/drawing/2016/5/13/chartex" xmlns:cx8="http://schemas.microsoft.com/office/drawing/2016/5/14/chartex" xmlns:aink="http://schemas.microsoft.com/office/drawing/2016/ink" xmlns:am3d="http://schemas.microsoft.com/office/drawing/2017/model3d" xmlns:w16cid="http://schemas.microsoft.com/office/word/2016/wordml/cid" xmlns:w16se="http://schemas.microsoft.com/office/word/2015/wordml/symex" xmlns:a14="http://schemas.microsoft.com/office/drawing/2010/main" xmlns:w="http://schemas.openxmlformats.org/wordprocessingml/2006/main" xmlns:w10="urn:schemas-microsoft-com:office:word" xmlns:v="urn:schemas-microsoft-com:vml" xmlns:o="urn:schemas-microsoft-com:office:office" xmlns:mv="urn:schemas-microsoft-com:mac:vml" xmlns:mo="http://schemas.microsoft.com/office/mac/office/2008/main" xmlns="" xmlns:arto="http://schemas.microsoft.com/office/word/2006/arto" xmlns:lc="http://schemas.openxmlformats.org/drawingml/2006/lockedCanvas">
                   <a:solidFill>
                     <a:srgbClr val="FFFFFF"/>
                   </a:solidFill>
@@ -3827,14 +3758,14 @@
             </a:ln>
             <a:extLst>
               <a:ext uri="{909E8E84-426E-40dd-AFC4-6F175D3DCCD1}">
-                <a14:hiddenFill xmlns:lc="http://schemas.openxmlformats.org/drawingml/2006/lockedCanvas" xmlns:arto="http://schemas.microsoft.com/office/word/2006/arto" xmlns="" xmlns:mo="http://schemas.microsoft.com/office/mac/office/2008/main" xmlns:mv="urn:schemas-microsoft-com:mac:vml" xmlns:o="urn:schemas-microsoft-com:office:office" xmlns:v="urn:schemas-microsoft-com:vml" xmlns:w10="urn:schemas-microsoft-com:office:word" xmlns:w="http://schemas.openxmlformats.org/wordprocessingml/2006/main" xmlns:a14="http://schemas.microsoft.com/office/drawing/2010/main" xmlns:w16se="http://schemas.microsoft.com/office/word/2015/wordml/symex" xmlns:w16cid="http://schemas.microsoft.com/office/word/2016/wordml/cid" xmlns:am3d="http://schemas.microsoft.com/office/drawing/2017/model3d" xmlns:aink="http://schemas.microsoft.com/office/drawing/2016/ink" xmlns:cx8="http://schemas.microsoft.com/office/drawing/2016/5/14/chartex" xmlns:cx7="http://schemas.microsoft.com/office/drawing/2016/5/13/chartex" xmlns:cx6="http://schemas.microsoft.com/office/drawing/2016/5/12/chartex" xmlns:cx5="http://schemas.microsoft.com/office/drawing/2016/5/11/chartex" xmlns:cx4="http://schemas.microsoft.com/office/drawing/2016/5/10/chartex" xmlns:cx3="http://schemas.microsoft.com/office/drawing/2016/5/9/chartex" xmlns:cx2="http://schemas.microsoft.com/office/drawing/2015/10/21/chartex" xmlns:cx1="http://schemas.microsoft.com/office/drawing/2015/9/8/chartex" xmlns:cx="http://schemas.microsoft.com/office/drawing/2014/chartex" xmlns:wps="http://schemas.microsoft.com/office/word/2010/wordprocessingShape" xmlns:wne="http://schemas.microsoft.com/office/word/2006/wordml" xmlns:wpi="http://schemas.microsoft.com/office/word/2010/wordprocessingInk" xmlns:wpg="http://schemas.microsoft.com/office/word/2010/wordprocessingGroup" xmlns:w15="http://schemas.microsoft.com/office/word/2012/wordml" xmlns:w14="http://schemas.microsoft.com/office/word/2010/wordml" xmlns:wp="http://schemas.openxmlformats.org/drawingml/2006/wordprocessingDrawing" xmlns:wp14="http://schemas.microsoft.com/office/word/2010/wordprocessingDrawing" xmlns:m="http://schemas.openxmlformats.org/officeDocument/2006/math" xmlns:mc="http://schemas.openxmlformats.org/markup-compatibility/2006" xmlns:wpc="http://schemas.microsoft.com/office/word/2010/wordprocessingCanvas">
+                <a14:hiddenFill xmlns:wpc="http://schemas.microsoft.com/office/word/2010/wordprocessingCanvas" xmlns:mc="http://schemas.openxmlformats.org/markup-compatibility/2006" xmlns:m="http://schemas.openxmlformats.org/officeDocument/2006/math" xmlns:wp14="http://schemas.microsoft.com/office/word/2010/wordprocessingDrawing" xmlns:wp="http://schemas.openxmlformats.org/drawingml/2006/wordprocessingDrawing" xmlns:w14="http://schemas.microsoft.com/office/word/2010/wordml" xmlns:w15="http://schemas.microsoft.com/office/word/2012/wordml" xmlns:wpg="http://schemas.microsoft.com/office/word/2010/wordprocessingGroup" xmlns:wpi="http://schemas.microsoft.com/office/word/2010/wordprocessingInk" xmlns:wne="http://schemas.microsoft.com/office/word/2006/wordml" xmlns:wps="http://schemas.microsoft.com/office/word/2010/wordprocessingShape" xmlns:cx="http://schemas.microsoft.com/office/drawing/2014/chartex" xmlns:cx1="http://schemas.microsoft.com/office/drawing/2015/9/8/chartex" xmlns:cx2="http://schemas.microsoft.com/office/drawing/2015/10/21/chartex" xmlns:cx3="http://schemas.microsoft.com/office/drawing/2016/5/9/chartex" xmlns:cx4="http://schemas.microsoft.com/office/drawing/2016/5/10/chartex" xmlns:cx5="http://schemas.microsoft.com/office/drawing/2016/5/11/chartex" xmlns:cx6="http://schemas.microsoft.com/office/drawing/2016/5/12/chartex" xmlns:cx7="http://schemas.microsoft.com/office/drawing/2016/5/13/chartex" xmlns:cx8="http://schemas.microsoft.com/office/drawing/2016/5/14/chartex" xmlns:aink="http://schemas.microsoft.com/office/drawing/2016/ink" xmlns:am3d="http://schemas.microsoft.com/office/drawing/2017/model3d" xmlns:w16cid="http://schemas.microsoft.com/office/word/2016/wordml/cid" xmlns:w16se="http://schemas.microsoft.com/office/word/2015/wordml/symex" xmlns:a14="http://schemas.microsoft.com/office/drawing/2010/main" xmlns:w="http://schemas.openxmlformats.org/wordprocessingml/2006/main" xmlns:w10="urn:schemas-microsoft-com:office:word" xmlns:v="urn:schemas-microsoft-com:vml" xmlns:o="urn:schemas-microsoft-com:office:office" xmlns:mv="urn:schemas-microsoft-com:mac:vml" xmlns:mo="http://schemas.microsoft.com/office/mac/office/2008/main" xmlns="" xmlns:arto="http://schemas.microsoft.com/office/word/2006/arto" xmlns:lc="http://schemas.openxmlformats.org/drawingml/2006/lockedCanvas">
                   <a:solidFill>
                     <a:srgbClr val="FFFFFF"/>
                   </a:solidFill>
                 </a14:hiddenFill>
               </a:ext>
               <a:ext uri="{91240B29-F687-4f45-9708-019B960494DF}">
-                <a14:hiddenLine xmlns:lc="http://schemas.openxmlformats.org/drawingml/2006/lockedCanvas" xmlns:arto="http://schemas.microsoft.com/office/word/2006/arto" xmlns="" xmlns:mo="http://schemas.microsoft.com/office/mac/office/2008/main" xmlns:mv="urn:schemas-microsoft-com:mac:vml" xmlns:o="urn:schemas-microsoft-com:office:office" xmlns:v="urn:schemas-microsoft-com:vml" xmlns:w10="urn:schemas-microsoft-com:office:word" xmlns:w="http://schemas.openxmlformats.org/wordprocessingml/2006/main" xmlns:a14="http://schemas.microsoft.com/office/drawing/2010/main" xmlns:w16se="http://schemas.microsoft.com/office/word/2015/wordml/symex" xmlns:w16cid="http://schemas.microsoft.com/office/word/2016/wordml/cid" xmlns:am3d="http://schemas.microsoft.com/office/drawing/2017/model3d" xmlns:aink="http://schemas.microsoft.com/office/drawing/2016/ink" xmlns:cx8="http://schemas.microsoft.com/office/drawing/2016/5/14/chartex" xmlns:cx7="http://schemas.microsoft.com/office/drawing/2016/5/13/chartex" xmlns:cx6="http://schemas.microsoft.com/office/drawing/2016/5/12/chartex" xmlns:cx5="http://schemas.microsoft.com/office/drawing/2016/5/11/chartex" xmlns:cx4="http://schemas.microsoft.com/office/drawing/2016/5/10/chartex" xmlns:cx3="http://schemas.microsoft.com/office/drawing/2016/5/9/chartex" xmlns:cx2="http://schemas.microsoft.com/office/drawing/2015/10/21/chartex" xmlns:cx1="http://schemas.microsoft.com/office/drawing/2015/9/8/chartex" xmlns:cx="http://schemas.microsoft.com/office/drawing/2014/chartex" xmlns:wps="http://schemas.microsoft.com/office/word/2010/wordprocessingShape" xmlns:wne="http://schemas.microsoft.com/office/word/2006/wordml" xmlns:wpi="http://schemas.microsoft.com/office/word/2010/wordprocessingInk" xmlns:wpg="http://schemas.microsoft.com/office/word/2010/wordprocessingGroup" xmlns:w15="http://schemas.microsoft.com/office/word/2012/wordml" xmlns:w14="http://schemas.microsoft.com/office/word/2010/wordml" xmlns:wp="http://schemas.openxmlformats.org/drawingml/2006/wordprocessingDrawing" xmlns:wp14="http://schemas.microsoft.com/office/word/2010/wordprocessingDrawing" xmlns:m="http://schemas.openxmlformats.org/officeDocument/2006/math" xmlns:mc="http://schemas.openxmlformats.org/markup-compatibility/2006" xmlns:wpc="http://schemas.microsoft.com/office/word/2010/wordprocessingCanvas" w="9525">
+                <a14:hiddenLine xmlns:wpc="http://schemas.microsoft.com/office/word/2010/wordprocessingCanvas" xmlns:mc="http://schemas.openxmlformats.org/markup-compatibility/2006" xmlns:m="http://schemas.openxmlformats.org/officeDocument/2006/math" xmlns:wp14="http://schemas.microsoft.com/office/word/2010/wordprocessingDrawing" xmlns:wp="http://schemas.openxmlformats.org/drawingml/2006/wordprocessingDrawing" xmlns:w14="http://schemas.microsoft.com/office/word/2010/wordml" xmlns:w15="http://schemas.microsoft.com/office/word/2012/wordml" xmlns:wpg="http://schemas.microsoft.com/office/word/2010/wordprocessingGroup" xmlns:wpi="http://schemas.microsoft.com/office/word/2010/wordprocessingInk" xmlns:wne="http://schemas.microsoft.com/office/word/2006/wordml" xmlns:wps="http://schemas.microsoft.com/office/word/2010/wordprocessingShape" xmlns:cx="http://schemas.microsoft.com/office/drawing/2014/chartex" xmlns:cx1="http://schemas.microsoft.com/office/drawing/2015/9/8/chartex" xmlns:cx2="http://schemas.microsoft.com/office/drawing/2015/10/21/chartex" xmlns:cx3="http://schemas.microsoft.com/office/drawing/2016/5/9/chartex" xmlns:cx4="http://schemas.microsoft.com/office/drawing/2016/5/10/chartex" xmlns:cx5="http://schemas.microsoft.com/office/drawing/2016/5/11/chartex" xmlns:cx6="http://schemas.microsoft.com/office/drawing/2016/5/12/chartex" xmlns:cx7="http://schemas.microsoft.com/office/drawing/2016/5/13/chartex" xmlns:cx8="http://schemas.microsoft.com/office/drawing/2016/5/14/chartex" xmlns:aink="http://schemas.microsoft.com/office/drawing/2016/ink" xmlns:am3d="http://schemas.microsoft.com/office/drawing/2017/model3d" xmlns:w16cid="http://schemas.microsoft.com/office/word/2016/wordml/cid" xmlns:w16se="http://schemas.microsoft.com/office/word/2015/wordml/symex" xmlns:a14="http://schemas.microsoft.com/office/drawing/2010/main" xmlns:w="http://schemas.openxmlformats.org/wordprocessingml/2006/main" xmlns:w10="urn:schemas-microsoft-com:office:word" xmlns:v="urn:schemas-microsoft-com:vml" xmlns:o="urn:schemas-microsoft-com:office:office" xmlns:mv="urn:schemas-microsoft-com:mac:vml" xmlns:mo="http://schemas.microsoft.com/office/mac/office/2008/main" xmlns="" xmlns:arto="http://schemas.microsoft.com/office/word/2006/arto" xmlns:lc="http://schemas.openxmlformats.org/drawingml/2006/lockedCanvas" w="9525">
                   <a:solidFill>
                     <a:srgbClr val="000000"/>
                   </a:solidFill>
@@ -3924,14 +3855,14 @@
             </a:ln>
             <a:extLst>
               <a:ext uri="{909E8E84-426E-40dd-AFC4-6F175D3DCCD1}">
-                <a14:hiddenFill xmlns:lc="http://schemas.openxmlformats.org/drawingml/2006/lockedCanvas" xmlns:arto="http://schemas.microsoft.com/office/word/2006/arto" xmlns="" xmlns:mo="http://schemas.microsoft.com/office/mac/office/2008/main" xmlns:mv="urn:schemas-microsoft-com:mac:vml" xmlns:o="urn:schemas-microsoft-com:office:office" xmlns:v="urn:schemas-microsoft-com:vml" xmlns:w10="urn:schemas-microsoft-com:office:word" xmlns:w="http://schemas.openxmlformats.org/wordprocessingml/2006/main" xmlns:a14="http://schemas.microsoft.com/office/drawing/2010/main" xmlns:w16se="http://schemas.microsoft.com/office/word/2015/wordml/symex" xmlns:w16cid="http://schemas.microsoft.com/office/word/2016/wordml/cid" xmlns:am3d="http://schemas.microsoft.com/office/drawing/2017/model3d" xmlns:aink="http://schemas.microsoft.com/office/drawing/2016/ink" xmlns:cx8="http://schemas.microsoft.com/office/drawing/2016/5/14/chartex" xmlns:cx7="http://schemas.microsoft.com/office/drawing/2016/5/13/chartex" xmlns:cx6="http://schemas.microsoft.com/office/drawing/2016/5/12/chartex" xmlns:cx5="http://schemas.microsoft.com/office/drawing/2016/5/11/chartex" xmlns:cx4="http://schemas.microsoft.com/office/drawing/2016/5/10/chartex" xmlns:cx3="http://schemas.microsoft.com/office/drawing/2016/5/9/chartex" xmlns:cx2="http://schemas.microsoft.com/office/drawing/2015/10/21/chartex" xmlns:cx1="http://schemas.microsoft.com/office/drawing/2015/9/8/chartex" xmlns:cx="http://schemas.microsoft.com/office/drawing/2014/chartex" xmlns:wps="http://schemas.microsoft.com/office/word/2010/wordprocessingShape" xmlns:wne="http://schemas.microsoft.com/office/word/2006/wordml" xmlns:wpi="http://schemas.microsoft.com/office/word/2010/wordprocessingInk" xmlns:wpg="http://schemas.microsoft.com/office/word/2010/wordprocessingGroup" xmlns:w15="http://schemas.microsoft.com/office/word/2012/wordml" xmlns:w14="http://schemas.microsoft.com/office/word/2010/wordml" xmlns:wp="http://schemas.openxmlformats.org/drawingml/2006/wordprocessingDrawing" xmlns:wp14="http://schemas.microsoft.com/office/word/2010/wordprocessingDrawing" xmlns:m="http://schemas.openxmlformats.org/officeDocument/2006/math" xmlns:mc="http://schemas.openxmlformats.org/markup-compatibility/2006" xmlns:wpc="http://schemas.microsoft.com/office/word/2010/wordprocessingCanvas">
+                <a14:hiddenFill xmlns:wpc="http://schemas.microsoft.com/office/word/2010/wordprocessingCanvas" xmlns:mc="http://schemas.openxmlformats.org/markup-compatibility/2006" xmlns:m="http://schemas.openxmlformats.org/officeDocument/2006/math" xmlns:wp14="http://schemas.microsoft.com/office/word/2010/wordprocessingDrawing" xmlns:wp="http://schemas.openxmlformats.org/drawingml/2006/wordprocessingDrawing" xmlns:w14="http://schemas.microsoft.com/office/word/2010/wordml" xmlns:w15="http://schemas.microsoft.com/office/word/2012/wordml" xmlns:wpg="http://schemas.microsoft.com/office/word/2010/wordprocessingGroup" xmlns:wpi="http://schemas.microsoft.com/office/word/2010/wordprocessingInk" xmlns:wne="http://schemas.microsoft.com/office/word/2006/wordml" xmlns:wps="http://schemas.microsoft.com/office/word/2010/wordprocessingShape" xmlns:cx="http://schemas.microsoft.com/office/drawing/2014/chartex" xmlns:cx1="http://schemas.microsoft.com/office/drawing/2015/9/8/chartex" xmlns:cx2="http://schemas.microsoft.com/office/drawing/2015/10/21/chartex" xmlns:cx3="http://schemas.microsoft.com/office/drawing/2016/5/9/chartex" xmlns:cx4="http://schemas.microsoft.com/office/drawing/2016/5/10/chartex" xmlns:cx5="http://schemas.microsoft.com/office/drawing/2016/5/11/chartex" xmlns:cx6="http://schemas.microsoft.com/office/drawing/2016/5/12/chartex" xmlns:cx7="http://schemas.microsoft.com/office/drawing/2016/5/13/chartex" xmlns:cx8="http://schemas.microsoft.com/office/drawing/2016/5/14/chartex" xmlns:aink="http://schemas.microsoft.com/office/drawing/2016/ink" xmlns:am3d="http://schemas.microsoft.com/office/drawing/2017/model3d" xmlns:w16cid="http://schemas.microsoft.com/office/word/2016/wordml/cid" xmlns:w16se="http://schemas.microsoft.com/office/word/2015/wordml/symex" xmlns:a14="http://schemas.microsoft.com/office/drawing/2010/main" xmlns:w="http://schemas.openxmlformats.org/wordprocessingml/2006/main" xmlns:w10="urn:schemas-microsoft-com:office:word" xmlns:v="urn:schemas-microsoft-com:vml" xmlns:o="urn:schemas-microsoft-com:office:office" xmlns:mv="urn:schemas-microsoft-com:mac:vml" xmlns:mo="http://schemas.microsoft.com/office/mac/office/2008/main" xmlns="" xmlns:arto="http://schemas.microsoft.com/office/word/2006/arto" xmlns:lc="http://schemas.openxmlformats.org/drawingml/2006/lockedCanvas">
                   <a:solidFill>
                     <a:srgbClr val="FFFFFF"/>
                   </a:solidFill>
                 </a14:hiddenFill>
               </a:ext>
               <a:ext uri="{91240B29-F687-4f45-9708-019B960494DF}">
-                <a14:hiddenLine xmlns:lc="http://schemas.openxmlformats.org/drawingml/2006/lockedCanvas" xmlns:arto="http://schemas.microsoft.com/office/word/2006/arto" xmlns="" xmlns:mo="http://schemas.microsoft.com/office/mac/office/2008/main" xmlns:mv="urn:schemas-microsoft-com:mac:vml" xmlns:o="urn:schemas-microsoft-com:office:office" xmlns:v="urn:schemas-microsoft-com:vml" xmlns:w10="urn:schemas-microsoft-com:office:word" xmlns:w="http://schemas.openxmlformats.org/wordprocessingml/2006/main" xmlns:a14="http://schemas.microsoft.com/office/drawing/2010/main" xmlns:w16se="http://schemas.microsoft.com/office/word/2015/wordml/symex" xmlns:w16cid="http://schemas.microsoft.com/office/word/2016/wordml/cid" xmlns:am3d="http://schemas.microsoft.com/office/drawing/2017/model3d" xmlns:aink="http://schemas.microsoft.com/office/drawing/2016/ink" xmlns:cx8="http://schemas.microsoft.com/office/drawing/2016/5/14/chartex" xmlns:cx7="http://schemas.microsoft.com/office/drawing/2016/5/13/chartex" xmlns:cx6="http://schemas.microsoft.com/office/drawing/2016/5/12/chartex" xmlns:cx5="http://schemas.microsoft.com/office/drawing/2016/5/11/chartex" xmlns:cx4="http://schemas.microsoft.com/office/drawing/2016/5/10/chartex" xmlns:cx3="http://schemas.microsoft.com/office/drawing/2016/5/9/chartex" xmlns:cx2="http://schemas.microsoft.com/office/drawing/2015/10/21/chartex" xmlns:cx1="http://schemas.microsoft.com/office/drawing/2015/9/8/chartex" xmlns:cx="http://schemas.microsoft.com/office/drawing/2014/chartex" xmlns:wps="http://schemas.microsoft.com/office/word/2010/wordprocessingShape" xmlns:wne="http://schemas.microsoft.com/office/word/2006/wordml" xmlns:wpi="http://schemas.microsoft.com/office/word/2010/wordprocessingInk" xmlns:wpg="http://schemas.microsoft.com/office/word/2010/wordprocessingGroup" xmlns:w15="http://schemas.microsoft.com/office/word/2012/wordml" xmlns:w14="http://schemas.microsoft.com/office/word/2010/wordml" xmlns:wp="http://schemas.openxmlformats.org/drawingml/2006/wordprocessingDrawing" xmlns:wp14="http://schemas.microsoft.com/office/word/2010/wordprocessingDrawing" xmlns:m="http://schemas.openxmlformats.org/officeDocument/2006/math" xmlns:mc="http://schemas.openxmlformats.org/markup-compatibility/2006" xmlns:wpc="http://schemas.microsoft.com/office/word/2010/wordprocessingCanvas" w="3175">
+                <a14:hiddenLine xmlns:wpc="http://schemas.microsoft.com/office/word/2010/wordprocessingCanvas" xmlns:mc="http://schemas.openxmlformats.org/markup-compatibility/2006" xmlns:m="http://schemas.openxmlformats.org/officeDocument/2006/math" xmlns:wp14="http://schemas.microsoft.com/office/word/2010/wordprocessingDrawing" xmlns:wp="http://schemas.openxmlformats.org/drawingml/2006/wordprocessingDrawing" xmlns:w14="http://schemas.microsoft.com/office/word/2010/wordml" xmlns:w15="http://schemas.microsoft.com/office/word/2012/wordml" xmlns:wpg="http://schemas.microsoft.com/office/word/2010/wordprocessingGroup" xmlns:wpi="http://schemas.microsoft.com/office/word/2010/wordprocessingInk" xmlns:wne="http://schemas.microsoft.com/office/word/2006/wordml" xmlns:wps="http://schemas.microsoft.com/office/word/2010/wordprocessingShape" xmlns:cx="http://schemas.microsoft.com/office/drawing/2014/chartex" xmlns:cx1="http://schemas.microsoft.com/office/drawing/2015/9/8/chartex" xmlns:cx2="http://schemas.microsoft.com/office/drawing/2015/10/21/chartex" xmlns:cx3="http://schemas.microsoft.com/office/drawing/2016/5/9/chartex" xmlns:cx4="http://schemas.microsoft.com/office/drawing/2016/5/10/chartex" xmlns:cx5="http://schemas.microsoft.com/office/drawing/2016/5/11/chartex" xmlns:cx6="http://schemas.microsoft.com/office/drawing/2016/5/12/chartex" xmlns:cx7="http://schemas.microsoft.com/office/drawing/2016/5/13/chartex" xmlns:cx8="http://schemas.microsoft.com/office/drawing/2016/5/14/chartex" xmlns:aink="http://schemas.microsoft.com/office/drawing/2016/ink" xmlns:am3d="http://schemas.microsoft.com/office/drawing/2017/model3d" xmlns:w16cid="http://schemas.microsoft.com/office/word/2016/wordml/cid" xmlns:w16se="http://schemas.microsoft.com/office/word/2015/wordml/symex" xmlns:a14="http://schemas.microsoft.com/office/drawing/2010/main" xmlns:w="http://schemas.openxmlformats.org/wordprocessingml/2006/main" xmlns:w10="urn:schemas-microsoft-com:office:word" xmlns:v="urn:schemas-microsoft-com:vml" xmlns:o="urn:schemas-microsoft-com:office:office" xmlns:mv="urn:schemas-microsoft-com:mac:vml" xmlns:mo="http://schemas.microsoft.com/office/mac/office/2008/main" xmlns="" xmlns:arto="http://schemas.microsoft.com/office/word/2006/arto" xmlns:lc="http://schemas.openxmlformats.org/drawingml/2006/lockedCanvas" w="3175">
                   <a:solidFill>
                     <a:srgbClr val="000000"/>
                   </a:solidFill>
@@ -3995,14 +3926,14 @@
             </a:ln>
             <a:extLst>
               <a:ext uri="{909E8E84-426E-40dd-AFC4-6F175D3DCCD1}">
-                <a14:hiddenFill xmlns:lc="http://schemas.openxmlformats.org/drawingml/2006/lockedCanvas" xmlns:arto="http://schemas.microsoft.com/office/word/2006/arto" xmlns="" xmlns:mo="http://schemas.microsoft.com/office/mac/office/2008/main" xmlns:mv="urn:schemas-microsoft-com:mac:vml" xmlns:o="urn:schemas-microsoft-com:office:office" xmlns:v="urn:schemas-microsoft-com:vml" xmlns:w10="urn:schemas-microsoft-com:office:word" xmlns:w="http://schemas.openxmlformats.org/wordprocessingml/2006/main" xmlns:a14="http://schemas.microsoft.com/office/drawing/2010/main" xmlns:w16se="http://schemas.microsoft.com/office/word/2015/wordml/symex" xmlns:w16cid="http://schemas.microsoft.com/office/word/2016/wordml/cid" xmlns:am3d="http://schemas.microsoft.com/office/drawing/2017/model3d" xmlns:aink="http://schemas.microsoft.com/office/drawing/2016/ink" xmlns:cx8="http://schemas.microsoft.com/office/drawing/2016/5/14/chartex" xmlns:cx7="http://schemas.microsoft.com/office/drawing/2016/5/13/chartex" xmlns:cx6="http://schemas.microsoft.com/office/drawing/2016/5/12/chartex" xmlns:cx5="http://schemas.microsoft.com/office/drawing/2016/5/11/chartex" xmlns:cx4="http://schemas.microsoft.com/office/drawing/2016/5/10/chartex" xmlns:cx3="http://schemas.microsoft.com/office/drawing/2016/5/9/chartex" xmlns:cx2="http://schemas.microsoft.com/office/drawing/2015/10/21/chartex" xmlns:cx1="http://schemas.microsoft.com/office/drawing/2015/9/8/chartex" xmlns:cx="http://schemas.microsoft.com/office/drawing/2014/chartex" xmlns:wps="http://schemas.microsoft.com/office/word/2010/wordprocessingShape" xmlns:wne="http://schemas.microsoft.com/office/word/2006/wordml" xmlns:wpi="http://schemas.microsoft.com/office/word/2010/wordprocessingInk" xmlns:wpg="http://schemas.microsoft.com/office/word/2010/wordprocessingGroup" xmlns:w15="http://schemas.microsoft.com/office/word/2012/wordml" xmlns:w14="http://schemas.microsoft.com/office/word/2010/wordml" xmlns:wp="http://schemas.openxmlformats.org/drawingml/2006/wordprocessingDrawing" xmlns:wp14="http://schemas.microsoft.com/office/word/2010/wordprocessingDrawing" xmlns:m="http://schemas.openxmlformats.org/officeDocument/2006/math" xmlns:mc="http://schemas.openxmlformats.org/markup-compatibility/2006" xmlns:wpc="http://schemas.microsoft.com/office/word/2010/wordprocessingCanvas">
+                <a14:hiddenFill xmlns:wpc="http://schemas.microsoft.com/office/word/2010/wordprocessingCanvas" xmlns:mc="http://schemas.openxmlformats.org/markup-compatibility/2006" xmlns:m="http://schemas.openxmlformats.org/officeDocument/2006/math" xmlns:wp14="http://schemas.microsoft.com/office/word/2010/wordprocessingDrawing" xmlns:wp="http://schemas.openxmlformats.org/drawingml/2006/wordprocessingDrawing" xmlns:w14="http://schemas.microsoft.com/office/word/2010/wordml" xmlns:w15="http://schemas.microsoft.com/office/word/2012/wordml" xmlns:wpg="http://schemas.microsoft.com/office/word/2010/wordprocessingGroup" xmlns:wpi="http://schemas.microsoft.com/office/word/2010/wordprocessingInk" xmlns:wne="http://schemas.microsoft.com/office/word/2006/wordml" xmlns:wps="http://schemas.microsoft.com/office/word/2010/wordprocessingShape" xmlns:cx="http://schemas.microsoft.com/office/drawing/2014/chartex" xmlns:cx1="http://schemas.microsoft.com/office/drawing/2015/9/8/chartex" xmlns:cx2="http://schemas.microsoft.com/office/drawing/2015/10/21/chartex" xmlns:cx3="http://schemas.microsoft.com/office/drawing/2016/5/9/chartex" xmlns:cx4="http://schemas.microsoft.com/office/drawing/2016/5/10/chartex" xmlns:cx5="http://schemas.microsoft.com/office/drawing/2016/5/11/chartex" xmlns:cx6="http://schemas.microsoft.com/office/drawing/2016/5/12/chartex" xmlns:cx7="http://schemas.microsoft.com/office/drawing/2016/5/13/chartex" xmlns:cx8="http://schemas.microsoft.com/office/drawing/2016/5/14/chartex" xmlns:aink="http://schemas.microsoft.com/office/drawing/2016/ink" xmlns:am3d="http://schemas.microsoft.com/office/drawing/2017/model3d" xmlns:w16cid="http://schemas.microsoft.com/office/word/2016/wordml/cid" xmlns:w16se="http://schemas.microsoft.com/office/word/2015/wordml/symex" xmlns:a14="http://schemas.microsoft.com/office/drawing/2010/main" xmlns:w="http://schemas.openxmlformats.org/wordprocessingml/2006/main" xmlns:w10="urn:schemas-microsoft-com:office:word" xmlns:v="urn:schemas-microsoft-com:vml" xmlns:o="urn:schemas-microsoft-com:office:office" xmlns:mv="urn:schemas-microsoft-com:mac:vml" xmlns:mo="http://schemas.microsoft.com/office/mac/office/2008/main" xmlns="" xmlns:arto="http://schemas.microsoft.com/office/word/2006/arto" xmlns:lc="http://schemas.openxmlformats.org/drawingml/2006/lockedCanvas">
                   <a:solidFill>
                     <a:srgbClr val="FFFFFF"/>
                   </a:solidFill>
                 </a14:hiddenFill>
               </a:ext>
               <a:ext uri="{91240B29-F687-4f45-9708-019B960494DF}">
-                <a14:hiddenLine xmlns:lc="http://schemas.openxmlformats.org/drawingml/2006/lockedCanvas" xmlns:arto="http://schemas.microsoft.com/office/word/2006/arto" xmlns="" xmlns:mo="http://schemas.microsoft.com/office/mac/office/2008/main" xmlns:mv="urn:schemas-microsoft-com:mac:vml" xmlns:o="urn:schemas-microsoft-com:office:office" xmlns:v="urn:schemas-microsoft-com:vml" xmlns:w10="urn:schemas-microsoft-com:office:word" xmlns:w="http://schemas.openxmlformats.org/wordprocessingml/2006/main" xmlns:a14="http://schemas.microsoft.com/office/drawing/2010/main" xmlns:w16se="http://schemas.microsoft.com/office/word/2015/wordml/symex" xmlns:w16cid="http://schemas.microsoft.com/office/word/2016/wordml/cid" xmlns:am3d="http://schemas.microsoft.com/office/drawing/2017/model3d" xmlns:aink="http://schemas.microsoft.com/office/drawing/2016/ink" xmlns:cx8="http://schemas.microsoft.com/office/drawing/2016/5/14/chartex" xmlns:cx7="http://schemas.microsoft.com/office/drawing/2016/5/13/chartex" xmlns:cx6="http://schemas.microsoft.com/office/drawing/2016/5/12/chartex" xmlns:cx5="http://schemas.microsoft.com/office/drawing/2016/5/11/chartex" xmlns:cx4="http://schemas.microsoft.com/office/drawing/2016/5/10/chartex" xmlns:cx3="http://schemas.microsoft.com/office/drawing/2016/5/9/chartex" xmlns:cx2="http://schemas.microsoft.com/office/drawing/2015/10/21/chartex" xmlns:cx1="http://schemas.microsoft.com/office/drawing/2015/9/8/chartex" xmlns:cx="http://schemas.microsoft.com/office/drawing/2014/chartex" xmlns:wps="http://schemas.microsoft.com/office/word/2010/wordprocessingShape" xmlns:wne="http://schemas.microsoft.com/office/word/2006/wordml" xmlns:wpi="http://schemas.microsoft.com/office/word/2010/wordprocessingInk" xmlns:wpg="http://schemas.microsoft.com/office/word/2010/wordprocessingGroup" xmlns:w15="http://schemas.microsoft.com/office/word/2012/wordml" xmlns:w14="http://schemas.microsoft.com/office/word/2010/wordml" xmlns:wp="http://schemas.openxmlformats.org/drawingml/2006/wordprocessingDrawing" xmlns:wp14="http://schemas.microsoft.com/office/word/2010/wordprocessingDrawing" xmlns:m="http://schemas.openxmlformats.org/officeDocument/2006/math" xmlns:mc="http://schemas.openxmlformats.org/markup-compatibility/2006" xmlns:wpc="http://schemas.microsoft.com/office/word/2010/wordprocessingCanvas" w="3175">
+                <a14:hiddenLine xmlns:wpc="http://schemas.microsoft.com/office/word/2010/wordprocessingCanvas" xmlns:mc="http://schemas.openxmlformats.org/markup-compatibility/2006" xmlns:m="http://schemas.openxmlformats.org/officeDocument/2006/math" xmlns:wp14="http://schemas.microsoft.com/office/word/2010/wordprocessingDrawing" xmlns:wp="http://schemas.openxmlformats.org/drawingml/2006/wordprocessingDrawing" xmlns:w14="http://schemas.microsoft.com/office/word/2010/wordml" xmlns:w15="http://schemas.microsoft.com/office/word/2012/wordml" xmlns:wpg="http://schemas.microsoft.com/office/word/2010/wordprocessingGroup" xmlns:wpi="http://schemas.microsoft.com/office/word/2010/wordprocessingInk" xmlns:wne="http://schemas.microsoft.com/office/word/2006/wordml" xmlns:wps="http://schemas.microsoft.com/office/word/2010/wordprocessingShape" xmlns:cx="http://schemas.microsoft.com/office/drawing/2014/chartex" xmlns:cx1="http://schemas.microsoft.com/office/drawing/2015/9/8/chartex" xmlns:cx2="http://schemas.microsoft.com/office/drawing/2015/10/21/chartex" xmlns:cx3="http://schemas.microsoft.com/office/drawing/2016/5/9/chartex" xmlns:cx4="http://schemas.microsoft.com/office/drawing/2016/5/10/chartex" xmlns:cx5="http://schemas.microsoft.com/office/drawing/2016/5/11/chartex" xmlns:cx6="http://schemas.microsoft.com/office/drawing/2016/5/12/chartex" xmlns:cx7="http://schemas.microsoft.com/office/drawing/2016/5/13/chartex" xmlns:cx8="http://schemas.microsoft.com/office/drawing/2016/5/14/chartex" xmlns:aink="http://schemas.microsoft.com/office/drawing/2016/ink" xmlns:am3d="http://schemas.microsoft.com/office/drawing/2017/model3d" xmlns:w16cid="http://schemas.microsoft.com/office/word/2016/wordml/cid" xmlns:w16se="http://schemas.microsoft.com/office/word/2015/wordml/symex" xmlns:a14="http://schemas.microsoft.com/office/drawing/2010/main" xmlns:w="http://schemas.openxmlformats.org/wordprocessingml/2006/main" xmlns:w10="urn:schemas-microsoft-com:office:word" xmlns:v="urn:schemas-microsoft-com:vml" xmlns:o="urn:schemas-microsoft-com:office:office" xmlns:mv="urn:schemas-microsoft-com:mac:vml" xmlns:mo="http://schemas.microsoft.com/office/mac/office/2008/main" xmlns="" xmlns:arto="http://schemas.microsoft.com/office/word/2006/arto" xmlns:lc="http://schemas.openxmlformats.org/drawingml/2006/lockedCanvas" w="3175">
                   <a:solidFill>
                     <a:srgbClr val="000000"/>
                   </a:solidFill>
@@ -4137,7 +4068,7 @@
             </a:ln>
             <a:extLst>
               <a:ext uri="{909E8E84-426E-40dd-AFC4-6F175D3DCCD1}">
-                <a14:hiddenFill xmlns:lc="http://schemas.openxmlformats.org/drawingml/2006/lockedCanvas" xmlns:arto="http://schemas.microsoft.com/office/word/2006/arto" xmlns="" xmlns:mo="http://schemas.microsoft.com/office/mac/office/2008/main" xmlns:mv="urn:schemas-microsoft-com:mac:vml" xmlns:o="urn:schemas-microsoft-com:office:office" xmlns:v="urn:schemas-microsoft-com:vml" xmlns:w10="urn:schemas-microsoft-com:office:word" xmlns:w="http://schemas.openxmlformats.org/wordprocessingml/2006/main" xmlns:a14="http://schemas.microsoft.com/office/drawing/2010/main" xmlns:w16se="http://schemas.microsoft.com/office/word/2015/wordml/symex" xmlns:w16cid="http://schemas.microsoft.com/office/word/2016/wordml/cid" xmlns:am3d="http://schemas.microsoft.com/office/drawing/2017/model3d" xmlns:aink="http://schemas.microsoft.com/office/drawing/2016/ink" xmlns:cx8="http://schemas.microsoft.com/office/drawing/2016/5/14/chartex" xmlns:cx7="http://schemas.microsoft.com/office/drawing/2016/5/13/chartex" xmlns:cx6="http://schemas.microsoft.com/office/drawing/2016/5/12/chartex" xmlns:cx5="http://schemas.microsoft.com/office/drawing/2016/5/11/chartex" xmlns:cx4="http://schemas.microsoft.com/office/drawing/2016/5/10/chartex" xmlns:cx3="http://schemas.microsoft.com/office/drawing/2016/5/9/chartex" xmlns:cx2="http://schemas.microsoft.com/office/drawing/2015/10/21/chartex" xmlns:cx1="http://schemas.microsoft.com/office/drawing/2015/9/8/chartex" xmlns:cx="http://schemas.microsoft.com/office/drawing/2014/chartex" xmlns:wps="http://schemas.microsoft.com/office/word/2010/wordprocessingShape" xmlns:wne="http://schemas.microsoft.com/office/word/2006/wordml" xmlns:wpi="http://schemas.microsoft.com/office/word/2010/wordprocessingInk" xmlns:wpg="http://schemas.microsoft.com/office/word/2010/wordprocessingGroup" xmlns:w15="http://schemas.microsoft.com/office/word/2012/wordml" xmlns:w14="http://schemas.microsoft.com/office/word/2010/wordml" xmlns:wp="http://schemas.openxmlformats.org/drawingml/2006/wordprocessingDrawing" xmlns:wp14="http://schemas.microsoft.com/office/word/2010/wordprocessingDrawing" xmlns:m="http://schemas.openxmlformats.org/officeDocument/2006/math" xmlns:mc="http://schemas.openxmlformats.org/markup-compatibility/2006" xmlns:wpc="http://schemas.microsoft.com/office/word/2010/wordprocessingCanvas">
+                <a14:hiddenFill xmlns:wpc="http://schemas.microsoft.com/office/word/2010/wordprocessingCanvas" xmlns:mc="http://schemas.openxmlformats.org/markup-compatibility/2006" xmlns:m="http://schemas.openxmlformats.org/officeDocument/2006/math" xmlns:wp14="http://schemas.microsoft.com/office/word/2010/wordprocessingDrawing" xmlns:wp="http://schemas.openxmlformats.org/drawingml/2006/wordprocessingDrawing" xmlns:w14="http://schemas.microsoft.com/office/word/2010/wordml" xmlns:w15="http://schemas.microsoft.com/office/word/2012/wordml" xmlns:wpg="http://schemas.microsoft.com/office/word/2010/wordprocessingGroup" xmlns:wpi="http://schemas.microsoft.com/office/word/2010/wordprocessingInk" xmlns:wne="http://schemas.microsoft.com/office/word/2006/wordml" xmlns:wps="http://schemas.microsoft.com/office/word/2010/wordprocessingShape" xmlns:cx="http://schemas.microsoft.com/office/drawing/2014/chartex" xmlns:cx1="http://schemas.microsoft.com/office/drawing/2015/9/8/chartex" xmlns:cx2="http://schemas.microsoft.com/office/drawing/2015/10/21/chartex" xmlns:cx3="http://schemas.microsoft.com/office/drawing/2016/5/9/chartex" xmlns:cx4="http://schemas.microsoft.com/office/drawing/2016/5/10/chartex" xmlns:cx5="http://schemas.microsoft.com/office/drawing/2016/5/11/chartex" xmlns:cx6="http://schemas.microsoft.com/office/drawing/2016/5/12/chartex" xmlns:cx7="http://schemas.microsoft.com/office/drawing/2016/5/13/chartex" xmlns:cx8="http://schemas.microsoft.com/office/drawing/2016/5/14/chartex" xmlns:aink="http://schemas.microsoft.com/office/drawing/2016/ink" xmlns:am3d="http://schemas.microsoft.com/office/drawing/2017/model3d" xmlns:w16cid="http://schemas.microsoft.com/office/word/2016/wordml/cid" xmlns:w16se="http://schemas.microsoft.com/office/word/2015/wordml/symex" xmlns:a14="http://schemas.microsoft.com/office/drawing/2010/main" xmlns:w="http://schemas.openxmlformats.org/wordprocessingml/2006/main" xmlns:w10="urn:schemas-microsoft-com:office:word" xmlns:v="urn:schemas-microsoft-com:vml" xmlns:o="urn:schemas-microsoft-com:office:office" xmlns:mv="urn:schemas-microsoft-com:mac:vml" xmlns:mo="http://schemas.microsoft.com/office/mac/office/2008/main" xmlns="" xmlns:arto="http://schemas.microsoft.com/office/word/2006/arto" xmlns:lc="http://schemas.openxmlformats.org/drawingml/2006/lockedCanvas">
                   <a:solidFill>
                     <a:srgbClr val="FFFFFF"/>
                   </a:solidFill>
@@ -4207,14 +4138,14 @@
             </a:ln>
             <a:extLst>
               <a:ext uri="{909E8E84-426E-40dd-AFC4-6F175D3DCCD1}">
-                <a14:hiddenFill xmlns:lc="http://schemas.openxmlformats.org/drawingml/2006/lockedCanvas" xmlns:arto="http://schemas.microsoft.com/office/word/2006/arto" xmlns="" xmlns:mo="http://schemas.microsoft.com/office/mac/office/2008/main" xmlns:mv="urn:schemas-microsoft-com:mac:vml" xmlns:o="urn:schemas-microsoft-com:office:office" xmlns:v="urn:schemas-microsoft-com:vml" xmlns:w10="urn:schemas-microsoft-com:office:word" xmlns:w="http://schemas.openxmlformats.org/wordprocessingml/2006/main" xmlns:a14="http://schemas.microsoft.com/office/drawing/2010/main" xmlns:w16se="http://schemas.microsoft.com/office/word/2015/wordml/symex" xmlns:w16cid="http://schemas.microsoft.com/office/word/2016/wordml/cid" xmlns:am3d="http://schemas.microsoft.com/office/drawing/2017/model3d" xmlns:aink="http://schemas.microsoft.com/office/drawing/2016/ink" xmlns:cx8="http://schemas.microsoft.com/office/drawing/2016/5/14/chartex" xmlns:cx7="http://schemas.microsoft.com/office/drawing/2016/5/13/chartex" xmlns:cx6="http://schemas.microsoft.com/office/drawing/2016/5/12/chartex" xmlns:cx5="http://schemas.microsoft.com/office/drawing/2016/5/11/chartex" xmlns:cx4="http://schemas.microsoft.com/office/drawing/2016/5/10/chartex" xmlns:cx3="http://schemas.microsoft.com/office/drawing/2016/5/9/chartex" xmlns:cx2="http://schemas.microsoft.com/office/drawing/2015/10/21/chartex" xmlns:cx1="http://schemas.microsoft.com/office/drawing/2015/9/8/chartex" xmlns:cx="http://schemas.microsoft.com/office/drawing/2014/chartex" xmlns:wps="http://schemas.microsoft.com/office/word/2010/wordprocessingShape" xmlns:wne="http://schemas.microsoft.com/office/word/2006/wordml" xmlns:wpi="http://schemas.microsoft.com/office/word/2010/wordprocessingInk" xmlns:wpg="http://schemas.microsoft.com/office/word/2010/wordprocessingGroup" xmlns:w15="http://schemas.microsoft.com/office/word/2012/wordml" xmlns:w14="http://schemas.microsoft.com/office/word/2010/wordml" xmlns:wp="http://schemas.openxmlformats.org/drawingml/2006/wordprocessingDrawing" xmlns:wp14="http://schemas.microsoft.com/office/word/2010/wordprocessingDrawing" xmlns:m="http://schemas.openxmlformats.org/officeDocument/2006/math" xmlns:mc="http://schemas.openxmlformats.org/markup-compatibility/2006" xmlns:wpc="http://schemas.microsoft.com/office/word/2010/wordprocessingCanvas">
+                <a14:hiddenFill xmlns:wpc="http://schemas.microsoft.com/office/word/2010/wordprocessingCanvas" xmlns:mc="http://schemas.openxmlformats.org/markup-compatibility/2006" xmlns:m="http://schemas.openxmlformats.org/officeDocument/2006/math" xmlns:wp14="http://schemas.microsoft.com/office/word/2010/wordprocessingDrawing" xmlns:wp="http://schemas.openxmlformats.org/drawingml/2006/wordprocessingDrawing" xmlns:w14="http://schemas.microsoft.com/office/word/2010/wordml" xmlns:w15="http://schemas.microsoft.com/office/word/2012/wordml" xmlns:wpg="http://schemas.microsoft.com/office/word/2010/wordprocessingGroup" xmlns:wpi="http://schemas.microsoft.com/office/word/2010/wordprocessingInk" xmlns:wne="http://schemas.microsoft.com/office/word/2006/wordml" xmlns:wps="http://schemas.microsoft.com/office/word/2010/wordprocessingShape" xmlns:cx="http://schemas.microsoft.com/office/drawing/2014/chartex" xmlns:cx1="http://schemas.microsoft.com/office/drawing/2015/9/8/chartex" xmlns:cx2="http://schemas.microsoft.com/office/drawing/2015/10/21/chartex" xmlns:cx3="http://schemas.microsoft.com/office/drawing/2016/5/9/chartex" xmlns:cx4="http://schemas.microsoft.com/office/drawing/2016/5/10/chartex" xmlns:cx5="http://schemas.microsoft.com/office/drawing/2016/5/11/chartex" xmlns:cx6="http://schemas.microsoft.com/office/drawing/2016/5/12/chartex" xmlns:cx7="http://schemas.microsoft.com/office/drawing/2016/5/13/chartex" xmlns:cx8="http://schemas.microsoft.com/office/drawing/2016/5/14/chartex" xmlns:aink="http://schemas.microsoft.com/office/drawing/2016/ink" xmlns:am3d="http://schemas.microsoft.com/office/drawing/2017/model3d" xmlns:w16cid="http://schemas.microsoft.com/office/word/2016/wordml/cid" xmlns:w16se="http://schemas.microsoft.com/office/word/2015/wordml/symex" xmlns:a14="http://schemas.microsoft.com/office/drawing/2010/main" xmlns:w="http://schemas.openxmlformats.org/wordprocessingml/2006/main" xmlns:w10="urn:schemas-microsoft-com:office:word" xmlns:v="urn:schemas-microsoft-com:vml" xmlns:o="urn:schemas-microsoft-com:office:office" xmlns:mv="urn:schemas-microsoft-com:mac:vml" xmlns:mo="http://schemas.microsoft.com/office/mac/office/2008/main" xmlns="" xmlns:arto="http://schemas.microsoft.com/office/word/2006/arto" xmlns:lc="http://schemas.openxmlformats.org/drawingml/2006/lockedCanvas">
                   <a:solidFill>
                     <a:srgbClr val="FFFFFF"/>
                   </a:solidFill>
                 </a14:hiddenFill>
               </a:ext>
               <a:ext uri="{91240B29-F687-4f45-9708-019B960494DF}">
-                <a14:hiddenLine xmlns:lc="http://schemas.openxmlformats.org/drawingml/2006/lockedCanvas" xmlns:arto="http://schemas.microsoft.com/office/word/2006/arto" xmlns="" xmlns:mo="http://schemas.microsoft.com/office/mac/office/2008/main" xmlns:mv="urn:schemas-microsoft-com:mac:vml" xmlns:o="urn:schemas-microsoft-com:office:office" xmlns:v="urn:schemas-microsoft-com:vml" xmlns:w10="urn:schemas-microsoft-com:office:word" xmlns:w="http://schemas.openxmlformats.org/wordprocessingml/2006/main" xmlns:a14="http://schemas.microsoft.com/office/drawing/2010/main" xmlns:w16se="http://schemas.microsoft.com/office/word/2015/wordml/symex" xmlns:w16cid="http://schemas.microsoft.com/office/word/2016/wordml/cid" xmlns:am3d="http://schemas.microsoft.com/office/drawing/2017/model3d" xmlns:aink="http://schemas.microsoft.com/office/drawing/2016/ink" xmlns:cx8="http://schemas.microsoft.com/office/drawing/2016/5/14/chartex" xmlns:cx7="http://schemas.microsoft.com/office/drawing/2016/5/13/chartex" xmlns:cx6="http://schemas.microsoft.com/office/drawing/2016/5/12/chartex" xmlns:cx5="http://schemas.microsoft.com/office/drawing/2016/5/11/chartex" xmlns:cx4="http://schemas.microsoft.com/office/drawing/2016/5/10/chartex" xmlns:cx3="http://schemas.microsoft.com/office/drawing/2016/5/9/chartex" xmlns:cx2="http://schemas.microsoft.com/office/drawing/2015/10/21/chartex" xmlns:cx1="http://schemas.microsoft.com/office/drawing/2015/9/8/chartex" xmlns:cx="http://schemas.microsoft.com/office/drawing/2014/chartex" xmlns:wps="http://schemas.microsoft.com/office/word/2010/wordprocessingShape" xmlns:wne="http://schemas.microsoft.com/office/word/2006/wordml" xmlns:wpi="http://schemas.microsoft.com/office/word/2010/wordprocessingInk" xmlns:wpg="http://schemas.microsoft.com/office/word/2010/wordprocessingGroup" xmlns:w15="http://schemas.microsoft.com/office/word/2012/wordml" xmlns:w14="http://schemas.microsoft.com/office/word/2010/wordml" xmlns:wp="http://schemas.openxmlformats.org/drawingml/2006/wordprocessingDrawing" xmlns:wp14="http://schemas.microsoft.com/office/word/2010/wordprocessingDrawing" xmlns:m="http://schemas.openxmlformats.org/officeDocument/2006/math" xmlns:mc="http://schemas.openxmlformats.org/markup-compatibility/2006" xmlns:wpc="http://schemas.microsoft.com/office/word/2010/wordprocessingCanvas" w="9525">
+                <a14:hiddenLine xmlns:wpc="http://schemas.microsoft.com/office/word/2010/wordprocessingCanvas" xmlns:mc="http://schemas.openxmlformats.org/markup-compatibility/2006" xmlns:m="http://schemas.openxmlformats.org/officeDocument/2006/math" xmlns:wp14="http://schemas.microsoft.com/office/word/2010/wordprocessingDrawing" xmlns:wp="http://schemas.openxmlformats.org/drawingml/2006/wordprocessingDrawing" xmlns:w14="http://schemas.microsoft.com/office/word/2010/wordml" xmlns:w15="http://schemas.microsoft.com/office/word/2012/wordml" xmlns:wpg="http://schemas.microsoft.com/office/word/2010/wordprocessingGroup" xmlns:wpi="http://schemas.microsoft.com/office/word/2010/wordprocessingInk" xmlns:wne="http://schemas.microsoft.com/office/word/2006/wordml" xmlns:wps="http://schemas.microsoft.com/office/word/2010/wordprocessingShape" xmlns:cx="http://schemas.microsoft.com/office/drawing/2014/chartex" xmlns:cx1="http://schemas.microsoft.com/office/drawing/2015/9/8/chartex" xmlns:cx2="http://schemas.microsoft.com/office/drawing/2015/10/21/chartex" xmlns:cx3="http://schemas.microsoft.com/office/drawing/2016/5/9/chartex" xmlns:cx4="http://schemas.microsoft.com/office/drawing/2016/5/10/chartex" xmlns:cx5="http://schemas.microsoft.com/office/drawing/2016/5/11/chartex" xmlns:cx6="http://schemas.microsoft.com/office/drawing/2016/5/12/chartex" xmlns:cx7="http://schemas.microsoft.com/office/drawing/2016/5/13/chartex" xmlns:cx8="http://schemas.microsoft.com/office/drawing/2016/5/14/chartex" xmlns:aink="http://schemas.microsoft.com/office/drawing/2016/ink" xmlns:am3d="http://schemas.microsoft.com/office/drawing/2017/model3d" xmlns:w16cid="http://schemas.microsoft.com/office/word/2016/wordml/cid" xmlns:w16se="http://schemas.microsoft.com/office/word/2015/wordml/symex" xmlns:a14="http://schemas.microsoft.com/office/drawing/2010/main" xmlns:w="http://schemas.openxmlformats.org/wordprocessingml/2006/main" xmlns:w10="urn:schemas-microsoft-com:office:word" xmlns:v="urn:schemas-microsoft-com:vml" xmlns:o="urn:schemas-microsoft-com:office:office" xmlns:mv="urn:schemas-microsoft-com:mac:vml" xmlns:mo="http://schemas.microsoft.com/office/mac/office/2008/main" xmlns="" xmlns:arto="http://schemas.microsoft.com/office/word/2006/arto" xmlns:lc="http://schemas.openxmlformats.org/drawingml/2006/lockedCanvas" w="9525">
                   <a:solidFill>
                     <a:srgbClr val="000000"/>
                   </a:solidFill>
@@ -4325,14 +4256,14 @@
             </a:ln>
             <a:extLst>
               <a:ext uri="{909E8E84-426E-40dd-AFC4-6F175D3DCCD1}">
-                <a14:hiddenFill xmlns:lc="http://schemas.openxmlformats.org/drawingml/2006/lockedCanvas" xmlns:arto="http://schemas.microsoft.com/office/word/2006/arto" xmlns="" xmlns:mo="http://schemas.microsoft.com/office/mac/office/2008/main" xmlns:mv="urn:schemas-microsoft-com:mac:vml" xmlns:o="urn:schemas-microsoft-com:office:office" xmlns:v="urn:schemas-microsoft-com:vml" xmlns:w10="urn:schemas-microsoft-com:office:word" xmlns:w="http://schemas.openxmlformats.org/wordprocessingml/2006/main" xmlns:a14="http://schemas.microsoft.com/office/drawing/2010/main" xmlns:w16se="http://schemas.microsoft.com/office/word/2015/wordml/symex" xmlns:w16cid="http://schemas.microsoft.com/office/word/2016/wordml/cid" xmlns:am3d="http://schemas.microsoft.com/office/drawing/2017/model3d" xmlns:aink="http://schemas.microsoft.com/office/drawing/2016/ink" xmlns:cx8="http://schemas.microsoft.com/office/drawing/2016/5/14/chartex" xmlns:cx7="http://schemas.microsoft.com/office/drawing/2016/5/13/chartex" xmlns:cx6="http://schemas.microsoft.com/office/drawing/2016/5/12/chartex" xmlns:cx5="http://schemas.microsoft.com/office/drawing/2016/5/11/chartex" xmlns:cx4="http://schemas.microsoft.com/office/drawing/2016/5/10/chartex" xmlns:cx3="http://schemas.microsoft.com/office/drawing/2016/5/9/chartex" xmlns:cx2="http://schemas.microsoft.com/office/drawing/2015/10/21/chartex" xmlns:cx1="http://schemas.microsoft.com/office/drawing/2015/9/8/chartex" xmlns:cx="http://schemas.microsoft.com/office/drawing/2014/chartex" xmlns:wps="http://schemas.microsoft.com/office/word/2010/wordprocessingShape" xmlns:wne="http://schemas.microsoft.com/office/word/2006/wordml" xmlns:wpi="http://schemas.microsoft.com/office/word/2010/wordprocessingInk" xmlns:wpg="http://schemas.microsoft.com/office/word/2010/wordprocessingGroup" xmlns:w15="http://schemas.microsoft.com/office/word/2012/wordml" xmlns:w14="http://schemas.microsoft.com/office/word/2010/wordml" xmlns:wp="http://schemas.openxmlformats.org/drawingml/2006/wordprocessingDrawing" xmlns:wp14="http://schemas.microsoft.com/office/word/2010/wordprocessingDrawing" xmlns:m="http://schemas.openxmlformats.org/officeDocument/2006/math" xmlns:mc="http://schemas.openxmlformats.org/markup-compatibility/2006" xmlns:wpc="http://schemas.microsoft.com/office/word/2010/wordprocessingCanvas">
+                <a14:hiddenFill xmlns:wpc="http://schemas.microsoft.com/office/word/2010/wordprocessingCanvas" xmlns:mc="http://schemas.openxmlformats.org/markup-compatibility/2006" xmlns:m="http://schemas.openxmlformats.org/officeDocument/2006/math" xmlns:wp14="http://schemas.microsoft.com/office/word/2010/wordprocessingDrawing" xmlns:wp="http://schemas.openxmlformats.org/drawingml/2006/wordprocessingDrawing" xmlns:w14="http://schemas.microsoft.com/office/word/2010/wordml" xmlns:w15="http://schemas.microsoft.com/office/word/2012/wordml" xmlns:wpg="http://schemas.microsoft.com/office/word/2010/wordprocessingGroup" xmlns:wpi="http://schemas.microsoft.com/office/word/2010/wordprocessingInk" xmlns:wne="http://schemas.microsoft.com/office/word/2006/wordml" xmlns:wps="http://schemas.microsoft.com/office/word/2010/wordprocessingShape" xmlns:cx="http://schemas.microsoft.com/office/drawing/2014/chartex" xmlns:cx1="http://schemas.microsoft.com/office/drawing/2015/9/8/chartex" xmlns:cx2="http://schemas.microsoft.com/office/drawing/2015/10/21/chartex" xmlns:cx3="http://schemas.microsoft.com/office/drawing/2016/5/9/chartex" xmlns:cx4="http://schemas.microsoft.com/office/drawing/2016/5/10/chartex" xmlns:cx5="http://schemas.microsoft.com/office/drawing/2016/5/11/chartex" xmlns:cx6="http://schemas.microsoft.com/office/drawing/2016/5/12/chartex" xmlns:cx7="http://schemas.microsoft.com/office/drawing/2016/5/13/chartex" xmlns:cx8="http://schemas.microsoft.com/office/drawing/2016/5/14/chartex" xmlns:aink="http://schemas.microsoft.com/office/drawing/2016/ink" xmlns:am3d="http://schemas.microsoft.com/office/drawing/2017/model3d" xmlns:w16cid="http://schemas.microsoft.com/office/word/2016/wordml/cid" xmlns:w16se="http://schemas.microsoft.com/office/word/2015/wordml/symex" xmlns:a14="http://schemas.microsoft.com/office/drawing/2010/main" xmlns:w="http://schemas.openxmlformats.org/wordprocessingml/2006/main" xmlns:w10="urn:schemas-microsoft-com:office:word" xmlns:v="urn:schemas-microsoft-com:vml" xmlns:o="urn:schemas-microsoft-com:office:office" xmlns:mv="urn:schemas-microsoft-com:mac:vml" xmlns:mo="http://schemas.microsoft.com/office/mac/office/2008/main" xmlns="" xmlns:arto="http://schemas.microsoft.com/office/word/2006/arto" xmlns:lc="http://schemas.openxmlformats.org/drawingml/2006/lockedCanvas">
                   <a:solidFill>
                     <a:srgbClr val="FFFFFF"/>
                   </a:solidFill>
                 </a14:hiddenFill>
               </a:ext>
               <a:ext uri="{91240B29-F687-4f45-9708-019B960494DF}">
-                <a14:hiddenLine xmlns:lc="http://schemas.openxmlformats.org/drawingml/2006/lockedCanvas" xmlns:arto="http://schemas.microsoft.com/office/word/2006/arto" xmlns="" xmlns:mo="http://schemas.microsoft.com/office/mac/office/2008/main" xmlns:mv="urn:schemas-microsoft-com:mac:vml" xmlns:o="urn:schemas-microsoft-com:office:office" xmlns:v="urn:schemas-microsoft-com:vml" xmlns:w10="urn:schemas-microsoft-com:office:word" xmlns:w="http://schemas.openxmlformats.org/wordprocessingml/2006/main" xmlns:a14="http://schemas.microsoft.com/office/drawing/2010/main" xmlns:w16se="http://schemas.microsoft.com/office/word/2015/wordml/symex" xmlns:w16cid="http://schemas.microsoft.com/office/word/2016/wordml/cid" xmlns:am3d="http://schemas.microsoft.com/office/drawing/2017/model3d" xmlns:aink="http://schemas.microsoft.com/office/drawing/2016/ink" xmlns:cx8="http://schemas.microsoft.com/office/drawing/2016/5/14/chartex" xmlns:cx7="http://schemas.microsoft.com/office/drawing/2016/5/13/chartex" xmlns:cx6="http://schemas.microsoft.com/office/drawing/2016/5/12/chartex" xmlns:cx5="http://schemas.microsoft.com/office/drawing/2016/5/11/chartex" xmlns:cx4="http://schemas.microsoft.com/office/drawing/2016/5/10/chartex" xmlns:cx3="http://schemas.microsoft.com/office/drawing/2016/5/9/chartex" xmlns:cx2="http://schemas.microsoft.com/office/drawing/2015/10/21/chartex" xmlns:cx1="http://schemas.microsoft.com/office/drawing/2015/9/8/chartex" xmlns:cx="http://schemas.microsoft.com/office/drawing/2014/chartex" xmlns:wps="http://schemas.microsoft.com/office/word/2010/wordprocessingShape" xmlns:wne="http://schemas.microsoft.com/office/word/2006/wordml" xmlns:wpi="http://schemas.microsoft.com/office/word/2010/wordprocessingInk" xmlns:wpg="http://schemas.microsoft.com/office/word/2010/wordprocessingGroup" xmlns:w15="http://schemas.microsoft.com/office/word/2012/wordml" xmlns:w14="http://schemas.microsoft.com/office/word/2010/wordml" xmlns:wp="http://schemas.openxmlformats.org/drawingml/2006/wordprocessingDrawing" xmlns:wp14="http://schemas.microsoft.com/office/word/2010/wordprocessingDrawing" xmlns:m="http://schemas.openxmlformats.org/officeDocument/2006/math" xmlns:mc="http://schemas.openxmlformats.org/markup-compatibility/2006" xmlns:wpc="http://schemas.microsoft.com/office/word/2010/wordprocessingCanvas" w="3175">
+                <a14:hiddenLine xmlns:wpc="http://schemas.microsoft.com/office/word/2010/wordprocessingCanvas" xmlns:mc="http://schemas.openxmlformats.org/markup-compatibility/2006" xmlns:m="http://schemas.openxmlformats.org/officeDocument/2006/math" xmlns:wp14="http://schemas.microsoft.com/office/word/2010/wordprocessingDrawing" xmlns:wp="http://schemas.openxmlformats.org/drawingml/2006/wordprocessingDrawing" xmlns:w14="http://schemas.microsoft.com/office/word/2010/wordml" xmlns:w15="http://schemas.microsoft.com/office/word/2012/wordml" xmlns:wpg="http://schemas.microsoft.com/office/word/2010/wordprocessingGroup" xmlns:wpi="http://schemas.microsoft.com/office/word/2010/wordprocessingInk" xmlns:wne="http://schemas.microsoft.com/office/word/2006/wordml" xmlns:wps="http://schemas.microsoft.com/office/word/2010/wordprocessingShape" xmlns:cx="http://schemas.microsoft.com/office/drawing/2014/chartex" xmlns:cx1="http://schemas.microsoft.com/office/drawing/2015/9/8/chartex" xmlns:cx2="http://schemas.microsoft.com/office/drawing/2015/10/21/chartex" xmlns:cx3="http://schemas.microsoft.com/office/drawing/2016/5/9/chartex" xmlns:cx4="http://schemas.microsoft.com/office/drawing/2016/5/10/chartex" xmlns:cx5="http://schemas.microsoft.com/office/drawing/2016/5/11/chartex" xmlns:cx6="http://schemas.microsoft.com/office/drawing/2016/5/12/chartex" xmlns:cx7="http://schemas.microsoft.com/office/drawing/2016/5/13/chartex" xmlns:cx8="http://schemas.microsoft.com/office/drawing/2016/5/14/chartex" xmlns:aink="http://schemas.microsoft.com/office/drawing/2016/ink" xmlns:am3d="http://schemas.microsoft.com/office/drawing/2017/model3d" xmlns:w16cid="http://schemas.microsoft.com/office/word/2016/wordml/cid" xmlns:w16se="http://schemas.microsoft.com/office/word/2015/wordml/symex" xmlns:a14="http://schemas.microsoft.com/office/drawing/2010/main" xmlns:w="http://schemas.openxmlformats.org/wordprocessingml/2006/main" xmlns:w10="urn:schemas-microsoft-com:office:word" xmlns:v="urn:schemas-microsoft-com:vml" xmlns:o="urn:schemas-microsoft-com:office:office" xmlns:mv="urn:schemas-microsoft-com:mac:vml" xmlns:mo="http://schemas.microsoft.com/office/mac/office/2008/main" xmlns="" xmlns:arto="http://schemas.microsoft.com/office/word/2006/arto" xmlns:lc="http://schemas.openxmlformats.org/drawingml/2006/lockedCanvas" w="3175">
                   <a:solidFill>
                     <a:srgbClr val="000000"/>
                   </a:solidFill>
@@ -4403,7 +4334,7 @@
             </a:ln>
             <a:extLst>
               <a:ext uri="{909E8E84-426E-40dd-AFC4-6F175D3DCCD1}">
-                <a14:hiddenFill xmlns:lc="http://schemas.openxmlformats.org/drawingml/2006/lockedCanvas" xmlns:arto="http://schemas.microsoft.com/office/word/2006/arto" xmlns="" xmlns:mo="http://schemas.microsoft.com/office/mac/office/2008/main" xmlns:mv="urn:schemas-microsoft-com:mac:vml" xmlns:o="urn:schemas-microsoft-com:office:office" xmlns:v="urn:schemas-microsoft-com:vml" xmlns:w10="urn:schemas-microsoft-com:office:word" xmlns:w="http://schemas.openxmlformats.org/wordprocessingml/2006/main" xmlns:a14="http://schemas.microsoft.com/office/drawing/2010/main" xmlns:w16se="http://schemas.microsoft.com/office/word/2015/wordml/symex" xmlns:w16cid="http://schemas.microsoft.com/office/word/2016/wordml/cid" xmlns:am3d="http://schemas.microsoft.com/office/drawing/2017/model3d" xmlns:aink="http://schemas.microsoft.com/office/drawing/2016/ink" xmlns:cx8="http://schemas.microsoft.com/office/drawing/2016/5/14/chartex" xmlns:cx7="http://schemas.microsoft.com/office/drawing/2016/5/13/chartex" xmlns:cx6="http://schemas.microsoft.com/office/drawing/2016/5/12/chartex" xmlns:cx5="http://schemas.microsoft.com/office/drawing/2016/5/11/chartex" xmlns:cx4="http://schemas.microsoft.com/office/drawing/2016/5/10/chartex" xmlns:cx3="http://schemas.microsoft.com/office/drawing/2016/5/9/chartex" xmlns:cx2="http://schemas.microsoft.com/office/drawing/2015/10/21/chartex" xmlns:cx1="http://schemas.microsoft.com/office/drawing/2015/9/8/chartex" xmlns:cx="http://schemas.microsoft.com/office/drawing/2014/chartex" xmlns:wps="http://schemas.microsoft.com/office/word/2010/wordprocessingShape" xmlns:wne="http://schemas.microsoft.com/office/word/2006/wordml" xmlns:wpi="http://schemas.microsoft.com/office/word/2010/wordprocessingInk" xmlns:wpg="http://schemas.microsoft.com/office/word/2010/wordprocessingGroup" xmlns:w15="http://schemas.microsoft.com/office/word/2012/wordml" xmlns:w14="http://schemas.microsoft.com/office/word/2010/wordml" xmlns:wp="http://schemas.openxmlformats.org/drawingml/2006/wordprocessingDrawing" xmlns:wp14="http://schemas.microsoft.com/office/word/2010/wordprocessingDrawing" xmlns:m="http://schemas.openxmlformats.org/officeDocument/2006/math" xmlns:mc="http://schemas.openxmlformats.org/markup-compatibility/2006" xmlns:wpc="http://schemas.microsoft.com/office/word/2010/wordprocessingCanvas">
+                <a14:hiddenFill xmlns:wpc="http://schemas.microsoft.com/office/word/2010/wordprocessingCanvas" xmlns:mc="http://schemas.openxmlformats.org/markup-compatibility/2006" xmlns:m="http://schemas.openxmlformats.org/officeDocument/2006/math" xmlns:wp14="http://schemas.microsoft.com/office/word/2010/wordprocessingDrawing" xmlns:wp="http://schemas.openxmlformats.org/drawingml/2006/wordprocessingDrawing" xmlns:w14="http://schemas.microsoft.com/office/word/2010/wordml" xmlns:w15="http://schemas.microsoft.com/office/word/2012/wordml" xmlns:wpg="http://schemas.microsoft.com/office/word/2010/wordprocessingGroup" xmlns:wpi="http://schemas.microsoft.com/office/word/2010/wordprocessingInk" xmlns:wne="http://schemas.microsoft.com/office/word/2006/wordml" xmlns:wps="http://schemas.microsoft.com/office/word/2010/wordprocessingShape" xmlns:cx="http://schemas.microsoft.com/office/drawing/2014/chartex" xmlns:cx1="http://schemas.microsoft.com/office/drawing/2015/9/8/chartex" xmlns:cx2="http://schemas.microsoft.com/office/drawing/2015/10/21/chartex" xmlns:cx3="http://schemas.microsoft.com/office/drawing/2016/5/9/chartex" xmlns:cx4="http://schemas.microsoft.com/office/drawing/2016/5/10/chartex" xmlns:cx5="http://schemas.microsoft.com/office/drawing/2016/5/11/chartex" xmlns:cx6="http://schemas.microsoft.com/office/drawing/2016/5/12/chartex" xmlns:cx7="http://schemas.microsoft.com/office/drawing/2016/5/13/chartex" xmlns:cx8="http://schemas.microsoft.com/office/drawing/2016/5/14/chartex" xmlns:aink="http://schemas.microsoft.com/office/drawing/2016/ink" xmlns:am3d="http://schemas.microsoft.com/office/drawing/2017/model3d" xmlns:w16cid="http://schemas.microsoft.com/office/word/2016/wordml/cid" xmlns:w16se="http://schemas.microsoft.com/office/word/2015/wordml/symex" xmlns:a14="http://schemas.microsoft.com/office/drawing/2010/main" xmlns:w="http://schemas.openxmlformats.org/wordprocessingml/2006/main" xmlns:w10="urn:schemas-microsoft-com:office:word" xmlns:v="urn:schemas-microsoft-com:vml" xmlns:o="urn:schemas-microsoft-com:office:office" xmlns:mv="urn:schemas-microsoft-com:mac:vml" xmlns:mo="http://schemas.microsoft.com/office/mac/office/2008/main" xmlns="" xmlns:arto="http://schemas.microsoft.com/office/word/2006/arto" xmlns:lc="http://schemas.openxmlformats.org/drawingml/2006/lockedCanvas">
                   <a:noFill/>
                 </a14:hiddenFill>
               </a:ext>
@@ -4438,14 +4369,14 @@
             </a:ln>
             <a:extLst>
               <a:ext uri="{909E8E84-426E-40dd-AFC4-6F175D3DCCD1}">
-                <a14:hiddenFill xmlns:lc="http://schemas.openxmlformats.org/drawingml/2006/lockedCanvas" xmlns:arto="http://schemas.microsoft.com/office/word/2006/arto" xmlns="" xmlns:mo="http://schemas.microsoft.com/office/mac/office/2008/main" xmlns:mv="urn:schemas-microsoft-com:mac:vml" xmlns:o="urn:schemas-microsoft-com:office:office" xmlns:v="urn:schemas-microsoft-com:vml" xmlns:w10="urn:schemas-microsoft-com:office:word" xmlns:w="http://schemas.openxmlformats.org/wordprocessingml/2006/main" xmlns:a14="http://schemas.microsoft.com/office/drawing/2010/main" xmlns:w16se="http://schemas.microsoft.com/office/word/2015/wordml/symex" xmlns:w16cid="http://schemas.microsoft.com/office/word/2016/wordml/cid" xmlns:am3d="http://schemas.microsoft.com/office/drawing/2017/model3d" xmlns:aink="http://schemas.microsoft.com/office/drawing/2016/ink" xmlns:cx8="http://schemas.microsoft.com/office/drawing/2016/5/14/chartex" xmlns:cx7="http://schemas.microsoft.com/office/drawing/2016/5/13/chartex" xmlns:cx6="http://schemas.microsoft.com/office/drawing/2016/5/12/chartex" xmlns:cx5="http://schemas.microsoft.com/office/drawing/2016/5/11/chartex" xmlns:cx4="http://schemas.microsoft.com/office/drawing/2016/5/10/chartex" xmlns:cx3="http://schemas.microsoft.com/office/drawing/2016/5/9/chartex" xmlns:cx2="http://schemas.microsoft.com/office/drawing/2015/10/21/chartex" xmlns:cx1="http://schemas.microsoft.com/office/drawing/2015/9/8/chartex" xmlns:cx="http://schemas.microsoft.com/office/drawing/2014/chartex" xmlns:wps="http://schemas.microsoft.com/office/word/2010/wordprocessingShape" xmlns:wne="http://schemas.microsoft.com/office/word/2006/wordml" xmlns:wpi="http://schemas.microsoft.com/office/word/2010/wordprocessingInk" xmlns:wpg="http://schemas.microsoft.com/office/word/2010/wordprocessingGroup" xmlns:w15="http://schemas.microsoft.com/office/word/2012/wordml" xmlns:w14="http://schemas.microsoft.com/office/word/2010/wordml" xmlns:wp="http://schemas.openxmlformats.org/drawingml/2006/wordprocessingDrawing" xmlns:wp14="http://schemas.microsoft.com/office/word/2010/wordprocessingDrawing" xmlns:m="http://schemas.openxmlformats.org/officeDocument/2006/math" xmlns:mc="http://schemas.openxmlformats.org/markup-compatibility/2006" xmlns:wpc="http://schemas.microsoft.com/office/word/2010/wordprocessingCanvas">
+                <a14:hiddenFill xmlns:wpc="http://schemas.microsoft.com/office/word/2010/wordprocessingCanvas" xmlns:mc="http://schemas.openxmlformats.org/markup-compatibility/2006" xmlns:m="http://schemas.openxmlformats.org/officeDocument/2006/math" xmlns:wp14="http://schemas.microsoft.com/office/word/2010/wordprocessingDrawing" xmlns:wp="http://schemas.openxmlformats.org/drawingml/2006/wordprocessingDrawing" xmlns:w14="http://schemas.microsoft.com/office/word/2010/wordml" xmlns:w15="http://schemas.microsoft.com/office/word/2012/wordml" xmlns:wpg="http://schemas.microsoft.com/office/word/2010/wordprocessingGroup" xmlns:wpi="http://schemas.microsoft.com/office/word/2010/wordprocessingInk" xmlns:wne="http://schemas.microsoft.com/office/word/2006/wordml" xmlns:wps="http://schemas.microsoft.com/office/word/2010/wordprocessingShape" xmlns:cx="http://schemas.microsoft.com/office/drawing/2014/chartex" xmlns:cx1="http://schemas.microsoft.com/office/drawing/2015/9/8/chartex" xmlns:cx2="http://schemas.microsoft.com/office/drawing/2015/10/21/chartex" xmlns:cx3="http://schemas.microsoft.com/office/drawing/2016/5/9/chartex" xmlns:cx4="http://schemas.microsoft.com/office/drawing/2016/5/10/chartex" xmlns:cx5="http://schemas.microsoft.com/office/drawing/2016/5/11/chartex" xmlns:cx6="http://schemas.microsoft.com/office/drawing/2016/5/12/chartex" xmlns:cx7="http://schemas.microsoft.com/office/drawing/2016/5/13/chartex" xmlns:cx8="http://schemas.microsoft.com/office/drawing/2016/5/14/chartex" xmlns:aink="http://schemas.microsoft.com/office/drawing/2016/ink" xmlns:am3d="http://schemas.microsoft.com/office/drawing/2017/model3d" xmlns:w16cid="http://schemas.microsoft.com/office/word/2016/wordml/cid" xmlns:w16se="http://schemas.microsoft.com/office/word/2015/wordml/symex" xmlns:a14="http://schemas.microsoft.com/office/drawing/2010/main" xmlns:w="http://schemas.openxmlformats.org/wordprocessingml/2006/main" xmlns:w10="urn:schemas-microsoft-com:office:word" xmlns:v="urn:schemas-microsoft-com:vml" xmlns:o="urn:schemas-microsoft-com:office:office" xmlns:mv="urn:schemas-microsoft-com:mac:vml" xmlns:mo="http://schemas.microsoft.com/office/mac/office/2008/main" xmlns="" xmlns:arto="http://schemas.microsoft.com/office/word/2006/arto" xmlns:lc="http://schemas.openxmlformats.org/drawingml/2006/lockedCanvas">
                   <a:solidFill>
                     <a:srgbClr val="FFFFFF"/>
                   </a:solidFill>
                 </a14:hiddenFill>
               </a:ext>
               <a:ext uri="{91240B29-F687-4f45-9708-019B960494DF}">
-                <a14:hiddenLine xmlns:lc="http://schemas.openxmlformats.org/drawingml/2006/lockedCanvas" xmlns:arto="http://schemas.microsoft.com/office/word/2006/arto" xmlns="" xmlns:mo="http://schemas.microsoft.com/office/mac/office/2008/main" xmlns:mv="urn:schemas-microsoft-com:mac:vml" xmlns:o="urn:schemas-microsoft-com:office:office" xmlns:v="urn:schemas-microsoft-com:vml" xmlns:w10="urn:schemas-microsoft-com:office:word" xmlns:w="http://schemas.openxmlformats.org/wordprocessingml/2006/main" xmlns:a14="http://schemas.microsoft.com/office/drawing/2010/main" xmlns:w16se="http://schemas.microsoft.com/office/word/2015/wordml/symex" xmlns:w16cid="http://schemas.microsoft.com/office/word/2016/wordml/cid" xmlns:am3d="http://schemas.microsoft.com/office/drawing/2017/model3d" xmlns:aink="http://schemas.microsoft.com/office/drawing/2016/ink" xmlns:cx8="http://schemas.microsoft.com/office/drawing/2016/5/14/chartex" xmlns:cx7="http://schemas.microsoft.com/office/drawing/2016/5/13/chartex" xmlns:cx6="http://schemas.microsoft.com/office/drawing/2016/5/12/chartex" xmlns:cx5="http://schemas.microsoft.com/office/drawing/2016/5/11/chartex" xmlns:cx4="http://schemas.microsoft.com/office/drawing/2016/5/10/chartex" xmlns:cx3="http://schemas.microsoft.com/office/drawing/2016/5/9/chartex" xmlns:cx2="http://schemas.microsoft.com/office/drawing/2015/10/21/chartex" xmlns:cx1="http://schemas.microsoft.com/office/drawing/2015/9/8/chartex" xmlns:cx="http://schemas.microsoft.com/office/drawing/2014/chartex" xmlns:wps="http://schemas.microsoft.com/office/word/2010/wordprocessingShape" xmlns:wne="http://schemas.microsoft.com/office/word/2006/wordml" xmlns:wpi="http://schemas.microsoft.com/office/word/2010/wordprocessingInk" xmlns:wpg="http://schemas.microsoft.com/office/word/2010/wordprocessingGroup" xmlns:w15="http://schemas.microsoft.com/office/word/2012/wordml" xmlns:w14="http://schemas.microsoft.com/office/word/2010/wordml" xmlns:wp="http://schemas.openxmlformats.org/drawingml/2006/wordprocessingDrawing" xmlns:wp14="http://schemas.microsoft.com/office/word/2010/wordprocessingDrawing" xmlns:m="http://schemas.openxmlformats.org/officeDocument/2006/math" xmlns:mc="http://schemas.openxmlformats.org/markup-compatibility/2006" xmlns:wpc="http://schemas.microsoft.com/office/word/2010/wordprocessingCanvas" w="3175">
+                <a14:hiddenLine xmlns:wpc="http://schemas.microsoft.com/office/word/2010/wordprocessingCanvas" xmlns:mc="http://schemas.openxmlformats.org/markup-compatibility/2006" xmlns:m="http://schemas.openxmlformats.org/officeDocument/2006/math" xmlns:wp14="http://schemas.microsoft.com/office/word/2010/wordprocessingDrawing" xmlns:wp="http://schemas.openxmlformats.org/drawingml/2006/wordprocessingDrawing" xmlns:w14="http://schemas.microsoft.com/office/word/2010/wordml" xmlns:w15="http://schemas.microsoft.com/office/word/2012/wordml" xmlns:wpg="http://schemas.microsoft.com/office/word/2010/wordprocessingGroup" xmlns:wpi="http://schemas.microsoft.com/office/word/2010/wordprocessingInk" xmlns:wne="http://schemas.microsoft.com/office/word/2006/wordml" xmlns:wps="http://schemas.microsoft.com/office/word/2010/wordprocessingShape" xmlns:cx="http://schemas.microsoft.com/office/drawing/2014/chartex" xmlns:cx1="http://schemas.microsoft.com/office/drawing/2015/9/8/chartex" xmlns:cx2="http://schemas.microsoft.com/office/drawing/2015/10/21/chartex" xmlns:cx3="http://schemas.microsoft.com/office/drawing/2016/5/9/chartex" xmlns:cx4="http://schemas.microsoft.com/office/drawing/2016/5/10/chartex" xmlns:cx5="http://schemas.microsoft.com/office/drawing/2016/5/11/chartex" xmlns:cx6="http://schemas.microsoft.com/office/drawing/2016/5/12/chartex" xmlns:cx7="http://schemas.microsoft.com/office/drawing/2016/5/13/chartex" xmlns:cx8="http://schemas.microsoft.com/office/drawing/2016/5/14/chartex" xmlns:aink="http://schemas.microsoft.com/office/drawing/2016/ink" xmlns:am3d="http://schemas.microsoft.com/office/drawing/2017/model3d" xmlns:w16cid="http://schemas.microsoft.com/office/word/2016/wordml/cid" xmlns:w16se="http://schemas.microsoft.com/office/word/2015/wordml/symex" xmlns:a14="http://schemas.microsoft.com/office/drawing/2010/main" xmlns:w="http://schemas.openxmlformats.org/wordprocessingml/2006/main" xmlns:w10="urn:schemas-microsoft-com:office:word" xmlns:v="urn:schemas-microsoft-com:vml" xmlns:o="urn:schemas-microsoft-com:office:office" xmlns:mv="urn:schemas-microsoft-com:mac:vml" xmlns:mo="http://schemas.microsoft.com/office/mac/office/2008/main" xmlns="" xmlns:arto="http://schemas.microsoft.com/office/word/2006/arto" xmlns:lc="http://schemas.openxmlformats.org/drawingml/2006/lockedCanvas" w="3175">
                   <a:solidFill>
                     <a:srgbClr val="000000"/>
                   </a:solidFill>
@@ -4537,75 +4468,6 @@
           </p:txBody>
         </p:sp>
       </p:grpSp>
-      <p:sp>
-        <p:nvSpPr>
-          <p:cNvPr id="25" name="Rectangle 40">
-            <a:extLst>
-              <a:ext uri="{FF2B5EF4-FFF2-40B4-BE49-F238E27FC236}">
-                <a16:creationId xmlns:a16="http://schemas.microsoft.com/office/drawing/2014/main" id="{B3B0FAC9-F431-8B78-7C6F-55D1B5CF0911}"/>
-              </a:ext>
-            </a:extLst>
-          </p:cNvPr>
-          <p:cNvSpPr>
-            <a:spLocks noChangeArrowheads="1"/>
-          </p:cNvSpPr>
-          <p:nvPr/>
-        </p:nvSpPr>
-        <p:spPr bwMode="auto">
-          <a:xfrm>
-            <a:off x="1816360" y="5226636"/>
-            <a:ext cx="184731" cy="369332"/>
-          </a:xfrm>
-          <a:prstGeom prst="rect">
-            <a:avLst/>
-          </a:prstGeom>
-          <a:noFill/>
-          <a:ln>
-            <a:noFill/>
-          </a:ln>
-          <a:effectLst/>
-          <a:extLst>
-            <a:ext uri="{909E8E84-426E-40DD-AFC4-6F175D3DCCD1}">
-              <a14:hiddenFill xmlns:a14="http://schemas.microsoft.com/office/drawing/2010/main">
-                <a:solidFill>
-                  <a:schemeClr val="accent1"/>
-                </a:solidFill>
-              </a14:hiddenFill>
-            </a:ext>
-            <a:ext uri="{91240B29-F687-4F45-9708-019B960494DF}">
-              <a14:hiddenLine xmlns:a14="http://schemas.microsoft.com/office/drawing/2010/main" w="9525">
-                <a:solidFill>
-                  <a:schemeClr val="tx1"/>
-                </a:solidFill>
-                <a:miter lim="800000"/>
-                <a:headEnd/>
-                <a:tailEnd/>
-              </a14:hiddenLine>
-            </a:ext>
-            <a:ext uri="{AF507438-7753-43E0-B8FC-AC1667EBCBE1}">
-              <a14:hiddenEffects xmlns:a14="http://schemas.microsoft.com/office/drawing/2010/main">
-                <a:effectLst>
-                  <a:outerShdw dist="35921" dir="2700000" algn="ctr" rotWithShape="0">
-                    <a:schemeClr val="bg2"/>
-                  </a:outerShdw>
-                </a:effectLst>
-              </a14:hiddenEffects>
-            </a:ext>
-          </a:extLst>
-        </p:spPr>
-        <p:txBody>
-          <a:bodyPr vert="horz" wrap="none" lIns="91440" tIns="45720" rIns="91440" bIns="45720" numCol="1" anchor="ctr" anchorCtr="0" compatLnSpc="1">
-            <a:prstTxWarp prst="textNoShape">
-              <a:avLst/>
-            </a:prstTxWarp>
-            <a:spAutoFit/>
-          </a:bodyPr>
-          <a:lstStyle/>
-          <a:p>
-            <a:endParaRPr lang="en-US"/>
-          </a:p>
-        </p:txBody>
-      </p:sp>
     </p:spTree>
     <p:extLst>
       <p:ext uri="{BB962C8B-B14F-4D97-AF65-F5344CB8AC3E}">
